--- a/docs/Team 1.12 SDR Radio IDR.pptx
+++ b/docs/Team 1.12 SDR Radio IDR.pptx
@@ -5,35 +5,33 @@
     <p:sldMasterId id="2147483684" r:id="rId1"/>
   </p:sldMasterIdLst>
   <p:notesMasterIdLst>
-    <p:notesMasterId r:id="rId28"/>
+    <p:notesMasterId r:id="rId26"/>
   </p:notesMasterIdLst>
   <p:sldIdLst>
     <p:sldId id="256" r:id="rId2"/>
     <p:sldId id="305" r:id="rId3"/>
     <p:sldId id="311" r:id="rId4"/>
-    <p:sldId id="309" r:id="rId5"/>
-    <p:sldId id="310" r:id="rId6"/>
-    <p:sldId id="272" r:id="rId7"/>
-    <p:sldId id="284" r:id="rId8"/>
-    <p:sldId id="285" r:id="rId9"/>
-    <p:sldId id="275" r:id="rId10"/>
-    <p:sldId id="287" r:id="rId11"/>
-    <p:sldId id="301" r:id="rId12"/>
-    <p:sldId id="300" r:id="rId13"/>
-    <p:sldId id="299" r:id="rId14"/>
-    <p:sldId id="280" r:id="rId15"/>
-    <p:sldId id="296" r:id="rId16"/>
-    <p:sldId id="302" r:id="rId17"/>
-    <p:sldId id="304" r:id="rId18"/>
-    <p:sldId id="303" r:id="rId19"/>
-    <p:sldId id="294" r:id="rId20"/>
-    <p:sldId id="290" r:id="rId21"/>
-    <p:sldId id="292" r:id="rId22"/>
-    <p:sldId id="314" r:id="rId23"/>
-    <p:sldId id="315" r:id="rId24"/>
-    <p:sldId id="268" r:id="rId25"/>
-    <p:sldId id="269" r:id="rId26"/>
-    <p:sldId id="270" r:id="rId27"/>
+    <p:sldId id="272" r:id="rId5"/>
+    <p:sldId id="284" r:id="rId6"/>
+    <p:sldId id="285" r:id="rId7"/>
+    <p:sldId id="275" r:id="rId8"/>
+    <p:sldId id="287" r:id="rId9"/>
+    <p:sldId id="301" r:id="rId10"/>
+    <p:sldId id="300" r:id="rId11"/>
+    <p:sldId id="299" r:id="rId12"/>
+    <p:sldId id="280" r:id="rId13"/>
+    <p:sldId id="296" r:id="rId14"/>
+    <p:sldId id="302" r:id="rId15"/>
+    <p:sldId id="304" r:id="rId16"/>
+    <p:sldId id="303" r:id="rId17"/>
+    <p:sldId id="294" r:id="rId18"/>
+    <p:sldId id="290" r:id="rId19"/>
+    <p:sldId id="292" r:id="rId20"/>
+    <p:sldId id="314" r:id="rId21"/>
+    <p:sldId id="315" r:id="rId22"/>
+    <p:sldId id="268" r:id="rId23"/>
+    <p:sldId id="269" r:id="rId24"/>
+    <p:sldId id="270" r:id="rId25"/>
   </p:sldIdLst>
   <p:sldSz cx="9144000" cy="6858000" type="screen4x3"/>
   <p:notesSz cx="6858000" cy="9144000"/>
@@ -628,9 +626,7 @@
         </p:nvSpPr>
         <p:spPr/>
         <p:txBody>
-          <a:bodyPr>
-            <a:normAutofit/>
-          </a:bodyPr>
+          <a:bodyPr/>
           <a:lstStyle/>
           <a:p>
             <a:pPr marL="0" marR="0" indent="0" algn="l" defTabSz="914400" rtl="0" eaLnBrk="1" fontAlgn="auto" latinLnBrk="0" hangingPunct="1">
@@ -650,7 +646,15 @@
               <a:tabLst/>
               <a:defRPr/>
             </a:pPr>
-            <a:endParaRPr lang="en-US" baseline="0" dirty="0"/>
+            <a:r>
+              <a:rPr lang="en-US" sz="1200" b="1" baseline="0" dirty="0"/>
+              <a:t>Talk to this slide for no more than 1 minute!  Remember: ALL designs must handle errors!  </a:t>
+            </a:r>
+            <a:r>
+              <a:rPr lang="en-US" sz="1200" b="0" baseline="0" dirty="0"/>
+              <a:t>You may have to think about what they might be!</a:t>
+            </a:r>
+            <a:endParaRPr lang="en-US" sz="1200" b="1" baseline="0" dirty="0"/>
           </a:p>
         </p:txBody>
       </p:sp>
@@ -681,7 +685,7 @@
     </p:spTree>
     <p:extLst>
       <p:ext uri="{BB962C8B-B14F-4D97-AF65-F5344CB8AC3E}">
-        <p14:creationId xmlns:p14="http://schemas.microsoft.com/office/powerpoint/2010/main" val="2033482836"/>
+        <p14:creationId xmlns:p14="http://schemas.microsoft.com/office/powerpoint/2010/main" val="911692431"/>
       </p:ext>
     </p:extLst>
   </p:cSld>
@@ -841,35 +845,12 @@
         </p:nvSpPr>
         <p:spPr/>
         <p:txBody>
-          <a:bodyPr/>
+          <a:bodyPr>
+            <a:normAutofit/>
+          </a:bodyPr>
           <a:lstStyle/>
           <a:p>
-            <a:pPr marL="0" marR="0" indent="0" algn="l" defTabSz="914400" rtl="0" eaLnBrk="1" fontAlgn="auto" latinLnBrk="0" hangingPunct="1">
-              <a:lnSpc>
-                <a:spcPct val="100000"/>
-              </a:lnSpc>
-              <a:spcBef>
-                <a:spcPts val="0"/>
-              </a:spcBef>
-              <a:spcAft>
-                <a:spcPts val="0"/>
-              </a:spcAft>
-              <a:buClrTx/>
-              <a:buSzTx/>
-              <a:buFontTx/>
-              <a:buNone/>
-              <a:tabLst/>
-              <a:defRPr/>
-            </a:pPr>
-            <a:r>
-              <a:rPr lang="en-US" sz="1200" b="1" baseline="0" dirty="0"/>
-              <a:t>Talk to this slide for no more than 1 minute!  Remember: ALL designs must handle errors!  </a:t>
-            </a:r>
-            <a:r>
-              <a:rPr lang="en-US" sz="1200" b="0" baseline="0" dirty="0"/>
-              <a:t>You may have to think about what they might be!</a:t>
-            </a:r>
-            <a:endParaRPr lang="en-US" sz="1200" b="1" baseline="0" dirty="0"/>
+            <a:endParaRPr lang="en-US" dirty="0"/>
           </a:p>
         </p:txBody>
       </p:sp>
@@ -900,7 +881,7 @@
     </p:spTree>
     <p:extLst>
       <p:ext uri="{BB962C8B-B14F-4D97-AF65-F5344CB8AC3E}">
-        <p14:creationId xmlns:p14="http://schemas.microsoft.com/office/powerpoint/2010/main" val="911692431"/>
+        <p14:creationId xmlns:p14="http://schemas.microsoft.com/office/powerpoint/2010/main" val="498447889"/>
       </p:ext>
     </p:extLst>
   </p:cSld>
@@ -973,12 +954,25 @@
             </a:pPr>
             <a:r>
               <a:rPr lang="en-US" baseline="0" dirty="0"/>
-              <a:t>If this section is not relevant to your project then delete this slide.  If relevant, </a:t>
-            </a:r>
-            <a:r>
-              <a:rPr lang="en-US" sz="1200" b="1" baseline="0" dirty="0"/>
-              <a:t>talk to this slide for no more than 1 minute!</a:t>
-            </a:r>
+              <a:t>These are interfaces between the </a:t>
+            </a:r>
+            <a:r>
+              <a:rPr lang="en-US" b="1" baseline="0" dirty="0"/>
+              <a:t>USER</a:t>
+            </a:r>
+            <a:r>
+              <a:rPr lang="en-US" baseline="0" dirty="0"/>
+              <a:t> and your </a:t>
+            </a:r>
+            <a:r>
+              <a:rPr lang="en-US" b="1" baseline="0" dirty="0"/>
+              <a:t>SYSTEM</a:t>
+            </a:r>
+            <a:r>
+              <a:rPr lang="en-US" baseline="0" dirty="0"/>
+              <a:t>.  </a:t>
+            </a:r>
+            <a:endParaRPr lang="en-US" sz="1200" b="1" baseline="0" dirty="0"/>
           </a:p>
         </p:txBody>
       </p:sp>
@@ -1060,12 +1054,39 @@
         </p:nvSpPr>
         <p:spPr/>
         <p:txBody>
-          <a:bodyPr>
-            <a:normAutofit/>
-          </a:bodyPr>
+          <a:bodyPr/>
           <a:lstStyle/>
           <a:p>
-            <a:endParaRPr lang="en-US" dirty="0"/>
+            <a:pPr marL="0" marR="0" indent="0" algn="l" defTabSz="914400" rtl="0" eaLnBrk="1" fontAlgn="auto" latinLnBrk="0" hangingPunct="1">
+              <a:lnSpc>
+                <a:spcPct val="100000"/>
+              </a:lnSpc>
+              <a:spcBef>
+                <a:spcPts val="0"/>
+              </a:spcBef>
+              <a:spcAft>
+                <a:spcPts val="0"/>
+              </a:spcAft>
+              <a:buClrTx/>
+              <a:buSzTx/>
+              <a:buFontTx/>
+              <a:buNone/>
+              <a:tabLst/>
+              <a:defRPr/>
+            </a:pPr>
+            <a:r>
+              <a:rPr lang="en-US" baseline="0" dirty="0"/>
+              <a:t>These are interfaces </a:t>
+            </a:r>
+            <a:r>
+              <a:rPr lang="en-US" b="1" baseline="0" dirty="0"/>
+              <a:t>between one piece (or language) of software and another </a:t>
+            </a:r>
+            <a:r>
+              <a:rPr lang="en-US" baseline="0" dirty="0"/>
+              <a:t>due to your design.  If this section is not relevant to your project then delete this slide.  </a:t>
+            </a:r>
+            <a:endParaRPr lang="en-US" sz="1200" b="1" baseline="0" dirty="0"/>
           </a:p>
         </p:txBody>
       </p:sp>
@@ -1096,7 +1117,7 @@
     </p:spTree>
     <p:extLst>
       <p:ext uri="{BB962C8B-B14F-4D97-AF65-F5344CB8AC3E}">
-        <p14:creationId xmlns:p14="http://schemas.microsoft.com/office/powerpoint/2010/main" val="498447889"/>
+        <p14:creationId xmlns:p14="http://schemas.microsoft.com/office/powerpoint/2010/main" val="911692431"/>
       </p:ext>
     </p:extLst>
   </p:cSld>
@@ -1169,25 +1190,16 @@
             </a:pPr>
             <a:r>
               <a:rPr lang="en-US" baseline="0" dirty="0"/>
-              <a:t>These are interfaces between the </a:t>
+              <a:t>These are interfaces </a:t>
             </a:r>
             <a:r>
               <a:rPr lang="en-US" b="1" baseline="0" dirty="0"/>
-              <a:t>USER</a:t>
+              <a:t>between two pieces of hardware</a:t>
             </a:r>
             <a:r>
               <a:rPr lang="en-US" baseline="0" dirty="0"/>
-              <a:t> and your </a:t>
-            </a:r>
-            <a:r>
-              <a:rPr lang="en-US" b="1" baseline="0" dirty="0"/>
-              <a:t>SYSTEM</a:t>
-            </a:r>
-            <a:r>
-              <a:rPr lang="en-US" baseline="0" dirty="0"/>
-              <a:t>.  </a:t>
-            </a:r>
-            <a:endParaRPr lang="en-US" sz="1200" b="1" baseline="0" dirty="0"/>
+              <a:t>, e.g., you connected a sensor to a pi.  If this section is not relevant to your project then delete this slide.  </a:t>
+            </a:r>
           </a:p>
         </p:txBody>
       </p:sp>
@@ -1295,13 +1307,12 @@
             </a:r>
             <a:r>
               <a:rPr lang="en-US" b="1" baseline="0" dirty="0"/>
-              <a:t>between one piece (or language) of software and another </a:t>
+              <a:t>between two mechanical systems </a:t>
             </a:r>
             <a:r>
               <a:rPr lang="en-US" baseline="0" dirty="0"/>
-              <a:t>due to your design.  If this section is not relevant to your project then delete this slide.  </a:t>
-            </a:r>
-            <a:endParaRPr lang="en-US" sz="1200" b="1" baseline="0" dirty="0"/>
+              <a:t>like a motor and a generator.  If this section is not relevant to your project then delete this slide.  FEW projects have mechanical interfaces.</a:t>
+            </a:r>
           </a:p>
         </p:txBody>
       </p:sp>
@@ -1405,16 +1416,15 @@
             </a:pPr>
             <a:r>
               <a:rPr lang="en-US" baseline="0" dirty="0"/>
-              <a:t>These are interfaces </a:t>
-            </a:r>
-            <a:r>
-              <a:rPr lang="en-US" b="1" baseline="0" dirty="0"/>
-              <a:t>between two pieces of hardware</a:t>
-            </a:r>
-            <a:r>
-              <a:rPr lang="en-US" baseline="0" dirty="0"/>
-              <a:t>, e.g., you connected a sensor to a pi.  If this section is not relevant to your project then delete this slide.  </a:t>
-            </a:r>
+              <a:t>List the boundary conditions and make sure your Sponsor agrees that they are indeed boundary conditions.  Talk </a:t>
+            </a:r>
+            <a:r>
+              <a:rPr lang="en-US" sz="1200" b="1" baseline="0" dirty="0"/>
+              <a:t>to this slide for no more than 1 minute!</a:t>
+            </a:r>
+          </a:p>
+          <a:p>
+            <a:endParaRPr lang="en-US" baseline="0" dirty="0"/>
           </a:p>
         </p:txBody>
       </p:sp>
@@ -1499,34 +1509,9 @@
           <a:bodyPr/>
           <a:lstStyle/>
           <a:p>
-            <a:pPr marL="0" marR="0" indent="0" algn="l" defTabSz="914400" rtl="0" eaLnBrk="1" fontAlgn="auto" latinLnBrk="0" hangingPunct="1">
-              <a:lnSpc>
-                <a:spcPct val="100000"/>
-              </a:lnSpc>
-              <a:spcBef>
-                <a:spcPts val="0"/>
-              </a:spcBef>
-              <a:spcAft>
-                <a:spcPts val="0"/>
-              </a:spcAft>
-              <a:buClrTx/>
-              <a:buSzTx/>
-              <a:buFontTx/>
-              <a:buNone/>
-              <a:tabLst/>
-              <a:defRPr/>
-            </a:pPr>
-            <a:r>
-              <a:rPr lang="en-US" baseline="0" dirty="0"/>
-              <a:t>These are interfaces </a:t>
-            </a:r>
-            <a:r>
-              <a:rPr lang="en-US" b="1" baseline="0" dirty="0"/>
-              <a:t>between two mechanical systems </a:t>
-            </a:r>
-            <a:r>
-              <a:rPr lang="en-US" baseline="0" dirty="0"/>
-              <a:t>like a motor and a generator.  If this section is not relevant to your project then delete this slide.  FEW projects have mechanical interfaces.</a:t>
+            <a:r>
+              <a:rPr lang="en-US" b="1" i="1" baseline="0" dirty="0"/>
+              <a:t>This is where you need to spend the majority of your time.  You’ll need several slides to cover 2.13.  </a:t>
             </a:r>
           </a:p>
         </p:txBody>
@@ -1631,15 +1616,12 @@
             </a:pPr>
             <a:r>
               <a:rPr lang="en-US" baseline="0" dirty="0"/>
-              <a:t>List the boundary conditions and make sure your Sponsor agrees that they are indeed boundary conditions.  Talk </a:t>
+              <a:t>What platforms does your system run on?  If this section is not relevant to your project then delete this slide.  If relevant, </a:t>
             </a:r>
             <a:r>
               <a:rPr lang="en-US" sz="1200" b="1" baseline="0" dirty="0"/>
-              <a:t>to this slide for no more than 1 minute!</a:t>
-            </a:r>
-          </a:p>
-          <a:p>
-            <a:endParaRPr lang="en-US" baseline="0" dirty="0"/>
+              <a:t>talk to this slide for no more than 1 minute!</a:t>
+            </a:r>
           </a:p>
         </p:txBody>
       </p:sp>
@@ -1821,9 +1803,30 @@
           <a:bodyPr/>
           <a:lstStyle/>
           <a:p>
-            <a:r>
-              <a:rPr lang="en-US" b="1" i="1" baseline="0" dirty="0"/>
-              <a:t>This is where you need to spend the majority of your time.  You’ll need several slides to cover 2.13.  </a:t>
+            <a:pPr marL="0" marR="0" indent="0" algn="l" defTabSz="914400" rtl="0" eaLnBrk="1" fontAlgn="auto" latinLnBrk="0" hangingPunct="1">
+              <a:lnSpc>
+                <a:spcPct val="100000"/>
+              </a:lnSpc>
+              <a:spcBef>
+                <a:spcPts val="0"/>
+              </a:spcBef>
+              <a:spcAft>
+                <a:spcPts val="0"/>
+              </a:spcAft>
+              <a:buClrTx/>
+              <a:buSzTx/>
+              <a:buFontTx/>
+              <a:buNone/>
+              <a:tabLst/>
+              <a:defRPr/>
+            </a:pPr>
+            <a:r>
+              <a:rPr lang="en-US" baseline="0" dirty="0"/>
+              <a:t>What platforms does your system run on?  If this section is not relevant to your project then delete this slide.  If relevant, </a:t>
+            </a:r>
+            <a:r>
+              <a:rPr lang="en-US" sz="1200" b="1" baseline="0" dirty="0"/>
+              <a:t>talk to this slide for no more than 1 minute!</a:t>
             </a:r>
           </a:p>
         </p:txBody>
@@ -1855,7 +1858,7 @@
     </p:spTree>
     <p:extLst>
       <p:ext uri="{BB962C8B-B14F-4D97-AF65-F5344CB8AC3E}">
-        <p14:creationId xmlns:p14="http://schemas.microsoft.com/office/powerpoint/2010/main" val="911692431"/>
+        <p14:creationId xmlns:p14="http://schemas.microsoft.com/office/powerpoint/2010/main" val="3232356798"/>
       </p:ext>
     </p:extLst>
   </p:cSld>
@@ -1964,7 +1967,7 @@
     </p:spTree>
     <p:extLst>
       <p:ext uri="{BB962C8B-B14F-4D97-AF65-F5344CB8AC3E}">
-        <p14:creationId xmlns:p14="http://schemas.microsoft.com/office/powerpoint/2010/main" val="911692431"/>
+        <p14:creationId xmlns:p14="http://schemas.microsoft.com/office/powerpoint/2010/main" val="3571318124"/>
       </p:ext>
     </p:extLst>
   </p:cSld>
@@ -2018,31 +2021,19 @@
           <a:bodyPr/>
           <a:lstStyle/>
           <a:p>
-            <a:pPr marL="0" marR="0" indent="0" algn="l" defTabSz="914400" rtl="0" eaLnBrk="1" fontAlgn="auto" latinLnBrk="0" hangingPunct="1">
-              <a:lnSpc>
-                <a:spcPct val="100000"/>
-              </a:lnSpc>
-              <a:spcBef>
-                <a:spcPts val="0"/>
-              </a:spcBef>
-              <a:spcAft>
-                <a:spcPts val="0"/>
-              </a:spcAft>
-              <a:buClrTx/>
-              <a:buSzTx/>
-              <a:buFontTx/>
-              <a:buNone/>
-              <a:tabLst/>
-              <a:defRPr/>
-            </a:pPr>
+            <a:r>
+              <a:rPr lang="en-US" dirty="0"/>
+              <a:t>Word this carefully – OK</a:t>
+            </a:r>
             <a:r>
               <a:rPr lang="en-US" baseline="0" dirty="0"/>
-              <a:t>What platforms does your system run on?  If this section is not relevant to your project then delete this slide.  If relevant, </a:t>
-            </a:r>
-            <a:r>
-              <a:rPr lang="en-US" sz="1200" b="1" baseline="0" dirty="0"/>
-              <a:t>talk to this slide for no more than 1 minute!</a:t>
-            </a:r>
+              <a:t> to ask questions and seek resolution during the IDR.  </a:t>
+            </a:r>
+            <a:r>
+              <a:rPr lang="en-US" b="1" baseline="0" dirty="0"/>
+              <a:t>CLASS DELIVERABLES and/or team meetings ARE *NOT* CHALLENGES!!!</a:t>
+            </a:r>
+            <a:endParaRPr lang="en-US" b="1" dirty="0"/>
           </a:p>
         </p:txBody>
       </p:sp>
@@ -2073,7 +2064,7 @@
     </p:spTree>
     <p:extLst>
       <p:ext uri="{BB962C8B-B14F-4D97-AF65-F5344CB8AC3E}">
-        <p14:creationId xmlns:p14="http://schemas.microsoft.com/office/powerpoint/2010/main" val="3232356798"/>
+        <p14:creationId xmlns:p14="http://schemas.microsoft.com/office/powerpoint/2010/main" val="2539200854"/>
       </p:ext>
     </p:extLst>
   </p:cSld>
@@ -2127,30 +2118,13 @@
           <a:bodyPr/>
           <a:lstStyle/>
           <a:p>
-            <a:pPr marL="0" marR="0" indent="0" algn="l" defTabSz="914400" rtl="0" eaLnBrk="1" fontAlgn="auto" latinLnBrk="0" hangingPunct="1">
-              <a:lnSpc>
-                <a:spcPct val="100000"/>
-              </a:lnSpc>
-              <a:spcBef>
-                <a:spcPts val="0"/>
-              </a:spcBef>
-              <a:spcAft>
-                <a:spcPts val="0"/>
-              </a:spcAft>
-              <a:buClrTx/>
-              <a:buSzTx/>
-              <a:buFontTx/>
-              <a:buNone/>
-              <a:tabLst/>
-              <a:defRPr/>
-            </a:pPr>
-            <a:r>
-              <a:rPr lang="en-US" baseline="0" dirty="0"/>
-              <a:t>What platforms does your system run on?  If this section is not relevant to your project then delete this slide.  If relevant, </a:t>
-            </a:r>
-            <a:r>
-              <a:rPr lang="en-US" sz="1200" b="1" baseline="0" dirty="0"/>
-              <a:t>talk to this slide for no more than 1 minute!</a:t>
+            <a:r>
+              <a:rPr lang="en-US" dirty="0"/>
+              <a:t>Go through this at a good pace.  You could spend 30 minutes on this alone – don’t.  </a:t>
+            </a:r>
+            <a:r>
+              <a:rPr lang="en-US" b="1" u="sng" dirty="0"/>
+              <a:t>Just give an overview.</a:t>
             </a:r>
           </a:p>
         </p:txBody>
@@ -2182,7 +2156,7 @@
     </p:spTree>
     <p:extLst>
       <p:ext uri="{BB962C8B-B14F-4D97-AF65-F5344CB8AC3E}">
-        <p14:creationId xmlns:p14="http://schemas.microsoft.com/office/powerpoint/2010/main" val="3571318124"/>
+        <p14:creationId xmlns:p14="http://schemas.microsoft.com/office/powerpoint/2010/main" val="1911234896"/>
       </p:ext>
     </p:extLst>
   </p:cSld>
@@ -2238,17 +2212,17 @@
           <a:p>
             <a:r>
               <a:rPr lang="en-US" dirty="0"/>
-              <a:t>Word this carefully – OK</a:t>
+              <a:t>High level tasks!  DO</a:t>
             </a:r>
             <a:r>
               <a:rPr lang="en-US" baseline="0" dirty="0"/>
-              <a:t> to ask questions and seek resolution during the IDR.  </a:t>
-            </a:r>
-            <a:r>
-              <a:rPr lang="en-US" b="1" baseline="0" dirty="0"/>
-              <a:t>CLASS DELIVERABLES and/or team meetings ARE *NOT* CHALLENGES!!!</a:t>
-            </a:r>
-            <a:endParaRPr lang="en-US" b="1" dirty="0"/>
+              <a:t> NOT enter items like, “order 100 </a:t>
+            </a:r>
+            <a:r>
+              <a:rPr lang="en-US" baseline="0"/>
+              <a:t>ohm resistors.”</a:t>
+            </a:r>
+            <a:endParaRPr lang="en-US" dirty="0"/>
           </a:p>
         </p:txBody>
       </p:sp>
@@ -2271,195 +2245,6 @@
               <a:rPr lang="en-US" smtClean="0"/>
               <a:pPr/>
               <a:t>24</a:t>
-            </a:fld>
-            <a:endParaRPr lang="en-US"/>
-          </a:p>
-        </p:txBody>
-      </p:sp>
-    </p:spTree>
-    <p:extLst>
-      <p:ext uri="{BB962C8B-B14F-4D97-AF65-F5344CB8AC3E}">
-        <p14:creationId xmlns:p14="http://schemas.microsoft.com/office/powerpoint/2010/main" val="2539200854"/>
-      </p:ext>
-    </p:extLst>
-  </p:cSld>
-  <p:clrMapOvr>
-    <a:masterClrMapping/>
-  </p:clrMapOvr>
-</p:notes>
-</file>
-
-<file path=ppt/notesSlides/notesSlide25.xml><?xml version="1.0" encoding="utf-8"?>
-<p:notes xmlns:a="http://schemas.openxmlformats.org/drawingml/2006/main" xmlns:r="http://schemas.openxmlformats.org/officeDocument/2006/relationships" xmlns:p="http://schemas.openxmlformats.org/presentationml/2006/main">
-  <p:cSld>
-    <p:spTree>
-      <p:nvGrpSpPr>
-        <p:cNvPr id="1" name=""/>
-        <p:cNvGrpSpPr/>
-        <p:nvPr/>
-      </p:nvGrpSpPr>
-      <p:grpSpPr>
-        <a:xfrm>
-          <a:off x="0" y="0"/>
-          <a:ext cx="0" cy="0"/>
-          <a:chOff x="0" y="0"/>
-          <a:chExt cx="0" cy="0"/>
-        </a:xfrm>
-      </p:grpSpPr>
-      <p:sp>
-        <p:nvSpPr>
-          <p:cNvPr id="2" name="Slide Image Placeholder 1"/>
-          <p:cNvSpPr>
-            <a:spLocks noGrp="1" noRot="1" noChangeAspect="1"/>
-          </p:cNvSpPr>
-          <p:nvPr>
-            <p:ph type="sldImg"/>
-          </p:nvPr>
-        </p:nvSpPr>
-        <p:spPr/>
-      </p:sp>
-      <p:sp>
-        <p:nvSpPr>
-          <p:cNvPr id="3" name="Notes Placeholder 2"/>
-          <p:cNvSpPr>
-            <a:spLocks noGrp="1"/>
-          </p:cNvSpPr>
-          <p:nvPr>
-            <p:ph type="body" idx="1"/>
-          </p:nvPr>
-        </p:nvSpPr>
-        <p:spPr/>
-        <p:txBody>
-          <a:bodyPr/>
-          <a:lstStyle/>
-          <a:p>
-            <a:r>
-              <a:rPr lang="en-US" dirty="0"/>
-              <a:t>Go through this at a good pace.  You could spend 30 minutes on this alone – don’t.  </a:t>
-            </a:r>
-            <a:r>
-              <a:rPr lang="en-US" b="1" u="sng" dirty="0"/>
-              <a:t>Just give an overview.</a:t>
-            </a:r>
-          </a:p>
-        </p:txBody>
-      </p:sp>
-      <p:sp>
-        <p:nvSpPr>
-          <p:cNvPr id="4" name="Slide Number Placeholder 3"/>
-          <p:cNvSpPr>
-            <a:spLocks noGrp="1"/>
-          </p:cNvSpPr>
-          <p:nvPr>
-            <p:ph type="sldNum" sz="quarter" idx="10"/>
-          </p:nvPr>
-        </p:nvSpPr>
-        <p:spPr/>
-        <p:txBody>
-          <a:bodyPr/>
-          <a:lstStyle/>
-          <a:p>
-            <a:fld id="{EA246233-4BFD-442F-A901-5D24D9BB790D}" type="slidenum">
-              <a:rPr lang="en-US" smtClean="0"/>
-              <a:pPr/>
-              <a:t>25</a:t>
-            </a:fld>
-            <a:endParaRPr lang="en-US"/>
-          </a:p>
-        </p:txBody>
-      </p:sp>
-    </p:spTree>
-    <p:extLst>
-      <p:ext uri="{BB962C8B-B14F-4D97-AF65-F5344CB8AC3E}">
-        <p14:creationId xmlns:p14="http://schemas.microsoft.com/office/powerpoint/2010/main" val="1911234896"/>
-      </p:ext>
-    </p:extLst>
-  </p:cSld>
-  <p:clrMapOvr>
-    <a:masterClrMapping/>
-  </p:clrMapOvr>
-</p:notes>
-</file>
-
-<file path=ppt/notesSlides/notesSlide26.xml><?xml version="1.0" encoding="utf-8"?>
-<p:notes xmlns:a="http://schemas.openxmlformats.org/drawingml/2006/main" xmlns:r="http://schemas.openxmlformats.org/officeDocument/2006/relationships" xmlns:p="http://schemas.openxmlformats.org/presentationml/2006/main">
-  <p:cSld>
-    <p:spTree>
-      <p:nvGrpSpPr>
-        <p:cNvPr id="1" name=""/>
-        <p:cNvGrpSpPr/>
-        <p:nvPr/>
-      </p:nvGrpSpPr>
-      <p:grpSpPr>
-        <a:xfrm>
-          <a:off x="0" y="0"/>
-          <a:ext cx="0" cy="0"/>
-          <a:chOff x="0" y="0"/>
-          <a:chExt cx="0" cy="0"/>
-        </a:xfrm>
-      </p:grpSpPr>
-      <p:sp>
-        <p:nvSpPr>
-          <p:cNvPr id="2" name="Slide Image Placeholder 1"/>
-          <p:cNvSpPr>
-            <a:spLocks noGrp="1" noRot="1" noChangeAspect="1"/>
-          </p:cNvSpPr>
-          <p:nvPr>
-            <p:ph type="sldImg"/>
-          </p:nvPr>
-        </p:nvSpPr>
-        <p:spPr/>
-      </p:sp>
-      <p:sp>
-        <p:nvSpPr>
-          <p:cNvPr id="3" name="Notes Placeholder 2"/>
-          <p:cNvSpPr>
-            <a:spLocks noGrp="1"/>
-          </p:cNvSpPr>
-          <p:nvPr>
-            <p:ph type="body" idx="1"/>
-          </p:nvPr>
-        </p:nvSpPr>
-        <p:spPr/>
-        <p:txBody>
-          <a:bodyPr/>
-          <a:lstStyle/>
-          <a:p>
-            <a:r>
-              <a:rPr lang="en-US" dirty="0"/>
-              <a:t>High level tasks!  DO</a:t>
-            </a:r>
-            <a:r>
-              <a:rPr lang="en-US" baseline="0" dirty="0"/>
-              <a:t> NOT enter items like, “order 100 </a:t>
-            </a:r>
-            <a:r>
-              <a:rPr lang="en-US" baseline="0"/>
-              <a:t>ohm resistors.”</a:t>
-            </a:r>
-            <a:endParaRPr lang="en-US" dirty="0"/>
-          </a:p>
-        </p:txBody>
-      </p:sp>
-      <p:sp>
-        <p:nvSpPr>
-          <p:cNvPr id="4" name="Slide Number Placeholder 3"/>
-          <p:cNvSpPr>
-            <a:spLocks noGrp="1"/>
-          </p:cNvSpPr>
-          <p:nvPr>
-            <p:ph type="sldNum" sz="quarter" idx="10"/>
-          </p:nvPr>
-        </p:nvSpPr>
-        <p:spPr/>
-        <p:txBody>
-          <a:bodyPr/>
-          <a:lstStyle/>
-          <a:p>
-            <a:fld id="{EA246233-4BFD-442F-A901-5D24D9BB790D}" type="slidenum">
-              <a:rPr lang="en-US" smtClean="0"/>
-              <a:pPr/>
-              <a:t>26</a:t>
             </a:fld>
             <a:endParaRPr lang="en-US"/>
           </a:p>
@@ -2612,8 +2397,13 @@
           <a:p>
             <a:r>
               <a:rPr lang="en-US" dirty="0"/>
-              <a:t>Show a functional overview of how it works.  This applies to software or hardware or mix.</a:t>
-            </a:r>
+              <a:t>If no stretch goals then delete the text box on the right, and expand the one on the left.  </a:t>
+            </a:r>
+            <a:r>
+              <a:rPr lang="en-US" b="1" u="sng" dirty="0"/>
+              <a:t>DO NOT ELABORATE ON THE GOALS, JUST STATE THEM QUICKLY AND MOVE ON!!!</a:t>
+            </a:r>
+            <a:endParaRPr lang="en-US" dirty="0"/>
           </a:p>
         </p:txBody>
       </p:sp>
@@ -2644,7 +2434,7 @@
     </p:spTree>
     <p:extLst>
       <p:ext uri="{BB962C8B-B14F-4D97-AF65-F5344CB8AC3E}">
-        <p14:creationId xmlns:p14="http://schemas.microsoft.com/office/powerpoint/2010/main" val="1547004441"/>
+        <p14:creationId xmlns:p14="http://schemas.microsoft.com/office/powerpoint/2010/main" val="1085237979"/>
       </p:ext>
     </p:extLst>
   </p:cSld>
@@ -2695,37 +2485,26 @@
         </p:nvSpPr>
         <p:spPr/>
         <p:txBody>
-          <a:bodyPr/>
+          <a:bodyPr>
+            <a:normAutofit/>
+          </a:bodyPr>
           <a:lstStyle/>
           <a:p>
-            <a:pPr marL="0" marR="0" lvl="0" indent="0" algn="l" defTabSz="914400" rtl="0" eaLnBrk="1" fontAlgn="auto" latinLnBrk="0" hangingPunct="1">
-              <a:lnSpc>
-                <a:spcPct val="100000"/>
-              </a:lnSpc>
-              <a:spcBef>
-                <a:spcPts val="0"/>
-              </a:spcBef>
-              <a:spcAft>
-                <a:spcPts val="0"/>
-              </a:spcAft>
-              <a:buClrTx/>
-              <a:buSzTx/>
-              <a:buFontTx/>
-              <a:buNone/>
-              <a:tabLst/>
-              <a:defRPr/>
-            </a:pPr>
+            <a:r>
+              <a:rPr lang="en-US" b="1" u="sng" dirty="0"/>
+              <a:t>BRIEF</a:t>
+            </a:r>
             <a:r>
               <a:rPr lang="en-US" dirty="0"/>
-              <a:t>Show deep technical detail.  </a:t>
-            </a:r>
-            <a:r>
-              <a:rPr lang="en-US" sz="1800" b="1" u="sng" dirty="0"/>
-              <a:t>You may need more than one slide.  </a:t>
+              <a:t> DESCRIPTIONS!!!!!     Go over this </a:t>
+            </a:r>
+            <a:r>
+              <a:rPr lang="en-US" b="1" u="sng" dirty="0"/>
+              <a:t>VERY</a:t>
             </a:r>
             <a:r>
               <a:rPr lang="en-US" dirty="0"/>
-              <a:t>Highlight in yellow the blocks that the team will be designing</a:t>
+              <a:t> quickly!</a:t>
             </a:r>
           </a:p>
         </p:txBody>
@@ -2757,7 +2536,7 @@
     </p:spTree>
     <p:extLst>
       <p:ext uri="{BB962C8B-B14F-4D97-AF65-F5344CB8AC3E}">
-        <p14:creationId xmlns:p14="http://schemas.microsoft.com/office/powerpoint/2010/main" val="629554515"/>
+        <p14:creationId xmlns:p14="http://schemas.microsoft.com/office/powerpoint/2010/main" val="1534996207"/>
       </p:ext>
     </p:extLst>
   </p:cSld>
@@ -2813,12 +2592,63 @@
           <a:p>
             <a:r>
               <a:rPr lang="en-US" dirty="0"/>
-              <a:t>If no stretch goals then delete the text box on the right, and expand the one on the left.  </a:t>
-            </a:r>
-            <a:r>
-              <a:rPr lang="en-US" b="1" u="sng" dirty="0"/>
-              <a:t>DO NOT ELABORATE ON THE GOALS, JUST STATE THEM QUICKLY AND MOVE ON!!!</a:t>
-            </a:r>
+              <a:t>List the major milestones.  </a:t>
+            </a:r>
+            <a:r>
+              <a:rPr lang="en-US" dirty="0">
+                <a:solidFill>
+                  <a:srgbClr val="FF0000"/>
+                </a:solidFill>
+              </a:rPr>
+              <a:t>They are milestones SPECIFIC to </a:t>
+            </a:r>
+            <a:r>
+              <a:rPr lang="en-US" b="1" u="sng" dirty="0">
+                <a:solidFill>
+                  <a:srgbClr val="FF0000"/>
+                </a:solidFill>
+              </a:rPr>
+              <a:t>YOUR</a:t>
+            </a:r>
+            <a:r>
+              <a:rPr lang="en-US" dirty="0">
+                <a:solidFill>
+                  <a:srgbClr val="FF0000"/>
+                </a:solidFill>
+              </a:rPr>
+              <a:t> project</a:t>
+            </a:r>
+            <a:r>
+              <a:rPr lang="en-US" baseline="0" dirty="0">
+                <a:solidFill>
+                  <a:srgbClr val="FF0000"/>
+                </a:solidFill>
+              </a:rPr>
+              <a:t> and </a:t>
+            </a:r>
+            <a:r>
+              <a:rPr lang="en-US" b="1" u="sng" baseline="0" dirty="0">
+                <a:solidFill>
+                  <a:srgbClr val="FF0000"/>
+                </a:solidFill>
+              </a:rPr>
+              <a:t>NOT</a:t>
+            </a:r>
+            <a:r>
+              <a:rPr lang="en-US" baseline="0" dirty="0">
+                <a:solidFill>
+                  <a:srgbClr val="FF0000"/>
+                </a:solidFill>
+              </a:rPr>
+              <a:t> deliverables for the class!!!  </a:t>
+            </a:r>
+            <a:endParaRPr lang="en-US" dirty="0">
+              <a:solidFill>
+                <a:srgbClr val="FF0000"/>
+              </a:solidFill>
+            </a:endParaRPr>
+          </a:p>
+          <a:p>
             <a:endParaRPr lang="en-US" dirty="0"/>
           </a:p>
         </p:txBody>
@@ -2850,7 +2680,7 @@
     </p:spTree>
     <p:extLst>
       <p:ext uri="{BB962C8B-B14F-4D97-AF65-F5344CB8AC3E}">
-        <p14:creationId xmlns:p14="http://schemas.microsoft.com/office/powerpoint/2010/main" val="1085237979"/>
+        <p14:creationId xmlns:p14="http://schemas.microsoft.com/office/powerpoint/2010/main" val="1296880698"/>
       </p:ext>
     </p:extLst>
   </p:cSld>
@@ -2901,27 +2731,42 @@
         </p:nvSpPr>
         <p:spPr/>
         <p:txBody>
-          <a:bodyPr>
-            <a:normAutofit/>
-          </a:bodyPr>
+          <a:bodyPr/>
           <a:lstStyle/>
           <a:p>
             <a:r>
-              <a:rPr lang="en-US" b="1" u="sng" dirty="0"/>
-              <a:t>BRIEF</a:t>
-            </a:r>
-            <a:r>
               <a:rPr lang="en-US" dirty="0"/>
-              <a:t> DESCRIPTIONS!!!!!     Go over this </a:t>
-            </a:r>
-            <a:r>
-              <a:rPr lang="en-US" b="1" u="sng" dirty="0"/>
-              <a:t>VERY</a:t>
-            </a:r>
-            <a:r>
-              <a:rPr lang="en-US" dirty="0"/>
-              <a:t> quickly!</a:t>
-            </a:r>
+              <a:t>List the MAJOR deliverables</a:t>
+            </a:r>
+            <a:r>
+              <a:rPr lang="en-US" baseline="0" dirty="0"/>
+              <a:t> only.  These are the deliverables for your </a:t>
+            </a:r>
+            <a:r>
+              <a:rPr lang="en-US" b="1" u="sng" baseline="0" dirty="0"/>
+              <a:t>PROJECT</a:t>
+            </a:r>
+            <a:r>
+              <a:rPr lang="en-US" baseline="0" dirty="0"/>
+              <a:t> and </a:t>
+            </a:r>
+            <a:r>
+              <a:rPr lang="en-US" b="1" u="sng" baseline="0" dirty="0"/>
+              <a:t>NOT</a:t>
+            </a:r>
+            <a:r>
+              <a:rPr lang="en-US" baseline="0" dirty="0"/>
+              <a:t> for the class!  E.g., </a:t>
+            </a:r>
+            <a:r>
+              <a:rPr lang="en-US" b="1" baseline="0" dirty="0"/>
+              <a:t>don’t</a:t>
+            </a:r>
+            <a:r>
+              <a:rPr lang="en-US" baseline="0" dirty="0"/>
+              <a:t> list “Functional Spec” etc.</a:t>
+            </a:r>
+            <a:endParaRPr lang="en-US" dirty="0"/>
           </a:p>
         </p:txBody>
       </p:sp>
@@ -2952,7 +2797,7 @@
     </p:spTree>
     <p:extLst>
       <p:ext uri="{BB962C8B-B14F-4D97-AF65-F5344CB8AC3E}">
-        <p14:creationId xmlns:p14="http://schemas.microsoft.com/office/powerpoint/2010/main" val="1534996207"/>
+        <p14:creationId xmlns:p14="http://schemas.microsoft.com/office/powerpoint/2010/main" val="2067061071"/>
       </p:ext>
     </p:extLst>
   </p:cSld>
@@ -3003,69 +2848,29 @@
         </p:nvSpPr>
         <p:spPr/>
         <p:txBody>
-          <a:bodyPr/>
+          <a:bodyPr>
+            <a:normAutofit/>
+          </a:bodyPr>
           <a:lstStyle/>
           <a:p>
-            <a:r>
-              <a:rPr lang="en-US" dirty="0"/>
-              <a:t>List the major milestones.  </a:t>
-            </a:r>
-            <a:r>
-              <a:rPr lang="en-US" dirty="0">
-                <a:solidFill>
-                  <a:srgbClr val="FF0000"/>
-                </a:solidFill>
-              </a:rPr>
-              <a:t>They are milestones SPECIFIC to </a:t>
-            </a:r>
-            <a:r>
-              <a:rPr lang="en-US" b="1" u="sng" dirty="0">
-                <a:solidFill>
-                  <a:srgbClr val="FF0000"/>
-                </a:solidFill>
-              </a:rPr>
-              <a:t>YOUR</a:t>
-            </a:r>
-            <a:r>
-              <a:rPr lang="en-US" dirty="0">
-                <a:solidFill>
-                  <a:srgbClr val="FF0000"/>
-                </a:solidFill>
-              </a:rPr>
-              <a:t> project</a:t>
-            </a:r>
-            <a:r>
-              <a:rPr lang="en-US" baseline="0" dirty="0">
-                <a:solidFill>
-                  <a:srgbClr val="FF0000"/>
-                </a:solidFill>
-              </a:rPr>
-              <a:t> and </a:t>
-            </a:r>
-            <a:r>
-              <a:rPr lang="en-US" b="1" u="sng" baseline="0" dirty="0">
-                <a:solidFill>
-                  <a:srgbClr val="FF0000"/>
-                </a:solidFill>
-              </a:rPr>
-              <a:t>NOT</a:t>
-            </a:r>
-            <a:r>
-              <a:rPr lang="en-US" baseline="0" dirty="0">
-                <a:solidFill>
-                  <a:srgbClr val="FF0000"/>
-                </a:solidFill>
-              </a:rPr>
-              <a:t> deliverables for the class!!!  </a:t>
-            </a:r>
-            <a:endParaRPr lang="en-US" dirty="0">
-              <a:solidFill>
-                <a:srgbClr val="FF0000"/>
-              </a:solidFill>
-            </a:endParaRPr>
-          </a:p>
-          <a:p>
-            <a:endParaRPr lang="en-US" dirty="0"/>
+            <a:pPr marL="0" marR="0" indent="0" algn="l" defTabSz="914400" rtl="0" eaLnBrk="1" fontAlgn="auto" latinLnBrk="0" hangingPunct="1">
+              <a:lnSpc>
+                <a:spcPct val="100000"/>
+              </a:lnSpc>
+              <a:spcBef>
+                <a:spcPts val="0"/>
+              </a:spcBef>
+              <a:spcAft>
+                <a:spcPts val="0"/>
+              </a:spcAft>
+              <a:buClrTx/>
+              <a:buSzTx/>
+              <a:buFontTx/>
+              <a:buNone/>
+              <a:tabLst/>
+              <a:defRPr/>
+            </a:pPr>
+            <a:endParaRPr lang="en-US" baseline="0" dirty="0"/>
           </a:p>
         </p:txBody>
       </p:sp>
@@ -3096,7 +2901,7 @@
     </p:spTree>
     <p:extLst>
       <p:ext uri="{BB962C8B-B14F-4D97-AF65-F5344CB8AC3E}">
-        <p14:creationId xmlns:p14="http://schemas.microsoft.com/office/powerpoint/2010/main" val="1296880698"/>
+        <p14:creationId xmlns:p14="http://schemas.microsoft.com/office/powerpoint/2010/main" val="2033482836"/>
       </p:ext>
     </p:extLst>
   </p:cSld>
@@ -3150,39 +2955,31 @@
           <a:bodyPr/>
           <a:lstStyle/>
           <a:p>
-            <a:r>
-              <a:rPr lang="en-US" dirty="0"/>
-              <a:t>List the MAJOR deliverables</a:t>
-            </a:r>
+            <a:pPr marL="0" marR="0" indent="0" algn="l" defTabSz="914400" rtl="0" eaLnBrk="1" fontAlgn="auto" latinLnBrk="0" hangingPunct="1">
+              <a:lnSpc>
+                <a:spcPct val="100000"/>
+              </a:lnSpc>
+              <a:spcBef>
+                <a:spcPts val="0"/>
+              </a:spcBef>
+              <a:spcAft>
+                <a:spcPts val="0"/>
+              </a:spcAft>
+              <a:buClrTx/>
+              <a:buSzTx/>
+              <a:buFontTx/>
+              <a:buNone/>
+              <a:tabLst/>
+              <a:defRPr/>
+            </a:pPr>
             <a:r>
               <a:rPr lang="en-US" baseline="0" dirty="0"/>
-              <a:t> only.  These are the deliverables for your </a:t>
-            </a:r>
-            <a:r>
-              <a:rPr lang="en-US" b="1" u="sng" baseline="0" dirty="0"/>
-              <a:t>PROJECT</a:t>
-            </a:r>
-            <a:r>
-              <a:rPr lang="en-US" baseline="0" dirty="0"/>
-              <a:t> and </a:t>
-            </a:r>
-            <a:r>
-              <a:rPr lang="en-US" b="1" u="sng" baseline="0" dirty="0"/>
-              <a:t>NOT</a:t>
-            </a:r>
-            <a:r>
-              <a:rPr lang="en-US" baseline="0" dirty="0"/>
-              <a:t> for the class!  E.g., </a:t>
-            </a:r>
-            <a:r>
-              <a:rPr lang="en-US" b="1" baseline="0" dirty="0"/>
-              <a:t>don’t</a:t>
-            </a:r>
-            <a:r>
-              <a:rPr lang="en-US" baseline="0" dirty="0"/>
-              <a:t> list “Functional Spec” etc.</a:t>
-            </a:r>
-            <a:endParaRPr lang="en-US" dirty="0"/>
+              <a:t>If this section is not relevant to your project then delete this slide.  If relevant, </a:t>
+            </a:r>
+            <a:r>
+              <a:rPr lang="en-US" sz="1200" b="1" baseline="0" dirty="0"/>
+              <a:t>talk to this slide for no more than 1 minute!</a:t>
+            </a:r>
           </a:p>
         </p:txBody>
       </p:sp>
@@ -3213,7 +3010,7 @@
     </p:spTree>
     <p:extLst>
       <p:ext uri="{BB962C8B-B14F-4D97-AF65-F5344CB8AC3E}">
-        <p14:creationId xmlns:p14="http://schemas.microsoft.com/office/powerpoint/2010/main" val="2067061071"/>
+        <p14:creationId xmlns:p14="http://schemas.microsoft.com/office/powerpoint/2010/main" val="911692431"/>
       </p:ext>
     </p:extLst>
   </p:cSld>
@@ -3280,7 +3077,7 @@
           <a:noFill/>
           <a:extLst>
             <a:ext uri="{909E8E84-426E-40dd-AFC4-6F175D3DCCD1}">
-              <a14:hiddenFill xmlns:a14="http://schemas.microsoft.com/office/drawing/2010/main" xmlns="">
+              <a14:hiddenFill xmlns="" xmlns:a14="http://schemas.microsoft.com/office/drawing/2010/main">
                 <a:solidFill>
                   <a:srgbClr val="FFFFFF"/>
                 </a:solidFill>
@@ -3340,7 +3137,7 @@
             </a:ln>
             <a:extLst>
               <a:ext uri="{91240B29-F687-4f45-9708-019B960494DF}">
-                <a14:hiddenLine xmlns:a14="http://schemas.microsoft.com/office/drawing/2010/main" xmlns="" w="9525">
+                <a14:hiddenLine xmlns="" xmlns:a14="http://schemas.microsoft.com/office/drawing/2010/main" w="9525">
                   <a:solidFill>
                     <a:srgbClr val="000000"/>
                   </a:solidFill>
@@ -3430,7 +3227,7 @@
             </a:ln>
             <a:extLst>
               <a:ext uri="{91240B29-F687-4f45-9708-019B960494DF}">
-                <a14:hiddenLine xmlns:a14="http://schemas.microsoft.com/office/drawing/2010/main" xmlns="" w="9525">
+                <a14:hiddenLine xmlns="" xmlns:a14="http://schemas.microsoft.com/office/drawing/2010/main" w="9525">
                   <a:solidFill>
                     <a:srgbClr val="000000"/>
                   </a:solidFill>
@@ -3520,7 +3317,7 @@
             </a:ln>
             <a:extLst>
               <a:ext uri="{91240B29-F687-4f45-9708-019B960494DF}">
-                <a14:hiddenLine xmlns:a14="http://schemas.microsoft.com/office/drawing/2010/main" xmlns="" w="9525">
+                <a14:hiddenLine xmlns="" xmlns:a14="http://schemas.microsoft.com/office/drawing/2010/main" w="9525">
                   <a:solidFill>
                     <a:srgbClr val="000000"/>
                   </a:solidFill>
@@ -3554,7 +3351,7 @@
             </a:ln>
             <a:extLst>
               <a:ext uri="{91240B29-F687-4f45-9708-019B960494DF}">
-                <a14:hiddenLine xmlns:a14="http://schemas.microsoft.com/office/drawing/2010/main" xmlns="" w="9525">
+                <a14:hiddenLine xmlns="" xmlns:a14="http://schemas.microsoft.com/office/drawing/2010/main" w="9525">
                   <a:solidFill>
                     <a:srgbClr val="000000"/>
                   </a:solidFill>
@@ -3644,7 +3441,7 @@
             </a:ln>
             <a:extLst>
               <a:ext uri="{91240B29-F687-4f45-9708-019B960494DF}">
-                <a14:hiddenLine xmlns:a14="http://schemas.microsoft.com/office/drawing/2010/main" xmlns="" w="9525">
+                <a14:hiddenLine xmlns="" xmlns:a14="http://schemas.microsoft.com/office/drawing/2010/main" w="9525">
                   <a:solidFill>
                     <a:srgbClr val="000000"/>
                   </a:solidFill>
@@ -3706,7 +3503,7 @@
             </a:ln>
             <a:extLst>
               <a:ext uri="{91240B29-F687-4f45-9708-019B960494DF}">
-                <a14:hiddenLine xmlns:a14="http://schemas.microsoft.com/office/drawing/2010/main" xmlns="" w="9525">
+                <a14:hiddenLine xmlns="" xmlns:a14="http://schemas.microsoft.com/office/drawing/2010/main" w="9525">
                   <a:solidFill>
                     <a:srgbClr val="000000"/>
                   </a:solidFill>
@@ -3768,7 +3565,7 @@
             </a:ln>
             <a:extLst>
               <a:ext uri="{91240B29-F687-4f45-9708-019B960494DF}">
-                <a14:hiddenLine xmlns:a14="http://schemas.microsoft.com/office/drawing/2010/main" xmlns="" w="9525">
+                <a14:hiddenLine xmlns="" xmlns:a14="http://schemas.microsoft.com/office/drawing/2010/main" w="9525">
                   <a:solidFill>
                     <a:srgbClr val="000000"/>
                   </a:solidFill>
@@ -3858,7 +3655,7 @@
             </a:ln>
             <a:extLst>
               <a:ext uri="{91240B29-F687-4f45-9708-019B960494DF}">
-                <a14:hiddenLine xmlns:a14="http://schemas.microsoft.com/office/drawing/2010/main" xmlns="" w="9525">
+                <a14:hiddenLine xmlns="" xmlns:a14="http://schemas.microsoft.com/office/drawing/2010/main" w="9525">
                   <a:solidFill>
                     <a:srgbClr val="000000"/>
                   </a:solidFill>
@@ -3920,7 +3717,7 @@
             </a:ln>
             <a:extLst>
               <a:ext uri="{91240B29-F687-4f45-9708-019B960494DF}">
-                <a14:hiddenLine xmlns:a14="http://schemas.microsoft.com/office/drawing/2010/main" xmlns="" w="9525">
+                <a14:hiddenLine xmlns="" xmlns:a14="http://schemas.microsoft.com/office/drawing/2010/main" w="9525">
                   <a:solidFill>
                     <a:srgbClr val="000000"/>
                   </a:solidFill>
@@ -3982,7 +3779,7 @@
             </a:ln>
             <a:extLst>
               <a:ext uri="{91240B29-F687-4f45-9708-019B960494DF}">
-                <a14:hiddenLine xmlns:a14="http://schemas.microsoft.com/office/drawing/2010/main" xmlns="" w="9525">
+                <a14:hiddenLine xmlns="" xmlns:a14="http://schemas.microsoft.com/office/drawing/2010/main" w="9525">
                   <a:solidFill>
                     <a:srgbClr val="000000"/>
                   </a:solidFill>
@@ -4072,7 +3869,7 @@
             </a:ln>
             <a:extLst>
               <a:ext uri="{91240B29-F687-4f45-9708-019B960494DF}">
-                <a14:hiddenLine xmlns:a14="http://schemas.microsoft.com/office/drawing/2010/main" xmlns="" w="9525">
+                <a14:hiddenLine xmlns="" xmlns:a14="http://schemas.microsoft.com/office/drawing/2010/main" w="9525">
                   <a:solidFill>
                     <a:srgbClr val="000000"/>
                   </a:solidFill>
@@ -4162,7 +3959,7 @@
             </a:ln>
             <a:extLst>
               <a:ext uri="{91240B29-F687-4f45-9708-019B960494DF}">
-                <a14:hiddenLine xmlns:a14="http://schemas.microsoft.com/office/drawing/2010/main" xmlns="" w="9525">
+                <a14:hiddenLine xmlns="" xmlns:a14="http://schemas.microsoft.com/office/drawing/2010/main" w="9525">
                   <a:solidFill>
                     <a:srgbClr val="000000"/>
                   </a:solidFill>
@@ -4224,7 +4021,7 @@
             </a:ln>
             <a:extLst>
               <a:ext uri="{91240B29-F687-4f45-9708-019B960494DF}">
-                <a14:hiddenLine xmlns:a14="http://schemas.microsoft.com/office/drawing/2010/main" xmlns="" w="9525">
+                <a14:hiddenLine xmlns="" xmlns:a14="http://schemas.microsoft.com/office/drawing/2010/main" w="9525">
                   <a:solidFill>
                     <a:srgbClr val="000000"/>
                   </a:solidFill>
@@ -4334,7 +4131,7 @@
             </a:ln>
             <a:extLst>
               <a:ext uri="{91240B29-F687-4f45-9708-019B960494DF}">
-                <a14:hiddenLine xmlns:a14="http://schemas.microsoft.com/office/drawing/2010/main" xmlns="" w="9525">
+                <a14:hiddenLine xmlns="" xmlns:a14="http://schemas.microsoft.com/office/drawing/2010/main" w="9525">
                   <a:solidFill>
                     <a:srgbClr val="000000"/>
                   </a:solidFill>
@@ -4396,7 +4193,7 @@
             </a:ln>
             <a:extLst>
               <a:ext uri="{91240B29-F687-4f45-9708-019B960494DF}">
-                <a14:hiddenLine xmlns:a14="http://schemas.microsoft.com/office/drawing/2010/main" xmlns="" w="9525">
+                <a14:hiddenLine xmlns="" xmlns:a14="http://schemas.microsoft.com/office/drawing/2010/main" w="9525">
                   <a:solidFill>
                     <a:srgbClr val="000000"/>
                   </a:solidFill>
@@ -4486,7 +4283,7 @@
             </a:ln>
             <a:extLst>
               <a:ext uri="{91240B29-F687-4f45-9708-019B960494DF}">
-                <a14:hiddenLine xmlns:a14="http://schemas.microsoft.com/office/drawing/2010/main" xmlns="" w="9525">
+                <a14:hiddenLine xmlns="" xmlns:a14="http://schemas.microsoft.com/office/drawing/2010/main" w="9525">
                   <a:solidFill>
                     <a:srgbClr val="000000"/>
                   </a:solidFill>
@@ -4576,7 +4373,7 @@
             </a:ln>
             <a:extLst>
               <a:ext uri="{91240B29-F687-4f45-9708-019B960494DF}">
-                <a14:hiddenLine xmlns:a14="http://schemas.microsoft.com/office/drawing/2010/main" xmlns="" w="9525">
+                <a14:hiddenLine xmlns="" xmlns:a14="http://schemas.microsoft.com/office/drawing/2010/main" w="9525">
                   <a:solidFill>
                     <a:srgbClr val="000000"/>
                   </a:solidFill>
@@ -4638,7 +4435,7 @@
             </a:ln>
             <a:extLst>
               <a:ext uri="{91240B29-F687-4f45-9708-019B960494DF}">
-                <a14:hiddenLine xmlns:a14="http://schemas.microsoft.com/office/drawing/2010/main" xmlns="" w="9525">
+                <a14:hiddenLine xmlns="" xmlns:a14="http://schemas.microsoft.com/office/drawing/2010/main" w="9525">
                   <a:solidFill>
                     <a:srgbClr val="000000"/>
                   </a:solidFill>
@@ -4728,7 +4525,7 @@
             </a:ln>
             <a:extLst>
               <a:ext uri="{91240B29-F687-4f45-9708-019B960494DF}">
-                <a14:hiddenLine xmlns:a14="http://schemas.microsoft.com/office/drawing/2010/main" xmlns="" w="9525">
+                <a14:hiddenLine xmlns="" xmlns:a14="http://schemas.microsoft.com/office/drawing/2010/main" w="9525">
                   <a:solidFill>
                     <a:srgbClr val="000000"/>
                   </a:solidFill>
@@ -4818,7 +4615,7 @@
             </a:ln>
             <a:extLst>
               <a:ext uri="{91240B29-F687-4f45-9708-019B960494DF}">
-                <a14:hiddenLine xmlns:a14="http://schemas.microsoft.com/office/drawing/2010/main" xmlns="" w="9525">
+                <a14:hiddenLine xmlns="" xmlns:a14="http://schemas.microsoft.com/office/drawing/2010/main" w="9525">
                   <a:solidFill>
                     <a:srgbClr val="000000"/>
                   </a:solidFill>
@@ -4874,7 +4671,7 @@
             </a:ln>
             <a:extLst>
               <a:ext uri="{91240B29-F687-4f45-9708-019B960494DF}">
-                <a14:hiddenLine xmlns:a14="http://schemas.microsoft.com/office/drawing/2010/main" xmlns="" w="9525">
+                <a14:hiddenLine xmlns="" xmlns:a14="http://schemas.microsoft.com/office/drawing/2010/main" w="9525">
                   <a:solidFill>
                     <a:srgbClr val="000000"/>
                   </a:solidFill>
@@ -4964,7 +4761,7 @@
             </a:ln>
             <a:extLst>
               <a:ext uri="{91240B29-F687-4f45-9708-019B960494DF}">
-                <a14:hiddenLine xmlns:a14="http://schemas.microsoft.com/office/drawing/2010/main" xmlns="" w="9525">
+                <a14:hiddenLine xmlns="" xmlns:a14="http://schemas.microsoft.com/office/drawing/2010/main" w="9525">
                   <a:solidFill>
                     <a:srgbClr val="000000"/>
                   </a:solidFill>
@@ -5020,7 +4817,7 @@
             </a:ln>
             <a:extLst>
               <a:ext uri="{91240B29-F687-4f45-9708-019B960494DF}">
-                <a14:hiddenLine xmlns:a14="http://schemas.microsoft.com/office/drawing/2010/main" xmlns="" w="9525">
+                <a14:hiddenLine xmlns="" xmlns:a14="http://schemas.microsoft.com/office/drawing/2010/main" w="9525">
                   <a:solidFill>
                     <a:srgbClr val="000000"/>
                   </a:solidFill>
@@ -5110,7 +4907,7 @@
             </a:ln>
             <a:extLst>
               <a:ext uri="{91240B29-F687-4f45-9708-019B960494DF}">
-                <a14:hiddenLine xmlns:a14="http://schemas.microsoft.com/office/drawing/2010/main" xmlns="" w="9525">
+                <a14:hiddenLine xmlns="" xmlns:a14="http://schemas.microsoft.com/office/drawing/2010/main" w="9525">
                   <a:solidFill>
                     <a:srgbClr val="000000"/>
                   </a:solidFill>
@@ -5178,7 +4975,7 @@
             </a:ln>
             <a:extLst>
               <a:ext uri="{91240B29-F687-4f45-9708-019B960494DF}">
-                <a14:hiddenLine xmlns:a14="http://schemas.microsoft.com/office/drawing/2010/main" xmlns="" w="9525">
+                <a14:hiddenLine xmlns="" xmlns:a14="http://schemas.microsoft.com/office/drawing/2010/main" w="9525">
                   <a:solidFill>
                     <a:srgbClr val="000000"/>
                   </a:solidFill>
@@ -5268,7 +5065,7 @@
             </a:ln>
             <a:extLst>
               <a:ext uri="{91240B29-F687-4f45-9708-019B960494DF}">
-                <a14:hiddenLine xmlns:a14="http://schemas.microsoft.com/office/drawing/2010/main" xmlns="" w="9525">
+                <a14:hiddenLine xmlns="" xmlns:a14="http://schemas.microsoft.com/office/drawing/2010/main" w="9525">
                   <a:solidFill>
                     <a:srgbClr val="000000"/>
                   </a:solidFill>
@@ -5336,7 +5133,7 @@
             </a:ln>
             <a:extLst>
               <a:ext uri="{91240B29-F687-4f45-9708-019B960494DF}">
-                <a14:hiddenLine xmlns:a14="http://schemas.microsoft.com/office/drawing/2010/main" xmlns="" w="9525">
+                <a14:hiddenLine xmlns="" xmlns:a14="http://schemas.microsoft.com/office/drawing/2010/main" w="9525">
                   <a:solidFill>
                     <a:srgbClr val="000000"/>
                   </a:solidFill>
@@ -5426,7 +5223,7 @@
             </a:ln>
             <a:extLst>
               <a:ext uri="{91240B29-F687-4f45-9708-019B960494DF}">
-                <a14:hiddenLine xmlns:a14="http://schemas.microsoft.com/office/drawing/2010/main" xmlns="" w="9525">
+                <a14:hiddenLine xmlns="" xmlns:a14="http://schemas.microsoft.com/office/drawing/2010/main" w="9525">
                   <a:solidFill>
                     <a:srgbClr val="000000"/>
                   </a:solidFill>
@@ -5460,7 +5257,7 @@
             </a:ln>
             <a:extLst>
               <a:ext uri="{91240B29-F687-4f45-9708-019B960494DF}">
-                <a14:hiddenLine xmlns:a14="http://schemas.microsoft.com/office/drawing/2010/main" xmlns="" w="9525">
+                <a14:hiddenLine xmlns="" xmlns:a14="http://schemas.microsoft.com/office/drawing/2010/main" w="9525">
                   <a:solidFill>
                     <a:srgbClr val="000000"/>
                   </a:solidFill>
@@ -5550,7 +5347,7 @@
             </a:ln>
             <a:extLst>
               <a:ext uri="{91240B29-F687-4f45-9708-019B960494DF}">
-                <a14:hiddenLine xmlns:a14="http://schemas.microsoft.com/office/drawing/2010/main" xmlns="" w="9525">
+                <a14:hiddenLine xmlns="" xmlns:a14="http://schemas.microsoft.com/office/drawing/2010/main" w="9525">
                   <a:solidFill>
                     <a:srgbClr val="000000"/>
                   </a:solidFill>
@@ -5612,7 +5409,7 @@
             </a:ln>
             <a:extLst>
               <a:ext uri="{91240B29-F687-4f45-9708-019B960494DF}">
-                <a14:hiddenLine xmlns:a14="http://schemas.microsoft.com/office/drawing/2010/main" xmlns="" w="9525">
+                <a14:hiddenLine xmlns="" xmlns:a14="http://schemas.microsoft.com/office/drawing/2010/main" w="9525">
                   <a:solidFill>
                     <a:srgbClr val="000000"/>
                   </a:solidFill>
@@ -5674,7 +5471,7 @@
             </a:ln>
             <a:extLst>
               <a:ext uri="{91240B29-F687-4f45-9708-019B960494DF}">
-                <a14:hiddenLine xmlns:a14="http://schemas.microsoft.com/office/drawing/2010/main" xmlns="" w="9525">
+                <a14:hiddenLine xmlns="" xmlns:a14="http://schemas.microsoft.com/office/drawing/2010/main" w="9525">
                   <a:solidFill>
                     <a:srgbClr val="000000"/>
                   </a:solidFill>
@@ -5764,7 +5561,7 @@
             </a:ln>
             <a:extLst>
               <a:ext uri="{91240B29-F687-4f45-9708-019B960494DF}">
-                <a14:hiddenLine xmlns:a14="http://schemas.microsoft.com/office/drawing/2010/main" xmlns="" w="9525">
+                <a14:hiddenLine xmlns="" xmlns:a14="http://schemas.microsoft.com/office/drawing/2010/main" w="9525">
                   <a:solidFill>
                     <a:srgbClr val="000000"/>
                   </a:solidFill>
@@ -5832,7 +5629,7 @@
             </a:ln>
             <a:extLst>
               <a:ext uri="{91240B29-F687-4f45-9708-019B960494DF}">
-                <a14:hiddenLine xmlns:a14="http://schemas.microsoft.com/office/drawing/2010/main" xmlns="" w="9525">
+                <a14:hiddenLine xmlns="" xmlns:a14="http://schemas.microsoft.com/office/drawing/2010/main" w="9525">
                   <a:solidFill>
                     <a:srgbClr val="000000"/>
                   </a:solidFill>
@@ -5894,7 +5691,7 @@
             </a:ln>
             <a:extLst>
               <a:ext uri="{91240B29-F687-4f45-9708-019B960494DF}">
-                <a14:hiddenLine xmlns:a14="http://schemas.microsoft.com/office/drawing/2010/main" xmlns="" w="9525">
+                <a14:hiddenLine xmlns="" xmlns:a14="http://schemas.microsoft.com/office/drawing/2010/main" w="9525">
                   <a:solidFill>
                     <a:srgbClr val="000000"/>
                   </a:solidFill>
@@ -5984,7 +5781,7 @@
             </a:ln>
             <a:extLst>
               <a:ext uri="{91240B29-F687-4f45-9708-019B960494DF}">
-                <a14:hiddenLine xmlns:a14="http://schemas.microsoft.com/office/drawing/2010/main" xmlns="" w="9525">
+                <a14:hiddenLine xmlns="" xmlns:a14="http://schemas.microsoft.com/office/drawing/2010/main" w="9525">
                   <a:solidFill>
                     <a:srgbClr val="000000"/>
                   </a:solidFill>
@@ -6046,7 +5843,7 @@
             </a:ln>
             <a:extLst>
               <a:ext uri="{91240B29-F687-4f45-9708-019B960494DF}">
-                <a14:hiddenLine xmlns:a14="http://schemas.microsoft.com/office/drawing/2010/main" xmlns="" w="9525">
+                <a14:hiddenLine xmlns="" xmlns:a14="http://schemas.microsoft.com/office/drawing/2010/main" w="9525">
                   <a:solidFill>
                     <a:srgbClr val="000000"/>
                   </a:solidFill>
@@ -6136,7 +5933,7 @@
             </a:ln>
             <a:extLst>
               <a:ext uri="{91240B29-F687-4f45-9708-019B960494DF}">
-                <a14:hiddenLine xmlns:a14="http://schemas.microsoft.com/office/drawing/2010/main" xmlns="" w="9525">
+                <a14:hiddenLine xmlns="" xmlns:a14="http://schemas.microsoft.com/office/drawing/2010/main" w="9525">
                   <a:solidFill>
                     <a:srgbClr val="000000"/>
                   </a:solidFill>
@@ -6198,7 +5995,7 @@
             </a:ln>
             <a:extLst>
               <a:ext uri="{91240B29-F687-4f45-9708-019B960494DF}">
-                <a14:hiddenLine xmlns:a14="http://schemas.microsoft.com/office/drawing/2010/main" xmlns="" w="9525">
+                <a14:hiddenLine xmlns="" xmlns:a14="http://schemas.microsoft.com/office/drawing/2010/main" w="9525">
                   <a:solidFill>
                     <a:srgbClr val="000000"/>
                   </a:solidFill>
@@ -6288,7 +6085,7 @@
             </a:ln>
             <a:extLst>
               <a:ext uri="{91240B29-F687-4f45-9708-019B960494DF}">
-                <a14:hiddenLine xmlns:a14="http://schemas.microsoft.com/office/drawing/2010/main" xmlns="" w="9525">
+                <a14:hiddenLine xmlns="" xmlns:a14="http://schemas.microsoft.com/office/drawing/2010/main" w="9525">
                   <a:solidFill>
                     <a:srgbClr val="000000"/>
                   </a:solidFill>
@@ -6322,7 +6119,7 @@
             </a:ln>
             <a:extLst>
               <a:ext uri="{91240B29-F687-4f45-9708-019B960494DF}">
-                <a14:hiddenLine xmlns:a14="http://schemas.microsoft.com/office/drawing/2010/main" xmlns="" w="9525">
+                <a14:hiddenLine xmlns="" xmlns:a14="http://schemas.microsoft.com/office/drawing/2010/main" w="9525">
                   <a:solidFill>
                     <a:srgbClr val="000000"/>
                   </a:solidFill>
@@ -6387,7 +6184,7 @@
             </a:ln>
             <a:extLst>
               <a:ext uri="{91240B29-F687-4f45-9708-019B960494DF}">
-                <a14:hiddenLine xmlns:a14="http://schemas.microsoft.com/office/drawing/2010/main" xmlns="" w="9525">
+                <a14:hiddenLine xmlns="" xmlns:a14="http://schemas.microsoft.com/office/drawing/2010/main" w="9525">
                   <a:solidFill>
                     <a:srgbClr val="000000"/>
                   </a:solidFill>
@@ -6477,7 +6274,7 @@
             </a:ln>
             <a:extLst>
               <a:ext uri="{91240B29-F687-4f45-9708-019B960494DF}">
-                <a14:hiddenLine xmlns:a14="http://schemas.microsoft.com/office/drawing/2010/main" xmlns="" w="9525">
+                <a14:hiddenLine xmlns="" xmlns:a14="http://schemas.microsoft.com/office/drawing/2010/main" w="9525">
                   <a:solidFill>
                     <a:srgbClr val="000000"/>
                   </a:solidFill>
@@ -6539,7 +6336,7 @@
             </a:ln>
             <a:extLst>
               <a:ext uri="{91240B29-F687-4f45-9708-019B960494DF}">
-                <a14:hiddenLine xmlns:a14="http://schemas.microsoft.com/office/drawing/2010/main" xmlns="" w="9525">
+                <a14:hiddenLine xmlns="" xmlns:a14="http://schemas.microsoft.com/office/drawing/2010/main" w="9525">
                   <a:solidFill>
                     <a:srgbClr val="000000"/>
                   </a:solidFill>
@@ -6629,7 +6426,7 @@
             </a:ln>
             <a:extLst>
               <a:ext uri="{91240B29-F687-4f45-9708-019B960494DF}">
-                <a14:hiddenLine xmlns:a14="http://schemas.microsoft.com/office/drawing/2010/main" xmlns="" w="9525">
+                <a14:hiddenLine xmlns="" xmlns:a14="http://schemas.microsoft.com/office/drawing/2010/main" w="9525">
                   <a:solidFill>
                     <a:srgbClr val="000000"/>
                   </a:solidFill>
@@ -6719,7 +6516,7 @@
             </a:ln>
             <a:extLst>
               <a:ext uri="{91240B29-F687-4f45-9708-019B960494DF}">
-                <a14:hiddenLine xmlns:a14="http://schemas.microsoft.com/office/drawing/2010/main" xmlns="" w="9525">
+                <a14:hiddenLine xmlns="" xmlns:a14="http://schemas.microsoft.com/office/drawing/2010/main" w="9525">
                   <a:solidFill>
                     <a:srgbClr val="000000"/>
                   </a:solidFill>
@@ -6784,7 +6581,7 @@
             </a:ln>
             <a:extLst>
               <a:ext uri="{91240B29-F687-4f45-9708-019B960494DF}">
-                <a14:hiddenLine xmlns:a14="http://schemas.microsoft.com/office/drawing/2010/main" xmlns="" w="9525">
+                <a14:hiddenLine xmlns="" xmlns:a14="http://schemas.microsoft.com/office/drawing/2010/main" w="9525">
                   <a:solidFill>
                     <a:srgbClr val="000000"/>
                   </a:solidFill>
@@ -6846,7 +6643,7 @@
             </a:ln>
             <a:extLst>
               <a:ext uri="{91240B29-F687-4f45-9708-019B960494DF}">
-                <a14:hiddenLine xmlns:a14="http://schemas.microsoft.com/office/drawing/2010/main" xmlns="" w="9525">
+                <a14:hiddenLine xmlns="" xmlns:a14="http://schemas.microsoft.com/office/drawing/2010/main" w="9525">
                   <a:solidFill>
                     <a:srgbClr val="000000"/>
                   </a:solidFill>
@@ -6936,7 +6733,7 @@
             </a:ln>
             <a:extLst>
               <a:ext uri="{91240B29-F687-4f45-9708-019B960494DF}">
-                <a14:hiddenLine xmlns:a14="http://schemas.microsoft.com/office/drawing/2010/main" xmlns="" w="9525">
+                <a14:hiddenLine xmlns="" xmlns:a14="http://schemas.microsoft.com/office/drawing/2010/main" w="9525">
                   <a:solidFill>
                     <a:srgbClr val="000000"/>
                   </a:solidFill>
@@ -7026,7 +6823,7 @@
             </a:ln>
             <a:extLst>
               <a:ext uri="{91240B29-F687-4f45-9708-019B960494DF}">
-                <a14:hiddenLine xmlns:a14="http://schemas.microsoft.com/office/drawing/2010/main" xmlns="" w="9525">
+                <a14:hiddenLine xmlns="" xmlns:a14="http://schemas.microsoft.com/office/drawing/2010/main" w="9525">
                   <a:solidFill>
                     <a:srgbClr val="000000"/>
                   </a:solidFill>
@@ -7088,7 +6885,7 @@
             </a:ln>
             <a:extLst>
               <a:ext uri="{91240B29-F687-4f45-9708-019B960494DF}">
-                <a14:hiddenLine xmlns:a14="http://schemas.microsoft.com/office/drawing/2010/main" xmlns="" w="9525">
+                <a14:hiddenLine xmlns="" xmlns:a14="http://schemas.microsoft.com/office/drawing/2010/main" w="9525">
                   <a:solidFill>
                     <a:srgbClr val="000000"/>
                   </a:solidFill>
@@ -7208,7 +7005,7 @@
             </a:ln>
             <a:extLst>
               <a:ext uri="{91240B29-F687-4f45-9708-019B960494DF}">
-                <a14:hiddenLine xmlns:a14="http://schemas.microsoft.com/office/drawing/2010/main" xmlns="" w="9525">
+                <a14:hiddenLine xmlns="" xmlns:a14="http://schemas.microsoft.com/office/drawing/2010/main" w="9525">
                   <a:solidFill>
                     <a:srgbClr val="000000"/>
                   </a:solidFill>
@@ -7276,7 +7073,7 @@
             </a:ln>
             <a:extLst>
               <a:ext uri="{91240B29-F687-4f45-9708-019B960494DF}">
-                <a14:hiddenLine xmlns:a14="http://schemas.microsoft.com/office/drawing/2010/main" xmlns="" w="9525">
+                <a14:hiddenLine xmlns="" xmlns:a14="http://schemas.microsoft.com/office/drawing/2010/main" w="9525">
                   <a:solidFill>
                     <a:srgbClr val="000000"/>
                   </a:solidFill>
@@ -7366,7 +7163,7 @@
             </a:ln>
             <a:extLst>
               <a:ext uri="{91240B29-F687-4f45-9708-019B960494DF}">
-                <a14:hiddenLine xmlns:a14="http://schemas.microsoft.com/office/drawing/2010/main" xmlns="" w="9525">
+                <a14:hiddenLine xmlns="" xmlns:a14="http://schemas.microsoft.com/office/drawing/2010/main" w="9525">
                   <a:solidFill>
                     <a:srgbClr val="000000"/>
                   </a:solidFill>
@@ -12215,7 +12012,7 @@
           <a:noFill/>
           <a:extLst>
             <a:ext uri="{909E8E84-426E-40dd-AFC4-6F175D3DCCD1}">
-              <a14:hiddenFill xmlns:a14="http://schemas.microsoft.com/office/drawing/2010/main" xmlns="">
+              <a14:hiddenFill xmlns="" xmlns:a14="http://schemas.microsoft.com/office/drawing/2010/main">
                 <a:solidFill>
                   <a:srgbClr val="FFFFFF"/>
                 </a:solidFill>
@@ -12289,7 +12086,7 @@
               </a:ln>
               <a:extLst>
                 <a:ext uri="{91240B29-F687-4f45-9708-019B960494DF}">
-                  <a14:hiddenLine xmlns:a14="http://schemas.microsoft.com/office/drawing/2010/main" xmlns="" w="9525">
+                  <a14:hiddenLine xmlns="" xmlns:a14="http://schemas.microsoft.com/office/drawing/2010/main" w="9525">
                     <a:solidFill>
                       <a:srgbClr val="000000"/>
                     </a:solidFill>
@@ -12379,7 +12176,7 @@
               </a:ln>
               <a:extLst>
                 <a:ext uri="{91240B29-F687-4f45-9708-019B960494DF}">
-                  <a14:hiddenLine xmlns:a14="http://schemas.microsoft.com/office/drawing/2010/main" xmlns="" w="9525">
+                  <a14:hiddenLine xmlns="" xmlns:a14="http://schemas.microsoft.com/office/drawing/2010/main" w="9525">
                     <a:solidFill>
                       <a:srgbClr val="000000"/>
                     </a:solidFill>
@@ -12469,7 +12266,7 @@
               </a:ln>
               <a:extLst>
                 <a:ext uri="{91240B29-F687-4f45-9708-019B960494DF}">
-                  <a14:hiddenLine xmlns:a14="http://schemas.microsoft.com/office/drawing/2010/main" xmlns="" w="9525">
+                  <a14:hiddenLine xmlns="" xmlns:a14="http://schemas.microsoft.com/office/drawing/2010/main" w="9525">
                     <a:solidFill>
                       <a:srgbClr val="000000"/>
                     </a:solidFill>
@@ -12531,7 +12328,7 @@
               </a:ln>
               <a:extLst>
                 <a:ext uri="{91240B29-F687-4f45-9708-019B960494DF}">
-                  <a14:hiddenLine xmlns:a14="http://schemas.microsoft.com/office/drawing/2010/main" xmlns="" w="9525">
+                  <a14:hiddenLine xmlns="" xmlns:a14="http://schemas.microsoft.com/office/drawing/2010/main" w="9525">
                     <a:solidFill>
                       <a:srgbClr val="000000"/>
                     </a:solidFill>
@@ -12621,7 +12418,7 @@
               </a:ln>
               <a:extLst>
                 <a:ext uri="{91240B29-F687-4f45-9708-019B960494DF}">
-                  <a14:hiddenLine xmlns:a14="http://schemas.microsoft.com/office/drawing/2010/main" xmlns="" w="9525">
+                  <a14:hiddenLine xmlns="" xmlns:a14="http://schemas.microsoft.com/office/drawing/2010/main" w="9525">
                     <a:solidFill>
                       <a:srgbClr val="000000"/>
                     </a:solidFill>
@@ -12683,7 +12480,7 @@
               </a:ln>
               <a:extLst>
                 <a:ext uri="{91240B29-F687-4f45-9708-019B960494DF}">
-                  <a14:hiddenLine xmlns:a14="http://schemas.microsoft.com/office/drawing/2010/main" xmlns="" w="9525">
+                  <a14:hiddenLine xmlns="" xmlns:a14="http://schemas.microsoft.com/office/drawing/2010/main" w="9525">
                     <a:solidFill>
                       <a:srgbClr val="000000"/>
                     </a:solidFill>
@@ -12745,7 +12542,7 @@
               </a:ln>
               <a:extLst>
                 <a:ext uri="{91240B29-F687-4f45-9708-019B960494DF}">
-                  <a14:hiddenLine xmlns:a14="http://schemas.microsoft.com/office/drawing/2010/main" xmlns="" w="9525">
+                  <a14:hiddenLine xmlns="" xmlns:a14="http://schemas.microsoft.com/office/drawing/2010/main" w="9525">
                     <a:solidFill>
                       <a:srgbClr val="000000"/>
                     </a:solidFill>
@@ -12835,7 +12632,7 @@
               </a:ln>
               <a:extLst>
                 <a:ext uri="{91240B29-F687-4f45-9708-019B960494DF}">
-                  <a14:hiddenLine xmlns:a14="http://schemas.microsoft.com/office/drawing/2010/main" xmlns="" w="9525">
+                  <a14:hiddenLine xmlns="" xmlns:a14="http://schemas.microsoft.com/office/drawing/2010/main" w="9525">
                     <a:solidFill>
                       <a:srgbClr val="000000"/>
                     </a:solidFill>
@@ -12925,7 +12722,7 @@
               </a:ln>
               <a:extLst>
                 <a:ext uri="{91240B29-F687-4f45-9708-019B960494DF}">
-                  <a14:hiddenLine xmlns:a14="http://schemas.microsoft.com/office/drawing/2010/main" xmlns="" w="9525">
+                  <a14:hiddenLine xmlns="" xmlns:a14="http://schemas.microsoft.com/office/drawing/2010/main" w="9525">
                     <a:solidFill>
                       <a:srgbClr val="000000"/>
                     </a:solidFill>
@@ -12987,7 +12784,7 @@
               </a:ln>
               <a:extLst>
                 <a:ext uri="{91240B29-F687-4f45-9708-019B960494DF}">
-                  <a14:hiddenLine xmlns:a14="http://schemas.microsoft.com/office/drawing/2010/main" xmlns="" w="9525">
+                  <a14:hiddenLine xmlns="" xmlns:a14="http://schemas.microsoft.com/office/drawing/2010/main" w="9525">
                     <a:solidFill>
                       <a:srgbClr val="000000"/>
                     </a:solidFill>
@@ -13097,7 +12894,7 @@
               </a:ln>
               <a:extLst>
                 <a:ext uri="{91240B29-F687-4f45-9708-019B960494DF}">
-                  <a14:hiddenLine xmlns:a14="http://schemas.microsoft.com/office/drawing/2010/main" xmlns="" w="9525">
+                  <a14:hiddenLine xmlns="" xmlns:a14="http://schemas.microsoft.com/office/drawing/2010/main" w="9525">
                     <a:solidFill>
                       <a:srgbClr val="000000"/>
                     </a:solidFill>
@@ -13181,7 +12978,7 @@
               </a:ln>
               <a:extLst>
                 <a:ext uri="{91240B29-F687-4f45-9708-019B960494DF}">
-                  <a14:hiddenLine xmlns:a14="http://schemas.microsoft.com/office/drawing/2010/main" xmlns="" w="9525">
+                  <a14:hiddenLine xmlns="" xmlns:a14="http://schemas.microsoft.com/office/drawing/2010/main" w="9525">
                     <a:solidFill>
                       <a:srgbClr val="000000"/>
                     </a:solidFill>
@@ -13243,7 +13040,7 @@
               </a:ln>
               <a:extLst>
                 <a:ext uri="{91240B29-F687-4f45-9708-019B960494DF}">
-                  <a14:hiddenLine xmlns:a14="http://schemas.microsoft.com/office/drawing/2010/main" xmlns="" w="9525">
+                  <a14:hiddenLine xmlns="" xmlns:a14="http://schemas.microsoft.com/office/drawing/2010/main" w="9525">
                     <a:solidFill>
                       <a:srgbClr val="000000"/>
                     </a:solidFill>
@@ -13305,7 +13102,7 @@
               </a:ln>
               <a:extLst>
                 <a:ext uri="{91240B29-F687-4f45-9708-019B960494DF}">
-                  <a14:hiddenLine xmlns:a14="http://schemas.microsoft.com/office/drawing/2010/main" xmlns="" w="9525">
+                  <a14:hiddenLine xmlns="" xmlns:a14="http://schemas.microsoft.com/office/drawing/2010/main" w="9525">
                     <a:solidFill>
                       <a:srgbClr val="000000"/>
                     </a:solidFill>
@@ -13395,7 +13192,7 @@
               </a:ln>
               <a:extLst>
                 <a:ext uri="{91240B29-F687-4f45-9708-019B960494DF}">
-                  <a14:hiddenLine xmlns:a14="http://schemas.microsoft.com/office/drawing/2010/main" xmlns="" w="9525">
+                  <a14:hiddenLine xmlns="" xmlns:a14="http://schemas.microsoft.com/office/drawing/2010/main" w="9525">
                     <a:solidFill>
                       <a:srgbClr val="000000"/>
                     </a:solidFill>
@@ -13429,7 +13226,7 @@
               </a:ln>
               <a:extLst>
                 <a:ext uri="{91240B29-F687-4f45-9708-019B960494DF}">
-                  <a14:hiddenLine xmlns:a14="http://schemas.microsoft.com/office/drawing/2010/main" xmlns="" w="9525">
+                  <a14:hiddenLine xmlns="" xmlns:a14="http://schemas.microsoft.com/office/drawing/2010/main" w="9525">
                     <a:solidFill>
                       <a:srgbClr val="000000"/>
                     </a:solidFill>
@@ -13494,7 +13291,7 @@
               </a:ln>
               <a:extLst>
                 <a:ext uri="{91240B29-F687-4f45-9708-019B960494DF}">
-                  <a14:hiddenLine xmlns:a14="http://schemas.microsoft.com/office/drawing/2010/main" xmlns="" w="9525">
+                  <a14:hiddenLine xmlns="" xmlns:a14="http://schemas.microsoft.com/office/drawing/2010/main" w="9525">
                     <a:solidFill>
                       <a:srgbClr val="000000"/>
                     </a:solidFill>
@@ -13584,7 +13381,7 @@
               </a:ln>
               <a:extLst>
                 <a:ext uri="{91240B29-F687-4f45-9708-019B960494DF}">
-                  <a14:hiddenLine xmlns:a14="http://schemas.microsoft.com/office/drawing/2010/main" xmlns="" w="9525">
+                  <a14:hiddenLine xmlns="" xmlns:a14="http://schemas.microsoft.com/office/drawing/2010/main" w="9525">
                     <a:solidFill>
                       <a:srgbClr val="000000"/>
                     </a:solidFill>
@@ -13646,7 +13443,7 @@
               </a:ln>
               <a:extLst>
                 <a:ext uri="{91240B29-F687-4f45-9708-019B960494DF}">
-                  <a14:hiddenLine xmlns:a14="http://schemas.microsoft.com/office/drawing/2010/main" xmlns="" w="9525">
+                  <a14:hiddenLine xmlns="" xmlns:a14="http://schemas.microsoft.com/office/drawing/2010/main" w="9525">
                     <a:solidFill>
                       <a:srgbClr val="000000"/>
                     </a:solidFill>
@@ -13736,7 +13533,7 @@
               </a:ln>
               <a:extLst>
                 <a:ext uri="{91240B29-F687-4f45-9708-019B960494DF}">
-                  <a14:hiddenLine xmlns:a14="http://schemas.microsoft.com/office/drawing/2010/main" xmlns="" w="9525">
+                  <a14:hiddenLine xmlns="" xmlns:a14="http://schemas.microsoft.com/office/drawing/2010/main" w="9525">
                     <a:solidFill>
                       <a:srgbClr val="000000"/>
                     </a:solidFill>
@@ -13801,7 +13598,7 @@
               </a:ln>
               <a:extLst>
                 <a:ext uri="{91240B29-F687-4f45-9708-019B960494DF}">
-                  <a14:hiddenLine xmlns:a14="http://schemas.microsoft.com/office/drawing/2010/main" xmlns="" w="9525">
+                  <a14:hiddenLine xmlns="" xmlns:a14="http://schemas.microsoft.com/office/drawing/2010/main" w="9525">
                     <a:solidFill>
                       <a:srgbClr val="000000"/>
                     </a:solidFill>
@@ -13863,7 +13660,7 @@
               </a:ln>
               <a:extLst>
                 <a:ext uri="{91240B29-F687-4f45-9708-019B960494DF}">
-                  <a14:hiddenLine xmlns:a14="http://schemas.microsoft.com/office/drawing/2010/main" xmlns="" w="9525">
+                  <a14:hiddenLine xmlns="" xmlns:a14="http://schemas.microsoft.com/office/drawing/2010/main" w="9525">
                     <a:solidFill>
                       <a:srgbClr val="000000"/>
                     </a:solidFill>
@@ -13953,7 +13750,7 @@
               </a:ln>
               <a:extLst>
                 <a:ext uri="{91240B29-F687-4f45-9708-019B960494DF}">
-                  <a14:hiddenLine xmlns:a14="http://schemas.microsoft.com/office/drawing/2010/main" xmlns="" w="9525">
+                  <a14:hiddenLine xmlns="" xmlns:a14="http://schemas.microsoft.com/office/drawing/2010/main" w="9525">
                     <a:solidFill>
                       <a:srgbClr val="000000"/>
                     </a:solidFill>
@@ -14043,7 +13840,7 @@
               </a:ln>
               <a:extLst>
                 <a:ext uri="{91240B29-F687-4f45-9708-019B960494DF}">
-                  <a14:hiddenLine xmlns:a14="http://schemas.microsoft.com/office/drawing/2010/main" xmlns="" w="9525">
+                  <a14:hiddenLine xmlns="" xmlns:a14="http://schemas.microsoft.com/office/drawing/2010/main" w="9525">
                     <a:solidFill>
                       <a:srgbClr val="000000"/>
                     </a:solidFill>
@@ -14108,7 +13905,7 @@
               </a:ln>
               <a:extLst>
                 <a:ext uri="{91240B29-F687-4f45-9708-019B960494DF}">
-                  <a14:hiddenLine xmlns:a14="http://schemas.microsoft.com/office/drawing/2010/main" xmlns="" w="9525">
+                  <a14:hiddenLine xmlns="" xmlns:a14="http://schemas.microsoft.com/office/drawing/2010/main" w="9525">
                     <a:solidFill>
                       <a:srgbClr val="000000"/>
                     </a:solidFill>
@@ -14228,7 +14025,7 @@
               </a:ln>
               <a:extLst>
                 <a:ext uri="{91240B29-F687-4f45-9708-019B960494DF}">
-                  <a14:hiddenLine xmlns:a14="http://schemas.microsoft.com/office/drawing/2010/main" xmlns="" w="9525">
+                  <a14:hiddenLine xmlns="" xmlns:a14="http://schemas.microsoft.com/office/drawing/2010/main" w="9525">
                     <a:solidFill>
                       <a:srgbClr val="000000"/>
                     </a:solidFill>
@@ -14326,7 +14123,7 @@
               </a:ln>
               <a:extLst>
                 <a:ext uri="{91240B29-F687-4f45-9708-019B960494DF}">
-                  <a14:hiddenLine xmlns:a14="http://schemas.microsoft.com/office/drawing/2010/main" xmlns="" w="9525">
+                  <a14:hiddenLine xmlns="" xmlns:a14="http://schemas.microsoft.com/office/drawing/2010/main" w="9525">
                     <a:solidFill>
                       <a:srgbClr val="000000"/>
                     </a:solidFill>
@@ -14441,7 +14238,7 @@
               </a:ln>
               <a:extLst>
                 <a:ext uri="{91240B29-F687-4f45-9708-019B960494DF}">
-                  <a14:hiddenLine xmlns:a14="http://schemas.microsoft.com/office/drawing/2010/main" xmlns="" w="9525">
+                  <a14:hiddenLine xmlns="" xmlns:a14="http://schemas.microsoft.com/office/drawing/2010/main" w="9525">
                     <a:solidFill>
                       <a:srgbClr val="000000"/>
                     </a:solidFill>
@@ -14531,7 +14328,7 @@
               </a:ln>
               <a:extLst>
                 <a:ext uri="{91240B29-F687-4f45-9708-019B960494DF}">
-                  <a14:hiddenLine xmlns:a14="http://schemas.microsoft.com/office/drawing/2010/main" xmlns="" w="9525">
+                  <a14:hiddenLine xmlns="" xmlns:a14="http://schemas.microsoft.com/office/drawing/2010/main" w="9525">
                     <a:solidFill>
                       <a:srgbClr val="000000"/>
                     </a:solidFill>
@@ -14596,7 +14393,7 @@
               </a:ln>
               <a:extLst>
                 <a:ext uri="{91240B29-F687-4f45-9708-019B960494DF}">
-                  <a14:hiddenLine xmlns:a14="http://schemas.microsoft.com/office/drawing/2010/main" xmlns="" w="9525">
+                  <a14:hiddenLine xmlns="" xmlns:a14="http://schemas.microsoft.com/office/drawing/2010/main" w="9525">
                     <a:solidFill>
                       <a:srgbClr val="000000"/>
                     </a:solidFill>
@@ -14686,7 +14483,7 @@
               </a:ln>
               <a:extLst>
                 <a:ext uri="{91240B29-F687-4f45-9708-019B960494DF}">
-                  <a14:hiddenLine xmlns:a14="http://schemas.microsoft.com/office/drawing/2010/main" xmlns="" w="9525">
+                  <a14:hiddenLine xmlns="" xmlns:a14="http://schemas.microsoft.com/office/drawing/2010/main" w="9525">
                     <a:solidFill>
                       <a:srgbClr val="000000"/>
                     </a:solidFill>
@@ -14754,7 +14551,7 @@
               </a:ln>
               <a:extLst>
                 <a:ext uri="{91240B29-F687-4f45-9708-019B960494DF}">
-                  <a14:hiddenLine xmlns:a14="http://schemas.microsoft.com/office/drawing/2010/main" xmlns="" w="9525">
+                  <a14:hiddenLine xmlns="" xmlns:a14="http://schemas.microsoft.com/office/drawing/2010/main" w="9525">
                     <a:solidFill>
                       <a:srgbClr val="000000"/>
                     </a:solidFill>
@@ -14844,7 +14641,7 @@
               </a:ln>
               <a:extLst>
                 <a:ext uri="{91240B29-F687-4f45-9708-019B960494DF}">
-                  <a14:hiddenLine xmlns:a14="http://schemas.microsoft.com/office/drawing/2010/main" xmlns="" w="9525">
+                  <a14:hiddenLine xmlns="" xmlns:a14="http://schemas.microsoft.com/office/drawing/2010/main" w="9525">
                     <a:solidFill>
                       <a:srgbClr val="000000"/>
                     </a:solidFill>
@@ -14912,7 +14709,7 @@
               </a:ln>
               <a:extLst>
                 <a:ext uri="{91240B29-F687-4f45-9708-019B960494DF}">
-                  <a14:hiddenLine xmlns:a14="http://schemas.microsoft.com/office/drawing/2010/main" xmlns="" w="9525">
+                  <a14:hiddenLine xmlns="" xmlns:a14="http://schemas.microsoft.com/office/drawing/2010/main" w="9525">
                     <a:solidFill>
                       <a:srgbClr val="000000"/>
                     </a:solidFill>
@@ -15002,7 +14799,7 @@
               </a:ln>
               <a:extLst>
                 <a:ext uri="{91240B29-F687-4f45-9708-019B960494DF}">
-                  <a14:hiddenLine xmlns:a14="http://schemas.microsoft.com/office/drawing/2010/main" xmlns="" w="9525">
+                  <a14:hiddenLine xmlns="" xmlns:a14="http://schemas.microsoft.com/office/drawing/2010/main" w="9525">
                     <a:solidFill>
                       <a:srgbClr val="000000"/>
                     </a:solidFill>
@@ -15036,7 +14833,7 @@
               </a:ln>
               <a:extLst>
                 <a:ext uri="{91240B29-F687-4f45-9708-019B960494DF}">
-                  <a14:hiddenLine xmlns:a14="http://schemas.microsoft.com/office/drawing/2010/main" xmlns="" w="9525">
+                  <a14:hiddenLine xmlns="" xmlns:a14="http://schemas.microsoft.com/office/drawing/2010/main" w="9525">
                     <a:solidFill>
                       <a:srgbClr val="000000"/>
                     </a:solidFill>
@@ -15861,38 +15658,75 @@
           <a:bodyPr/>
           <a:lstStyle/>
           <a:p>
+            <a:pPr algn="ctr"/>
             <a:r>
               <a:rPr lang="en-US" dirty="0"/>
-              <a:t>Functional Specification Review </a:t>
-            </a:r>
-          </a:p>
-        </p:txBody>
-      </p:sp>
-      <p:sp>
-        <p:nvSpPr>
-          <p:cNvPr id="3" name="Text Placeholder 2"/>
-          <p:cNvSpPr>
-            <a:spLocks noGrp="1"/>
-          </p:cNvSpPr>
-          <p:nvPr>
-            <p:ph type="body" idx="1"/>
+              <a:t>2.3 Error Handling</a:t>
+            </a:r>
+          </a:p>
+        </p:txBody>
+      </p:sp>
+      <p:sp>
+        <p:nvSpPr>
+          <p:cNvPr id="3" name="Content Placeholder 2"/>
+          <p:cNvSpPr>
+            <a:spLocks noGrp="1"/>
+          </p:cNvSpPr>
+          <p:nvPr>
+            <p:ph idx="1"/>
           </p:nvPr>
         </p:nvSpPr>
         <p:spPr>
           <a:xfrm>
-            <a:off x="530352" y="3214688"/>
-            <a:ext cx="7772400" cy="1509712"/>
+            <a:off x="856060" y="1676400"/>
+            <a:ext cx="7429499" cy="4114801"/>
           </a:xfrm>
         </p:spPr>
         <p:txBody>
           <a:bodyPr/>
           <a:lstStyle/>
           <a:p>
-            <a:endParaRPr lang="en-US" dirty="0"/>
+            <a:endParaRPr lang="en-US" i="1" dirty="0">
+              <a:solidFill>
+                <a:srgbClr val="FF0000"/>
+              </a:solidFill>
+            </a:endParaRPr>
+          </a:p>
+          <a:p>
+            <a:r>
+              <a:rPr lang="en-US" dirty="0">
+                <a:solidFill>
+                  <a:schemeClr val="bg1"/>
+                </a:solidFill>
+              </a:rPr>
+              <a:t>We will bound the tunable frequencies by looping the frequency selector over the 3.500MHz – 4.000MHz range and the 14.000MHz – 15.350MHz range. </a:t>
+            </a:r>
+          </a:p>
+          <a:p>
+            <a:endParaRPr lang="en-US" dirty="0">
+              <a:solidFill>
+                <a:schemeClr val="bg1"/>
+              </a:solidFill>
+            </a:endParaRPr>
+          </a:p>
+          <a:p>
+            <a:r>
+              <a:rPr lang="en-US" dirty="0">
+                <a:solidFill>
+                  <a:schemeClr val="bg1"/>
+                </a:solidFill>
+              </a:rPr>
+              <a:t>Pre-set options for license level will be made available to limit the transmission range. </a:t>
+            </a:r>
           </a:p>
         </p:txBody>
       </p:sp>
     </p:spTree>
+    <p:extLst>
+      <p:ext uri="{BB962C8B-B14F-4D97-AF65-F5344CB8AC3E}">
+        <p14:creationId xmlns:p14="http://schemas.microsoft.com/office/powerpoint/2010/main" val="540270287"/>
+      </p:ext>
+    </p:extLst>
   </p:cSld>
   <p:clrMapOvr>
     <a:masterClrMapping/>
@@ -15935,7 +15769,7 @@
             <a:pPr algn="ctr"/>
             <a:r>
               <a:rPr lang="en-US" dirty="0"/>
-              <a:t>2.2 Administration Functions</a:t>
+              <a:t>2.4 Safety &amp; Security</a:t>
             </a:r>
           </a:p>
         </p:txBody>
@@ -15962,11 +15796,36 @@
             </a:endParaRPr>
           </a:p>
           <a:p>
-            <a:endParaRPr lang="en-US" i="1" dirty="0">
+            <a:r>
+              <a:rPr lang="en-US" dirty="0">
+                <a:solidFill>
+                  <a:schemeClr val="bg1"/>
+                </a:solidFill>
+              </a:rPr>
+              <a:t>A case will be used to limit accidental contact with components</a:t>
+            </a:r>
+            <a:br>
+              <a:rPr lang="en-US" dirty="0">
+                <a:solidFill>
+                  <a:schemeClr val="bg1"/>
+                </a:solidFill>
+              </a:rPr>
+            </a:br>
+            <a:endParaRPr lang="en-US" dirty="0">
               <a:solidFill>
-                <a:srgbClr val="FF0000"/>
+                <a:schemeClr val="bg1"/>
               </a:solidFill>
             </a:endParaRPr>
+          </a:p>
+          <a:p>
+            <a:r>
+              <a:rPr lang="en-US" dirty="0">
+                <a:solidFill>
+                  <a:schemeClr val="bg1"/>
+                </a:solidFill>
+              </a:rPr>
+              <a:t>An LED power indicator will be visible to warn the user the device is on. </a:t>
+            </a:r>
           </a:p>
         </p:txBody>
       </p:sp>
@@ -16002,7 +15861,7 @@
       </p:grpSpPr>
       <p:sp>
         <p:nvSpPr>
-          <p:cNvPr id="2" name="Title 1"/>
+          <p:cNvPr id="5" name="Title 4"/>
           <p:cNvSpPr>
             <a:spLocks noGrp="1"/>
           </p:cNvSpPr>
@@ -16015,11 +15874,7 @@
           <a:bodyPr/>
           <a:lstStyle/>
           <a:p>
-            <a:pPr algn="ctr"/>
-            <a:r>
-              <a:rPr lang="en-US" dirty="0"/>
-              <a:t>2.3 Error Handling</a:t>
-            </a:r>
+            <a:endParaRPr lang="en-US"/>
           </a:p>
         </p:txBody>
       </p:sp>
@@ -16035,28 +15890,29 @@
         </p:nvSpPr>
         <p:spPr/>
         <p:txBody>
-          <a:bodyPr/>
+          <a:bodyPr>
+            <a:normAutofit/>
+          </a:bodyPr>
           <a:lstStyle/>
           <a:p>
-            <a:endParaRPr lang="en-US" i="1" dirty="0">
-              <a:solidFill>
-                <a:srgbClr val="FF0000"/>
-              </a:solidFill>
-            </a:endParaRPr>
-          </a:p>
-          <a:p>
-            <a:endParaRPr lang="en-US" i="1" dirty="0">
-              <a:solidFill>
-                <a:srgbClr val="FF0000"/>
-              </a:solidFill>
-            </a:endParaRPr>
+            <a:pPr marL="0" indent="0">
+              <a:buNone/>
+            </a:pPr>
+            <a:r>
+              <a:rPr lang="en-US" sz="3600" b="1" dirty="0">
+                <a:solidFill>
+                  <a:srgbClr val="FF0000"/>
+                </a:solidFill>
+              </a:rPr>
+              <a:t>You may need to have a block diagram – of various levels – available throughout the presentation to illustrate elements of the design!</a:t>
+            </a:r>
           </a:p>
         </p:txBody>
       </p:sp>
     </p:spTree>
     <p:extLst>
       <p:ext uri="{BB962C8B-B14F-4D97-AF65-F5344CB8AC3E}">
-        <p14:creationId xmlns:p14="http://schemas.microsoft.com/office/powerpoint/2010/main" val="540270287"/>
+        <p14:creationId xmlns:p14="http://schemas.microsoft.com/office/powerpoint/2010/main" val="2675152547"/>
       </p:ext>
     </p:extLst>
   </p:cSld>
@@ -16101,7 +15957,7 @@
             <a:pPr algn="ctr"/>
             <a:r>
               <a:rPr lang="en-US" dirty="0"/>
-              <a:t>2.4 Safety &amp; Security</a:t>
+              <a:t>2.61 – User Interfaces </a:t>
             </a:r>
           </a:p>
         </p:txBody>
@@ -16128,11 +15984,24 @@
             </a:endParaRPr>
           </a:p>
           <a:p>
-            <a:endParaRPr lang="en-US" i="1" dirty="0">
-              <a:solidFill>
-                <a:srgbClr val="FF0000"/>
-              </a:solidFill>
-            </a:endParaRPr>
+            <a:r>
+              <a:rPr lang="en-US" dirty="0">
+                <a:solidFill>
+                  <a:schemeClr val="bg1"/>
+                </a:solidFill>
+              </a:rPr>
+              <a:t>Control components (Rotary switches, Rotary encoder, potentiometer, and multi pole switches) will be accessible to modify operation</a:t>
+            </a:r>
+          </a:p>
+          <a:p>
+            <a:r>
+              <a:rPr lang="en-US" dirty="0">
+                <a:solidFill>
+                  <a:schemeClr val="bg1"/>
+                </a:solidFill>
+              </a:rPr>
+              <a:t>An LED screen will be visible to allow the user to see frequency selection or other digital choices.  </a:t>
+            </a:r>
           </a:p>
         </p:txBody>
       </p:sp>
@@ -16168,7 +16037,7 @@
       </p:grpSpPr>
       <p:sp>
         <p:nvSpPr>
-          <p:cNvPr id="5" name="Title 4"/>
+          <p:cNvPr id="2" name="Title 1"/>
           <p:cNvSpPr>
             <a:spLocks noGrp="1"/>
           </p:cNvSpPr>
@@ -16181,7 +16050,11 @@
           <a:bodyPr/>
           <a:lstStyle/>
           <a:p>
-            <a:endParaRPr lang="en-US"/>
+            <a:pPr algn="ctr"/>
+            <a:r>
+              <a:rPr lang="en-US" dirty="0"/>
+              <a:t>2.62 – Software Interfaces </a:t>
+            </a:r>
           </a:p>
         </p:txBody>
       </p:sp>
@@ -16197,21 +16070,68 @@
         </p:nvSpPr>
         <p:spPr/>
         <p:txBody>
-          <a:bodyPr>
-            <a:normAutofit/>
-          </a:bodyPr>
+          <a:bodyPr/>
           <a:lstStyle/>
           <a:p>
-            <a:pPr marL="0" indent="0">
-              <a:buNone/>
-            </a:pPr>
-            <a:r>
-              <a:rPr lang="en-US" sz="3600" b="1" dirty="0">
+            <a:r>
+              <a:rPr lang="en-US" dirty="0">
                 <a:solidFill>
-                  <a:srgbClr val="FF0000"/>
+                  <a:schemeClr val="bg1"/>
                 </a:solidFill>
               </a:rPr>
-              <a:t>You may need to have a block diagram – of various levels – available throughout the presentation to illustrate elements of the design!</a:t>
+              <a:t>The Audio board and </a:t>
+            </a:r>
+            <a:r>
+              <a:rPr lang="en-US" dirty="0" err="1">
+                <a:solidFill>
+                  <a:schemeClr val="bg1"/>
+                </a:solidFill>
+              </a:rPr>
+              <a:t>Teesny</a:t>
+            </a:r>
+            <a:r>
+              <a:rPr lang="en-US" dirty="0">
+                <a:solidFill>
+                  <a:schemeClr val="bg1"/>
+                </a:solidFill>
+              </a:rPr>
+              <a:t> Communicate with I2c</a:t>
+            </a:r>
+          </a:p>
+          <a:p>
+            <a:r>
+              <a:rPr lang="en-US" dirty="0">
+                <a:solidFill>
+                  <a:schemeClr val="bg1"/>
+                </a:solidFill>
+              </a:rPr>
+              <a:t>Arduino IDE (1.8.7) with </a:t>
+            </a:r>
+            <a:r>
+              <a:rPr lang="en-US" dirty="0" err="1">
+                <a:solidFill>
+                  <a:schemeClr val="bg1"/>
+                </a:solidFill>
+              </a:rPr>
+              <a:t>Teesny</a:t>
+            </a:r>
+            <a:r>
+              <a:rPr lang="en-US" dirty="0">
+                <a:solidFill>
+                  <a:schemeClr val="bg1"/>
+                </a:solidFill>
+              </a:rPr>
+              <a:t> loader application (1.44) to create, compile, and load code</a:t>
+            </a:r>
+          </a:p>
+          <a:p>
+            <a:r>
+              <a:rPr lang="en-US" dirty="0">
+                <a:solidFill>
+                  <a:schemeClr val="bg1"/>
+                </a:solidFill>
+              </a:rPr>
+              <a:t>Stretch goal: Raspbian operating system. </a:t>
             </a:r>
           </a:p>
         </p:txBody>
@@ -16219,7 +16139,7 @@
     </p:spTree>
     <p:extLst>
       <p:ext uri="{BB962C8B-B14F-4D97-AF65-F5344CB8AC3E}">
-        <p14:creationId xmlns:p14="http://schemas.microsoft.com/office/powerpoint/2010/main" val="2675152547"/>
+        <p14:creationId xmlns:p14="http://schemas.microsoft.com/office/powerpoint/2010/main" val="540270287"/>
       </p:ext>
     </p:extLst>
   </p:cSld>
@@ -16264,7 +16184,7 @@
             <a:pPr algn="ctr"/>
             <a:r>
               <a:rPr lang="en-US" dirty="0"/>
-              <a:t>2.61 – User Interfaces </a:t>
+              <a:t>2.63 – Hardware Interfaces </a:t>
             </a:r>
           </a:p>
         </p:txBody>
@@ -16291,11 +16211,14 @@
             </a:endParaRPr>
           </a:p>
           <a:p>
-            <a:endParaRPr lang="en-US" i="1" dirty="0">
-              <a:solidFill>
-                <a:srgbClr val="FF0000"/>
-              </a:solidFill>
-            </a:endParaRPr>
+            <a:r>
+              <a:rPr lang="en-US" i="1" dirty="0">
+                <a:solidFill>
+                  <a:srgbClr val="FF0000"/>
+                </a:solidFill>
+              </a:rPr>
+              <a:t>(look at schematic/block diagram?) </a:t>
+            </a:r>
           </a:p>
         </p:txBody>
       </p:sp>
@@ -16347,7 +16270,7 @@
             <a:pPr algn="ctr"/>
             <a:r>
               <a:rPr lang="en-US" dirty="0"/>
-              <a:t>2.62 – Software Interfaces </a:t>
+              <a:t>2.64 – Mechanical Interfaces </a:t>
             </a:r>
           </a:p>
         </p:txBody>
@@ -16374,11 +16297,14 @@
             </a:endParaRPr>
           </a:p>
           <a:p>
-            <a:endParaRPr lang="en-US" i="1" dirty="0">
-              <a:solidFill>
-                <a:srgbClr val="FF0000"/>
-              </a:solidFill>
-            </a:endParaRPr>
+            <a:r>
+              <a:rPr lang="en-US" i="1" dirty="0">
+                <a:solidFill>
+                  <a:srgbClr val="FF0000"/>
+                </a:solidFill>
+              </a:rPr>
+              <a:t>Mechanical only systems, not electro-mechanical like the switches and relays</a:t>
+            </a:r>
           </a:p>
         </p:txBody>
       </p:sp>
@@ -16422,15 +16348,21 @@
             <p:ph type="title"/>
           </p:nvPr>
         </p:nvSpPr>
-        <p:spPr/>
-        <p:txBody>
-          <a:bodyPr/>
+        <p:spPr>
+          <a:xfrm>
+            <a:off x="457200" y="990600"/>
+            <a:ext cx="8229600" cy="1143000"/>
+          </a:xfrm>
+        </p:spPr>
+        <p:txBody>
+          <a:bodyPr>
+            <a:normAutofit/>
+          </a:bodyPr>
           <a:lstStyle/>
           <a:p>
-            <a:pPr algn="ctr"/>
             <a:r>
               <a:rPr lang="en-US" dirty="0"/>
-              <a:t>2.63 – Hardware Interfaces </a:t>
+              <a:t>2.7 Boundary Conditions &amp; Constraints</a:t>
             </a:r>
           </a:p>
         </p:txBody>
@@ -16513,7 +16445,7 @@
             <a:pPr algn="ctr"/>
             <a:r>
               <a:rPr lang="en-US" dirty="0"/>
-              <a:t>2.64 – Mechanical Interfaces </a:t>
+              <a:t>2.8 Performance</a:t>
             </a:r>
           </a:p>
         </p:txBody>
@@ -16588,21 +16520,15 @@
             <p:ph type="title"/>
           </p:nvPr>
         </p:nvSpPr>
-        <p:spPr>
-          <a:xfrm>
-            <a:off x="457200" y="990600"/>
-            <a:ext cx="8229600" cy="1143000"/>
-          </a:xfrm>
-        </p:spPr>
-        <p:txBody>
-          <a:bodyPr>
-            <a:normAutofit/>
-          </a:bodyPr>
+        <p:spPr/>
+        <p:txBody>
+          <a:bodyPr/>
           <a:lstStyle/>
           <a:p>
+            <a:pPr algn="ctr"/>
             <a:r>
               <a:rPr lang="en-US" dirty="0"/>
-              <a:t>2.7 Boundary Conditions &amp; Constraints</a:t>
+              <a:t>2.9 Software Platforms</a:t>
             </a:r>
           </a:p>
         </p:txBody>
@@ -16629,11 +16555,24 @@
             </a:endParaRPr>
           </a:p>
           <a:p>
-            <a:endParaRPr lang="en-US" i="1" dirty="0">
-              <a:solidFill>
-                <a:srgbClr val="FF0000"/>
-              </a:solidFill>
-            </a:endParaRPr>
+            <a:r>
+              <a:rPr lang="en-US" dirty="0">
+                <a:solidFill>
+                  <a:schemeClr val="bg1"/>
+                </a:solidFill>
+              </a:rPr>
+              <a:t>Arduino environment 1.8.7, with the Teensy loader application 1.44 addon on windows 10,</a:t>
+            </a:r>
+          </a:p>
+          <a:p>
+            <a:r>
+              <a:rPr lang="en-US" dirty="0">
+                <a:solidFill>
+                  <a:schemeClr val="bg1"/>
+                </a:solidFill>
+              </a:rPr>
+              <a:t>Stretch goal: Raspbian</a:t>
+            </a:r>
           </a:p>
         </p:txBody>
       </p:sp>
@@ -16778,13 +16717,15 @@
         </p:nvSpPr>
         <p:spPr/>
         <p:txBody>
-          <a:bodyPr/>
+          <a:bodyPr>
+            <a:normAutofit/>
+          </a:bodyPr>
           <a:lstStyle/>
           <a:p>
             <a:pPr algn="ctr"/>
             <a:r>
               <a:rPr lang="en-US" dirty="0"/>
-              <a:t>2.8 Performance</a:t>
+              <a:t>2.10 Service, Support &amp; Maintenance</a:t>
             </a:r>
           </a:p>
         </p:txBody>
@@ -16811,702 +16752,31 @@
             </a:endParaRPr>
           </a:p>
           <a:p>
-            <a:endParaRPr lang="en-US" i="1" dirty="0">
-              <a:solidFill>
-                <a:srgbClr val="FF0000"/>
-              </a:solidFill>
-            </a:endParaRPr>
-          </a:p>
-        </p:txBody>
-      </p:sp>
-      <p:graphicFrame>
-        <p:nvGraphicFramePr>
-          <p:cNvPr id="4" name="Table 3"/>
-          <p:cNvGraphicFramePr>
-            <a:graphicFrameLocks noGrp="1"/>
-          </p:cNvGraphicFramePr>
-          <p:nvPr/>
-        </p:nvGraphicFramePr>
-        <p:xfrm>
-          <a:off x="457200" y="2448401"/>
-          <a:ext cx="8229600" cy="3362960"/>
-        </p:xfrm>
-        <a:graphic>
-          <a:graphicData uri="http://schemas.openxmlformats.org/drawingml/2006/table">
-            <a:tbl>
-              <a:tblPr firstRow="1" firstCol="1" bandRow="1">
-                <a:tableStyleId>{5C22544A-7EE6-4342-B048-85BDC9FD1C3A}</a:tableStyleId>
-              </a:tblPr>
-              <a:tblGrid>
-                <a:gridCol w="1074786">
-                  <a:extLst>
-                    <a:ext uri="{9D8B030D-6E8A-4147-A177-3AD203B41FA5}">
-                      <a16:colId xmlns:a16="http://schemas.microsoft.com/office/drawing/2014/main" val="20000"/>
-                    </a:ext>
-                  </a:extLst>
-                </a:gridCol>
-                <a:gridCol w="3267151">
-                  <a:extLst>
-                    <a:ext uri="{9D8B030D-6E8A-4147-A177-3AD203B41FA5}">
-                      <a16:colId xmlns:a16="http://schemas.microsoft.com/office/drawing/2014/main" val="20001"/>
-                    </a:ext>
-                  </a:extLst>
-                </a:gridCol>
-                <a:gridCol w="3887663">
-                  <a:extLst>
-                    <a:ext uri="{9D8B030D-6E8A-4147-A177-3AD203B41FA5}">
-                      <a16:colId xmlns:a16="http://schemas.microsoft.com/office/drawing/2014/main" val="20002"/>
-                    </a:ext>
-                  </a:extLst>
-                </a:gridCol>
-              </a:tblGrid>
-              <a:tr h="0">
-                <a:tc gridSpan="3">
-                  <a:txBody>
-                    <a:bodyPr/>
-                    <a:lstStyle/>
-                    <a:p>
-                      <a:pPr marL="0" marR="0" algn="just">
-                        <a:spcBef>
-                          <a:spcPts val="0"/>
-                        </a:spcBef>
-                        <a:spcAft>
-                          <a:spcPts val="0"/>
-                        </a:spcAft>
-                      </a:pPr>
-                      <a:r>
-                        <a:rPr lang="en-US" sz="1200">
-                          <a:effectLst/>
-                        </a:rPr>
-                        <a:t>Software Performance Parameters</a:t>
-                      </a:r>
-                      <a:endParaRPr lang="en-US" sz="1200">
-                        <a:effectLst/>
-                        <a:latin typeface="Arial"/>
-                        <a:ea typeface="Times New Roman"/>
-                        <a:cs typeface="Times New Roman"/>
-                      </a:endParaRPr>
-                    </a:p>
-                  </a:txBody>
-                  <a:tcPr marL="68580" marR="68580" marT="0" marB="0"/>
-                </a:tc>
-                <a:tc hMerge="1">
-                  <a:txBody>
-                    <a:bodyPr/>
-                    <a:lstStyle/>
-                    <a:p>
-                      <a:endParaRPr lang="en-US"/>
-                    </a:p>
-                  </a:txBody>
-                  <a:tcPr/>
-                </a:tc>
-                <a:tc hMerge="1">
-                  <a:txBody>
-                    <a:bodyPr/>
-                    <a:lstStyle/>
-                    <a:p>
-                      <a:endParaRPr lang="en-US"/>
-                    </a:p>
-                  </a:txBody>
-                  <a:tcPr/>
-                </a:tc>
-                <a:extLst>
-                  <a:ext uri="{0D108BD9-81ED-4DB2-BD59-A6C34878D82A}">
-                    <a16:rowId xmlns:a16="http://schemas.microsoft.com/office/drawing/2014/main" val="10000"/>
-                  </a:ext>
-                </a:extLst>
-              </a:tr>
-              <a:tr h="0">
-                <a:tc>
-                  <a:txBody>
-                    <a:bodyPr/>
-                    <a:lstStyle/>
-                    <a:p>
-                      <a:pPr marL="0" marR="0" algn="just">
-                        <a:spcBef>
-                          <a:spcPts val="0"/>
-                        </a:spcBef>
-                        <a:spcAft>
-                          <a:spcPts val="0"/>
-                        </a:spcAft>
-                      </a:pPr>
-                      <a:r>
-                        <a:rPr lang="en-US" sz="1200">
-                          <a:effectLst/>
-                        </a:rPr>
-                        <a:t>Function</a:t>
-                      </a:r>
-                      <a:endParaRPr lang="en-US" sz="1200">
-                        <a:effectLst/>
-                        <a:latin typeface="Arial"/>
-                        <a:ea typeface="Times New Roman"/>
-                        <a:cs typeface="Times New Roman"/>
-                      </a:endParaRPr>
-                    </a:p>
-                  </a:txBody>
-                  <a:tcPr marL="68580" marR="68580" marT="0" marB="0"/>
-                </a:tc>
-                <a:tc>
-                  <a:txBody>
-                    <a:bodyPr/>
-                    <a:lstStyle/>
-                    <a:p>
-                      <a:pPr marL="0" marR="0" algn="just">
-                        <a:spcBef>
-                          <a:spcPts val="0"/>
-                        </a:spcBef>
-                        <a:spcAft>
-                          <a:spcPts val="0"/>
-                        </a:spcAft>
-                      </a:pPr>
-                      <a:r>
-                        <a:rPr lang="en-US" sz="1200">
-                          <a:effectLst/>
-                        </a:rPr>
-                        <a:t>Description</a:t>
-                      </a:r>
-                      <a:endParaRPr lang="en-US" sz="1200">
-                        <a:effectLst/>
-                        <a:latin typeface="Arial"/>
-                        <a:ea typeface="Times New Roman"/>
-                        <a:cs typeface="Times New Roman"/>
-                      </a:endParaRPr>
-                    </a:p>
-                  </a:txBody>
-                  <a:tcPr marL="68580" marR="68580" marT="0" marB="0"/>
-                </a:tc>
-                <a:tc>
-                  <a:txBody>
-                    <a:bodyPr/>
-                    <a:lstStyle/>
-                    <a:p>
-                      <a:pPr marL="0" marR="0" algn="just">
-                        <a:spcBef>
-                          <a:spcPts val="0"/>
-                        </a:spcBef>
-                        <a:spcAft>
-                          <a:spcPts val="0"/>
-                        </a:spcAft>
-                      </a:pPr>
-                      <a:r>
-                        <a:rPr lang="en-US" sz="1200">
-                          <a:effectLst/>
-                        </a:rPr>
-                        <a:t>How Tested</a:t>
-                      </a:r>
-                      <a:endParaRPr lang="en-US" sz="1200">
-                        <a:effectLst/>
-                        <a:latin typeface="Arial"/>
-                        <a:ea typeface="Times New Roman"/>
-                        <a:cs typeface="Times New Roman"/>
-                      </a:endParaRPr>
-                    </a:p>
-                  </a:txBody>
-                  <a:tcPr marL="68580" marR="68580" marT="0" marB="0"/>
-                </a:tc>
-                <a:extLst>
-                  <a:ext uri="{0D108BD9-81ED-4DB2-BD59-A6C34878D82A}">
-                    <a16:rowId xmlns:a16="http://schemas.microsoft.com/office/drawing/2014/main" val="10001"/>
-                  </a:ext>
-                </a:extLst>
-              </a:tr>
-              <a:tr h="793750">
-                <a:tc>
-                  <a:txBody>
-                    <a:bodyPr/>
-                    <a:lstStyle/>
-                    <a:p>
-                      <a:pPr marL="0" marR="0" algn="just">
-                        <a:spcBef>
-                          <a:spcPts val="0"/>
-                        </a:spcBef>
-                        <a:spcAft>
-                          <a:spcPts val="0"/>
-                        </a:spcAft>
-                      </a:pPr>
-                      <a:r>
-                        <a:rPr lang="en-GB" sz="1200">
-                          <a:effectLst/>
-                        </a:rPr>
-                        <a:t>New releases</a:t>
-                      </a:r>
-                      <a:endParaRPr lang="en-US" sz="1200">
-                        <a:effectLst/>
-                        <a:latin typeface="Arial"/>
-                        <a:ea typeface="Times New Roman"/>
-                        <a:cs typeface="Times New Roman"/>
-                      </a:endParaRPr>
-                    </a:p>
-                  </a:txBody>
-                  <a:tcPr marL="68580" marR="68580" marT="0" marB="0"/>
-                </a:tc>
-                <a:tc>
-                  <a:txBody>
-                    <a:bodyPr/>
-                    <a:lstStyle/>
-                    <a:p>
-                      <a:pPr marL="0" marR="0" algn="just">
-                        <a:spcBef>
-                          <a:spcPts val="0"/>
-                        </a:spcBef>
-                        <a:spcAft>
-                          <a:spcPts val="0"/>
-                        </a:spcAft>
-                      </a:pPr>
-                      <a:r>
-                        <a:rPr lang="en-GB" sz="1200">
-                          <a:effectLst/>
-                        </a:rPr>
-                        <a:t>Arduino software 1.6.6</a:t>
-                      </a:r>
-                      <a:endParaRPr lang="en-US" sz="1200">
-                        <a:effectLst/>
-                        <a:latin typeface="Arial"/>
-                        <a:ea typeface="Times New Roman"/>
-                        <a:cs typeface="Times New Roman"/>
-                      </a:endParaRPr>
-                    </a:p>
-                  </a:txBody>
-                  <a:tcPr marL="68580" marR="68580" marT="0" marB="0"/>
-                </a:tc>
-                <a:tc>
-                  <a:txBody>
-                    <a:bodyPr/>
-                    <a:lstStyle/>
-                    <a:p>
-                      <a:pPr marL="0" marR="0" algn="just">
-                        <a:spcBef>
-                          <a:spcPts val="0"/>
-                        </a:spcBef>
-                        <a:spcAft>
-                          <a:spcPts val="0"/>
-                        </a:spcAft>
-                      </a:pPr>
-                      <a:r>
-                        <a:rPr lang="en-GB" sz="1200">
-                          <a:effectLst/>
-                        </a:rPr>
-                        <a:t>When there is a new release the user will be notified by email, following the link and install it:</a:t>
-                      </a:r>
-                      <a:endParaRPr lang="en-US" sz="1200">
-                        <a:effectLst/>
-                      </a:endParaRPr>
-                    </a:p>
-                    <a:p>
-                      <a:pPr marL="0" marR="0" algn="just">
-                        <a:spcBef>
-                          <a:spcPts val="0"/>
-                        </a:spcBef>
-                        <a:spcAft>
-                          <a:spcPts val="0"/>
-                        </a:spcAft>
-                      </a:pPr>
-                      <a:r>
-                        <a:rPr lang="en-GB" sz="1200" u="sng">
-                          <a:effectLst/>
-                        </a:rPr>
-                        <a:t>https://www.arduino.cc/en/Main/Software </a:t>
-                      </a:r>
-                      <a:endParaRPr lang="en-US" sz="1200">
-                        <a:effectLst/>
-                        <a:latin typeface="Arial"/>
-                        <a:ea typeface="Times New Roman"/>
-                        <a:cs typeface="Times New Roman"/>
-                      </a:endParaRPr>
-                    </a:p>
-                  </a:txBody>
-                  <a:tcPr marL="68580" marR="68580" marT="0" marB="0"/>
-                </a:tc>
-                <a:extLst>
-                  <a:ext uri="{0D108BD9-81ED-4DB2-BD59-A6C34878D82A}">
-                    <a16:rowId xmlns:a16="http://schemas.microsoft.com/office/drawing/2014/main" val="10002"/>
-                  </a:ext>
-                </a:extLst>
-              </a:tr>
-              <a:tr h="393700">
-                <a:tc>
-                  <a:txBody>
-                    <a:bodyPr/>
-                    <a:lstStyle/>
-                    <a:p>
-                      <a:pPr marL="0" marR="0" algn="just">
-                        <a:spcBef>
-                          <a:spcPts val="0"/>
-                        </a:spcBef>
-                        <a:spcAft>
-                          <a:spcPts val="0"/>
-                        </a:spcAft>
-                      </a:pPr>
-                      <a:r>
-                        <a:rPr lang="en-US" sz="1200">
-                          <a:effectLst/>
-                        </a:rPr>
-                        <a:t>User interface</a:t>
-                      </a:r>
-                      <a:endParaRPr lang="en-US" sz="1200">
-                        <a:effectLst/>
-                        <a:latin typeface="Arial"/>
-                        <a:ea typeface="Times New Roman"/>
-                        <a:cs typeface="Times New Roman"/>
-                      </a:endParaRPr>
-                    </a:p>
-                  </a:txBody>
-                  <a:tcPr marL="68580" marR="68580" marT="0" marB="0"/>
-                </a:tc>
-                <a:tc>
-                  <a:txBody>
-                    <a:bodyPr/>
-                    <a:lstStyle/>
-                    <a:p>
-                      <a:pPr marL="0" marR="0" algn="just">
-                        <a:spcBef>
-                          <a:spcPts val="0"/>
-                        </a:spcBef>
-                        <a:spcAft>
-                          <a:spcPts val="0"/>
-                        </a:spcAft>
-                      </a:pPr>
-                      <a:r>
-                        <a:rPr lang="en-US" sz="1200">
-                          <a:effectLst/>
-                        </a:rPr>
-                        <a:t>Software window loads in four seconds.</a:t>
-                      </a:r>
-                      <a:endParaRPr lang="en-US" sz="1200">
-                        <a:effectLst/>
-                        <a:latin typeface="Arial"/>
-                        <a:ea typeface="Times New Roman"/>
-                        <a:cs typeface="Times New Roman"/>
-                      </a:endParaRPr>
-                    </a:p>
-                  </a:txBody>
-                  <a:tcPr marL="68580" marR="68580" marT="0" marB="0"/>
-                </a:tc>
-                <a:tc>
-                  <a:txBody>
-                    <a:bodyPr/>
-                    <a:lstStyle/>
-                    <a:p>
-                      <a:pPr marL="0" marR="0" algn="just">
-                        <a:spcBef>
-                          <a:spcPts val="0"/>
-                        </a:spcBef>
-                        <a:spcAft>
-                          <a:spcPts val="0"/>
-                        </a:spcAft>
-                      </a:pPr>
-                      <a:r>
-                        <a:rPr lang="en-US" sz="1200">
-                          <a:effectLst/>
-                        </a:rPr>
-                        <a:t>A timer is used to verify the load time.</a:t>
-                      </a:r>
-                      <a:endParaRPr lang="en-US" sz="1200">
-                        <a:effectLst/>
-                        <a:latin typeface="Arial"/>
-                        <a:ea typeface="Times New Roman"/>
-                        <a:cs typeface="Times New Roman"/>
-                      </a:endParaRPr>
-                    </a:p>
-                  </a:txBody>
-                  <a:tcPr marL="68580" marR="68580" marT="0" marB="0"/>
-                </a:tc>
-                <a:extLst>
-                  <a:ext uri="{0D108BD9-81ED-4DB2-BD59-A6C34878D82A}">
-                    <a16:rowId xmlns:a16="http://schemas.microsoft.com/office/drawing/2014/main" val="10003"/>
-                  </a:ext>
-                </a:extLst>
-              </a:tr>
-              <a:tr h="605155">
-                <a:tc>
-                  <a:txBody>
-                    <a:bodyPr/>
-                    <a:lstStyle/>
-                    <a:p>
-                      <a:pPr marL="0" marR="0" algn="just">
-                        <a:spcBef>
-                          <a:spcPts val="0"/>
-                        </a:spcBef>
-                        <a:spcAft>
-                          <a:spcPts val="0"/>
-                        </a:spcAft>
-                      </a:pPr>
-                      <a:r>
-                        <a:rPr lang="en-US" sz="1200">
-                          <a:effectLst/>
-                        </a:rPr>
-                        <a:t>Memory usage</a:t>
-                      </a:r>
-                      <a:endParaRPr lang="en-US" sz="1200">
-                        <a:effectLst/>
-                        <a:latin typeface="Arial"/>
-                        <a:ea typeface="Times New Roman"/>
-                        <a:cs typeface="Times New Roman"/>
-                      </a:endParaRPr>
-                    </a:p>
-                  </a:txBody>
-                  <a:tcPr marL="68580" marR="68580" marT="0" marB="0"/>
-                </a:tc>
-                <a:tc>
-                  <a:txBody>
-                    <a:bodyPr/>
-                    <a:lstStyle/>
-                    <a:p>
-                      <a:pPr marL="0" marR="0" algn="just">
-                        <a:spcBef>
-                          <a:spcPts val="0"/>
-                        </a:spcBef>
-                        <a:spcAft>
-                          <a:spcPts val="0"/>
-                        </a:spcAft>
-                      </a:pPr>
-                      <a:r>
-                        <a:rPr lang="en-US" sz="1200">
-                          <a:effectLst/>
-                        </a:rPr>
-                        <a:t>the amount of Operate System memory occupied the application is about 18MB </a:t>
-                      </a:r>
-                      <a:endParaRPr lang="en-US" sz="1200">
-                        <a:effectLst/>
-                        <a:latin typeface="Arial"/>
-                        <a:ea typeface="Times New Roman"/>
-                        <a:cs typeface="Times New Roman"/>
-                      </a:endParaRPr>
-                    </a:p>
-                  </a:txBody>
-                  <a:tcPr marL="68580" marR="68580" marT="0" marB="0"/>
-                </a:tc>
-                <a:tc>
-                  <a:txBody>
-                    <a:bodyPr/>
-                    <a:lstStyle/>
-                    <a:p>
-                      <a:pPr marL="0" marR="0" algn="just">
-                        <a:spcBef>
-                          <a:spcPts val="0"/>
-                        </a:spcBef>
-                        <a:spcAft>
-                          <a:spcPts val="0"/>
-                        </a:spcAft>
-                      </a:pPr>
-                      <a:r>
-                        <a:rPr lang="en-GB" sz="1200">
-                          <a:effectLst/>
-                        </a:rPr>
-                        <a:t>Observations done from the Windows Task Manager</a:t>
-                      </a:r>
-                      <a:endParaRPr lang="en-US" sz="1200">
-                        <a:effectLst/>
-                        <a:latin typeface="Arial"/>
-                        <a:ea typeface="Times New Roman"/>
-                        <a:cs typeface="Times New Roman"/>
-                      </a:endParaRPr>
-                    </a:p>
-                  </a:txBody>
-                  <a:tcPr marL="68580" marR="68580" marT="0" marB="0"/>
-                </a:tc>
-                <a:extLst>
-                  <a:ext uri="{0D108BD9-81ED-4DB2-BD59-A6C34878D82A}">
-                    <a16:rowId xmlns:a16="http://schemas.microsoft.com/office/drawing/2014/main" val="10004"/>
-                  </a:ext>
-                </a:extLst>
-              </a:tr>
-              <a:tr h="593725">
-                <a:tc>
-                  <a:txBody>
-                    <a:bodyPr/>
-                    <a:lstStyle/>
-                    <a:p>
-                      <a:pPr marL="0" marR="0" algn="just">
-                        <a:spcBef>
-                          <a:spcPts val="0"/>
-                        </a:spcBef>
-                        <a:spcAft>
-                          <a:spcPts val="0"/>
-                        </a:spcAft>
-                      </a:pPr>
-                      <a:r>
-                        <a:rPr lang="en-US" sz="1200">
-                          <a:effectLst/>
-                        </a:rPr>
-                        <a:t>System reliability</a:t>
-                      </a:r>
-                      <a:endParaRPr lang="en-US" sz="1200">
-                        <a:effectLst/>
-                        <a:latin typeface="Arial"/>
-                        <a:ea typeface="Times New Roman"/>
-                        <a:cs typeface="Times New Roman"/>
-                      </a:endParaRPr>
-                    </a:p>
-                  </a:txBody>
-                  <a:tcPr marL="68580" marR="68580" marT="0" marB="0"/>
-                </a:tc>
-                <a:tc>
-                  <a:txBody>
-                    <a:bodyPr/>
-                    <a:lstStyle/>
-                    <a:p>
-                      <a:pPr marL="0" marR="0" algn="just">
-                        <a:spcBef>
-                          <a:spcPts val="0"/>
-                        </a:spcBef>
-                        <a:spcAft>
-                          <a:spcPts val="0"/>
-                        </a:spcAft>
-                      </a:pPr>
-                      <a:r>
-                        <a:rPr lang="en-US" sz="1200">
-                          <a:effectLst/>
-                        </a:rPr>
-                        <a:t>System gives very accurate results.</a:t>
-                      </a:r>
-                      <a:endParaRPr lang="en-US" sz="1200">
-                        <a:effectLst/>
-                        <a:latin typeface="Arial"/>
-                        <a:ea typeface="Times New Roman"/>
-                        <a:cs typeface="Times New Roman"/>
-                      </a:endParaRPr>
-                    </a:p>
-                  </a:txBody>
-                  <a:tcPr marL="68580" marR="68580" marT="0" marB="0"/>
-                </a:tc>
-                <a:tc>
-                  <a:txBody>
-                    <a:bodyPr/>
-                    <a:lstStyle/>
-                    <a:p>
-                      <a:pPr marL="0" marR="0" algn="just">
-                        <a:spcBef>
-                          <a:spcPts val="0"/>
-                        </a:spcBef>
-                        <a:spcAft>
-                          <a:spcPts val="0"/>
-                        </a:spcAft>
-                      </a:pPr>
-                      <a:r>
-                        <a:rPr lang="en-GB" sz="1200">
-                          <a:effectLst/>
-                        </a:rPr>
-                        <a:t>The measurements are obtained from several different usage instances during testing with codes. </a:t>
-                      </a:r>
-                      <a:endParaRPr lang="en-US" sz="1200">
-                        <a:effectLst/>
-                        <a:latin typeface="Arial"/>
-                        <a:ea typeface="Times New Roman"/>
-                        <a:cs typeface="Times New Roman"/>
-                      </a:endParaRPr>
-                    </a:p>
-                  </a:txBody>
-                  <a:tcPr marL="68580" marR="68580" marT="0" marB="0"/>
-                </a:tc>
-                <a:extLst>
-                  <a:ext uri="{0D108BD9-81ED-4DB2-BD59-A6C34878D82A}">
-                    <a16:rowId xmlns:a16="http://schemas.microsoft.com/office/drawing/2014/main" val="10005"/>
-                  </a:ext>
-                </a:extLst>
-              </a:tr>
-              <a:tr h="610870">
-                <a:tc>
-                  <a:txBody>
-                    <a:bodyPr/>
-                    <a:lstStyle/>
-                    <a:p>
-                      <a:pPr marL="0" marR="0" algn="just">
-                        <a:spcBef>
-                          <a:spcPts val="0"/>
-                        </a:spcBef>
-                        <a:spcAft>
-                          <a:spcPts val="0"/>
-                        </a:spcAft>
-                      </a:pPr>
-                      <a:r>
-                        <a:rPr lang="en-US" sz="1200">
-                          <a:effectLst/>
-                        </a:rPr>
-                        <a:t>Title bars</a:t>
-                      </a:r>
-                      <a:endParaRPr lang="en-US" sz="1200">
-                        <a:effectLst/>
-                        <a:latin typeface="Arial"/>
-                        <a:ea typeface="Times New Roman"/>
-                        <a:cs typeface="Times New Roman"/>
-                      </a:endParaRPr>
-                    </a:p>
-                  </a:txBody>
-                  <a:tcPr marL="68580" marR="68580" marT="0" marB="0"/>
-                </a:tc>
-                <a:tc>
-                  <a:txBody>
-                    <a:bodyPr/>
-                    <a:lstStyle/>
-                    <a:p>
-                      <a:pPr marL="0" marR="0" algn="just">
-                        <a:spcBef>
-                          <a:spcPts val="0"/>
-                        </a:spcBef>
-                        <a:spcAft>
-                          <a:spcPts val="0"/>
-                        </a:spcAft>
-                      </a:pPr>
-                      <a:r>
-                        <a:rPr lang="en-GB" sz="1200">
-                          <a:effectLst/>
-                        </a:rPr>
-                        <a:t>Verified , Run , Upload   title bars are displayed on the program windows.</a:t>
-                      </a:r>
-                      <a:endParaRPr lang="en-US" sz="1200">
-                        <a:effectLst/>
-                        <a:latin typeface="Arial"/>
-                        <a:ea typeface="Times New Roman"/>
-                        <a:cs typeface="Times New Roman"/>
-                      </a:endParaRPr>
-                    </a:p>
-                  </a:txBody>
-                  <a:tcPr marL="68580" marR="68580" marT="0" marB="0"/>
-                </a:tc>
-                <a:tc>
-                  <a:txBody>
-                    <a:bodyPr/>
-                    <a:lstStyle/>
-                    <a:p>
-                      <a:pPr marL="0" marR="0" algn="just">
-                        <a:spcBef>
-                          <a:spcPts val="0"/>
-                        </a:spcBef>
-                        <a:spcAft>
-                          <a:spcPts val="0"/>
-                        </a:spcAft>
-                      </a:pPr>
-                      <a:r>
-                        <a:rPr lang="en-GB" sz="1200" dirty="0">
-                          <a:effectLst/>
-                        </a:rPr>
-                        <a:t>Each instance checked for the code is uploaded and verified, and the program is running.</a:t>
-                      </a:r>
-                      <a:endParaRPr lang="en-US" sz="1200" dirty="0">
-                        <a:effectLst/>
-                        <a:latin typeface="Arial"/>
-                        <a:ea typeface="Times New Roman"/>
-                        <a:cs typeface="Times New Roman"/>
-                      </a:endParaRPr>
-                    </a:p>
-                  </a:txBody>
-                  <a:tcPr marL="68580" marR="68580" marT="0" marB="0"/>
-                </a:tc>
-                <a:extLst>
-                  <a:ext uri="{0D108BD9-81ED-4DB2-BD59-A6C34878D82A}">
-                    <a16:rowId xmlns:a16="http://schemas.microsoft.com/office/drawing/2014/main" val="10006"/>
-                  </a:ext>
-                </a:extLst>
-              </a:tr>
-            </a:tbl>
-          </a:graphicData>
-        </a:graphic>
-      </p:graphicFrame>
+            <a:r>
+              <a:rPr lang="en-US" dirty="0">
+                <a:solidFill>
+                  <a:schemeClr val="bg1"/>
+                </a:solidFill>
+              </a:rPr>
+              <a:t>A repository of code by version of schematic will be available on a repository. </a:t>
+            </a:r>
+          </a:p>
+          <a:p>
+            <a:r>
+              <a:rPr lang="en-US" dirty="0">
+                <a:solidFill>
+                  <a:schemeClr val="bg1"/>
+                </a:solidFill>
+              </a:rPr>
+              <a:t>Components will be easy to access, and clean. </a:t>
+            </a:r>
+          </a:p>
+        </p:txBody>
+      </p:sp>
     </p:spTree>
     <p:extLst>
       <p:ext uri="{BB962C8B-B14F-4D97-AF65-F5344CB8AC3E}">
-        <p14:creationId xmlns:p14="http://schemas.microsoft.com/office/powerpoint/2010/main" val="540270287"/>
+        <p14:creationId xmlns:p14="http://schemas.microsoft.com/office/powerpoint/2010/main" val="3037040488"/>
       </p:ext>
     </p:extLst>
   </p:cSld>
@@ -17545,51 +16815,49 @@
         </p:nvSpPr>
         <p:spPr/>
         <p:txBody>
+          <a:bodyPr>
+            <a:normAutofit/>
+          </a:bodyPr>
+          <a:lstStyle/>
+          <a:p>
+            <a:pPr algn="ctr"/>
+            <a:r>
+              <a:rPr lang="en-US" dirty="0"/>
+              <a:t>2.11 Expandability or Customization</a:t>
+            </a:r>
+          </a:p>
+        </p:txBody>
+      </p:sp>
+      <p:sp>
+        <p:nvSpPr>
+          <p:cNvPr id="3" name="Content Placeholder 2"/>
+          <p:cNvSpPr>
+            <a:spLocks noGrp="1"/>
+          </p:cNvSpPr>
+          <p:nvPr>
+            <p:ph idx="1"/>
+          </p:nvPr>
+        </p:nvSpPr>
+        <p:spPr/>
+        <p:txBody>
           <a:bodyPr/>
           <a:lstStyle/>
           <a:p>
-            <a:pPr algn="ctr"/>
-            <a:r>
-              <a:rPr lang="en-US" dirty="0"/>
-              <a:t>2.9 Software Platforms</a:t>
-            </a:r>
-          </a:p>
-        </p:txBody>
-      </p:sp>
-      <p:sp>
-        <p:nvSpPr>
-          <p:cNvPr id="3" name="Content Placeholder 2"/>
-          <p:cNvSpPr>
-            <a:spLocks noGrp="1"/>
-          </p:cNvSpPr>
-          <p:nvPr>
-            <p:ph idx="1"/>
-          </p:nvPr>
-        </p:nvSpPr>
-        <p:spPr/>
-        <p:txBody>
-          <a:bodyPr/>
-          <a:lstStyle/>
-          <a:p>
-            <a:endParaRPr lang="en-US" i="1" dirty="0">
-              <a:solidFill>
-                <a:srgbClr val="FF0000"/>
-              </a:solidFill>
-            </a:endParaRPr>
-          </a:p>
-          <a:p>
-            <a:endParaRPr lang="en-US" i="1" dirty="0">
-              <a:solidFill>
-                <a:srgbClr val="FF0000"/>
-              </a:solidFill>
-            </a:endParaRPr>
+            <a:r>
+              <a:rPr lang="en-US" i="1" dirty="0">
+                <a:solidFill>
+                  <a:srgbClr val="FF0000"/>
+                </a:solidFill>
+              </a:rPr>
+              <a:t>Not in scope of project? Functional spec v1.2</a:t>
+            </a:r>
           </a:p>
         </p:txBody>
       </p:sp>
     </p:spTree>
     <p:extLst>
       <p:ext uri="{BB962C8B-B14F-4D97-AF65-F5344CB8AC3E}">
-        <p14:creationId xmlns:p14="http://schemas.microsoft.com/office/powerpoint/2010/main" val="540270287"/>
+        <p14:creationId xmlns:p14="http://schemas.microsoft.com/office/powerpoint/2010/main" val="1197772570"/>
       </p:ext>
     </p:extLst>
   </p:cSld>
@@ -17628,53 +16896,57 @@
         </p:nvSpPr>
         <p:spPr/>
         <p:txBody>
-          <a:bodyPr>
-            <a:normAutofit/>
-          </a:bodyPr>
-          <a:lstStyle/>
-          <a:p>
-            <a:pPr algn="ctr"/>
-            <a:r>
-              <a:rPr lang="en-US" dirty="0"/>
-              <a:t>2.10 Service, Support &amp; Maintenance</a:t>
-            </a:r>
-          </a:p>
-        </p:txBody>
-      </p:sp>
-      <p:sp>
-        <p:nvSpPr>
-          <p:cNvPr id="3" name="Content Placeholder 2"/>
-          <p:cNvSpPr>
-            <a:spLocks noGrp="1"/>
-          </p:cNvSpPr>
-          <p:nvPr>
-            <p:ph idx="1"/>
-          </p:nvPr>
-        </p:nvSpPr>
-        <p:spPr/>
-        <p:txBody>
           <a:bodyPr/>
           <a:lstStyle/>
           <a:p>
-            <a:endParaRPr lang="en-US" i="1" dirty="0">
-              <a:solidFill>
-                <a:srgbClr val="FF0000"/>
-              </a:solidFill>
-            </a:endParaRPr>
-          </a:p>
-          <a:p>
-            <a:endParaRPr lang="en-US" i="1" dirty="0">
-              <a:solidFill>
-                <a:srgbClr val="FF0000"/>
-              </a:solidFill>
-            </a:endParaRPr>
+            <a:pPr algn="ctr"/>
+            <a:r>
+              <a:rPr lang="en-US" dirty="0"/>
+              <a:t> Challenges &amp; Concerns</a:t>
+            </a:r>
+          </a:p>
+        </p:txBody>
+      </p:sp>
+      <p:sp>
+        <p:nvSpPr>
+          <p:cNvPr id="3" name="Content Placeholder 2"/>
+          <p:cNvSpPr>
+            <a:spLocks noGrp="1"/>
+          </p:cNvSpPr>
+          <p:nvPr>
+            <p:ph idx="1"/>
+          </p:nvPr>
+        </p:nvSpPr>
+        <p:spPr/>
+        <p:txBody>
+          <a:bodyPr/>
+          <a:lstStyle/>
+          <a:p>
+            <a:pPr lvl="1">
+              <a:buFont typeface="Wingdings" pitchFamily="2" charset="2"/>
+              <a:buChar char="Ø"/>
+            </a:pPr>
+            <a:r>
+              <a:rPr lang="en-US" dirty="0"/>
+              <a:t>Our simulations are not matching our actual devices</a:t>
+            </a:r>
+          </a:p>
+          <a:p>
+            <a:pPr lvl="2">
+              <a:buFont typeface="Wingdings" pitchFamily="2" charset="2"/>
+              <a:buChar char="Ø"/>
+            </a:pPr>
+            <a:r>
+              <a:rPr lang="en-US" dirty="0"/>
+              <a:t>The amplifier simulation is not matching the actual build</a:t>
+            </a:r>
           </a:p>
         </p:txBody>
       </p:sp>
     </p:spTree>
     <p:extLst>
       <p:ext uri="{BB962C8B-B14F-4D97-AF65-F5344CB8AC3E}">
-        <p14:creationId xmlns:p14="http://schemas.microsoft.com/office/powerpoint/2010/main" val="3037040488"/>
+        <p14:creationId xmlns:p14="http://schemas.microsoft.com/office/powerpoint/2010/main" val="1975700949"/>
       </p:ext>
     </p:extLst>
   </p:cSld>
@@ -17711,55 +16983,137 @@
             <p:ph type="title"/>
           </p:nvPr>
         </p:nvSpPr>
-        <p:spPr/>
+        <p:spPr>
+          <a:xfrm>
+            <a:off x="457200" y="609600"/>
+            <a:ext cx="8229600" cy="856488"/>
+          </a:xfrm>
+        </p:spPr>
+        <p:txBody>
+          <a:bodyPr/>
+          <a:lstStyle/>
+          <a:p>
+            <a:pPr algn="ctr"/>
+            <a:r>
+              <a:rPr lang="en-US" dirty="0"/>
+              <a:t>Project Progress</a:t>
+            </a:r>
+          </a:p>
+        </p:txBody>
+      </p:sp>
+      <p:sp>
+        <p:nvSpPr>
+          <p:cNvPr id="3" name="Content Placeholder 2"/>
+          <p:cNvSpPr>
+            <a:spLocks noGrp="1"/>
+          </p:cNvSpPr>
+          <p:nvPr>
+            <p:ph idx="1"/>
+          </p:nvPr>
+        </p:nvSpPr>
+        <p:spPr>
+          <a:xfrm>
+            <a:off x="457200" y="1447800"/>
+            <a:ext cx="8229600" cy="4389120"/>
+          </a:xfrm>
+        </p:spPr>
         <p:txBody>
           <a:bodyPr>
             <a:normAutofit/>
           </a:bodyPr>
           <a:lstStyle/>
           <a:p>
-            <a:pPr algn="ctr"/>
-            <a:r>
-              <a:rPr lang="en-US" dirty="0"/>
-              <a:t>2.11 Expandability or Customization</a:t>
-            </a:r>
-          </a:p>
-        </p:txBody>
-      </p:sp>
-      <p:sp>
-        <p:nvSpPr>
-          <p:cNvPr id="3" name="Content Placeholder 2"/>
-          <p:cNvSpPr>
-            <a:spLocks noGrp="1"/>
-          </p:cNvSpPr>
-          <p:nvPr>
-            <p:ph idx="1"/>
-          </p:nvPr>
-        </p:nvSpPr>
-        <p:spPr/>
-        <p:txBody>
-          <a:bodyPr/>
-          <a:lstStyle/>
-          <a:p>
-            <a:endParaRPr lang="en-US" i="1" dirty="0">
-              <a:solidFill>
-                <a:srgbClr val="FF0000"/>
-              </a:solidFill>
-            </a:endParaRPr>
-          </a:p>
-          <a:p>
-            <a:endParaRPr lang="en-US" i="1" dirty="0">
-              <a:solidFill>
-                <a:srgbClr val="FF0000"/>
-              </a:solidFill>
-            </a:endParaRPr>
+            <a:pPr>
+              <a:buFont typeface="Wingdings" pitchFamily="2" charset="2"/>
+              <a:buChar char="Ø"/>
+            </a:pPr>
+            <a:r>
+              <a:rPr lang="en-US" sz="2100" b="1" u="sng" dirty="0"/>
+              <a:t>Simulations</a:t>
+            </a:r>
+            <a:r>
+              <a:rPr lang="en-US" sz="2100" dirty="0"/>
+              <a:t> of analog components completed for:</a:t>
+            </a:r>
+          </a:p>
+          <a:p>
+            <a:pPr lvl="1">
+              <a:buFont typeface="Wingdings" pitchFamily="2" charset="2"/>
+              <a:buChar char="Ø"/>
+            </a:pPr>
+            <a:endParaRPr lang="en-US" sz="1700" b="1" u="sng" dirty="0"/>
+          </a:p>
+          <a:p>
+            <a:pPr>
+              <a:buFont typeface="Wingdings" pitchFamily="2" charset="2"/>
+              <a:buChar char="Ø"/>
+            </a:pPr>
+            <a:r>
+              <a:rPr lang="en-US" sz="2100" b="1" u="sng" dirty="0"/>
+              <a:t>Analysis</a:t>
+            </a:r>
+            <a:r>
+              <a:rPr lang="en-US" sz="2100" dirty="0"/>
+              <a:t> of electronic components completed for:</a:t>
+            </a:r>
+          </a:p>
+          <a:p>
+            <a:pPr lvl="1">
+              <a:buFont typeface="Wingdings" pitchFamily="2" charset="2"/>
+              <a:buChar char="Ø"/>
+            </a:pPr>
+            <a:r>
+              <a:rPr lang="en-US" sz="1700" dirty="0"/>
+              <a:t>Amplifier, </a:t>
+            </a:r>
+          </a:p>
+          <a:p>
+            <a:pPr>
+              <a:buFont typeface="Wingdings" pitchFamily="2" charset="2"/>
+              <a:buChar char="Ø"/>
+            </a:pPr>
+            <a:r>
+              <a:rPr lang="en-US" sz="2100" b="1" u="sng" dirty="0"/>
+              <a:t>Research</a:t>
+            </a:r>
+            <a:r>
+              <a:rPr lang="en-US" sz="2100" dirty="0"/>
+              <a:t> completed for:</a:t>
+            </a:r>
+          </a:p>
+          <a:p>
+            <a:pPr lvl="1">
+              <a:buFont typeface="Wingdings" pitchFamily="2" charset="2"/>
+              <a:buChar char="Ø"/>
+            </a:pPr>
+            <a:r>
+              <a:rPr lang="en-US" sz="1700" dirty="0"/>
+              <a:t>Single sideband signal</a:t>
+            </a:r>
+          </a:p>
+          <a:p>
+            <a:pPr lvl="1">
+              <a:buFont typeface="Wingdings" pitchFamily="2" charset="2"/>
+              <a:buChar char="Ø"/>
+            </a:pPr>
+            <a:r>
+              <a:rPr lang="en-US" sz="1700" dirty="0"/>
+              <a:t>Signal flow through device</a:t>
+            </a:r>
+          </a:p>
+          <a:p>
+            <a:pPr lvl="1">
+              <a:buFont typeface="Wingdings" pitchFamily="2" charset="2"/>
+              <a:buChar char="Ø"/>
+            </a:pPr>
+            <a:endParaRPr lang="en-US" sz="1700" dirty="0"/>
           </a:p>
         </p:txBody>
       </p:sp>
     </p:spTree>
     <p:extLst>
       <p:ext uri="{BB962C8B-B14F-4D97-AF65-F5344CB8AC3E}">
-        <p14:creationId xmlns:p14="http://schemas.microsoft.com/office/powerpoint/2010/main" val="1197772570"/>
+        <p14:creationId xmlns:p14="http://schemas.microsoft.com/office/powerpoint/2010/main" val="1421278520"/>
       </p:ext>
     </p:extLst>
   </p:cSld>
@@ -17796,7 +17150,12 @@
             <p:ph type="title"/>
           </p:nvPr>
         </p:nvSpPr>
-        <p:spPr/>
+        <p:spPr>
+          <a:xfrm>
+            <a:off x="856060" y="304800"/>
+            <a:ext cx="7429499" cy="1371600"/>
+          </a:xfrm>
+        </p:spPr>
         <p:txBody>
           <a:bodyPr/>
           <a:lstStyle/>
@@ -17804,7 +17163,7 @@
             <a:pPr algn="ctr"/>
             <a:r>
               <a:rPr lang="en-US" dirty="0"/>
-              <a:t> Challenges &amp; Concerns</a:t>
+              <a:t>Future Tasks</a:t>
             </a:r>
           </a:p>
         </p:txBody>
@@ -17819,10 +17178,26 @@
             <p:ph idx="1"/>
           </p:nvPr>
         </p:nvSpPr>
-        <p:spPr/>
-        <p:txBody>
-          <a:bodyPr/>
+        <p:spPr>
+          <a:xfrm>
+            <a:off x="381000" y="1524000"/>
+            <a:ext cx="8305800" cy="5029200"/>
+          </a:xfrm>
+        </p:spPr>
+        <p:txBody>
+          <a:bodyPr>
+            <a:normAutofit/>
+          </a:bodyPr>
           <a:lstStyle/>
+          <a:p>
+            <a:pPr marL="0" indent="0">
+              <a:buNone/>
+            </a:pPr>
+            <a:r>
+              <a:rPr lang="en-US" dirty="0"/>
+              <a:t>Tasks Planned for the Completion of the project:</a:t>
+            </a:r>
+          </a:p>
           <a:p>
             <a:pPr>
               <a:buFont typeface="Wingdings" pitchFamily="2" charset="2"/>
@@ -17830,37 +17205,7 @@
             </a:pPr>
             <a:r>
               <a:rPr lang="en-US" dirty="0"/>
-              <a:t>EXAMPLE: Power System Development</a:t>
-            </a:r>
-          </a:p>
-          <a:p>
-            <a:pPr lvl="1">
-              <a:buFont typeface="Wingdings" pitchFamily="2" charset="2"/>
-              <a:buChar char="Ø"/>
-            </a:pPr>
-            <a:r>
-              <a:rPr lang="en-US" dirty="0"/>
-              <a:t>Each component is powered at a different voltage level and consume different current – best way to implement?</a:t>
-            </a:r>
-          </a:p>
-          <a:p>
-            <a:pPr lvl="1">
-              <a:buFont typeface="Wingdings" pitchFamily="2" charset="2"/>
-              <a:buChar char="Ø"/>
-            </a:pPr>
-            <a:r>
-              <a:rPr lang="en-US" dirty="0"/>
-              <a:t>Obtaining light-weight solar panels with sufficient power output – budgetary constraints</a:t>
-            </a:r>
-          </a:p>
-          <a:p>
-            <a:pPr lvl="1">
-              <a:buFont typeface="Wingdings" pitchFamily="2" charset="2"/>
-              <a:buChar char="Ø"/>
-            </a:pPr>
-            <a:r>
-              <a:rPr lang="en-US" dirty="0"/>
-              <a:t>Implementing solar charging during flight</a:t>
+              <a:t>Order parts</a:t>
             </a:r>
           </a:p>
           <a:p>
@@ -17870,153 +17215,17 @@
             </a:pPr>
             <a:r>
               <a:rPr lang="en-US" dirty="0"/>
-              <a:t>Predicting environmental conditions</a:t>
-            </a:r>
-          </a:p>
-          <a:p>
-            <a:pPr lvl="1">
-              <a:buFont typeface="Wingdings" pitchFamily="2" charset="2"/>
-              <a:buChar char="Ø"/>
-            </a:pPr>
-            <a:r>
-              <a:rPr lang="en-US" dirty="0"/>
-              <a:t>Vibration, temperature, wind, pressures, etc.</a:t>
-            </a:r>
-          </a:p>
-        </p:txBody>
-      </p:sp>
-      <p:sp>
-        <p:nvSpPr>
-          <p:cNvPr id="4" name="TextBox 3"/>
-          <p:cNvSpPr txBox="1"/>
-          <p:nvPr/>
-        </p:nvSpPr>
-        <p:spPr>
-          <a:xfrm>
-            <a:off x="7147264" y="4867870"/>
-            <a:ext cx="1981200" cy="923330"/>
-          </a:xfrm>
-          <a:prstGeom prst="rect">
-            <a:avLst/>
-          </a:prstGeom>
-          <a:solidFill>
-            <a:srgbClr val="FFFF00"/>
-          </a:solidFill>
-        </p:spPr>
-        <p:txBody>
-          <a:bodyPr wrap="square" rtlCol="0">
-            <a:spAutoFit/>
-          </a:bodyPr>
-          <a:lstStyle/>
-          <a:p>
-            <a:r>
-              <a:rPr lang="en-US" b="1" dirty="0"/>
-              <a:t>These are examples, write your own!</a:t>
-            </a:r>
-          </a:p>
-        </p:txBody>
-      </p:sp>
-    </p:spTree>
-    <p:extLst>
-      <p:ext uri="{BB962C8B-B14F-4D97-AF65-F5344CB8AC3E}">
-        <p14:creationId xmlns:p14="http://schemas.microsoft.com/office/powerpoint/2010/main" val="1975700949"/>
-      </p:ext>
-    </p:extLst>
-  </p:cSld>
-  <p:clrMapOvr>
-    <a:masterClrMapping/>
-  </p:clrMapOvr>
-</p:sld>
-</file>
-
-<file path=ppt/slides/slide25.xml><?xml version="1.0" encoding="utf-8"?>
-<p:sld xmlns:a="http://schemas.openxmlformats.org/drawingml/2006/main" xmlns:r="http://schemas.openxmlformats.org/officeDocument/2006/relationships" xmlns:p="http://schemas.openxmlformats.org/presentationml/2006/main">
-  <p:cSld>
-    <p:spTree>
-      <p:nvGrpSpPr>
-        <p:cNvPr id="1" name=""/>
-        <p:cNvGrpSpPr/>
-        <p:nvPr/>
-      </p:nvGrpSpPr>
-      <p:grpSpPr>
-        <a:xfrm>
-          <a:off x="0" y="0"/>
-          <a:ext cx="0" cy="0"/>
-          <a:chOff x="0" y="0"/>
-          <a:chExt cx="0" cy="0"/>
-        </a:xfrm>
-      </p:grpSpPr>
-      <p:sp>
-        <p:nvSpPr>
-          <p:cNvPr id="2" name="Title 1"/>
-          <p:cNvSpPr>
-            <a:spLocks noGrp="1"/>
-          </p:cNvSpPr>
-          <p:nvPr>
-            <p:ph type="title"/>
-          </p:nvPr>
-        </p:nvSpPr>
-        <p:spPr>
-          <a:xfrm>
-            <a:off x="457200" y="609600"/>
-            <a:ext cx="8229600" cy="856488"/>
-          </a:xfrm>
-        </p:spPr>
-        <p:txBody>
-          <a:bodyPr/>
-          <a:lstStyle/>
-          <a:p>
-            <a:pPr algn="ctr"/>
-            <a:r>
-              <a:rPr lang="en-US" dirty="0"/>
-              <a:t>Project Progress</a:t>
-            </a:r>
-          </a:p>
-        </p:txBody>
-      </p:sp>
-      <p:sp>
-        <p:nvSpPr>
-          <p:cNvPr id="3" name="Content Placeholder 2"/>
-          <p:cNvSpPr>
-            <a:spLocks noGrp="1"/>
-          </p:cNvSpPr>
-          <p:nvPr>
-            <p:ph idx="1"/>
-          </p:nvPr>
-        </p:nvSpPr>
-        <p:spPr>
-          <a:xfrm>
-            <a:off x="457200" y="1447800"/>
-            <a:ext cx="8229600" cy="4389120"/>
-          </a:xfrm>
-        </p:spPr>
-        <p:txBody>
-          <a:bodyPr>
-            <a:normAutofit lnSpcReduction="10000"/>
-          </a:bodyPr>
-          <a:lstStyle/>
+              <a:t>Assemble analog components</a:t>
+            </a:r>
+          </a:p>
           <a:p>
             <a:pPr>
               <a:buFont typeface="Wingdings" pitchFamily="2" charset="2"/>
               <a:buChar char="Ø"/>
             </a:pPr>
             <a:r>
-              <a:rPr lang="en-US" sz="2100" b="1" u="sng" dirty="0"/>
-              <a:t>Analysis</a:t>
-            </a:r>
-            <a:r>
-              <a:rPr lang="en-US" sz="2100" dirty="0"/>
-              <a:t> of electronic components completed for:</a:t>
-            </a:r>
-          </a:p>
-          <a:p>
-            <a:pPr lvl="1">
-              <a:buFont typeface="Wingdings" pitchFamily="2" charset="2"/>
-              <a:buChar char="Ø"/>
-            </a:pPr>
-            <a:r>
-              <a:rPr lang="en-US" sz="2100" dirty="0"/>
-              <a:t>Weight, Current consumption, operating voltage, power consumption</a:t>
+              <a:rPr lang="en-US" dirty="0"/>
+              <a:t>Test analog components against simulations</a:t>
             </a:r>
           </a:p>
           <a:p>
@@ -18025,32 +17234,8 @@
               <a:buChar char="Ø"/>
             </a:pPr>
             <a:r>
-              <a:rPr lang="en-US" sz="2100" b="1" u="sng" dirty="0"/>
-              <a:t>Research</a:t>
-            </a:r>
-            <a:r>
-              <a:rPr lang="en-US" sz="2100" dirty="0"/>
-              <a:t> completed for:</a:t>
-            </a:r>
-          </a:p>
-          <a:p>
-            <a:pPr lvl="1">
-              <a:buFont typeface="Wingdings" pitchFamily="2" charset="2"/>
-              <a:buChar char="Ø"/>
-            </a:pPr>
-            <a:r>
-              <a:rPr lang="en-US" sz="2100" dirty="0"/>
-              <a:t>Solar power capabilities</a:t>
-            </a:r>
-          </a:p>
-          <a:p>
-            <a:pPr lvl="1">
-              <a:buFont typeface="Wingdings" pitchFamily="2" charset="2"/>
-              <a:buChar char="Ø"/>
-            </a:pPr>
-            <a:r>
-              <a:rPr lang="en-US" sz="2100" dirty="0"/>
-              <a:t>Solar power integration</a:t>
+              <a:rPr lang="en-US" dirty="0"/>
+              <a:t>Test digital signal processing</a:t>
             </a:r>
           </a:p>
           <a:p>
@@ -18059,164 +17244,8 @@
               <a:buChar char="Ø"/>
             </a:pPr>
             <a:r>
-              <a:rPr lang="en-US" sz="2100" b="1" u="sng" dirty="0"/>
-              <a:t>Parts procured: </a:t>
-            </a:r>
-          </a:p>
-          <a:p>
-            <a:pPr lvl="1">
-              <a:buFont typeface="Wingdings" pitchFamily="2" charset="2"/>
-              <a:buChar char="Ø"/>
-            </a:pPr>
-            <a:r>
-              <a:rPr lang="en-US" sz="2100" dirty="0"/>
-              <a:t>Power system – Solar panels, batteries, power analyzer</a:t>
-            </a:r>
-          </a:p>
-          <a:p>
-            <a:pPr lvl="1">
-              <a:buFont typeface="Wingdings" pitchFamily="2" charset="2"/>
-              <a:buChar char="Ø"/>
-            </a:pPr>
-            <a:r>
-              <a:rPr lang="en-US" sz="2100" dirty="0"/>
-              <a:t>Control system – transmitter, amplifier, antenna, GPS, ESC</a:t>
-            </a:r>
-          </a:p>
-          <a:p>
-            <a:pPr lvl="1">
-              <a:buFont typeface="Wingdings" pitchFamily="2" charset="2"/>
-              <a:buChar char="Ø"/>
-            </a:pPr>
-            <a:r>
-              <a:rPr lang="en-US" sz="2100" dirty="0"/>
-              <a:t>Electronic payload – Camera</a:t>
-            </a:r>
-          </a:p>
-          <a:p>
-            <a:pPr lvl="1">
-              <a:buFont typeface="Wingdings" pitchFamily="2" charset="2"/>
-              <a:buChar char="Ø"/>
-            </a:pPr>
-            <a:r>
-              <a:rPr lang="en-US" sz="2100" dirty="0"/>
-              <a:t>Mechanical system – Motor, propeller</a:t>
-            </a:r>
-          </a:p>
-        </p:txBody>
-      </p:sp>
-      <p:sp>
-        <p:nvSpPr>
-          <p:cNvPr id="4" name="TextBox 3"/>
-          <p:cNvSpPr txBox="1"/>
-          <p:nvPr/>
-        </p:nvSpPr>
-        <p:spPr>
-          <a:xfrm>
-            <a:off x="7147264" y="4867870"/>
-            <a:ext cx="1981200" cy="923330"/>
-          </a:xfrm>
-          <a:prstGeom prst="rect">
-            <a:avLst/>
-          </a:prstGeom>
-          <a:solidFill>
-            <a:srgbClr val="FFFF00"/>
-          </a:solidFill>
-        </p:spPr>
-        <p:txBody>
-          <a:bodyPr wrap="square" rtlCol="0">
-            <a:spAutoFit/>
-          </a:bodyPr>
-          <a:lstStyle/>
-          <a:p>
-            <a:r>
-              <a:rPr lang="en-US" b="1" dirty="0"/>
-              <a:t>These are examples, write your own!</a:t>
-            </a:r>
-          </a:p>
-        </p:txBody>
-      </p:sp>
-    </p:spTree>
-    <p:extLst>
-      <p:ext uri="{BB962C8B-B14F-4D97-AF65-F5344CB8AC3E}">
-        <p14:creationId xmlns:p14="http://schemas.microsoft.com/office/powerpoint/2010/main" val="1421278520"/>
-      </p:ext>
-    </p:extLst>
-  </p:cSld>
-  <p:clrMapOvr>
-    <a:masterClrMapping/>
-  </p:clrMapOvr>
-</p:sld>
-</file>
-
-<file path=ppt/slides/slide26.xml><?xml version="1.0" encoding="utf-8"?>
-<p:sld xmlns:a="http://schemas.openxmlformats.org/drawingml/2006/main" xmlns:r="http://schemas.openxmlformats.org/officeDocument/2006/relationships" xmlns:p="http://schemas.openxmlformats.org/presentationml/2006/main">
-  <p:cSld>
-    <p:spTree>
-      <p:nvGrpSpPr>
-        <p:cNvPr id="1" name=""/>
-        <p:cNvGrpSpPr/>
-        <p:nvPr/>
-      </p:nvGrpSpPr>
-      <p:grpSpPr>
-        <a:xfrm>
-          <a:off x="0" y="0"/>
-          <a:ext cx="0" cy="0"/>
-          <a:chOff x="0" y="0"/>
-          <a:chExt cx="0" cy="0"/>
-        </a:xfrm>
-      </p:grpSpPr>
-      <p:sp>
-        <p:nvSpPr>
-          <p:cNvPr id="2" name="Title 1"/>
-          <p:cNvSpPr>
-            <a:spLocks noGrp="1"/>
-          </p:cNvSpPr>
-          <p:nvPr>
-            <p:ph type="title"/>
-          </p:nvPr>
-        </p:nvSpPr>
-        <p:spPr/>
-        <p:txBody>
-          <a:bodyPr/>
-          <a:lstStyle/>
-          <a:p>
-            <a:pPr algn="ctr"/>
-            <a:r>
               <a:rPr lang="en-US" dirty="0"/>
-              <a:t>Future Tasks</a:t>
-            </a:r>
-          </a:p>
-        </p:txBody>
-      </p:sp>
-      <p:sp>
-        <p:nvSpPr>
-          <p:cNvPr id="3" name="Content Placeholder 2"/>
-          <p:cNvSpPr>
-            <a:spLocks noGrp="1"/>
-          </p:cNvSpPr>
-          <p:nvPr>
-            <p:ph idx="1"/>
-          </p:nvPr>
-        </p:nvSpPr>
-        <p:spPr>
-          <a:xfrm>
-            <a:off x="457200" y="2164080"/>
-            <a:ext cx="8229600" cy="4389120"/>
-          </a:xfrm>
-        </p:spPr>
-        <p:txBody>
-          <a:bodyPr>
-            <a:normAutofit/>
-          </a:bodyPr>
-          <a:lstStyle/>
-          <a:p>
-            <a:pPr marL="0" indent="0">
-              <a:buNone/>
-            </a:pPr>
-            <a:r>
-              <a:rPr lang="en-US" dirty="0"/>
-              <a:t>Tasks Planned for the Completion of the project:</a:t>
+              <a:t>Combine parts for Software Defined Radio</a:t>
             </a:r>
           </a:p>
           <a:p>
@@ -18226,57 +17255,7 @@
             </a:pPr>
             <a:r>
               <a:rPr lang="en-US" dirty="0"/>
-              <a:t>Assemble glider</a:t>
-            </a:r>
-          </a:p>
-          <a:p>
-            <a:pPr>
-              <a:buFont typeface="Wingdings" pitchFamily="2" charset="2"/>
-              <a:buChar char="Ø"/>
-            </a:pPr>
-            <a:r>
-              <a:rPr lang="en-US" dirty="0"/>
-              <a:t>Assemble the electronic components within the glider</a:t>
-            </a:r>
-          </a:p>
-          <a:p>
-            <a:pPr>
-              <a:buFont typeface="Wingdings" pitchFamily="2" charset="2"/>
-              <a:buChar char="Ø"/>
-            </a:pPr>
-            <a:r>
-              <a:rPr lang="en-US" dirty="0"/>
-              <a:t>Determine which solar panels will function with our power requirements and order them</a:t>
-            </a:r>
-          </a:p>
-          <a:p>
-            <a:pPr>
-              <a:buFont typeface="Wingdings" pitchFamily="2" charset="2"/>
-              <a:buChar char="Ø"/>
-            </a:pPr>
-            <a:r>
-              <a:rPr lang="en-US" dirty="0"/>
-              <a:t>Program RC controller</a:t>
-            </a:r>
-          </a:p>
-          <a:p>
-            <a:pPr>
-              <a:buFont typeface="Wingdings" pitchFamily="2" charset="2"/>
-              <a:buChar char="Ø"/>
-            </a:pPr>
-            <a:r>
-              <a:rPr lang="en-US" dirty="0"/>
-              <a:t>Perform test of launch system</a:t>
-            </a:r>
-          </a:p>
-          <a:p>
-            <a:pPr>
-              <a:buFont typeface="Wingdings" pitchFamily="2" charset="2"/>
-              <a:buChar char="Ø"/>
-            </a:pPr>
-            <a:r>
-              <a:rPr lang="en-US" dirty="0"/>
-              <a:t>Perform preliminary tests with solar cells</a:t>
+              <a:t>Received signal test for Software Defined Radio</a:t>
             </a:r>
           </a:p>
           <a:p>
@@ -18290,37 +17269,6 @@
               <a:buNone/>
             </a:pPr>
             <a:endParaRPr lang="en-US" dirty="0"/>
-          </a:p>
-        </p:txBody>
-      </p:sp>
-      <p:sp>
-        <p:nvSpPr>
-          <p:cNvPr id="4" name="TextBox 3"/>
-          <p:cNvSpPr txBox="1"/>
-          <p:nvPr/>
-        </p:nvSpPr>
-        <p:spPr>
-          <a:xfrm>
-            <a:off x="7147264" y="4867870"/>
-            <a:ext cx="1981200" cy="923330"/>
-          </a:xfrm>
-          <a:prstGeom prst="rect">
-            <a:avLst/>
-          </a:prstGeom>
-          <a:solidFill>
-            <a:srgbClr val="FFFF00"/>
-          </a:solidFill>
-        </p:spPr>
-        <p:txBody>
-          <a:bodyPr wrap="square" rtlCol="0">
-            <a:spAutoFit/>
-          </a:bodyPr>
-          <a:lstStyle/>
-          <a:p>
-            <a:r>
-              <a:rPr lang="en-US" b="1" dirty="0"/>
-              <a:t>These are examples, write your own!</a:t>
-            </a:r>
           </a:p>
         </p:txBody>
       </p:sp>
@@ -18561,256 +17509,6 @@
         </p:nvSpPr>
         <p:spPr>
           <a:xfrm>
-            <a:off x="530352" y="304800"/>
-            <a:ext cx="7772400" cy="1362456"/>
-          </a:xfrm>
-        </p:spPr>
-        <p:txBody>
-          <a:bodyPr/>
-          <a:lstStyle/>
-          <a:p>
-            <a:r>
-              <a:rPr lang="en-US" dirty="0"/>
-              <a:t>Cruise Control                  Functional Block Diagram</a:t>
-            </a:r>
-          </a:p>
-        </p:txBody>
-      </p:sp>
-      <p:sp>
-        <p:nvSpPr>
-          <p:cNvPr id="3" name="Text Placeholder 2"/>
-          <p:cNvSpPr>
-            <a:spLocks noGrp="1"/>
-          </p:cNvSpPr>
-          <p:nvPr>
-            <p:ph type="body" idx="1"/>
-          </p:nvPr>
-        </p:nvSpPr>
-        <p:spPr>
-          <a:xfrm>
-            <a:off x="530352" y="1692728"/>
-            <a:ext cx="7772400" cy="1509712"/>
-          </a:xfrm>
-        </p:spPr>
-        <p:txBody>
-          <a:bodyPr/>
-          <a:lstStyle/>
-          <a:p>
-            <a:r>
-              <a:rPr lang="en-US" dirty="0"/>
-              <a:t>Automobile applications</a:t>
-            </a:r>
-          </a:p>
-        </p:txBody>
-      </p:sp>
-      <p:pic>
-        <p:nvPicPr>
-          <p:cNvPr id="1030" name="Picture 6" descr="Image result for automobile cruise control system"/>
-          <p:cNvPicPr>
-            <a:picLocks noChangeAspect="1" noChangeArrowheads="1"/>
-          </p:cNvPicPr>
-          <p:nvPr/>
-        </p:nvPicPr>
-        <p:blipFill>
-          <a:blip r:embed="rId3">
-            <a:extLst>
-              <a:ext uri="{28A0092B-C50C-407E-A947-70E740481C1C}">
-                <a14:useLocalDpi xmlns:a14="http://schemas.microsoft.com/office/drawing/2010/main" val="0"/>
-              </a:ext>
-            </a:extLst>
-          </a:blip>
-          <a:srcRect/>
-          <a:stretch>
-            <a:fillRect/>
-          </a:stretch>
-        </p:blipFill>
-        <p:spPr bwMode="auto">
-          <a:xfrm>
-            <a:off x="304800" y="2667000"/>
-            <a:ext cx="8433786" cy="2895600"/>
-          </a:xfrm>
-          <a:prstGeom prst="rect">
-            <a:avLst/>
-          </a:prstGeom>
-          <a:noFill/>
-          <a:extLst>
-            <a:ext uri="{909E8E84-426E-40DD-AFC4-6F175D3DCCD1}">
-              <a14:hiddenFill xmlns:a14="http://schemas.microsoft.com/office/drawing/2010/main">
-                <a:solidFill>
-                  <a:srgbClr val="FFFFFF"/>
-                </a:solidFill>
-              </a14:hiddenFill>
-            </a:ext>
-          </a:extLst>
-        </p:spPr>
-      </p:pic>
-    </p:spTree>
-    <p:extLst>
-      <p:ext uri="{BB962C8B-B14F-4D97-AF65-F5344CB8AC3E}">
-        <p14:creationId xmlns:p14="http://schemas.microsoft.com/office/powerpoint/2010/main" val="1759319307"/>
-      </p:ext>
-    </p:extLst>
-  </p:cSld>
-  <p:clrMapOvr>
-    <a:masterClrMapping/>
-  </p:clrMapOvr>
-</p:sld>
-</file>
-
-<file path=ppt/slides/slide5.xml><?xml version="1.0" encoding="utf-8"?>
-<p:sld xmlns:a="http://schemas.openxmlformats.org/drawingml/2006/main" xmlns:r="http://schemas.openxmlformats.org/officeDocument/2006/relationships" xmlns:p="http://schemas.openxmlformats.org/presentationml/2006/main">
-  <p:cSld>
-    <p:spTree>
-      <p:nvGrpSpPr>
-        <p:cNvPr id="1" name=""/>
-        <p:cNvGrpSpPr/>
-        <p:nvPr/>
-      </p:nvGrpSpPr>
-      <p:grpSpPr>
-        <a:xfrm>
-          <a:off x="0" y="0"/>
-          <a:ext cx="0" cy="0"/>
-          <a:chOff x="0" y="0"/>
-          <a:chExt cx="0" cy="0"/>
-        </a:xfrm>
-      </p:grpSpPr>
-      <p:sp>
-        <p:nvSpPr>
-          <p:cNvPr id="2" name="Title 1"/>
-          <p:cNvSpPr>
-            <a:spLocks noGrp="1"/>
-          </p:cNvSpPr>
-          <p:nvPr>
-            <p:ph type="title"/>
-          </p:nvPr>
-        </p:nvSpPr>
-        <p:spPr>
-          <a:xfrm>
-            <a:off x="530352" y="304800"/>
-            <a:ext cx="7772400" cy="1362456"/>
-          </a:xfrm>
-        </p:spPr>
-        <p:txBody>
-          <a:bodyPr/>
-          <a:lstStyle/>
-          <a:p>
-            <a:r>
-              <a:rPr lang="en-US" dirty="0"/>
-              <a:t>Cruise Control                  Detail Block Diagram</a:t>
-            </a:r>
-          </a:p>
-        </p:txBody>
-      </p:sp>
-      <p:sp>
-        <p:nvSpPr>
-          <p:cNvPr id="3" name="Text Placeholder 2"/>
-          <p:cNvSpPr>
-            <a:spLocks noGrp="1"/>
-          </p:cNvSpPr>
-          <p:nvPr>
-            <p:ph type="body" idx="1"/>
-          </p:nvPr>
-        </p:nvSpPr>
-        <p:spPr>
-          <a:xfrm>
-            <a:off x="530352" y="1692728"/>
-            <a:ext cx="7772400" cy="1509712"/>
-          </a:xfrm>
-        </p:spPr>
-        <p:txBody>
-          <a:bodyPr/>
-          <a:lstStyle/>
-          <a:p>
-            <a:r>
-              <a:rPr lang="en-US" dirty="0"/>
-              <a:t>Give a few lines of detail regarding main features of the system</a:t>
-            </a:r>
-          </a:p>
-        </p:txBody>
-      </p:sp>
-      <p:pic>
-        <p:nvPicPr>
-          <p:cNvPr id="3074" name="Picture 2" descr="http://www.cds.caltech.edu/~murray/amwiki/images/a/a9/Cruise_ctrl.png"/>
-          <p:cNvPicPr>
-            <a:picLocks noChangeAspect="1" noChangeArrowheads="1"/>
-          </p:cNvPicPr>
-          <p:nvPr/>
-        </p:nvPicPr>
-        <p:blipFill>
-          <a:blip r:embed="rId3">
-            <a:extLst>
-              <a:ext uri="{28A0092B-C50C-407E-A947-70E740481C1C}">
-                <a14:useLocalDpi xmlns:a14="http://schemas.microsoft.com/office/drawing/2010/main" val="0"/>
-              </a:ext>
-            </a:extLst>
-          </a:blip>
-          <a:srcRect/>
-          <a:stretch>
-            <a:fillRect/>
-          </a:stretch>
-        </p:blipFill>
-        <p:spPr bwMode="auto">
-          <a:xfrm>
-            <a:off x="530352" y="3352800"/>
-            <a:ext cx="8229600" cy="2433799"/>
-          </a:xfrm>
-          <a:prstGeom prst="rect">
-            <a:avLst/>
-          </a:prstGeom>
-          <a:noFill/>
-          <a:extLst>
-            <a:ext uri="{909E8E84-426E-40DD-AFC4-6F175D3DCCD1}">
-              <a14:hiddenFill xmlns:a14="http://schemas.microsoft.com/office/drawing/2010/main">
-                <a:solidFill>
-                  <a:srgbClr val="FFFFFF"/>
-                </a:solidFill>
-              </a14:hiddenFill>
-            </a:ext>
-          </a:extLst>
-        </p:spPr>
-      </p:pic>
-    </p:spTree>
-    <p:extLst>
-      <p:ext uri="{BB962C8B-B14F-4D97-AF65-F5344CB8AC3E}">
-        <p14:creationId xmlns:p14="http://schemas.microsoft.com/office/powerpoint/2010/main" val="2257373440"/>
-      </p:ext>
-    </p:extLst>
-  </p:cSld>
-  <p:clrMapOvr>
-    <a:masterClrMapping/>
-  </p:clrMapOvr>
-</p:sld>
-</file>
-
-<file path=ppt/slides/slide6.xml><?xml version="1.0" encoding="utf-8"?>
-<p:sld xmlns:a="http://schemas.openxmlformats.org/drawingml/2006/main" xmlns:r="http://schemas.openxmlformats.org/officeDocument/2006/relationships" xmlns:p="http://schemas.openxmlformats.org/presentationml/2006/main">
-  <p:cSld>
-    <p:spTree>
-      <p:nvGrpSpPr>
-        <p:cNvPr id="1" name=""/>
-        <p:cNvGrpSpPr/>
-        <p:nvPr/>
-      </p:nvGrpSpPr>
-      <p:grpSpPr>
-        <a:xfrm>
-          <a:off x="0" y="0"/>
-          <a:ext cx="0" cy="0"/>
-          <a:chOff x="0" y="0"/>
-          <a:chExt cx="0" cy="0"/>
-        </a:xfrm>
-      </p:grpSpPr>
-      <p:sp>
-        <p:nvSpPr>
-          <p:cNvPr id="2" name="Title 1"/>
-          <p:cNvSpPr>
-            <a:spLocks noGrp="1"/>
-          </p:cNvSpPr>
-          <p:nvPr>
-            <p:ph type="title"/>
-          </p:nvPr>
-        </p:nvSpPr>
-        <p:spPr>
-          <a:xfrm>
             <a:off x="457200" y="381000"/>
             <a:ext cx="8229600" cy="1143000"/>
           </a:xfrm>
@@ -19029,7 +17727,7 @@
 </p:sld>
 </file>
 
-<file path=ppt/slides/slide7.xml><?xml version="1.0" encoding="utf-8"?>
+<file path=ppt/slides/slide5.xml><?xml version="1.0" encoding="utf-8"?>
 <p:sld xmlns:a="http://schemas.openxmlformats.org/drawingml/2006/main" xmlns:r="http://schemas.openxmlformats.org/officeDocument/2006/relationships" xmlns:p="http://schemas.openxmlformats.org/presentationml/2006/main">
   <p:cSld>
     <p:spTree>
@@ -19247,7 +17945,7 @@
 </p:sld>
 </file>
 
-<file path=ppt/slides/slide8.xml><?xml version="1.0" encoding="utf-8"?>
+<file path=ppt/slides/slide6.xml><?xml version="1.0" encoding="utf-8"?>
 <p:sld xmlns:a="http://schemas.openxmlformats.org/drawingml/2006/main" xmlns:r="http://schemas.openxmlformats.org/officeDocument/2006/relationships" xmlns:p="http://schemas.openxmlformats.org/presentationml/2006/main">
   <p:cSld>
     <p:spTree>
@@ -19289,18 +17987,6 @@
               <a:rPr lang="en-US" dirty="0"/>
               <a:t>Project-Specific Milestones</a:t>
             </a:r>
-            <a:br>
-              <a:rPr lang="en-US" dirty="0"/>
-            </a:br>
-            <a:r>
-              <a:rPr lang="en-US" b="1" dirty="0">
-                <a:solidFill>
-                  <a:srgbClr val="FF0000"/>
-                </a:solidFill>
-              </a:rPr>
-              <a:t>NOT Course Deliverables</a:t>
-            </a:r>
-            <a:endParaRPr lang="en-US" dirty="0"/>
           </a:p>
         </p:txBody>
       </p:sp>
@@ -19314,14 +18000,14 @@
             <p:ph idx="1"/>
             <p:extLst>
               <p:ext uri="{D42A27DB-BD31-4B8C-83A1-F6EECF244321}">
-                <p14:modId xmlns:p14="http://schemas.microsoft.com/office/powerpoint/2010/main" val="897996135"/>
+                <p14:modId xmlns:p14="http://schemas.microsoft.com/office/powerpoint/2010/main" val="1595190663"/>
               </p:ext>
             </p:extLst>
           </p:nvPr>
         </p:nvGraphicFramePr>
         <p:xfrm>
-          <a:off x="457200" y="2392363"/>
-          <a:ext cx="8229600" cy="2494280"/>
+          <a:off x="457200" y="1600200"/>
+          <a:ext cx="8229600" cy="4543554"/>
         </p:xfrm>
         <a:graphic>
           <a:graphicData uri="http://schemas.openxmlformats.org/drawingml/2006/table">
@@ -19352,7 +18038,7 @@
                   </a:extLst>
                 </a:gridCol>
               </a:tblGrid>
-              <a:tr h="370840">
+              <a:tr h="770508">
                 <a:tc>
                   <a:txBody>
                     <a:bodyPr/>
@@ -19405,7 +18091,7 @@
                   </a:ext>
                 </a:extLst>
               </a:tr>
-              <a:tr h="370840">
+              <a:tr h="446406">
                 <a:tc>
                   <a:txBody>
                     <a:bodyPr/>
@@ -19424,7 +18110,10 @@
                     <a:bodyPr/>
                     <a:lstStyle/>
                     <a:p>
-                      <a:endParaRPr lang="en-US" dirty="0"/>
+                      <a:r>
+                        <a:rPr lang="en-US" dirty="0"/>
+                        <a:t>10/22/18</a:t>
+                      </a:r>
                     </a:p>
                   </a:txBody>
                   <a:tcPr/>
@@ -19434,7 +18123,10 @@
                     <a:bodyPr/>
                     <a:lstStyle/>
                     <a:p>
-                      <a:endParaRPr lang="en-US"/>
+                      <a:r>
+                        <a:rPr lang="en-US" dirty="0"/>
+                        <a:t>Samuel Hussey</a:t>
+                      </a:r>
                     </a:p>
                   </a:txBody>
                   <a:tcPr/>
@@ -19445,17 +18137,16 @@
                   </a:ext>
                 </a:extLst>
               </a:tr>
-              <a:tr h="370840">
+              <a:tr h="446406">
                 <a:tc>
                   <a:txBody>
                     <a:bodyPr/>
                     <a:lstStyle/>
                     <a:p>
-                      <a:endParaRPr lang="en-US" b="1" dirty="0">
-                        <a:solidFill>
-                          <a:srgbClr val="FF0000"/>
-                        </a:solidFill>
-                      </a:endParaRPr>
+                      <a:r>
+                        <a:rPr lang="en-US" dirty="0"/>
+                        <a:t>Signal Flow chart</a:t>
+                      </a:r>
                     </a:p>
                   </a:txBody>
                   <a:tcPr/>
@@ -19465,7 +18156,10 @@
                     <a:bodyPr/>
                     <a:lstStyle/>
                     <a:p>
-                      <a:endParaRPr lang="en-US"/>
+                      <a:r>
+                        <a:rPr lang="en-US" dirty="0"/>
+                        <a:t>10/22/18</a:t>
+                      </a:r>
                     </a:p>
                   </a:txBody>
                   <a:tcPr/>
@@ -19475,7 +18169,10 @@
                     <a:bodyPr/>
                     <a:lstStyle/>
                     <a:p>
-                      <a:endParaRPr lang="en-US"/>
+                      <a:r>
+                        <a:rPr lang="en-US" dirty="0"/>
+                        <a:t>James Bell</a:t>
+                      </a:r>
                     </a:p>
                   </a:txBody>
                   <a:tcPr/>
@@ -19486,13 +18183,16 @@
                   </a:ext>
                 </a:extLst>
               </a:tr>
-              <a:tr h="370840">
+              <a:tr h="770508">
                 <a:tc>
                   <a:txBody>
                     <a:bodyPr/>
                     <a:lstStyle/>
                     <a:p>
-                      <a:endParaRPr lang="en-US"/>
+                      <a:r>
+                        <a:rPr lang="en-US" dirty="0"/>
+                        <a:t>Parts List and Specifications </a:t>
+                      </a:r>
                     </a:p>
                   </a:txBody>
                   <a:tcPr/>
@@ -19502,7 +18202,10 @@
                     <a:bodyPr/>
                     <a:lstStyle/>
                     <a:p>
-                      <a:endParaRPr lang="en-US"/>
+                      <a:r>
+                        <a:rPr lang="en-US" dirty="0"/>
+                        <a:t>10/22/18</a:t>
+                      </a:r>
                     </a:p>
                   </a:txBody>
                   <a:tcPr/>
@@ -19512,7 +18215,10 @@
                     <a:bodyPr/>
                     <a:lstStyle/>
                     <a:p>
-                      <a:endParaRPr lang="en-US"/>
+                      <a:r>
+                        <a:rPr lang="en-US" dirty="0"/>
+                        <a:t>Zachary Schneiderman</a:t>
+                      </a:r>
                     </a:p>
                   </a:txBody>
                   <a:tcPr/>
@@ -19523,13 +18229,16 @@
                   </a:ext>
                 </a:extLst>
               </a:tr>
-              <a:tr h="370840">
+              <a:tr h="446406">
                 <a:tc>
                   <a:txBody>
                     <a:bodyPr/>
                     <a:lstStyle/>
                     <a:p>
-                      <a:endParaRPr lang="en-US"/>
+                      <a:r>
+                        <a:rPr lang="en-US" dirty="0"/>
+                        <a:t>Order Parts</a:t>
+                      </a:r>
                     </a:p>
                   </a:txBody>
                   <a:tcPr/>
@@ -19539,7 +18248,10 @@
                     <a:bodyPr/>
                     <a:lstStyle/>
                     <a:p>
-                      <a:endParaRPr lang="en-US"/>
+                      <a:r>
+                        <a:rPr lang="en-US" dirty="0"/>
+                        <a:t>10/25/18</a:t>
+                      </a:r>
                     </a:p>
                   </a:txBody>
                   <a:tcPr/>
@@ -19549,7 +18261,90 @@
                     <a:bodyPr/>
                     <a:lstStyle/>
                     <a:p>
-                      <a:endParaRPr lang="en-US"/>
+                      <a:pPr marL="0" marR="0" lvl="0" indent="0" algn="l" defTabSz="914400" rtl="0" eaLnBrk="1" fontAlgn="auto" latinLnBrk="0" hangingPunct="1">
+                        <a:lnSpc>
+                          <a:spcPct val="100000"/>
+                        </a:lnSpc>
+                        <a:spcBef>
+                          <a:spcPts val="0"/>
+                        </a:spcBef>
+                        <a:spcAft>
+                          <a:spcPts val="0"/>
+                        </a:spcAft>
+                        <a:buClrTx/>
+                        <a:buSzTx/>
+                        <a:buFontTx/>
+                        <a:buNone/>
+                        <a:tabLst/>
+                        <a:defRPr/>
+                      </a:pPr>
+                      <a:r>
+                        <a:rPr lang="en-US" dirty="0"/>
+                        <a:t>James Bell</a:t>
+                      </a:r>
+                    </a:p>
+                  </a:txBody>
+                  <a:tcPr/>
+                </a:tc>
+                <a:extLst>
+                  <a:ext uri="{0D108BD9-81ED-4DB2-BD59-A6C34878D82A}">
+                    <a16:rowId xmlns:a16="http://schemas.microsoft.com/office/drawing/2014/main" val="2127320806"/>
+                  </a:ext>
+                </a:extLst>
+              </a:tr>
+              <a:tr h="770508">
+                <a:tc>
+                  <a:txBody>
+                    <a:bodyPr/>
+                    <a:lstStyle/>
+                    <a:p>
+                      <a:r>
+                        <a:rPr lang="en-US" dirty="0"/>
+                        <a:t>Analog component testing </a:t>
+                      </a:r>
+                    </a:p>
+                  </a:txBody>
+                  <a:tcPr/>
+                </a:tc>
+                <a:tc>
+                  <a:txBody>
+                    <a:bodyPr/>
+                    <a:lstStyle/>
+                    <a:p>
+                      <a:r>
+                        <a:rPr lang="en-US" dirty="0"/>
+                        <a:t>11/19/18</a:t>
+                      </a:r>
+                    </a:p>
+                  </a:txBody>
+                  <a:tcPr/>
+                </a:tc>
+                <a:tc>
+                  <a:txBody>
+                    <a:bodyPr/>
+                    <a:lstStyle/>
+                    <a:p>
+                      <a:pPr marL="0" marR="0" lvl="0" indent="0" algn="l" defTabSz="914400" rtl="0" eaLnBrk="1" fontAlgn="auto" latinLnBrk="0" hangingPunct="1">
+                        <a:lnSpc>
+                          <a:spcPct val="100000"/>
+                        </a:lnSpc>
+                        <a:spcBef>
+                          <a:spcPts val="0"/>
+                        </a:spcBef>
+                        <a:spcAft>
+                          <a:spcPts val="0"/>
+                        </a:spcAft>
+                        <a:buClrTx/>
+                        <a:buSzTx/>
+                        <a:buFontTx/>
+                        <a:buNone/>
+                        <a:tabLst/>
+                        <a:defRPr/>
+                      </a:pPr>
+                      <a:r>
+                        <a:rPr lang="en-US" dirty="0"/>
+                        <a:t>Zachary Schneiderman</a:t>
+                      </a:r>
                     </a:p>
                   </a:txBody>
                   <a:tcPr/>
@@ -19560,13 +18355,16 @@
                   </a:ext>
                 </a:extLst>
               </a:tr>
-              <a:tr h="370840">
+              <a:tr h="446406">
                 <a:tc>
                   <a:txBody>
                     <a:bodyPr/>
                     <a:lstStyle/>
                     <a:p>
-                      <a:endParaRPr lang="en-US"/>
+                      <a:r>
+                        <a:rPr lang="en-US" dirty="0"/>
+                        <a:t>Radio receive testing </a:t>
+                      </a:r>
                     </a:p>
                   </a:txBody>
                   <a:tcPr/>
@@ -19576,7 +18374,10 @@
                     <a:bodyPr/>
                     <a:lstStyle/>
                     <a:p>
-                      <a:endParaRPr lang="en-US"/>
+                      <a:r>
+                        <a:rPr lang="en-US" dirty="0"/>
+                        <a:t>11/25/18</a:t>
+                      </a:r>
                     </a:p>
                   </a:txBody>
                   <a:tcPr/>
@@ -19586,7 +18387,27 @@
                     <a:bodyPr/>
                     <a:lstStyle/>
                     <a:p>
-                      <a:endParaRPr lang="en-US" dirty="0"/>
+                      <a:pPr marL="0" marR="0" lvl="0" indent="0" algn="l" defTabSz="914400" rtl="0" eaLnBrk="1" fontAlgn="auto" latinLnBrk="0" hangingPunct="1">
+                        <a:lnSpc>
+                          <a:spcPct val="100000"/>
+                        </a:lnSpc>
+                        <a:spcBef>
+                          <a:spcPts val="0"/>
+                        </a:spcBef>
+                        <a:spcAft>
+                          <a:spcPts val="0"/>
+                        </a:spcAft>
+                        <a:buClrTx/>
+                        <a:buSzTx/>
+                        <a:buFontTx/>
+                        <a:buNone/>
+                        <a:tabLst/>
+                        <a:defRPr/>
+                      </a:pPr>
+                      <a:r>
+                        <a:rPr lang="en-US" dirty="0"/>
+                        <a:t>James Bell</a:t>
+                      </a:r>
                     </a:p>
                   </a:txBody>
                   <a:tcPr/>
@@ -19597,57 +18418,344 @@
                   </a:ext>
                 </a:extLst>
               </a:tr>
+              <a:tr h="446406">
+                <a:tc>
+                  <a:txBody>
+                    <a:bodyPr/>
+                    <a:lstStyle/>
+                    <a:p>
+                      <a:r>
+                        <a:rPr lang="en-US" dirty="0"/>
+                        <a:t>Radio transmit testing</a:t>
+                      </a:r>
+                    </a:p>
+                  </a:txBody>
+                  <a:tcPr/>
+                </a:tc>
+                <a:tc>
+                  <a:txBody>
+                    <a:bodyPr/>
+                    <a:lstStyle/>
+                    <a:p>
+                      <a:r>
+                        <a:rPr lang="en-US" dirty="0"/>
+                        <a:t>12/5/18</a:t>
+                      </a:r>
+                    </a:p>
+                  </a:txBody>
+                  <a:tcPr/>
+                </a:tc>
+                <a:tc>
+                  <a:txBody>
+                    <a:bodyPr/>
+                    <a:lstStyle/>
+                    <a:p>
+                      <a:pPr marL="0" marR="0" lvl="0" indent="0" algn="l" defTabSz="914400" rtl="0" eaLnBrk="1" fontAlgn="auto" latinLnBrk="0" hangingPunct="1">
+                        <a:lnSpc>
+                          <a:spcPct val="100000"/>
+                        </a:lnSpc>
+                        <a:spcBef>
+                          <a:spcPts val="0"/>
+                        </a:spcBef>
+                        <a:spcAft>
+                          <a:spcPts val="0"/>
+                        </a:spcAft>
+                        <a:buClrTx/>
+                        <a:buSzTx/>
+                        <a:buFontTx/>
+                        <a:buNone/>
+                        <a:tabLst/>
+                        <a:defRPr/>
+                      </a:pPr>
+                      <a:r>
+                        <a:rPr lang="en-US" dirty="0"/>
+                        <a:t>Samuel Hussey</a:t>
+                      </a:r>
+                    </a:p>
+                  </a:txBody>
+                  <a:tcPr/>
+                </a:tc>
+                <a:extLst>
+                  <a:ext uri="{0D108BD9-81ED-4DB2-BD59-A6C34878D82A}">
+                    <a16:rowId xmlns:a16="http://schemas.microsoft.com/office/drawing/2014/main" val="1332125469"/>
+                  </a:ext>
+                </a:extLst>
+              </a:tr>
             </a:tbl>
           </a:graphicData>
         </a:graphic>
       </p:graphicFrame>
-      <p:sp>
-        <p:nvSpPr>
-          <p:cNvPr id="7" name="TextBox 6"/>
-          <p:cNvSpPr txBox="1"/>
-          <p:nvPr/>
-        </p:nvSpPr>
-        <p:spPr>
-          <a:xfrm>
-            <a:off x="609600" y="5105400"/>
-            <a:ext cx="8001000" cy="1354217"/>
-          </a:xfrm>
-          <a:prstGeom prst="rect">
-            <a:avLst/>
-          </a:prstGeom>
-          <a:solidFill>
-            <a:srgbClr val="FFFF00"/>
-          </a:solidFill>
-        </p:spPr>
-        <p:txBody>
-          <a:bodyPr wrap="square" rtlCol="0">
-            <a:spAutoFit/>
-          </a:bodyPr>
-          <a:lstStyle/>
-          <a:p>
-            <a:r>
-              <a:rPr lang="en-US" sz="2800" b="1" dirty="0"/>
-              <a:t>Be sure to include goals specific to the project</a:t>
-            </a:r>
-            <a:r>
-              <a:rPr lang="en-US" b="1" dirty="0"/>
-              <a:t>, e.g., </a:t>
-            </a:r>
-          </a:p>
-          <a:p>
-            <a:r>
-              <a:rPr lang="en-US" b="1" dirty="0"/>
-              <a:t>Parts Ordered; PCB initial layout for review; Initial simulations; Breadboard testing; Code Integrated – and so on.</a:t>
-            </a:r>
-          </a:p>
-        </p:txBody>
-      </p:sp>
     </p:spTree>
     <p:extLst>
       <p:ext uri="{BB962C8B-B14F-4D97-AF65-F5344CB8AC3E}">
         <p14:creationId xmlns:p14="http://schemas.microsoft.com/office/powerpoint/2010/main" val="1270224999"/>
       </p:ext>
     </p:extLst>
+  </p:cSld>
+  <p:clrMapOvr>
+    <a:masterClrMapping/>
+  </p:clrMapOvr>
+</p:sld>
+</file>
+
+<file path=ppt/slides/slide7.xml><?xml version="1.0" encoding="utf-8"?>
+<p:sld xmlns:a="http://schemas.openxmlformats.org/drawingml/2006/main" xmlns:r="http://schemas.openxmlformats.org/officeDocument/2006/relationships" xmlns:p="http://schemas.openxmlformats.org/presentationml/2006/main">
+  <p:cSld>
+    <p:spTree>
+      <p:nvGrpSpPr>
+        <p:cNvPr id="1" name=""/>
+        <p:cNvGrpSpPr/>
+        <p:nvPr/>
+      </p:nvGrpSpPr>
+      <p:grpSpPr>
+        <a:xfrm>
+          <a:off x="0" y="0"/>
+          <a:ext cx="0" cy="0"/>
+          <a:chOff x="0" y="0"/>
+          <a:chExt cx="0" cy="0"/>
+        </a:xfrm>
+      </p:grpSpPr>
+      <p:sp>
+        <p:nvSpPr>
+          <p:cNvPr id="2" name="Title 1"/>
+          <p:cNvSpPr>
+            <a:spLocks noGrp="1"/>
+          </p:cNvSpPr>
+          <p:nvPr>
+            <p:ph type="title"/>
+          </p:nvPr>
+        </p:nvSpPr>
+        <p:spPr>
+          <a:xfrm>
+            <a:off x="457200" y="609600"/>
+            <a:ext cx="8229600" cy="856488"/>
+          </a:xfrm>
+        </p:spPr>
+        <p:txBody>
+          <a:bodyPr/>
+          <a:lstStyle/>
+          <a:p>
+            <a:pPr algn="ctr"/>
+            <a:r>
+              <a:rPr lang="en-US" dirty="0"/>
+              <a:t>Project Deliverables</a:t>
+            </a:r>
+          </a:p>
+        </p:txBody>
+      </p:sp>
+      <p:sp>
+        <p:nvSpPr>
+          <p:cNvPr id="3" name="Content Placeholder 2"/>
+          <p:cNvSpPr>
+            <a:spLocks noGrp="1"/>
+          </p:cNvSpPr>
+          <p:nvPr>
+            <p:ph idx="1"/>
+          </p:nvPr>
+        </p:nvSpPr>
+        <p:spPr>
+          <a:xfrm>
+            <a:off x="685800" y="1563584"/>
+            <a:ext cx="8001000" cy="2398816"/>
+          </a:xfrm>
+        </p:spPr>
+        <p:txBody>
+          <a:bodyPr>
+            <a:normAutofit fontScale="92500" lnSpcReduction="20000"/>
+          </a:bodyPr>
+          <a:lstStyle/>
+          <a:p>
+            <a:pPr marL="514350" indent="-514350">
+              <a:buFont typeface="+mj-lt"/>
+              <a:buAutoNum type="arabicPeriod"/>
+            </a:pPr>
+            <a:r>
+              <a:rPr lang="en-US" dirty="0"/>
+              <a:t>Analog component simulations</a:t>
+            </a:r>
+          </a:p>
+          <a:p>
+            <a:pPr marL="514350" indent="-514350">
+              <a:buFont typeface="+mj-lt"/>
+              <a:buAutoNum type="arabicPeriod"/>
+            </a:pPr>
+            <a:r>
+              <a:rPr lang="en-US" dirty="0"/>
+              <a:t>Analog component testing</a:t>
+            </a:r>
+          </a:p>
+          <a:p>
+            <a:pPr marL="514350" indent="-514350">
+              <a:buFont typeface="+mj-lt"/>
+              <a:buAutoNum type="arabicPeriod"/>
+            </a:pPr>
+            <a:r>
+              <a:rPr lang="en-US" dirty="0"/>
+              <a:t>Digital signal processing testing</a:t>
+            </a:r>
+          </a:p>
+          <a:p>
+            <a:pPr marL="514350" indent="-514350">
+              <a:buFont typeface="+mj-lt"/>
+              <a:buAutoNum type="arabicPeriod"/>
+            </a:pPr>
+            <a:r>
+              <a:rPr lang="en-US" dirty="0"/>
+              <a:t>Radio receiving test and verification</a:t>
+            </a:r>
+          </a:p>
+          <a:p>
+            <a:pPr marL="514350" indent="-514350">
+              <a:buFont typeface="+mj-lt"/>
+              <a:buAutoNum type="arabicPeriod"/>
+            </a:pPr>
+            <a:r>
+              <a:rPr lang="en-US" dirty="0"/>
+              <a:t>Radio transmission test and verification</a:t>
+            </a:r>
+          </a:p>
+          <a:p>
+            <a:pPr>
+              <a:buFont typeface="Wingdings" pitchFamily="2" charset="2"/>
+              <a:buChar char="Ø"/>
+            </a:pPr>
+            <a:endParaRPr lang="en-US" dirty="0"/>
+          </a:p>
+          <a:p>
+            <a:pPr marL="0" indent="0">
+              <a:buNone/>
+            </a:pPr>
+            <a:endParaRPr lang="en-US" dirty="0"/>
+          </a:p>
+          <a:p>
+            <a:pPr>
+              <a:buFont typeface="Wingdings" pitchFamily="2" charset="2"/>
+              <a:buChar char="Ø"/>
+            </a:pPr>
+            <a:endParaRPr lang="en-US" dirty="0"/>
+          </a:p>
+          <a:p>
+            <a:pPr>
+              <a:buFont typeface="Wingdings" pitchFamily="2" charset="2"/>
+              <a:buChar char="Ø"/>
+            </a:pPr>
+            <a:endParaRPr lang="en-US" dirty="0"/>
+          </a:p>
+        </p:txBody>
+      </p:sp>
+      <p:pic>
+        <p:nvPicPr>
+          <p:cNvPr id="9" name="Picture 8">
+            <a:extLst>
+              <a:ext uri="{FF2B5EF4-FFF2-40B4-BE49-F238E27FC236}">
+                <a16:creationId xmlns:a16="http://schemas.microsoft.com/office/drawing/2014/main" id="{0FC15742-01C7-4870-81B0-8A4C9656D3EB}"/>
+              </a:ext>
+            </a:extLst>
+          </p:cNvPr>
+          <p:cNvPicPr>
+            <a:picLocks noChangeAspect="1"/>
+          </p:cNvPicPr>
+          <p:nvPr/>
+        </p:nvPicPr>
+        <p:blipFill>
+          <a:blip r:embed="rId3" cstate="print">
+            <a:extLst>
+              <a:ext uri="{28A0092B-C50C-407E-A947-70E740481C1C}">
+                <a14:useLocalDpi xmlns:a14="http://schemas.microsoft.com/office/drawing/2010/main" val="0"/>
+              </a:ext>
+            </a:extLst>
+          </a:blip>
+          <a:stretch>
+            <a:fillRect/>
+          </a:stretch>
+        </p:blipFill>
+        <p:spPr>
+          <a:xfrm>
+            <a:off x="3200400" y="4025026"/>
+            <a:ext cx="2438400" cy="2684477"/>
+          </a:xfrm>
+          <a:prstGeom prst="rect">
+            <a:avLst/>
+          </a:prstGeom>
+        </p:spPr>
+      </p:pic>
+    </p:spTree>
+    <p:extLst>
+      <p:ext uri="{BB962C8B-B14F-4D97-AF65-F5344CB8AC3E}">
+        <p14:creationId xmlns:p14="http://schemas.microsoft.com/office/powerpoint/2010/main" val="2421016792"/>
+      </p:ext>
+    </p:extLst>
+  </p:cSld>
+  <p:clrMapOvr>
+    <a:masterClrMapping/>
+  </p:clrMapOvr>
+</p:sld>
+</file>
+
+<file path=ppt/slides/slide8.xml><?xml version="1.0" encoding="utf-8"?>
+<p:sld xmlns:a="http://schemas.openxmlformats.org/drawingml/2006/main" xmlns:r="http://schemas.openxmlformats.org/officeDocument/2006/relationships" xmlns:p="http://schemas.openxmlformats.org/presentationml/2006/main">
+  <p:cSld>
+    <p:spTree>
+      <p:nvGrpSpPr>
+        <p:cNvPr id="1" name=""/>
+        <p:cNvGrpSpPr/>
+        <p:nvPr/>
+      </p:nvGrpSpPr>
+      <p:grpSpPr>
+        <a:xfrm>
+          <a:off x="0" y="0"/>
+          <a:ext cx="0" cy="0"/>
+          <a:chOff x="0" y="0"/>
+          <a:chExt cx="0" cy="0"/>
+        </a:xfrm>
+      </p:grpSpPr>
+      <p:sp>
+        <p:nvSpPr>
+          <p:cNvPr id="2" name="Title 1"/>
+          <p:cNvSpPr>
+            <a:spLocks noGrp="1"/>
+          </p:cNvSpPr>
+          <p:nvPr>
+            <p:ph type="title"/>
+          </p:nvPr>
+        </p:nvSpPr>
+        <p:spPr/>
+        <p:txBody>
+          <a:bodyPr/>
+          <a:lstStyle/>
+          <a:p>
+            <a:r>
+              <a:rPr lang="en-US" dirty="0"/>
+              <a:t>Functional Specification Review </a:t>
+            </a:r>
+          </a:p>
+        </p:txBody>
+      </p:sp>
+      <p:sp>
+        <p:nvSpPr>
+          <p:cNvPr id="3" name="Text Placeholder 2"/>
+          <p:cNvSpPr>
+            <a:spLocks noGrp="1"/>
+          </p:cNvSpPr>
+          <p:nvPr>
+            <p:ph type="body" idx="1"/>
+          </p:nvPr>
+        </p:nvSpPr>
+        <p:spPr>
+          <a:xfrm>
+            <a:off x="530352" y="3214688"/>
+            <a:ext cx="7772400" cy="1509712"/>
+          </a:xfrm>
+        </p:spPr>
+        <p:txBody>
+          <a:bodyPr/>
+          <a:lstStyle/>
+          <a:p>
+            <a:endParaRPr lang="en-US" dirty="0"/>
+          </a:p>
+        </p:txBody>
+      </p:sp>
+    </p:spTree>
   </p:cSld>
   <p:clrMapOvr>
     <a:masterClrMapping/>
@@ -19682,12 +18790,7 @@
             <p:ph type="title"/>
           </p:nvPr>
         </p:nvSpPr>
-        <p:spPr>
-          <a:xfrm>
-            <a:off x="457200" y="609600"/>
-            <a:ext cx="8229600" cy="856488"/>
-          </a:xfrm>
-        </p:spPr>
+        <p:spPr/>
         <p:txBody>
           <a:bodyPr/>
           <a:lstStyle/>
@@ -19695,7 +18798,7 @@
             <a:pPr algn="ctr"/>
             <a:r>
               <a:rPr lang="en-US" dirty="0"/>
-              <a:t>Project Deliverables</a:t>
+              <a:t>2.2 Administration Functions</a:t>
             </a:r>
           </a:p>
         </p:txBody>
@@ -19711,142 +18814,31 @@
           </p:nvPr>
         </p:nvSpPr>
         <p:spPr>
-          <a:xfrm>
-            <a:off x="685800" y="1563584"/>
-            <a:ext cx="8001000" cy="2398816"/>
-          </a:xfrm>
+          <a:ln>
+            <a:noFill/>
+          </a:ln>
         </p:spPr>
         <p:txBody>
-          <a:bodyPr>
-            <a:normAutofit fontScale="85000" lnSpcReduction="10000"/>
-          </a:bodyPr>
+          <a:bodyPr/>
           <a:lstStyle/>
           <a:p>
-            <a:pPr marL="514350" indent="-514350">
-              <a:buFont typeface="+mj-lt"/>
-              <a:buAutoNum type="arabicPeriod"/>
+            <a:pPr marL="0" indent="0">
+              <a:buNone/>
             </a:pPr>
-            <a:r>
-              <a:rPr lang="en-US" dirty="0"/>
-              <a:t>Launch system comprised of a high altitude balloon, nichrome wire, and timer</a:t>
-            </a:r>
-          </a:p>
-          <a:p>
-            <a:pPr marL="514350" indent="-514350">
-              <a:buFont typeface="+mj-lt"/>
-              <a:buAutoNum type="arabicPeriod"/>
-            </a:pPr>
-            <a:r>
-              <a:rPr lang="en-US" dirty="0"/>
-              <a:t>Design and fabricate long-range amplifier and programming board</a:t>
-            </a:r>
-          </a:p>
-          <a:p>
-            <a:pPr marL="514350" indent="-514350">
-              <a:buFont typeface="+mj-lt"/>
-              <a:buAutoNum type="arabicPeriod"/>
-            </a:pPr>
-            <a:r>
-              <a:rPr lang="en-US" dirty="0"/>
-              <a:t>Assemble glider capable of short term operation</a:t>
-            </a:r>
-          </a:p>
-          <a:p>
-            <a:pPr marL="514350" indent="-514350">
-              <a:buFont typeface="+mj-lt"/>
-              <a:buAutoNum type="arabicPeriod"/>
-            </a:pPr>
-            <a:r>
-              <a:rPr lang="en-US" dirty="0"/>
-              <a:t>Electronics and Solar Panels connected for ground test</a:t>
-            </a:r>
-          </a:p>
-          <a:p>
-            <a:pPr>
-              <a:buFont typeface="Wingdings" pitchFamily="2" charset="2"/>
-              <a:buChar char="Ø"/>
-            </a:pPr>
-            <a:endParaRPr lang="en-US" dirty="0"/>
-          </a:p>
-          <a:p>
-            <a:pPr marL="0" indent="0">
-              <a:buNone/>
-            </a:pPr>
-            <a:endParaRPr lang="en-US" dirty="0"/>
-          </a:p>
-          <a:p>
-            <a:pPr>
-              <a:buFont typeface="Wingdings" pitchFamily="2" charset="2"/>
-              <a:buChar char="Ø"/>
-            </a:pPr>
-            <a:endParaRPr lang="en-US" dirty="0"/>
-          </a:p>
-          <a:p>
-            <a:pPr>
-              <a:buFont typeface="Wingdings" pitchFamily="2" charset="2"/>
-              <a:buChar char="Ø"/>
-            </a:pPr>
-            <a:endParaRPr lang="en-US" dirty="0"/>
-          </a:p>
-        </p:txBody>
-      </p:sp>
-      <p:pic>
-        <p:nvPicPr>
-          <p:cNvPr id="4" name="Picture 3"/>
-          <p:cNvPicPr>
-            <a:picLocks noChangeAspect="1"/>
-          </p:cNvPicPr>
-          <p:nvPr/>
-        </p:nvPicPr>
-        <p:blipFill>
-          <a:blip r:embed="rId3" cstate="print">
-            <a:extLst>
-              <a:ext uri="{28A0092B-C50C-407E-A947-70E740481C1C}">
-                <a14:useLocalDpi xmlns:a14="http://schemas.microsoft.com/office/drawing/2010/main" val="0"/>
-              </a:ext>
-            </a:extLst>
-          </a:blip>
-          <a:stretch>
-            <a:fillRect/>
-          </a:stretch>
-        </p:blipFill>
-        <p:spPr>
-          <a:xfrm>
-            <a:off x="2627416" y="4038600"/>
-            <a:ext cx="3657600" cy="2743200"/>
-          </a:xfrm>
-          <a:prstGeom prst="rect">
-            <a:avLst/>
-          </a:prstGeom>
-        </p:spPr>
-      </p:pic>
-      <p:sp>
-        <p:nvSpPr>
-          <p:cNvPr id="6" name="TextBox 5"/>
-          <p:cNvSpPr txBox="1"/>
-          <p:nvPr/>
-        </p:nvSpPr>
-        <p:spPr>
-          <a:xfrm>
-            <a:off x="7147264" y="4867870"/>
-            <a:ext cx="1981200" cy="923330"/>
-          </a:xfrm>
-          <a:prstGeom prst="rect">
-            <a:avLst/>
-          </a:prstGeom>
-          <a:solidFill>
-            <a:srgbClr val="FFFF00"/>
-          </a:solidFill>
-        </p:spPr>
-        <p:txBody>
-          <a:bodyPr wrap="square" rtlCol="0">
-            <a:spAutoFit/>
-          </a:bodyPr>
-          <a:lstStyle/>
-          <a:p>
-            <a:r>
-              <a:rPr lang="en-US" b="1" dirty="0"/>
-              <a:t>These are examples, write your own!</a:t>
+            <a:endParaRPr lang="en-US" dirty="0">
+              <a:solidFill>
+                <a:schemeClr val="bg1"/>
+              </a:solidFill>
+            </a:endParaRPr>
+          </a:p>
+          <a:p>
+            <a:r>
+              <a:rPr lang="en-US" dirty="0">
+                <a:solidFill>
+                  <a:schemeClr val="bg1"/>
+                </a:solidFill>
+              </a:rPr>
+              <a:t>No Administrative Functions</a:t>
             </a:r>
           </a:p>
         </p:txBody>
@@ -19854,99 +18846,13 @@
     </p:spTree>
     <p:extLst>
       <p:ext uri="{BB962C8B-B14F-4D97-AF65-F5344CB8AC3E}">
-        <p14:creationId xmlns:p14="http://schemas.microsoft.com/office/powerpoint/2010/main" val="2421016792"/>
+        <p14:creationId xmlns:p14="http://schemas.microsoft.com/office/powerpoint/2010/main" val="540270287"/>
       </p:ext>
     </p:extLst>
   </p:cSld>
   <p:clrMapOvr>
     <a:masterClrMapping/>
   </p:clrMapOvr>
-  <p:timing>
-    <p:tnLst>
-      <p:par>
-        <p:cTn id="1" dur="indefinite" restart="never" nodeType="tmRoot">
-          <p:childTnLst>
-            <p:seq concurrent="1" nextAc="seek">
-              <p:cTn id="2" dur="indefinite" nodeType="mainSeq">
-                <p:childTnLst>
-                  <p:par>
-                    <p:cTn id="3" fill="hold">
-                      <p:stCondLst>
-                        <p:cond delay="indefinite"/>
-                        <p:cond evt="onBegin" delay="0">
-                          <p:tn val="2"/>
-                        </p:cond>
-                      </p:stCondLst>
-                      <p:childTnLst>
-                        <p:par>
-                          <p:cTn id="4" fill="hold">
-                            <p:stCondLst>
-                              <p:cond delay="0"/>
-                            </p:stCondLst>
-                            <p:childTnLst>
-                              <p:par>
-                                <p:cTn id="5" presetID="10" presetClass="entr" presetSubtype="0" fill="hold" nodeType="withEffect">
-                                  <p:stCondLst>
-                                    <p:cond delay="0"/>
-                                  </p:stCondLst>
-                                  <p:childTnLst>
-                                    <p:set>
-                                      <p:cBhvr>
-                                        <p:cTn id="6" dur="1" fill="hold">
-                                          <p:stCondLst>
-                                            <p:cond delay="0"/>
-                                          </p:stCondLst>
-                                        </p:cTn>
-                                        <p:tgtEl>
-                                          <p:spTgt spid="4"/>
-                                        </p:tgtEl>
-                                        <p:attrNameLst>
-                                          <p:attrName>style.visibility</p:attrName>
-                                        </p:attrNameLst>
-                                      </p:cBhvr>
-                                      <p:to>
-                                        <p:strVal val="visible"/>
-                                      </p:to>
-                                    </p:set>
-                                    <p:animEffect transition="in" filter="fade">
-                                      <p:cBhvr>
-                                        <p:cTn id="7" dur="500"/>
-                                        <p:tgtEl>
-                                          <p:spTgt spid="4"/>
-                                        </p:tgtEl>
-                                      </p:cBhvr>
-                                    </p:animEffect>
-                                  </p:childTnLst>
-                                </p:cTn>
-                              </p:par>
-                            </p:childTnLst>
-                          </p:cTn>
-                        </p:par>
-                      </p:childTnLst>
-                    </p:cTn>
-                  </p:par>
-                </p:childTnLst>
-              </p:cTn>
-              <p:prevCondLst>
-                <p:cond evt="onPrev" delay="0">
-                  <p:tgtEl>
-                    <p:sldTgt/>
-                  </p:tgtEl>
-                </p:cond>
-              </p:prevCondLst>
-              <p:nextCondLst>
-                <p:cond evt="onNext" delay="0">
-                  <p:tgtEl>
-                    <p:sldTgt/>
-                  </p:tgtEl>
-                </p:cond>
-              </p:nextCondLst>
-            </p:seq>
-          </p:childTnLst>
-        </p:cTn>
-      </p:par>
-    </p:tnLst>
-  </p:timing>
 </p:sld>
 </file>
 

--- a/docs/Team 1.12 SDR Radio IDR.pptx
+++ b/docs/Team 1.12 SDR Radio IDR.pptx
@@ -2,36 +2,34 @@
 <file path=ppt/presentation.xml><?xml version="1.0" encoding="utf-8"?>
 <p:presentation xmlns:a="http://schemas.openxmlformats.org/drawingml/2006/main" xmlns:r="http://schemas.openxmlformats.org/officeDocument/2006/relationships" xmlns:p="http://schemas.openxmlformats.org/presentationml/2006/main" saveSubsetFonts="1">
   <p:sldMasterIdLst>
-    <p:sldMasterId id="2147483684" r:id="rId1"/>
+    <p:sldMasterId id="2147483756" r:id="rId1"/>
   </p:sldMasterIdLst>
   <p:notesMasterIdLst>
-    <p:notesMasterId r:id="rId26"/>
+    <p:notesMasterId r:id="rId24"/>
   </p:notesMasterIdLst>
   <p:sldIdLst>
     <p:sldId id="256" r:id="rId2"/>
     <p:sldId id="305" r:id="rId3"/>
-    <p:sldId id="311" r:id="rId4"/>
-    <p:sldId id="272" r:id="rId5"/>
-    <p:sldId id="284" r:id="rId6"/>
-    <p:sldId id="285" r:id="rId7"/>
-    <p:sldId id="275" r:id="rId8"/>
-    <p:sldId id="287" r:id="rId9"/>
-    <p:sldId id="301" r:id="rId10"/>
+    <p:sldId id="316" r:id="rId4"/>
+    <p:sldId id="311" r:id="rId5"/>
+    <p:sldId id="272" r:id="rId6"/>
+    <p:sldId id="284" r:id="rId7"/>
+    <p:sldId id="285" r:id="rId8"/>
+    <p:sldId id="275" r:id="rId9"/>
+    <p:sldId id="287" r:id="rId10"/>
     <p:sldId id="300" r:id="rId11"/>
     <p:sldId id="299" r:id="rId12"/>
-    <p:sldId id="280" r:id="rId13"/>
-    <p:sldId id="296" r:id="rId14"/>
-    <p:sldId id="302" r:id="rId15"/>
-    <p:sldId id="304" r:id="rId16"/>
-    <p:sldId id="303" r:id="rId17"/>
-    <p:sldId id="294" r:id="rId18"/>
-    <p:sldId id="290" r:id="rId19"/>
-    <p:sldId id="292" r:id="rId20"/>
-    <p:sldId id="314" r:id="rId21"/>
-    <p:sldId id="315" r:id="rId22"/>
-    <p:sldId id="268" r:id="rId23"/>
-    <p:sldId id="269" r:id="rId24"/>
-    <p:sldId id="270" r:id="rId25"/>
+    <p:sldId id="296" r:id="rId13"/>
+    <p:sldId id="302" r:id="rId14"/>
+    <p:sldId id="304" r:id="rId15"/>
+    <p:sldId id="294" r:id="rId16"/>
+    <p:sldId id="290" r:id="rId17"/>
+    <p:sldId id="292" r:id="rId18"/>
+    <p:sldId id="314" r:id="rId19"/>
+    <p:sldId id="315" r:id="rId20"/>
+    <p:sldId id="268" r:id="rId21"/>
+    <p:sldId id="269" r:id="rId22"/>
+    <p:sldId id="270" r:id="rId23"/>
   </p:sldIdLst>
   <p:sldSz cx="9144000" cy="6858000" type="screen4x3"/>
   <p:notesSz cx="6858000" cy="9144000"/>
@@ -232,7 +230,7 @@
             <a:fld id="{89A32B59-22DD-4CE1-9F39-7CB77D232AC2}" type="datetimeFigureOut">
               <a:rPr lang="en-US" smtClean="0"/>
               <a:pPr/>
-              <a:t>10/17/2018</a:t>
+              <a:t>10/19/2018</a:t>
             </a:fld>
             <a:endParaRPr lang="en-US"/>
           </a:p>
@@ -647,14 +645,13 @@
               <a:defRPr/>
             </a:pPr>
             <a:r>
+              <a:rPr lang="en-US" baseline="0" dirty="0"/>
+              <a:t>If this section is not relevant to your project then delete this slide.  If relevant, </a:t>
+            </a:r>
+            <a:r>
               <a:rPr lang="en-US" sz="1200" b="1" baseline="0" dirty="0"/>
-              <a:t>Talk to this slide for no more than 1 minute!  Remember: ALL designs must handle errors!  </a:t>
-            </a:r>
-            <a:r>
-              <a:rPr lang="en-US" sz="1200" b="0" baseline="0" dirty="0"/>
-              <a:t>You may have to think about what they might be!</a:t>
-            </a:r>
-            <a:endParaRPr lang="en-US" sz="1200" b="1" baseline="0" dirty="0"/>
+              <a:t>talk to this slide for no more than 1 minute!</a:t>
+            </a:r>
           </a:p>
         </p:txBody>
       </p:sp>
@@ -676,7 +673,7 @@
             <a:fld id="{EA246233-4BFD-442F-A901-5D24D9BB790D}" type="slidenum">
               <a:rPr lang="en-US" smtClean="0"/>
               <a:pPr/>
-              <a:t>10</a:t>
+              <a:t>11</a:t>
             </a:fld>
             <a:endParaRPr lang="en-US"/>
           </a:p>
@@ -758,12 +755,25 @@
             </a:pPr>
             <a:r>
               <a:rPr lang="en-US" baseline="0" dirty="0"/>
-              <a:t>If this section is not relevant to your project then delete this slide.  If relevant, </a:t>
-            </a:r>
-            <a:r>
-              <a:rPr lang="en-US" sz="1200" b="1" baseline="0" dirty="0"/>
-              <a:t>talk to this slide for no more than 1 minute!</a:t>
-            </a:r>
+              <a:t>These are interfaces between the </a:t>
+            </a:r>
+            <a:r>
+              <a:rPr lang="en-US" b="1" baseline="0" dirty="0"/>
+              <a:t>USER</a:t>
+            </a:r>
+            <a:r>
+              <a:rPr lang="en-US" baseline="0" dirty="0"/>
+              <a:t> and your </a:t>
+            </a:r>
+            <a:r>
+              <a:rPr lang="en-US" b="1" baseline="0" dirty="0"/>
+              <a:t>SYSTEM</a:t>
+            </a:r>
+            <a:r>
+              <a:rPr lang="en-US" baseline="0" dirty="0"/>
+              <a:t>.  </a:t>
+            </a:r>
+            <a:endParaRPr lang="en-US" sz="1200" b="1" baseline="0" dirty="0"/>
           </a:p>
         </p:txBody>
       </p:sp>
@@ -785,7 +795,7 @@
             <a:fld id="{EA246233-4BFD-442F-A901-5D24D9BB790D}" type="slidenum">
               <a:rPr lang="en-US" smtClean="0"/>
               <a:pPr/>
-              <a:t>11</a:t>
+              <a:t>12</a:t>
             </a:fld>
             <a:endParaRPr lang="en-US"/>
           </a:p>
@@ -845,12 +855,39 @@
         </p:nvSpPr>
         <p:spPr/>
         <p:txBody>
-          <a:bodyPr>
-            <a:normAutofit/>
-          </a:bodyPr>
+          <a:bodyPr/>
           <a:lstStyle/>
           <a:p>
-            <a:endParaRPr lang="en-US" dirty="0"/>
+            <a:pPr marL="0" marR="0" indent="0" algn="l" defTabSz="914400" rtl="0" eaLnBrk="1" fontAlgn="auto" latinLnBrk="0" hangingPunct="1">
+              <a:lnSpc>
+                <a:spcPct val="100000"/>
+              </a:lnSpc>
+              <a:spcBef>
+                <a:spcPts val="0"/>
+              </a:spcBef>
+              <a:spcAft>
+                <a:spcPts val="0"/>
+              </a:spcAft>
+              <a:buClrTx/>
+              <a:buSzTx/>
+              <a:buFontTx/>
+              <a:buNone/>
+              <a:tabLst/>
+              <a:defRPr/>
+            </a:pPr>
+            <a:r>
+              <a:rPr lang="en-US" baseline="0" dirty="0"/>
+              <a:t>These are interfaces </a:t>
+            </a:r>
+            <a:r>
+              <a:rPr lang="en-US" b="1" baseline="0" dirty="0"/>
+              <a:t>between one piece (or language) of software and another </a:t>
+            </a:r>
+            <a:r>
+              <a:rPr lang="en-US" baseline="0" dirty="0"/>
+              <a:t>due to your design.  If this section is not relevant to your project then delete this slide.  </a:t>
+            </a:r>
+            <a:endParaRPr lang="en-US" sz="1200" b="1" baseline="0" dirty="0"/>
           </a:p>
         </p:txBody>
       </p:sp>
@@ -872,7 +909,7 @@
             <a:fld id="{EA246233-4BFD-442F-A901-5D24D9BB790D}" type="slidenum">
               <a:rPr lang="en-US" smtClean="0"/>
               <a:pPr/>
-              <a:t>12</a:t>
+              <a:t>13</a:t>
             </a:fld>
             <a:endParaRPr lang="en-US"/>
           </a:p>
@@ -881,7 +918,7 @@
     </p:spTree>
     <p:extLst>
       <p:ext uri="{BB962C8B-B14F-4D97-AF65-F5344CB8AC3E}">
-        <p14:creationId xmlns:p14="http://schemas.microsoft.com/office/powerpoint/2010/main" val="498447889"/>
+        <p14:creationId xmlns:p14="http://schemas.microsoft.com/office/powerpoint/2010/main" val="911692431"/>
       </p:ext>
     </p:extLst>
   </p:cSld>
@@ -954,25 +991,16 @@
             </a:pPr>
             <a:r>
               <a:rPr lang="en-US" baseline="0" dirty="0"/>
-              <a:t>These are interfaces between the </a:t>
+              <a:t>These are interfaces </a:t>
             </a:r>
             <a:r>
               <a:rPr lang="en-US" b="1" baseline="0" dirty="0"/>
-              <a:t>USER</a:t>
+              <a:t>between two pieces of hardware</a:t>
             </a:r>
             <a:r>
               <a:rPr lang="en-US" baseline="0" dirty="0"/>
-              <a:t> and your </a:t>
-            </a:r>
-            <a:r>
-              <a:rPr lang="en-US" b="1" baseline="0" dirty="0"/>
-              <a:t>SYSTEM</a:t>
-            </a:r>
-            <a:r>
-              <a:rPr lang="en-US" baseline="0" dirty="0"/>
-              <a:t>.  </a:t>
-            </a:r>
-            <a:endParaRPr lang="en-US" sz="1200" b="1" baseline="0" dirty="0"/>
+              <a:t>, e.g., you connected a sensor to a pi.  If this section is not relevant to your project then delete this slide.  </a:t>
+            </a:r>
           </a:p>
         </p:txBody>
       </p:sp>
@@ -994,7 +1022,7 @@
             <a:fld id="{EA246233-4BFD-442F-A901-5D24D9BB790D}" type="slidenum">
               <a:rPr lang="en-US" smtClean="0"/>
               <a:pPr/>
-              <a:t>13</a:t>
+              <a:t>14</a:t>
             </a:fld>
             <a:endParaRPr lang="en-US"/>
           </a:p>
@@ -1076,17 +1104,15 @@
             </a:pPr>
             <a:r>
               <a:rPr lang="en-US" baseline="0" dirty="0"/>
-              <a:t>These are interfaces </a:t>
-            </a:r>
-            <a:r>
-              <a:rPr lang="en-US" b="1" baseline="0" dirty="0"/>
-              <a:t>between one piece (or language) of software and another </a:t>
-            </a:r>
-            <a:r>
-              <a:rPr lang="en-US" baseline="0" dirty="0"/>
-              <a:t>due to your design.  If this section is not relevant to your project then delete this slide.  </a:t>
-            </a:r>
-            <a:endParaRPr lang="en-US" sz="1200" b="1" baseline="0" dirty="0"/>
+              <a:t>List the boundary conditions and make sure your Sponsor agrees that they are indeed boundary conditions.  Talk </a:t>
+            </a:r>
+            <a:r>
+              <a:rPr lang="en-US" sz="1200" b="1" baseline="0" dirty="0"/>
+              <a:t>to this slide for no more than 1 minute!</a:t>
+            </a:r>
+          </a:p>
+          <a:p>
+            <a:endParaRPr lang="en-US" baseline="0" dirty="0"/>
           </a:p>
         </p:txBody>
       </p:sp>
@@ -1108,7 +1134,7 @@
             <a:fld id="{EA246233-4BFD-442F-A901-5D24D9BB790D}" type="slidenum">
               <a:rPr lang="en-US" smtClean="0"/>
               <a:pPr/>
-              <a:t>14</a:t>
+              <a:t>15</a:t>
             </a:fld>
             <a:endParaRPr lang="en-US"/>
           </a:p>
@@ -1171,34 +1197,9 @@
           <a:bodyPr/>
           <a:lstStyle/>
           <a:p>
-            <a:pPr marL="0" marR="0" indent="0" algn="l" defTabSz="914400" rtl="0" eaLnBrk="1" fontAlgn="auto" latinLnBrk="0" hangingPunct="1">
-              <a:lnSpc>
-                <a:spcPct val="100000"/>
-              </a:lnSpc>
-              <a:spcBef>
-                <a:spcPts val="0"/>
-              </a:spcBef>
-              <a:spcAft>
-                <a:spcPts val="0"/>
-              </a:spcAft>
-              <a:buClrTx/>
-              <a:buSzTx/>
-              <a:buFontTx/>
-              <a:buNone/>
-              <a:tabLst/>
-              <a:defRPr/>
-            </a:pPr>
-            <a:r>
-              <a:rPr lang="en-US" baseline="0" dirty="0"/>
-              <a:t>These are interfaces </a:t>
-            </a:r>
-            <a:r>
-              <a:rPr lang="en-US" b="1" baseline="0" dirty="0"/>
-              <a:t>between two pieces of hardware</a:t>
-            </a:r>
-            <a:r>
-              <a:rPr lang="en-US" baseline="0" dirty="0"/>
-              <a:t>, e.g., you connected a sensor to a pi.  If this section is not relevant to your project then delete this slide.  </a:t>
+            <a:r>
+              <a:rPr lang="en-US" b="1" i="1" baseline="0" dirty="0"/>
+              <a:t>This is where you need to spend the majority of your time.  You’ll need several slides to cover 2.13.  </a:t>
             </a:r>
           </a:p>
         </p:txBody>
@@ -1221,7 +1222,7 @@
             <a:fld id="{EA246233-4BFD-442F-A901-5D24D9BB790D}" type="slidenum">
               <a:rPr lang="en-US" smtClean="0"/>
               <a:pPr/>
-              <a:t>15</a:t>
+              <a:t>16</a:t>
             </a:fld>
             <a:endParaRPr lang="en-US"/>
           </a:p>
@@ -1303,15 +1304,11 @@
             </a:pPr>
             <a:r>
               <a:rPr lang="en-US" baseline="0" dirty="0"/>
-              <a:t>These are interfaces </a:t>
-            </a:r>
-            <a:r>
-              <a:rPr lang="en-US" b="1" baseline="0" dirty="0"/>
-              <a:t>between two mechanical systems </a:t>
-            </a:r>
-            <a:r>
-              <a:rPr lang="en-US" baseline="0" dirty="0"/>
-              <a:t>like a motor and a generator.  If this section is not relevant to your project then delete this slide.  FEW projects have mechanical interfaces.</a:t>
+              <a:t>What platforms does your system run on?  If this section is not relevant to your project then delete this slide.  If relevant, </a:t>
+            </a:r>
+            <a:r>
+              <a:rPr lang="en-US" sz="1200" b="1" baseline="0" dirty="0"/>
+              <a:t>talk to this slide for no more than 1 minute!</a:t>
             </a:r>
           </a:p>
         </p:txBody>
@@ -1334,7 +1331,7 @@
             <a:fld id="{EA246233-4BFD-442F-A901-5D24D9BB790D}" type="slidenum">
               <a:rPr lang="en-US" smtClean="0"/>
               <a:pPr/>
-              <a:t>16</a:t>
+              <a:t>17</a:t>
             </a:fld>
             <a:endParaRPr lang="en-US"/>
           </a:p>
@@ -1416,15 +1413,12 @@
             </a:pPr>
             <a:r>
               <a:rPr lang="en-US" baseline="0" dirty="0"/>
-              <a:t>List the boundary conditions and make sure your Sponsor agrees that they are indeed boundary conditions.  Talk </a:t>
+              <a:t>What platforms does your system run on?  If this section is not relevant to your project then delete this slide.  If relevant, </a:t>
             </a:r>
             <a:r>
               <a:rPr lang="en-US" sz="1200" b="1" baseline="0" dirty="0"/>
-              <a:t>to this slide for no more than 1 minute!</a:t>
-            </a:r>
-          </a:p>
-          <a:p>
-            <a:endParaRPr lang="en-US" baseline="0" dirty="0"/>
+              <a:t>talk to this slide for no more than 1 minute!</a:t>
+            </a:r>
           </a:p>
         </p:txBody>
       </p:sp>
@@ -1446,7 +1440,7 @@
             <a:fld id="{EA246233-4BFD-442F-A901-5D24D9BB790D}" type="slidenum">
               <a:rPr lang="en-US" smtClean="0"/>
               <a:pPr/>
-              <a:t>17</a:t>
+              <a:t>18</a:t>
             </a:fld>
             <a:endParaRPr lang="en-US"/>
           </a:p>
@@ -1455,7 +1449,7 @@
     </p:spTree>
     <p:extLst>
       <p:ext uri="{BB962C8B-B14F-4D97-AF65-F5344CB8AC3E}">
-        <p14:creationId xmlns:p14="http://schemas.microsoft.com/office/powerpoint/2010/main" val="911692431"/>
+        <p14:creationId xmlns:p14="http://schemas.microsoft.com/office/powerpoint/2010/main" val="3232356798"/>
       </p:ext>
     </p:extLst>
   </p:cSld>
@@ -1509,9 +1503,30 @@
           <a:bodyPr/>
           <a:lstStyle/>
           <a:p>
-            <a:r>
-              <a:rPr lang="en-US" b="1" i="1" baseline="0" dirty="0"/>
-              <a:t>This is where you need to spend the majority of your time.  You’ll need several slides to cover 2.13.  </a:t>
+            <a:pPr marL="0" marR="0" indent="0" algn="l" defTabSz="914400" rtl="0" eaLnBrk="1" fontAlgn="auto" latinLnBrk="0" hangingPunct="1">
+              <a:lnSpc>
+                <a:spcPct val="100000"/>
+              </a:lnSpc>
+              <a:spcBef>
+                <a:spcPts val="0"/>
+              </a:spcBef>
+              <a:spcAft>
+                <a:spcPts val="0"/>
+              </a:spcAft>
+              <a:buClrTx/>
+              <a:buSzTx/>
+              <a:buFontTx/>
+              <a:buNone/>
+              <a:tabLst/>
+              <a:defRPr/>
+            </a:pPr>
+            <a:r>
+              <a:rPr lang="en-US" baseline="0" dirty="0"/>
+              <a:t>What platforms does your system run on?  If this section is not relevant to your project then delete this slide.  If relevant, </a:t>
+            </a:r>
+            <a:r>
+              <a:rPr lang="en-US" sz="1200" b="1" baseline="0" dirty="0"/>
+              <a:t>talk to this slide for no more than 1 minute!</a:t>
             </a:r>
           </a:p>
         </p:txBody>
@@ -1534,7 +1549,7 @@
             <a:fld id="{EA246233-4BFD-442F-A901-5D24D9BB790D}" type="slidenum">
               <a:rPr lang="en-US" smtClean="0"/>
               <a:pPr/>
-              <a:t>18</a:t>
+              <a:t>19</a:t>
             </a:fld>
             <a:endParaRPr lang="en-US"/>
           </a:p>
@@ -1543,7 +1558,7 @@
     </p:spTree>
     <p:extLst>
       <p:ext uri="{BB962C8B-B14F-4D97-AF65-F5344CB8AC3E}">
-        <p14:creationId xmlns:p14="http://schemas.microsoft.com/office/powerpoint/2010/main" val="911692431"/>
+        <p14:creationId xmlns:p14="http://schemas.microsoft.com/office/powerpoint/2010/main" val="3571318124"/>
       </p:ext>
     </p:extLst>
   </p:cSld>
@@ -1597,31 +1612,19 @@
           <a:bodyPr/>
           <a:lstStyle/>
           <a:p>
-            <a:pPr marL="0" marR="0" indent="0" algn="l" defTabSz="914400" rtl="0" eaLnBrk="1" fontAlgn="auto" latinLnBrk="0" hangingPunct="1">
-              <a:lnSpc>
-                <a:spcPct val="100000"/>
-              </a:lnSpc>
-              <a:spcBef>
-                <a:spcPts val="0"/>
-              </a:spcBef>
-              <a:spcAft>
-                <a:spcPts val="0"/>
-              </a:spcAft>
-              <a:buClrTx/>
-              <a:buSzTx/>
-              <a:buFontTx/>
-              <a:buNone/>
-              <a:tabLst/>
-              <a:defRPr/>
-            </a:pPr>
+            <a:r>
+              <a:rPr lang="en-US" dirty="0"/>
+              <a:t>Word this carefully – OK</a:t>
+            </a:r>
             <a:r>
               <a:rPr lang="en-US" baseline="0" dirty="0"/>
-              <a:t>What platforms does your system run on?  If this section is not relevant to your project then delete this slide.  If relevant, </a:t>
-            </a:r>
-            <a:r>
-              <a:rPr lang="en-US" sz="1200" b="1" baseline="0" dirty="0"/>
-              <a:t>talk to this slide for no more than 1 minute!</a:t>
-            </a:r>
+              <a:t> to ask questions and seek resolution during the IDR.  </a:t>
+            </a:r>
+            <a:r>
+              <a:rPr lang="en-US" b="1" baseline="0" dirty="0"/>
+              <a:t>CLASS DELIVERABLES and/or team meetings ARE *NOT* CHALLENGES!!!</a:t>
+            </a:r>
+            <a:endParaRPr lang="en-US" b="1" dirty="0"/>
           </a:p>
         </p:txBody>
       </p:sp>
@@ -1643,7 +1646,7 @@
             <a:fld id="{EA246233-4BFD-442F-A901-5D24D9BB790D}" type="slidenum">
               <a:rPr lang="en-US" smtClean="0"/>
               <a:pPr/>
-              <a:t>19</a:t>
+              <a:t>20</a:t>
             </a:fld>
             <a:endParaRPr lang="en-US"/>
           </a:p>
@@ -1652,7 +1655,7 @@
     </p:spTree>
     <p:extLst>
       <p:ext uri="{BB962C8B-B14F-4D97-AF65-F5344CB8AC3E}">
-        <p14:creationId xmlns:p14="http://schemas.microsoft.com/office/powerpoint/2010/main" val="911692431"/>
+        <p14:creationId xmlns:p14="http://schemas.microsoft.com/office/powerpoint/2010/main" val="2539200854"/>
       </p:ext>
     </p:extLst>
   </p:cSld>
@@ -1803,30 +1806,13 @@
           <a:bodyPr/>
           <a:lstStyle/>
           <a:p>
-            <a:pPr marL="0" marR="0" indent="0" algn="l" defTabSz="914400" rtl="0" eaLnBrk="1" fontAlgn="auto" latinLnBrk="0" hangingPunct="1">
-              <a:lnSpc>
-                <a:spcPct val="100000"/>
-              </a:lnSpc>
-              <a:spcBef>
-                <a:spcPts val="0"/>
-              </a:spcBef>
-              <a:spcAft>
-                <a:spcPts val="0"/>
-              </a:spcAft>
-              <a:buClrTx/>
-              <a:buSzTx/>
-              <a:buFontTx/>
-              <a:buNone/>
-              <a:tabLst/>
-              <a:defRPr/>
-            </a:pPr>
-            <a:r>
-              <a:rPr lang="en-US" baseline="0" dirty="0"/>
-              <a:t>What platforms does your system run on?  If this section is not relevant to your project then delete this slide.  If relevant, </a:t>
-            </a:r>
-            <a:r>
-              <a:rPr lang="en-US" sz="1200" b="1" baseline="0" dirty="0"/>
-              <a:t>talk to this slide for no more than 1 minute!</a:t>
+            <a:r>
+              <a:rPr lang="en-US" dirty="0"/>
+              <a:t>Go through this at a good pace.  You could spend 30 minutes on this alone – don’t.  </a:t>
+            </a:r>
+            <a:r>
+              <a:rPr lang="en-US" b="1" u="sng" dirty="0"/>
+              <a:t>Just give an overview.</a:t>
             </a:r>
           </a:p>
         </p:txBody>
@@ -1849,7 +1835,7 @@
             <a:fld id="{EA246233-4BFD-442F-A901-5D24D9BB790D}" type="slidenum">
               <a:rPr lang="en-US" smtClean="0"/>
               <a:pPr/>
-              <a:t>20</a:t>
+              <a:t>21</a:t>
             </a:fld>
             <a:endParaRPr lang="en-US"/>
           </a:p>
@@ -1858,7 +1844,7 @@
     </p:spTree>
     <p:extLst>
       <p:ext uri="{BB962C8B-B14F-4D97-AF65-F5344CB8AC3E}">
-        <p14:creationId xmlns:p14="http://schemas.microsoft.com/office/powerpoint/2010/main" val="3232356798"/>
+        <p14:creationId xmlns:p14="http://schemas.microsoft.com/office/powerpoint/2010/main" val="1911234896"/>
       </p:ext>
     </p:extLst>
   </p:cSld>
@@ -1912,31 +1898,19 @@
           <a:bodyPr/>
           <a:lstStyle/>
           <a:p>
-            <a:pPr marL="0" marR="0" indent="0" algn="l" defTabSz="914400" rtl="0" eaLnBrk="1" fontAlgn="auto" latinLnBrk="0" hangingPunct="1">
-              <a:lnSpc>
-                <a:spcPct val="100000"/>
-              </a:lnSpc>
-              <a:spcBef>
-                <a:spcPts val="0"/>
-              </a:spcBef>
-              <a:spcAft>
-                <a:spcPts val="0"/>
-              </a:spcAft>
-              <a:buClrTx/>
-              <a:buSzTx/>
-              <a:buFontTx/>
-              <a:buNone/>
-              <a:tabLst/>
-              <a:defRPr/>
-            </a:pPr>
+            <a:r>
+              <a:rPr lang="en-US" dirty="0"/>
+              <a:t>High level tasks!  DO</a:t>
+            </a:r>
             <a:r>
               <a:rPr lang="en-US" baseline="0" dirty="0"/>
-              <a:t>What platforms does your system run on?  If this section is not relevant to your project then delete this slide.  If relevant, </a:t>
-            </a:r>
-            <a:r>
-              <a:rPr lang="en-US" sz="1200" b="1" baseline="0" dirty="0"/>
-              <a:t>talk to this slide for no more than 1 minute!</a:t>
-            </a:r>
+              <a:t> NOT enter items like, “order 100 </a:t>
+            </a:r>
+            <a:r>
+              <a:rPr lang="en-US" baseline="0"/>
+              <a:t>ohm resistors.”</a:t>
+            </a:r>
+            <a:endParaRPr lang="en-US" dirty="0"/>
           </a:p>
         </p:txBody>
       </p:sp>
@@ -1958,293 +1932,7 @@
             <a:fld id="{EA246233-4BFD-442F-A901-5D24D9BB790D}" type="slidenum">
               <a:rPr lang="en-US" smtClean="0"/>
               <a:pPr/>
-              <a:t>21</a:t>
-            </a:fld>
-            <a:endParaRPr lang="en-US"/>
-          </a:p>
-        </p:txBody>
-      </p:sp>
-    </p:spTree>
-    <p:extLst>
-      <p:ext uri="{BB962C8B-B14F-4D97-AF65-F5344CB8AC3E}">
-        <p14:creationId xmlns:p14="http://schemas.microsoft.com/office/powerpoint/2010/main" val="3571318124"/>
-      </p:ext>
-    </p:extLst>
-  </p:cSld>
-  <p:clrMapOvr>
-    <a:masterClrMapping/>
-  </p:clrMapOvr>
-</p:notes>
-</file>
-
-<file path=ppt/notesSlides/notesSlide22.xml><?xml version="1.0" encoding="utf-8"?>
-<p:notes xmlns:a="http://schemas.openxmlformats.org/drawingml/2006/main" xmlns:r="http://schemas.openxmlformats.org/officeDocument/2006/relationships" xmlns:p="http://schemas.openxmlformats.org/presentationml/2006/main">
-  <p:cSld>
-    <p:spTree>
-      <p:nvGrpSpPr>
-        <p:cNvPr id="1" name=""/>
-        <p:cNvGrpSpPr/>
-        <p:nvPr/>
-      </p:nvGrpSpPr>
-      <p:grpSpPr>
-        <a:xfrm>
-          <a:off x="0" y="0"/>
-          <a:ext cx="0" cy="0"/>
-          <a:chOff x="0" y="0"/>
-          <a:chExt cx="0" cy="0"/>
-        </a:xfrm>
-      </p:grpSpPr>
-      <p:sp>
-        <p:nvSpPr>
-          <p:cNvPr id="2" name="Slide Image Placeholder 1"/>
-          <p:cNvSpPr>
-            <a:spLocks noGrp="1" noRot="1" noChangeAspect="1"/>
-          </p:cNvSpPr>
-          <p:nvPr>
-            <p:ph type="sldImg"/>
-          </p:nvPr>
-        </p:nvSpPr>
-        <p:spPr/>
-      </p:sp>
-      <p:sp>
-        <p:nvSpPr>
-          <p:cNvPr id="3" name="Notes Placeholder 2"/>
-          <p:cNvSpPr>
-            <a:spLocks noGrp="1"/>
-          </p:cNvSpPr>
-          <p:nvPr>
-            <p:ph type="body" idx="1"/>
-          </p:nvPr>
-        </p:nvSpPr>
-        <p:spPr/>
-        <p:txBody>
-          <a:bodyPr/>
-          <a:lstStyle/>
-          <a:p>
-            <a:r>
-              <a:rPr lang="en-US" dirty="0"/>
-              <a:t>Word this carefully – OK</a:t>
-            </a:r>
-            <a:r>
-              <a:rPr lang="en-US" baseline="0" dirty="0"/>
-              <a:t> to ask questions and seek resolution during the IDR.  </a:t>
-            </a:r>
-            <a:r>
-              <a:rPr lang="en-US" b="1" baseline="0" dirty="0"/>
-              <a:t>CLASS DELIVERABLES and/or team meetings ARE *NOT* CHALLENGES!!!</a:t>
-            </a:r>
-            <a:endParaRPr lang="en-US" b="1" dirty="0"/>
-          </a:p>
-        </p:txBody>
-      </p:sp>
-      <p:sp>
-        <p:nvSpPr>
-          <p:cNvPr id="4" name="Slide Number Placeholder 3"/>
-          <p:cNvSpPr>
-            <a:spLocks noGrp="1"/>
-          </p:cNvSpPr>
-          <p:nvPr>
-            <p:ph type="sldNum" sz="quarter" idx="10"/>
-          </p:nvPr>
-        </p:nvSpPr>
-        <p:spPr/>
-        <p:txBody>
-          <a:bodyPr/>
-          <a:lstStyle/>
-          <a:p>
-            <a:fld id="{EA246233-4BFD-442F-A901-5D24D9BB790D}" type="slidenum">
-              <a:rPr lang="en-US" smtClean="0"/>
-              <a:pPr/>
               <a:t>22</a:t>
-            </a:fld>
-            <a:endParaRPr lang="en-US"/>
-          </a:p>
-        </p:txBody>
-      </p:sp>
-    </p:spTree>
-    <p:extLst>
-      <p:ext uri="{BB962C8B-B14F-4D97-AF65-F5344CB8AC3E}">
-        <p14:creationId xmlns:p14="http://schemas.microsoft.com/office/powerpoint/2010/main" val="2539200854"/>
-      </p:ext>
-    </p:extLst>
-  </p:cSld>
-  <p:clrMapOvr>
-    <a:masterClrMapping/>
-  </p:clrMapOvr>
-</p:notes>
-</file>
-
-<file path=ppt/notesSlides/notesSlide23.xml><?xml version="1.0" encoding="utf-8"?>
-<p:notes xmlns:a="http://schemas.openxmlformats.org/drawingml/2006/main" xmlns:r="http://schemas.openxmlformats.org/officeDocument/2006/relationships" xmlns:p="http://schemas.openxmlformats.org/presentationml/2006/main">
-  <p:cSld>
-    <p:spTree>
-      <p:nvGrpSpPr>
-        <p:cNvPr id="1" name=""/>
-        <p:cNvGrpSpPr/>
-        <p:nvPr/>
-      </p:nvGrpSpPr>
-      <p:grpSpPr>
-        <a:xfrm>
-          <a:off x="0" y="0"/>
-          <a:ext cx="0" cy="0"/>
-          <a:chOff x="0" y="0"/>
-          <a:chExt cx="0" cy="0"/>
-        </a:xfrm>
-      </p:grpSpPr>
-      <p:sp>
-        <p:nvSpPr>
-          <p:cNvPr id="2" name="Slide Image Placeholder 1"/>
-          <p:cNvSpPr>
-            <a:spLocks noGrp="1" noRot="1" noChangeAspect="1"/>
-          </p:cNvSpPr>
-          <p:nvPr>
-            <p:ph type="sldImg"/>
-          </p:nvPr>
-        </p:nvSpPr>
-        <p:spPr/>
-      </p:sp>
-      <p:sp>
-        <p:nvSpPr>
-          <p:cNvPr id="3" name="Notes Placeholder 2"/>
-          <p:cNvSpPr>
-            <a:spLocks noGrp="1"/>
-          </p:cNvSpPr>
-          <p:nvPr>
-            <p:ph type="body" idx="1"/>
-          </p:nvPr>
-        </p:nvSpPr>
-        <p:spPr/>
-        <p:txBody>
-          <a:bodyPr/>
-          <a:lstStyle/>
-          <a:p>
-            <a:r>
-              <a:rPr lang="en-US" dirty="0"/>
-              <a:t>Go through this at a good pace.  You could spend 30 minutes on this alone – don’t.  </a:t>
-            </a:r>
-            <a:r>
-              <a:rPr lang="en-US" b="1" u="sng" dirty="0"/>
-              <a:t>Just give an overview.</a:t>
-            </a:r>
-          </a:p>
-        </p:txBody>
-      </p:sp>
-      <p:sp>
-        <p:nvSpPr>
-          <p:cNvPr id="4" name="Slide Number Placeholder 3"/>
-          <p:cNvSpPr>
-            <a:spLocks noGrp="1"/>
-          </p:cNvSpPr>
-          <p:nvPr>
-            <p:ph type="sldNum" sz="quarter" idx="10"/>
-          </p:nvPr>
-        </p:nvSpPr>
-        <p:spPr/>
-        <p:txBody>
-          <a:bodyPr/>
-          <a:lstStyle/>
-          <a:p>
-            <a:fld id="{EA246233-4BFD-442F-A901-5D24D9BB790D}" type="slidenum">
-              <a:rPr lang="en-US" smtClean="0"/>
-              <a:pPr/>
-              <a:t>23</a:t>
-            </a:fld>
-            <a:endParaRPr lang="en-US"/>
-          </a:p>
-        </p:txBody>
-      </p:sp>
-    </p:spTree>
-    <p:extLst>
-      <p:ext uri="{BB962C8B-B14F-4D97-AF65-F5344CB8AC3E}">
-        <p14:creationId xmlns:p14="http://schemas.microsoft.com/office/powerpoint/2010/main" val="1911234896"/>
-      </p:ext>
-    </p:extLst>
-  </p:cSld>
-  <p:clrMapOvr>
-    <a:masterClrMapping/>
-  </p:clrMapOvr>
-</p:notes>
-</file>
-
-<file path=ppt/notesSlides/notesSlide24.xml><?xml version="1.0" encoding="utf-8"?>
-<p:notes xmlns:a="http://schemas.openxmlformats.org/drawingml/2006/main" xmlns:r="http://schemas.openxmlformats.org/officeDocument/2006/relationships" xmlns:p="http://schemas.openxmlformats.org/presentationml/2006/main">
-  <p:cSld>
-    <p:spTree>
-      <p:nvGrpSpPr>
-        <p:cNvPr id="1" name=""/>
-        <p:cNvGrpSpPr/>
-        <p:nvPr/>
-      </p:nvGrpSpPr>
-      <p:grpSpPr>
-        <a:xfrm>
-          <a:off x="0" y="0"/>
-          <a:ext cx="0" cy="0"/>
-          <a:chOff x="0" y="0"/>
-          <a:chExt cx="0" cy="0"/>
-        </a:xfrm>
-      </p:grpSpPr>
-      <p:sp>
-        <p:nvSpPr>
-          <p:cNvPr id="2" name="Slide Image Placeholder 1"/>
-          <p:cNvSpPr>
-            <a:spLocks noGrp="1" noRot="1" noChangeAspect="1"/>
-          </p:cNvSpPr>
-          <p:nvPr>
-            <p:ph type="sldImg"/>
-          </p:nvPr>
-        </p:nvSpPr>
-        <p:spPr/>
-      </p:sp>
-      <p:sp>
-        <p:nvSpPr>
-          <p:cNvPr id="3" name="Notes Placeholder 2"/>
-          <p:cNvSpPr>
-            <a:spLocks noGrp="1"/>
-          </p:cNvSpPr>
-          <p:nvPr>
-            <p:ph type="body" idx="1"/>
-          </p:nvPr>
-        </p:nvSpPr>
-        <p:spPr/>
-        <p:txBody>
-          <a:bodyPr/>
-          <a:lstStyle/>
-          <a:p>
-            <a:r>
-              <a:rPr lang="en-US" dirty="0"/>
-              <a:t>High level tasks!  DO</a:t>
-            </a:r>
-            <a:r>
-              <a:rPr lang="en-US" baseline="0" dirty="0"/>
-              <a:t> NOT enter items like, “order 100 </a:t>
-            </a:r>
-            <a:r>
-              <a:rPr lang="en-US" baseline="0"/>
-              <a:t>ohm resistors.”</a:t>
-            </a:r>
-            <a:endParaRPr lang="en-US" dirty="0"/>
-          </a:p>
-        </p:txBody>
-      </p:sp>
-      <p:sp>
-        <p:nvSpPr>
-          <p:cNvPr id="4" name="Slide Number Placeholder 3"/>
-          <p:cNvSpPr>
-            <a:spLocks noGrp="1"/>
-          </p:cNvSpPr>
-          <p:nvPr>
-            <p:ph type="sldNum" sz="quarter" idx="10"/>
-          </p:nvPr>
-        </p:nvSpPr>
-        <p:spPr/>
-        <p:txBody>
-          <a:bodyPr/>
-          <a:lstStyle/>
-          <a:p>
-            <a:fld id="{EA246233-4BFD-442F-A901-5D24D9BB790D}" type="slidenum">
-              <a:rPr lang="en-US" smtClean="0"/>
-              <a:pPr/>
-              <a:t>24</a:t>
             </a:fld>
             <a:endParaRPr lang="en-US"/>
           </a:p>
@@ -2332,7 +2020,7 @@
             <a:fld id="{EA246233-4BFD-442F-A901-5D24D9BB790D}" type="slidenum">
               <a:rPr lang="en-US" smtClean="0"/>
               <a:pPr/>
-              <a:t>3</a:t>
+              <a:t>4</a:t>
             </a:fld>
             <a:endParaRPr lang="en-US"/>
           </a:p>
@@ -2425,7 +2113,7 @@
             <a:fld id="{EA246233-4BFD-442F-A901-5D24D9BB790D}" type="slidenum">
               <a:rPr lang="en-US" smtClean="0"/>
               <a:pPr/>
-              <a:t>4</a:t>
+              <a:t>5</a:t>
             </a:fld>
             <a:endParaRPr lang="en-US"/>
           </a:p>
@@ -2527,7 +2215,7 @@
             <a:fld id="{EA246233-4BFD-442F-A901-5D24D9BB790D}" type="slidenum">
               <a:rPr lang="en-US" smtClean="0"/>
               <a:pPr/>
-              <a:t>5</a:t>
+              <a:t>6</a:t>
             </a:fld>
             <a:endParaRPr lang="en-US"/>
           </a:p>
@@ -2671,7 +2359,7 @@
             <a:fld id="{EA246233-4BFD-442F-A901-5D24D9BB790D}" type="slidenum">
               <a:rPr lang="en-US" smtClean="0"/>
               <a:pPr/>
-              <a:t>6</a:t>
+              <a:t>7</a:t>
             </a:fld>
             <a:endParaRPr lang="en-US"/>
           </a:p>
@@ -2788,7 +2476,7 @@
             <a:fld id="{EA246233-4BFD-442F-A901-5D24D9BB790D}" type="slidenum">
               <a:rPr lang="en-US" smtClean="0"/>
               <a:pPr/>
-              <a:t>7</a:t>
+              <a:t>8</a:t>
             </a:fld>
             <a:endParaRPr lang="en-US"/>
           </a:p>
@@ -2892,7 +2580,7 @@
             <a:fld id="{EA246233-4BFD-442F-A901-5D24D9BB790D}" type="slidenum">
               <a:rPr lang="en-US" smtClean="0"/>
               <a:pPr/>
-              <a:t>8</a:t>
+              <a:t>9</a:t>
             </a:fld>
             <a:endParaRPr lang="en-US"/>
           </a:p>
@@ -2973,13 +2661,14 @@
               <a:defRPr/>
             </a:pPr>
             <a:r>
-              <a:rPr lang="en-US" baseline="0" dirty="0"/>
-              <a:t>If this section is not relevant to your project then delete this slide.  If relevant, </a:t>
-            </a:r>
-            <a:r>
               <a:rPr lang="en-US" sz="1200" b="1" baseline="0" dirty="0"/>
-              <a:t>talk to this slide for no more than 1 minute!</a:t>
-            </a:r>
+              <a:t>Talk to this slide for no more than 1 minute!  Remember: ALL designs must handle errors!  </a:t>
+            </a:r>
+            <a:r>
+              <a:rPr lang="en-US" sz="1200" b="0" baseline="0" dirty="0"/>
+              <a:t>You may have to think about what they might be!</a:t>
+            </a:r>
+            <a:endParaRPr lang="en-US" sz="1200" b="1" baseline="0" dirty="0"/>
           </a:p>
         </p:txBody>
       </p:sp>
@@ -3001,7 +2690,7 @@
             <a:fld id="{EA246233-4BFD-442F-A901-5D24D9BB790D}" type="slidenum">
               <a:rPr lang="en-US" smtClean="0"/>
               <a:pPr/>
-              <a:t>9</a:t>
+              <a:t>10</a:t>
             </a:fld>
             <a:endParaRPr lang="en-US"/>
           </a:p>
@@ -3049,11 +2738,11 @@
           <a:blip r:embed="rId2">
             <a:alphaModFix amt="30000"/>
             <a:duotone>
-              <a:schemeClr val="bg2">
-                <a:shade val="45000"/>
-                <a:satMod val="135000"/>
+              <a:prstClr val="black"/>
+              <a:schemeClr val="tx2">
+                <a:tint val="45000"/>
+                <a:satMod val="400000"/>
               </a:schemeClr>
-              <a:prstClr val="white"/>
             </a:duotone>
             <a:extLst>
               <a:ext uri="{28A0092B-C50C-407E-A947-70E740481C1C}">
@@ -7304,7 +6993,7 @@
             <a:fld id="{39E9CFBF-03C4-405F-A4D3-6E3533EF1611}" type="datetimeFigureOut">
               <a:rPr lang="en-US" smtClean="0"/>
               <a:pPr/>
-              <a:t>10/17/2018</a:t>
+              <a:t>10/19/2018</a:t>
             </a:fld>
             <a:endParaRPr lang="en-US"/>
           </a:p>
@@ -7366,7 +7055,7 @@
     </p:spTree>
     <p:extLst>
       <p:ext uri="{BB962C8B-B14F-4D97-AF65-F5344CB8AC3E}">
-        <p14:creationId xmlns:p14="http://schemas.microsoft.com/office/powerpoint/2010/main" val="2013547839"/>
+        <p14:creationId xmlns:p14="http://schemas.microsoft.com/office/powerpoint/2010/main" val="2660499415"/>
       </p:ext>
     </p:extLst>
   </p:cSld>
@@ -7573,7 +7262,7 @@
             <a:fld id="{39E9CFBF-03C4-405F-A4D3-6E3533EF1611}" type="datetimeFigureOut">
               <a:rPr lang="en-US" smtClean="0"/>
               <a:pPr/>
-              <a:t>10/17/2018</a:t>
+              <a:t>10/19/2018</a:t>
             </a:fld>
             <a:endParaRPr lang="en-US"/>
           </a:p>
@@ -7625,7 +7314,7 @@
     </p:spTree>
     <p:extLst>
       <p:ext uri="{BB962C8B-B14F-4D97-AF65-F5344CB8AC3E}">
-        <p14:creationId xmlns:p14="http://schemas.microsoft.com/office/powerpoint/2010/main" val="1411725404"/>
+        <p14:creationId xmlns:p14="http://schemas.microsoft.com/office/powerpoint/2010/main" val="1007049127"/>
       </p:ext>
     </p:extLst>
   </p:cSld>
@@ -7771,7 +7460,7 @@
             <a:fld id="{39E9CFBF-03C4-405F-A4D3-6E3533EF1611}" type="datetimeFigureOut">
               <a:rPr lang="en-US" smtClean="0"/>
               <a:pPr/>
-              <a:t>10/17/2018</a:t>
+              <a:t>10/19/2018</a:t>
             </a:fld>
             <a:endParaRPr lang="en-US"/>
           </a:p>
@@ -7823,7 +7512,7 @@
     </p:spTree>
     <p:extLst>
       <p:ext uri="{BB962C8B-B14F-4D97-AF65-F5344CB8AC3E}">
-        <p14:creationId xmlns:p14="http://schemas.microsoft.com/office/powerpoint/2010/main" val="254268924"/>
+        <p14:creationId xmlns:p14="http://schemas.microsoft.com/office/powerpoint/2010/main" val="541784208"/>
       </p:ext>
     </p:extLst>
   </p:cSld>
@@ -8036,7 +7725,7 @@
             <a:fld id="{39E9CFBF-03C4-405F-A4D3-6E3533EF1611}" type="datetimeFigureOut">
               <a:rPr lang="en-US" smtClean="0"/>
               <a:pPr/>
-              <a:t>10/17/2018</a:t>
+              <a:t>10/19/2018</a:t>
             </a:fld>
             <a:endParaRPr lang="en-US"/>
           </a:p>
@@ -8326,7 +8015,7 @@
     </p:spTree>
     <p:extLst>
       <p:ext uri="{BB962C8B-B14F-4D97-AF65-F5344CB8AC3E}">
-        <p14:creationId xmlns:p14="http://schemas.microsoft.com/office/powerpoint/2010/main" val="3279027666"/>
+        <p14:creationId xmlns:p14="http://schemas.microsoft.com/office/powerpoint/2010/main" val="4231262311"/>
       </p:ext>
     </p:extLst>
   </p:cSld>
@@ -8472,7 +8161,7 @@
             <a:fld id="{39E9CFBF-03C4-405F-A4D3-6E3533EF1611}" type="datetimeFigureOut">
               <a:rPr lang="en-US" smtClean="0"/>
               <a:pPr/>
-              <a:t>10/17/2018</a:t>
+              <a:t>10/19/2018</a:t>
             </a:fld>
             <a:endParaRPr lang="en-US"/>
           </a:p>
@@ -8524,7 +8213,7 @@
     </p:spTree>
     <p:extLst>
       <p:ext uri="{BB962C8B-B14F-4D97-AF65-F5344CB8AC3E}">
-        <p14:creationId xmlns:p14="http://schemas.microsoft.com/office/powerpoint/2010/main" val="3971749145"/>
+        <p14:creationId xmlns:p14="http://schemas.microsoft.com/office/powerpoint/2010/main" val="3038720591"/>
       </p:ext>
     </p:extLst>
   </p:cSld>
@@ -9020,7 +8709,7 @@
             <a:fld id="{39E9CFBF-03C4-405F-A4D3-6E3533EF1611}" type="datetimeFigureOut">
               <a:rPr lang="en-US" smtClean="0"/>
               <a:pPr/>
-              <a:t>10/17/2018</a:t>
+              <a:t>10/19/2018</a:t>
             </a:fld>
             <a:endParaRPr lang="en-US"/>
           </a:p>
@@ -9072,7 +8761,7 @@
     </p:spTree>
     <p:extLst>
       <p:ext uri="{BB962C8B-B14F-4D97-AF65-F5344CB8AC3E}">
-        <p14:creationId xmlns:p14="http://schemas.microsoft.com/office/powerpoint/2010/main" val="1064655437"/>
+        <p14:creationId xmlns:p14="http://schemas.microsoft.com/office/powerpoint/2010/main" val="2484667342"/>
       </p:ext>
     </p:extLst>
   </p:cSld>
@@ -9742,7 +9431,7 @@
             <a:fld id="{39E9CFBF-03C4-405F-A4D3-6E3533EF1611}" type="datetimeFigureOut">
               <a:rPr lang="en-US" smtClean="0"/>
               <a:pPr/>
-              <a:t>10/17/2018</a:t>
+              <a:t>10/19/2018</a:t>
             </a:fld>
             <a:endParaRPr lang="en-US"/>
           </a:p>
@@ -9798,7 +9487,7 @@
     </p:spTree>
     <p:extLst>
       <p:ext uri="{BB962C8B-B14F-4D97-AF65-F5344CB8AC3E}">
-        <p14:creationId xmlns:p14="http://schemas.microsoft.com/office/powerpoint/2010/main" val="2479513772"/>
+        <p14:creationId xmlns:p14="http://schemas.microsoft.com/office/powerpoint/2010/main" val="2798520662"/>
       </p:ext>
     </p:extLst>
   </p:cSld>
@@ -9918,7 +9607,7 @@
             <a:fld id="{39E9CFBF-03C4-405F-A4D3-6E3533EF1611}" type="datetimeFigureOut">
               <a:rPr lang="en-US" smtClean="0"/>
               <a:pPr/>
-              <a:t>10/17/2018</a:t>
+              <a:t>10/19/2018</a:t>
             </a:fld>
             <a:endParaRPr lang="en-US"/>
           </a:p>
@@ -9970,7 +9659,7 @@
     </p:spTree>
     <p:extLst>
       <p:ext uri="{BB962C8B-B14F-4D97-AF65-F5344CB8AC3E}">
-        <p14:creationId xmlns:p14="http://schemas.microsoft.com/office/powerpoint/2010/main" val="2113480829"/>
+        <p14:creationId xmlns:p14="http://schemas.microsoft.com/office/powerpoint/2010/main" val="2968250611"/>
       </p:ext>
     </p:extLst>
   </p:cSld>
@@ -10100,7 +9789,7 @@
             <a:fld id="{39E9CFBF-03C4-405F-A4D3-6E3533EF1611}" type="datetimeFigureOut">
               <a:rPr lang="en-US" smtClean="0"/>
               <a:pPr/>
-              <a:t>10/17/2018</a:t>
+              <a:t>10/19/2018</a:t>
             </a:fld>
             <a:endParaRPr lang="en-US"/>
           </a:p>
@@ -10152,7 +9841,7 @@
     </p:spTree>
     <p:extLst>
       <p:ext uri="{BB962C8B-B14F-4D97-AF65-F5344CB8AC3E}">
-        <p14:creationId xmlns:p14="http://schemas.microsoft.com/office/powerpoint/2010/main" val="3278880215"/>
+        <p14:creationId xmlns:p14="http://schemas.microsoft.com/office/powerpoint/2010/main" val="2083708890"/>
       </p:ext>
     </p:extLst>
   </p:cSld>
@@ -10287,7 +9976,7 @@
             <a:fld id="{39E9CFBF-03C4-405F-A4D3-6E3533EF1611}" type="datetimeFigureOut">
               <a:rPr lang="en-US" smtClean="0"/>
               <a:pPr/>
-              <a:t>10/17/2018</a:t>
+              <a:t>10/19/2018</a:t>
             </a:fld>
             <a:endParaRPr lang="en-US"/>
           </a:p>
@@ -10349,7 +10038,7 @@
     </p:spTree>
     <p:extLst>
       <p:ext uri="{BB962C8B-B14F-4D97-AF65-F5344CB8AC3E}">
-        <p14:creationId xmlns:p14="http://schemas.microsoft.com/office/powerpoint/2010/main" val="2360024478"/>
+        <p14:creationId xmlns:p14="http://schemas.microsoft.com/office/powerpoint/2010/main" val="2387857500"/>
       </p:ext>
     </p:extLst>
   </p:cSld>
@@ -10549,7 +10238,7 @@
             <a:fld id="{39E9CFBF-03C4-405F-A4D3-6E3533EF1611}" type="datetimeFigureOut">
               <a:rPr lang="en-US" smtClean="0"/>
               <a:pPr/>
-              <a:t>10/17/2018</a:t>
+              <a:t>10/19/2018</a:t>
             </a:fld>
             <a:endParaRPr lang="en-US"/>
           </a:p>
@@ -10601,7 +10290,7 @@
     </p:spTree>
     <p:extLst>
       <p:ext uri="{BB962C8B-B14F-4D97-AF65-F5344CB8AC3E}">
-        <p14:creationId xmlns:p14="http://schemas.microsoft.com/office/powerpoint/2010/main" val="2899298717"/>
+        <p14:creationId xmlns:p14="http://schemas.microsoft.com/office/powerpoint/2010/main" val="1440112889"/>
       </p:ext>
     </p:extLst>
   </p:cSld>
@@ -10783,7 +10472,7 @@
             <a:fld id="{39E9CFBF-03C4-405F-A4D3-6E3533EF1611}" type="datetimeFigureOut">
               <a:rPr lang="en-US" smtClean="0"/>
               <a:pPr/>
-              <a:t>10/17/2018</a:t>
+              <a:t>10/19/2018</a:t>
             </a:fld>
             <a:endParaRPr lang="en-US"/>
           </a:p>
@@ -10835,7 +10524,7 @@
     </p:spTree>
     <p:extLst>
       <p:ext uri="{BB962C8B-B14F-4D97-AF65-F5344CB8AC3E}">
-        <p14:creationId xmlns:p14="http://schemas.microsoft.com/office/powerpoint/2010/main" val="3019584194"/>
+        <p14:creationId xmlns:p14="http://schemas.microsoft.com/office/powerpoint/2010/main" val="3038586434"/>
       </p:ext>
     </p:extLst>
   </p:cSld>
@@ -11166,7 +10855,7 @@
             <a:fld id="{39E9CFBF-03C4-405F-A4D3-6E3533EF1611}" type="datetimeFigureOut">
               <a:rPr lang="en-US" smtClean="0"/>
               <a:pPr/>
-              <a:t>10/17/2018</a:t>
+              <a:t>10/19/2018</a:t>
             </a:fld>
             <a:endParaRPr lang="en-US"/>
           </a:p>
@@ -11218,7 +10907,7 @@
     </p:spTree>
     <p:extLst>
       <p:ext uri="{BB962C8B-B14F-4D97-AF65-F5344CB8AC3E}">
-        <p14:creationId xmlns:p14="http://schemas.microsoft.com/office/powerpoint/2010/main" val="3774471796"/>
+        <p14:creationId xmlns:p14="http://schemas.microsoft.com/office/powerpoint/2010/main" val="2134080824"/>
       </p:ext>
     </p:extLst>
   </p:cSld>
@@ -11286,7 +10975,7 @@
             <a:fld id="{39E9CFBF-03C4-405F-A4D3-6E3533EF1611}" type="datetimeFigureOut">
               <a:rPr lang="en-US" smtClean="0"/>
               <a:pPr/>
-              <a:t>10/17/2018</a:t>
+              <a:t>10/19/2018</a:t>
             </a:fld>
             <a:endParaRPr lang="en-US"/>
           </a:p>
@@ -11338,7 +11027,7 @@
     </p:spTree>
     <p:extLst>
       <p:ext uri="{BB962C8B-B14F-4D97-AF65-F5344CB8AC3E}">
-        <p14:creationId xmlns:p14="http://schemas.microsoft.com/office/powerpoint/2010/main" val="2761394403"/>
+        <p14:creationId xmlns:p14="http://schemas.microsoft.com/office/powerpoint/2010/main" val="2516636883"/>
       </p:ext>
     </p:extLst>
   </p:cSld>
@@ -11383,7 +11072,7 @@
             <a:fld id="{39E9CFBF-03C4-405F-A4D3-6E3533EF1611}" type="datetimeFigureOut">
               <a:rPr lang="en-US" smtClean="0"/>
               <a:pPr/>
-              <a:t>10/17/2018</a:t>
+              <a:t>10/19/2018</a:t>
             </a:fld>
             <a:endParaRPr lang="en-US"/>
           </a:p>
@@ -11435,7 +11124,7 @@
     </p:spTree>
     <p:extLst>
       <p:ext uri="{BB962C8B-B14F-4D97-AF65-F5344CB8AC3E}">
-        <p14:creationId xmlns:p14="http://schemas.microsoft.com/office/powerpoint/2010/main" val="1915042394"/>
+        <p14:creationId xmlns:p14="http://schemas.microsoft.com/office/powerpoint/2010/main" val="3030340541"/>
       </p:ext>
     </p:extLst>
   </p:cSld>
@@ -11634,7 +11323,7 @@
             <a:fld id="{39E9CFBF-03C4-405F-A4D3-6E3533EF1611}" type="datetimeFigureOut">
               <a:rPr lang="en-US" smtClean="0"/>
               <a:pPr/>
-              <a:t>10/17/2018</a:t>
+              <a:t>10/19/2018</a:t>
             </a:fld>
             <a:endParaRPr lang="en-US"/>
           </a:p>
@@ -11686,7 +11375,7 @@
     </p:spTree>
     <p:extLst>
       <p:ext uri="{BB962C8B-B14F-4D97-AF65-F5344CB8AC3E}">
-        <p14:creationId xmlns:p14="http://schemas.microsoft.com/office/powerpoint/2010/main" val="1385349141"/>
+        <p14:creationId xmlns:p14="http://schemas.microsoft.com/office/powerpoint/2010/main" val="3724947755"/>
       </p:ext>
     </p:extLst>
   </p:cSld>
@@ -11888,7 +11577,7 @@
             <a:fld id="{39E9CFBF-03C4-405F-A4D3-6E3533EF1611}" type="datetimeFigureOut">
               <a:rPr lang="en-US" smtClean="0"/>
               <a:pPr/>
-              <a:t>10/17/2018</a:t>
+              <a:t>10/19/2018</a:t>
             </a:fld>
             <a:endParaRPr lang="en-US"/>
           </a:p>
@@ -11940,7 +11629,7 @@
     </p:spTree>
     <p:extLst>
       <p:ext uri="{BB962C8B-B14F-4D97-AF65-F5344CB8AC3E}">
-        <p14:creationId xmlns:p14="http://schemas.microsoft.com/office/powerpoint/2010/main" val="284431458"/>
+        <p14:creationId xmlns:p14="http://schemas.microsoft.com/office/powerpoint/2010/main" val="1395871808"/>
       </p:ext>
     </p:extLst>
   </p:cSld>
@@ -11972,55 +11661,6 @@
           <a:chExt cx="0" cy="0"/>
         </a:xfrm>
       </p:grpSpPr>
-      <p:pic>
-        <p:nvPicPr>
-          <p:cNvPr id="7" name="Picture 2" descr="\\DROBO-FS\QuickDrops\JB\PPTX NG\Droplets\LightingOverlay.png"/>
-          <p:cNvPicPr>
-            <a:picLocks noChangeAspect="1" noChangeArrowheads="1"/>
-          </p:cNvPicPr>
-          <p:nvPr/>
-        </p:nvPicPr>
-        <p:blipFill>
-          <a:blip r:embed="rId19">
-            <a:alphaModFix amt="30000"/>
-            <a:duotone>
-              <a:schemeClr val="bg2">
-                <a:shade val="45000"/>
-                <a:satMod val="135000"/>
-              </a:schemeClr>
-              <a:prstClr val="white"/>
-            </a:duotone>
-            <a:extLst>
-              <a:ext uri="{28A0092B-C50C-407E-A947-70E740481C1C}">
-                <a14:useLocalDpi xmlns:a14="http://schemas.microsoft.com/office/drawing/2010/main" val="0"/>
-              </a:ext>
-            </a:extLst>
-          </a:blip>
-          <a:srcRect/>
-          <a:stretch>
-            <a:fillRect/>
-          </a:stretch>
-        </p:blipFill>
-        <p:spPr bwMode="auto">
-          <a:xfrm>
-            <a:off x="1" y="-1"/>
-            <a:ext cx="9144002" cy="6858001"/>
-          </a:xfrm>
-          <a:prstGeom prst="rect">
-            <a:avLst/>
-          </a:prstGeom>
-          <a:noFill/>
-          <a:extLst>
-            <a:ext uri="{909E8E84-426E-40dd-AFC4-6F175D3DCCD1}">
-              <a14:hiddenFill xmlns="" xmlns:a14="http://schemas.microsoft.com/office/drawing/2010/main">
-                <a:solidFill>
-                  <a:srgbClr val="FFFFFF"/>
-                </a:solidFill>
-              </a14:hiddenFill>
-            </a:ext>
-          </a:extLst>
-        </p:spPr>
-      </p:pic>
       <p:grpSp>
         <p:nvGrpSpPr>
           <p:cNvPr id="8" name="Group 7"/>
@@ -14847,6 +14487,55 @@
           </p:sp>
         </p:grpSp>
       </p:grpSp>
+      <p:pic>
+        <p:nvPicPr>
+          <p:cNvPr id="7" name="Picture 2" descr="\\DROBO-FS\QuickDrops\JB\PPTX NG\Droplets\LightingOverlay.png"/>
+          <p:cNvPicPr>
+            <a:picLocks noChangeAspect="1" noChangeArrowheads="1"/>
+          </p:cNvPicPr>
+          <p:nvPr/>
+        </p:nvPicPr>
+        <p:blipFill>
+          <a:blip r:embed="rId19">
+            <a:alphaModFix amt="30000"/>
+            <a:duotone>
+              <a:prstClr val="black"/>
+              <a:schemeClr val="tx2">
+                <a:tint val="45000"/>
+                <a:satMod val="400000"/>
+              </a:schemeClr>
+            </a:duotone>
+            <a:extLst>
+              <a:ext uri="{28A0092B-C50C-407E-A947-70E740481C1C}">
+                <a14:useLocalDpi xmlns:a14="http://schemas.microsoft.com/office/drawing/2010/main" val="0"/>
+              </a:ext>
+            </a:extLst>
+          </a:blip>
+          <a:srcRect/>
+          <a:stretch>
+            <a:fillRect/>
+          </a:stretch>
+        </p:blipFill>
+        <p:spPr bwMode="auto">
+          <a:xfrm>
+            <a:off x="1" y="-1"/>
+            <a:ext cx="9144002" cy="6858001"/>
+          </a:xfrm>
+          <a:prstGeom prst="rect">
+            <a:avLst/>
+          </a:prstGeom>
+          <a:noFill/>
+          <a:extLst>
+            <a:ext uri="{909E8E84-426E-40dd-AFC4-6F175D3DCCD1}">
+              <a14:hiddenFill xmlns="" xmlns:a14="http://schemas.microsoft.com/office/drawing/2010/main">
+                <a:solidFill>
+                  <a:srgbClr val="FFFFFF"/>
+                </a:solidFill>
+              </a14:hiddenFill>
+            </a:ext>
+          </a:extLst>
+        </p:spPr>
+      </p:pic>
       <p:sp>
         <p:nvSpPr>
           <p:cNvPr id="2" name="Title Placeholder 1"/>
@@ -14974,7 +14663,7 @@
             <a:fld id="{39E9CFBF-03C4-405F-A4D3-6E3533EF1611}" type="datetimeFigureOut">
               <a:rPr lang="en-US" smtClean="0"/>
               <a:pPr/>
-              <a:t>10/17/2018</a:t>
+              <a:t>10/19/2018</a:t>
             </a:fld>
             <a:endParaRPr lang="en-US"/>
           </a:p>
@@ -15064,7 +14753,7 @@
           <p:cNvPr id="48" name="Picture 47">
             <a:extLst>
               <a:ext uri="{FF2B5EF4-FFF2-40B4-BE49-F238E27FC236}">
-                <a16:creationId xmlns:a16="http://schemas.microsoft.com/office/drawing/2014/main" id="{9C3E9225-84BD-4B3F-B0EB-B0643F347C25}"/>
+                <a16:creationId xmlns:a16="http://schemas.microsoft.com/office/drawing/2014/main" id="{AB824B1C-4E68-4CB1-AF80-7C52282736B6}"/>
               </a:ext>
             </a:extLst>
           </p:cNvPr>
@@ -15098,29 +14787,29 @@
     </p:spTree>
     <p:extLst>
       <p:ext uri="{BB962C8B-B14F-4D97-AF65-F5344CB8AC3E}">
-        <p14:creationId xmlns:p14="http://schemas.microsoft.com/office/powerpoint/2010/main" val="1292323670"/>
+        <p14:creationId xmlns:p14="http://schemas.microsoft.com/office/powerpoint/2010/main" val="418941578"/>
       </p:ext>
     </p:extLst>
   </p:cSld>
   <p:clrMap bg1="dk1" tx1="lt1" bg2="dk2" tx2="lt2" accent1="accent1" accent2="accent2" accent3="accent3" accent4="accent4" accent5="accent5" accent6="accent6" hlink="hlink" folHlink="folHlink"/>
   <p:sldLayoutIdLst>
-    <p:sldLayoutId id="2147483685" r:id="rId1"/>
-    <p:sldLayoutId id="2147483686" r:id="rId2"/>
-    <p:sldLayoutId id="2147483687" r:id="rId3"/>
-    <p:sldLayoutId id="2147483688" r:id="rId4"/>
-    <p:sldLayoutId id="2147483689" r:id="rId5"/>
-    <p:sldLayoutId id="2147483690" r:id="rId6"/>
-    <p:sldLayoutId id="2147483691" r:id="rId7"/>
-    <p:sldLayoutId id="2147483692" r:id="rId8"/>
-    <p:sldLayoutId id="2147483693" r:id="rId9"/>
-    <p:sldLayoutId id="2147483694" r:id="rId10"/>
-    <p:sldLayoutId id="2147483695" r:id="rId11"/>
-    <p:sldLayoutId id="2147483696" r:id="rId12"/>
-    <p:sldLayoutId id="2147483697" r:id="rId13"/>
-    <p:sldLayoutId id="2147483698" r:id="rId14"/>
-    <p:sldLayoutId id="2147483699" r:id="rId15"/>
-    <p:sldLayoutId id="2147483700" r:id="rId16"/>
-    <p:sldLayoutId id="2147483701" r:id="rId17"/>
+    <p:sldLayoutId id="2147483757" r:id="rId1"/>
+    <p:sldLayoutId id="2147483758" r:id="rId2"/>
+    <p:sldLayoutId id="2147483759" r:id="rId3"/>
+    <p:sldLayoutId id="2147483760" r:id="rId4"/>
+    <p:sldLayoutId id="2147483761" r:id="rId5"/>
+    <p:sldLayoutId id="2147483762" r:id="rId6"/>
+    <p:sldLayoutId id="2147483763" r:id="rId7"/>
+    <p:sldLayoutId id="2147483764" r:id="rId8"/>
+    <p:sldLayoutId id="2147483765" r:id="rId9"/>
+    <p:sldLayoutId id="2147483766" r:id="rId10"/>
+    <p:sldLayoutId id="2147483767" r:id="rId11"/>
+    <p:sldLayoutId id="2147483768" r:id="rId12"/>
+    <p:sldLayoutId id="2147483769" r:id="rId13"/>
+    <p:sldLayoutId id="2147483770" r:id="rId14"/>
+    <p:sldLayoutId id="2147483771" r:id="rId15"/>
+    <p:sldLayoutId id="2147483772" r:id="rId16"/>
+    <p:sldLayoutId id="2147483773" r:id="rId17"/>
   </p:sldLayoutIdLst>
   <p:txStyles>
     <p:titleStyle>
@@ -15136,6 +14825,13 @@
           <a:solidFill>
             <a:schemeClr val="tx1"/>
           </a:solidFill>
+          <a:effectLst>
+            <a:outerShdw blurRad="114300" dist="38100" dir="2700000" algn="tl">
+              <a:srgbClr val="000000">
+                <a:alpha val="26000"/>
+              </a:srgbClr>
+            </a:outerShdw>
+          </a:effectLst>
           <a:latin typeface="+mj-lt"/>
           <a:ea typeface="+mj-ea"/>
           <a:cs typeface="+mj-cs"/>
@@ -15157,6 +14853,13 @@
           <a:solidFill>
             <a:schemeClr val="tx1"/>
           </a:solidFill>
+          <a:effectLst>
+            <a:outerShdw blurRad="127000" dist="38100" dir="2700000" algn="tl">
+              <a:srgbClr val="000000">
+                <a:alpha val="33000"/>
+              </a:srgbClr>
+            </a:outerShdw>
+          </a:effectLst>
           <a:latin typeface="+mn-lt"/>
           <a:ea typeface="+mn-ea"/>
           <a:cs typeface="+mn-cs"/>
@@ -15176,6 +14879,13 @@
           <a:solidFill>
             <a:schemeClr val="tx1"/>
           </a:solidFill>
+          <a:effectLst>
+            <a:outerShdw blurRad="127000" dist="38100" dir="2700000" algn="tl">
+              <a:srgbClr val="000000">
+                <a:alpha val="33000"/>
+              </a:srgbClr>
+            </a:outerShdw>
+          </a:effectLst>
           <a:latin typeface="+mn-lt"/>
           <a:ea typeface="+mn-ea"/>
           <a:cs typeface="+mn-cs"/>
@@ -15195,6 +14905,13 @@
           <a:solidFill>
             <a:schemeClr val="tx1"/>
           </a:solidFill>
+          <a:effectLst>
+            <a:outerShdw blurRad="127000" dist="38100" dir="2700000" algn="tl">
+              <a:srgbClr val="000000">
+                <a:alpha val="33000"/>
+              </a:srgbClr>
+            </a:outerShdw>
+          </a:effectLst>
           <a:latin typeface="+mn-lt"/>
           <a:ea typeface="+mn-ea"/>
           <a:cs typeface="+mn-cs"/>
@@ -15214,6 +14931,13 @@
           <a:solidFill>
             <a:schemeClr val="tx1"/>
           </a:solidFill>
+          <a:effectLst>
+            <a:outerShdw blurRad="127000" dist="38100" dir="2700000" algn="tl">
+              <a:srgbClr val="000000">
+                <a:alpha val="33000"/>
+              </a:srgbClr>
+            </a:outerShdw>
+          </a:effectLst>
           <a:latin typeface="+mn-lt"/>
           <a:ea typeface="+mn-ea"/>
           <a:cs typeface="+mn-cs"/>
@@ -15233,6 +14957,13 @@
           <a:solidFill>
             <a:schemeClr val="tx1"/>
           </a:solidFill>
+          <a:effectLst>
+            <a:outerShdw blurRad="127000" dist="38100" dir="2700000" algn="tl">
+              <a:srgbClr val="000000">
+                <a:alpha val="33000"/>
+              </a:srgbClr>
+            </a:outerShdw>
+          </a:effectLst>
           <a:latin typeface="+mn-lt"/>
           <a:ea typeface="+mn-ea"/>
           <a:cs typeface="+mn-cs"/>
@@ -15417,6 +15148,35 @@
 <file path=ppt/slides/slide1.xml><?xml version="1.0" encoding="utf-8"?>
 <p:sld xmlns:a="http://schemas.openxmlformats.org/drawingml/2006/main" xmlns:r="http://schemas.openxmlformats.org/officeDocument/2006/relationships" xmlns:p="http://schemas.openxmlformats.org/presentationml/2006/main">
   <p:cSld>
+    <p:bg>
+      <p:bgPr>
+        <a:blipFill dpi="0" rotWithShape="1">
+          <a:blip r:embed="rId3">
+            <a:alphaModFix amt="99000"/>
+            <a:duotone>
+              <a:schemeClr val="bg2">
+                <a:shade val="88000"/>
+                <a:hueMod val="106000"/>
+                <a:satMod val="140000"/>
+                <a:lumMod val="54000"/>
+              </a:schemeClr>
+              <a:schemeClr val="bg2">
+                <a:tint val="98000"/>
+                <a:hueMod val="90000"/>
+                <a:satMod val="150000"/>
+                <a:lumMod val="160000"/>
+              </a:schemeClr>
+            </a:duotone>
+            <a:lum/>
+          </a:blip>
+          <a:srcRect/>
+          <a:stretch>
+            <a:fillRect/>
+          </a:stretch>
+        </a:blipFill>
+        <a:effectLst/>
+      </p:bgPr>
+    </p:bg>
     <p:spTree>
       <p:nvGrpSpPr>
         <p:cNvPr id="1" name=""/>
@@ -15534,7 +15294,7 @@
           <p:nvPr/>
         </p:nvPicPr>
         <p:blipFill>
-          <a:blip r:embed="rId3" cstate="print">
+          <a:blip r:embed="rId4" cstate="print">
             <a:extLst>
               <a:ext uri="{28A0092B-C50C-407E-A947-70E740481C1C}">
                 <a14:useLocalDpi xmlns:a14="http://schemas.microsoft.com/office/drawing/2010/main" val="0"/>
@@ -15581,7 +15341,7 @@
           <p:nvPr/>
         </p:nvPicPr>
         <p:blipFill>
-          <a:blip r:embed="rId4" cstate="print">
+          <a:blip r:embed="rId5" cstate="print">
             <a:extLst>
               <a:ext uri="{28A0092B-C50C-407E-A947-70E740481C1C}">
                 <a14:useLocalDpi xmlns:a14="http://schemas.microsoft.com/office/drawing/2010/main" val="0"/>
@@ -15660,7 +15420,11 @@
           <a:p>
             <a:pPr algn="ctr"/>
             <a:r>
-              <a:rPr lang="en-US" dirty="0"/>
+              <a:rPr lang="en-US" dirty="0">
+                <a:solidFill>
+                  <a:schemeClr val="bg1"/>
+                </a:solidFill>
+              </a:rPr>
               <a:t>2.3 Error Handling</a:t>
             </a:r>
           </a:p>
@@ -15683,7 +15447,9 @@
           </a:xfrm>
         </p:spPr>
         <p:txBody>
-          <a:bodyPr/>
+          <a:bodyPr>
+            <a:normAutofit/>
+          </a:bodyPr>
           <a:lstStyle/>
           <a:p>
             <a:endParaRPr lang="en-US" i="1" dirty="0">
@@ -15699,15 +15465,8 @@
                   <a:schemeClr val="bg1"/>
                 </a:solidFill>
               </a:rPr>
-              <a:t>We will bound the tunable frequencies by looping the frequency selector over the 3.500MHz – 4.000MHz range and the 14.000MHz – 15.350MHz range. </a:t>
-            </a:r>
-          </a:p>
-          <a:p>
-            <a:endParaRPr lang="en-US" dirty="0">
-              <a:solidFill>
-                <a:schemeClr val="bg1"/>
-              </a:solidFill>
-            </a:endParaRPr>
+              <a:t>We will bound the tunable frequencies by looping the frequency selector over the 3.500MHz – 4.000MHz range and the 14.000MHz – 14.350MHz range. </a:t>
+            </a:r>
           </a:p>
           <a:p>
             <a:r>
@@ -15716,7 +15475,7 @@
                   <a:schemeClr val="bg1"/>
                 </a:solidFill>
               </a:rPr>
-              <a:t>Pre-set options for license level will be made available to limit the transmission range. </a:t>
+              <a:t>A multi pole turn switch will be set by the user to correspond to their license level, this will limit some functionality of the radio</a:t>
             </a:r>
           </a:p>
         </p:txBody>
@@ -15768,7 +15527,11 @@
           <a:p>
             <a:pPr algn="ctr"/>
             <a:r>
-              <a:rPr lang="en-US" dirty="0"/>
+              <a:rPr lang="en-US" dirty="0">
+                <a:solidFill>
+                  <a:schemeClr val="bg1"/>
+                </a:solidFill>
+              </a:rPr>
               <a:t>2.4 Safety &amp; Security</a:t>
             </a:r>
           </a:p>
@@ -15784,7 +15547,12 @@
             <p:ph idx="1"/>
           </p:nvPr>
         </p:nvSpPr>
-        <p:spPr/>
+        <p:spPr>
+          <a:xfrm>
+            <a:off x="856060" y="1712912"/>
+            <a:ext cx="7429499" cy="3048001"/>
+          </a:xfrm>
+        </p:spPr>
         <p:txBody>
           <a:bodyPr/>
           <a:lstStyle/>
@@ -15804,18 +15572,6 @@
               </a:rPr>
               <a:t>A case will be used to limit accidental contact with components</a:t>
             </a:r>
-            <a:br>
-              <a:rPr lang="en-US" dirty="0">
-                <a:solidFill>
-                  <a:schemeClr val="bg1"/>
-                </a:solidFill>
-              </a:rPr>
-            </a:br>
-            <a:endParaRPr lang="en-US" dirty="0">
-              <a:solidFill>
-                <a:schemeClr val="bg1"/>
-              </a:solidFill>
-            </a:endParaRPr>
           </a:p>
           <a:p>
             <a:r>
@@ -15861,7 +15617,7 @@
       </p:grpSpPr>
       <p:sp>
         <p:nvSpPr>
-          <p:cNvPr id="5" name="Title 4"/>
+          <p:cNvPr id="2" name="Title 1"/>
           <p:cNvSpPr>
             <a:spLocks noGrp="1"/>
           </p:cNvSpPr>
@@ -15874,7 +15630,15 @@
           <a:bodyPr/>
           <a:lstStyle/>
           <a:p>
-            <a:endParaRPr lang="en-US"/>
+            <a:pPr algn="ctr"/>
+            <a:r>
+              <a:rPr lang="en-US" dirty="0">
+                <a:solidFill>
+                  <a:schemeClr val="bg1"/>
+                </a:solidFill>
+              </a:rPr>
+              <a:t>2.61 – User Interfaces </a:t>
+            </a:r>
           </a:p>
         </p:txBody>
       </p:sp>
@@ -15888,7 +15652,12 @@
             <p:ph idx="1"/>
           </p:nvPr>
         </p:nvSpPr>
-        <p:spPr/>
+        <p:spPr>
+          <a:xfrm>
+            <a:off x="856059" y="1447800"/>
+            <a:ext cx="7429499" cy="3541714"/>
+          </a:xfrm>
+        </p:spPr>
         <p:txBody>
           <a:bodyPr>
             <a:normAutofit/>
@@ -15898,13 +15667,30 @@
             <a:pPr marL="0" indent="0">
               <a:buNone/>
             </a:pPr>
-            <a:r>
-              <a:rPr lang="en-US" sz="3600" b="1" dirty="0">
+            <a:endParaRPr lang="en-US" i="1" dirty="0">
+              <a:solidFill>
+                <a:srgbClr val="FF0000"/>
+              </a:solidFill>
+            </a:endParaRPr>
+          </a:p>
+          <a:p>
+            <a:r>
+              <a:rPr lang="en-US" dirty="0">
                 <a:solidFill>
-                  <a:srgbClr val="FF0000"/>
+                  <a:schemeClr val="bg1"/>
                 </a:solidFill>
               </a:rPr>
-              <a:t>You may need to have a block diagram – of various levels – available throughout the presentation to illustrate elements of the design!</a:t>
+              <a:t>Control components (Rotary switches, Rotary encoder, potentiometer, and multi pole switches) will be accessible to modify operation</a:t>
+            </a:r>
+          </a:p>
+          <a:p>
+            <a:r>
+              <a:rPr lang="en-US" dirty="0">
+                <a:solidFill>
+                  <a:schemeClr val="bg1"/>
+                </a:solidFill>
+              </a:rPr>
+              <a:t>An LED screen will be visible to allow the user to see frequency selection or other digital choices.  </a:t>
             </a:r>
           </a:p>
         </p:txBody>
@@ -15912,7 +15698,7 @@
     </p:spTree>
     <p:extLst>
       <p:ext uri="{BB962C8B-B14F-4D97-AF65-F5344CB8AC3E}">
-        <p14:creationId xmlns:p14="http://schemas.microsoft.com/office/powerpoint/2010/main" val="2675152547"/>
+        <p14:creationId xmlns:p14="http://schemas.microsoft.com/office/powerpoint/2010/main" val="540270287"/>
       </p:ext>
     </p:extLst>
   </p:cSld>
@@ -15956,43 +15742,35 @@
           <a:p>
             <a:pPr algn="ctr"/>
             <a:r>
-              <a:rPr lang="en-US" dirty="0"/>
-              <a:t>2.61 – User Interfaces </a:t>
-            </a:r>
-          </a:p>
-        </p:txBody>
-      </p:sp>
-      <p:sp>
-        <p:nvSpPr>
-          <p:cNvPr id="3" name="Content Placeholder 2"/>
-          <p:cNvSpPr>
-            <a:spLocks noGrp="1"/>
-          </p:cNvSpPr>
-          <p:nvPr>
-            <p:ph idx="1"/>
-          </p:nvPr>
-        </p:nvSpPr>
-        <p:spPr/>
-        <p:txBody>
-          <a:bodyPr/>
-          <a:lstStyle/>
-          <a:p>
-            <a:endParaRPr lang="en-US" i="1" dirty="0">
-              <a:solidFill>
-                <a:srgbClr val="FF0000"/>
-              </a:solidFill>
-            </a:endParaRPr>
-          </a:p>
-          <a:p>
-            <a:r>
               <a:rPr lang="en-US" dirty="0">
                 <a:solidFill>
                   <a:schemeClr val="bg1"/>
                 </a:solidFill>
               </a:rPr>
-              <a:t>Control components (Rotary switches, Rotary encoder, potentiometer, and multi pole switches) will be accessible to modify operation</a:t>
-            </a:r>
-          </a:p>
+              <a:t>2.62 – Software Interfaces </a:t>
+            </a:r>
+          </a:p>
+        </p:txBody>
+      </p:sp>
+      <p:sp>
+        <p:nvSpPr>
+          <p:cNvPr id="3" name="Content Placeholder 2"/>
+          <p:cNvSpPr>
+            <a:spLocks noGrp="1"/>
+          </p:cNvSpPr>
+          <p:nvPr>
+            <p:ph idx="1"/>
+          </p:nvPr>
+        </p:nvSpPr>
+        <p:spPr>
+          <a:xfrm>
+            <a:off x="856060" y="1981200"/>
+            <a:ext cx="7429499" cy="3541714"/>
+          </a:xfrm>
+        </p:spPr>
+        <p:txBody>
+          <a:bodyPr/>
+          <a:lstStyle/>
           <a:p>
             <a:r>
               <a:rPr lang="en-US" dirty="0">
@@ -16000,7 +15778,27 @@
                   <a:schemeClr val="bg1"/>
                 </a:solidFill>
               </a:rPr>
-              <a:t>An LED screen will be visible to allow the user to see frequency selection or other digital choices.  </a:t>
+              <a:t>The Teensy and Audio Shield to communicate over I2S</a:t>
+            </a:r>
+          </a:p>
+          <a:p>
+            <a:r>
+              <a:rPr lang="en-US" dirty="0">
+                <a:solidFill>
+                  <a:schemeClr val="bg1"/>
+                </a:solidFill>
+              </a:rPr>
+              <a:t>Arduino IDE (1.8.7) with Teensy loader application (1.44) to create, compile, and load code</a:t>
+            </a:r>
+          </a:p>
+          <a:p>
+            <a:r>
+              <a:rPr lang="en-US" dirty="0">
+                <a:solidFill>
+                  <a:schemeClr val="bg1"/>
+                </a:solidFill>
+              </a:rPr>
+              <a:t>Stretch goal: Raspbian operating system. </a:t>
             </a:r>
           </a:p>
         </p:txBody>
@@ -16052,87 +15850,59 @@
           <a:p>
             <a:pPr algn="ctr"/>
             <a:r>
-              <a:rPr lang="en-US" dirty="0"/>
-              <a:t>2.62 – Software Interfaces </a:t>
-            </a:r>
-          </a:p>
-        </p:txBody>
-      </p:sp>
-      <p:sp>
-        <p:nvSpPr>
-          <p:cNvPr id="3" name="Content Placeholder 2"/>
-          <p:cNvSpPr>
-            <a:spLocks noGrp="1"/>
-          </p:cNvSpPr>
-          <p:nvPr>
-            <p:ph idx="1"/>
-          </p:nvPr>
-        </p:nvSpPr>
-        <p:spPr/>
-        <p:txBody>
-          <a:bodyPr/>
-          <a:lstStyle/>
-          <a:p>
-            <a:r>
               <a:rPr lang="en-US" dirty="0">
                 <a:solidFill>
                   <a:schemeClr val="bg1"/>
                 </a:solidFill>
               </a:rPr>
-              <a:t>The Audio board and </a:t>
-            </a:r>
-            <a:r>
-              <a:rPr lang="en-US" dirty="0" err="1">
+              <a:t>2.63 – Hardware Interfaces </a:t>
+            </a:r>
+          </a:p>
+        </p:txBody>
+      </p:sp>
+      <p:sp>
+        <p:nvSpPr>
+          <p:cNvPr id="3" name="Content Placeholder 2"/>
+          <p:cNvSpPr>
+            <a:spLocks noGrp="1"/>
+          </p:cNvSpPr>
+          <p:nvPr>
+            <p:ph idx="1"/>
+          </p:nvPr>
+        </p:nvSpPr>
+        <p:spPr>
+          <a:xfrm>
+            <a:off x="856060" y="2057400"/>
+            <a:ext cx="7429499" cy="3541714"/>
+          </a:xfrm>
+        </p:spPr>
+        <p:txBody>
+          <a:bodyPr/>
+          <a:lstStyle/>
+          <a:p>
+            <a:r>
+              <a:rPr lang="en-GB" dirty="0">
                 <a:solidFill>
                   <a:schemeClr val="bg1"/>
                 </a:solidFill>
               </a:rPr>
-              <a:t>Teesny</a:t>
-            </a:r>
-            <a:r>
-              <a:rPr lang="en-US" dirty="0">
+              <a:t>The Teensy and audio shield will be connected to the rotary encoder, LCD, SI5351 clock generator, audio transformers, microphone, and speaker</a:t>
+            </a:r>
+          </a:p>
+          <a:p>
+            <a:r>
+              <a:rPr lang="en-GB" dirty="0">
                 <a:solidFill>
                   <a:schemeClr val="bg1"/>
                 </a:solidFill>
               </a:rPr>
-              <a:t> Communicate with I2c</a:t>
-            </a:r>
-          </a:p>
-          <a:p>
-            <a:r>
-              <a:rPr lang="en-US" dirty="0">
-                <a:solidFill>
-                  <a:schemeClr val="bg1"/>
-                </a:solidFill>
-              </a:rPr>
-              <a:t>Arduino IDE (1.8.7) with </a:t>
-            </a:r>
-            <a:r>
-              <a:rPr lang="en-US" dirty="0" err="1">
-                <a:solidFill>
-                  <a:schemeClr val="bg1"/>
-                </a:solidFill>
-              </a:rPr>
-              <a:t>Teesny</a:t>
-            </a:r>
-            <a:r>
-              <a:rPr lang="en-US" dirty="0">
-                <a:solidFill>
-                  <a:schemeClr val="bg1"/>
-                </a:solidFill>
-              </a:rPr>
-              <a:t> loader application (1.44) to create, compile, and load code</a:t>
-            </a:r>
-          </a:p>
-          <a:p>
-            <a:r>
-              <a:rPr lang="en-US" dirty="0">
-                <a:solidFill>
-                  <a:schemeClr val="bg1"/>
-                </a:solidFill>
-              </a:rPr>
-              <a:t>Stretch goal: Raspbian operating system. </a:t>
-            </a:r>
+              <a:t>The antenna will feed the received signal into the NE612 mixers which will then interface with the SN74HC74 and SI5351</a:t>
+            </a:r>
+            <a:endParaRPr lang="en-US" i="1" dirty="0">
+              <a:solidFill>
+                <a:schemeClr val="bg1"/>
+              </a:solidFill>
+            </a:endParaRPr>
           </a:p>
         </p:txBody>
       </p:sp>
@@ -16176,52 +15946,1367 @@
             <p:ph type="title"/>
           </p:nvPr>
         </p:nvSpPr>
+        <p:spPr>
+          <a:xfrm>
+            <a:off x="228600" y="348454"/>
+            <a:ext cx="8229600" cy="1143000"/>
+          </a:xfrm>
+        </p:spPr>
+        <p:txBody>
+          <a:bodyPr>
+            <a:normAutofit/>
+          </a:bodyPr>
+          <a:lstStyle/>
+          <a:p>
+            <a:r>
+              <a:rPr lang="en-US" dirty="0">
+                <a:solidFill>
+                  <a:schemeClr val="bg1"/>
+                </a:solidFill>
+              </a:rPr>
+              <a:t>2.7 Boundary Conditions &amp; Constraints</a:t>
+            </a:r>
+          </a:p>
+        </p:txBody>
+      </p:sp>
+      <p:sp>
+        <p:nvSpPr>
+          <p:cNvPr id="3" name="Content Placeholder 2"/>
+          <p:cNvSpPr>
+            <a:spLocks noGrp="1"/>
+          </p:cNvSpPr>
+          <p:nvPr>
+            <p:ph idx="1"/>
+          </p:nvPr>
+        </p:nvSpPr>
         <p:spPr/>
         <p:txBody>
           <a:bodyPr/>
           <a:lstStyle/>
           <a:p>
-            <a:pPr algn="ctr"/>
-            <a:r>
-              <a:rPr lang="en-US" dirty="0"/>
-              <a:t>2.63 – Hardware Interfaces </a:t>
-            </a:r>
-          </a:p>
-        </p:txBody>
-      </p:sp>
-      <p:sp>
-        <p:nvSpPr>
-          <p:cNvPr id="3" name="Content Placeholder 2"/>
-          <p:cNvSpPr>
-            <a:spLocks noGrp="1"/>
-          </p:cNvSpPr>
-          <p:nvPr>
-            <p:ph idx="1"/>
-          </p:nvPr>
-        </p:nvSpPr>
-        <p:spPr/>
-        <p:txBody>
-          <a:bodyPr/>
-          <a:lstStyle/>
-          <a:p>
             <a:endParaRPr lang="en-US" i="1" dirty="0">
               <a:solidFill>
-                <a:srgbClr val="FF0000"/>
+                <a:schemeClr val="bg1"/>
               </a:solidFill>
             </a:endParaRPr>
           </a:p>
           <a:p>
-            <a:r>
-              <a:rPr lang="en-US" i="1" dirty="0">
-                <a:solidFill>
-                  <a:srgbClr val="FF0000"/>
-                </a:solidFill>
-              </a:rPr>
-              <a:t>(look at schematic/block diagram?) </a:t>
-            </a:r>
+            <a:endParaRPr lang="en-US" i="1" dirty="0">
+              <a:solidFill>
+                <a:schemeClr val="bg1"/>
+              </a:solidFill>
+            </a:endParaRPr>
           </a:p>
         </p:txBody>
       </p:sp>
+      <p:graphicFrame>
+        <p:nvGraphicFramePr>
+          <p:cNvPr id="4" name="Table 3">
+            <a:extLst>
+              <a:ext uri="{FF2B5EF4-FFF2-40B4-BE49-F238E27FC236}">
+                <a16:creationId xmlns:a16="http://schemas.microsoft.com/office/drawing/2014/main" id="{4CCFF073-CD64-4A76-A8BA-13D5399B226F}"/>
+              </a:ext>
+            </a:extLst>
+          </p:cNvPr>
+          <p:cNvGraphicFramePr>
+            <a:graphicFrameLocks noGrp="1"/>
+          </p:cNvGraphicFramePr>
+          <p:nvPr>
+            <p:extLst>
+              <p:ext uri="{D42A27DB-BD31-4B8C-83A1-F6EECF244321}">
+                <p14:modId xmlns:p14="http://schemas.microsoft.com/office/powerpoint/2010/main" val="3099171459"/>
+              </p:ext>
+            </p:extLst>
+          </p:nvPr>
+        </p:nvGraphicFramePr>
+        <p:xfrm>
+          <a:off x="702273" y="1527173"/>
+          <a:ext cx="7602140" cy="722313"/>
+        </p:xfrm>
+        <a:graphic>
+          <a:graphicData uri="http://schemas.openxmlformats.org/drawingml/2006/table">
+            <a:tbl>
+              <a:tblPr firstRow="1" firstCol="1" bandRow="1">
+                <a:tableStyleId>{5C22544A-7EE6-4342-B048-85BDC9FD1C3A}</a:tableStyleId>
+              </a:tblPr>
+              <a:tblGrid>
+                <a:gridCol w="3801070">
+                  <a:extLst>
+                    <a:ext uri="{9D8B030D-6E8A-4147-A177-3AD203B41FA5}">
+                      <a16:colId xmlns:a16="http://schemas.microsoft.com/office/drawing/2014/main" val="4164788423"/>
+                    </a:ext>
+                  </a:extLst>
+                </a:gridCol>
+                <a:gridCol w="3801070">
+                  <a:extLst>
+                    <a:ext uri="{9D8B030D-6E8A-4147-A177-3AD203B41FA5}">
+                      <a16:colId xmlns:a16="http://schemas.microsoft.com/office/drawing/2014/main" val="3890187726"/>
+                    </a:ext>
+                  </a:extLst>
+                </a:gridCol>
+              </a:tblGrid>
+              <a:tr h="240771">
+                <a:tc>
+                  <a:txBody>
+                    <a:bodyPr/>
+                    <a:lstStyle/>
+                    <a:p>
+                      <a:pPr marL="0" marR="0" algn="ctr">
+                        <a:spcBef>
+                          <a:spcPts val="0"/>
+                        </a:spcBef>
+                        <a:spcAft>
+                          <a:spcPts val="0"/>
+                        </a:spcAft>
+                      </a:pPr>
+                      <a:r>
+                        <a:rPr lang="en-US" sz="1200" dirty="0">
+                          <a:solidFill>
+                            <a:schemeClr val="bg1"/>
+                          </a:solidFill>
+                          <a:effectLst/>
+                        </a:rPr>
+                        <a:t>Boundary</a:t>
+                      </a:r>
+                      <a:endParaRPr lang="en-US" sz="1200" dirty="0">
+                        <a:solidFill>
+                          <a:schemeClr val="bg1"/>
+                        </a:solidFill>
+                        <a:effectLst/>
+                        <a:latin typeface="Arial" panose="020B0604020202020204" pitchFamily="34" charset="0"/>
+                        <a:ea typeface="Times New Roman" panose="02020603050405020304" pitchFamily="18" charset="0"/>
+                        <a:cs typeface="Times New Roman" panose="02020603050405020304" pitchFamily="18" charset="0"/>
+                      </a:endParaRPr>
+                    </a:p>
+                  </a:txBody>
+                  <a:tcPr marL="68580" marR="68580" marT="0" marB="0"/>
+                </a:tc>
+                <a:tc>
+                  <a:txBody>
+                    <a:bodyPr/>
+                    <a:lstStyle/>
+                    <a:p>
+                      <a:pPr marL="0" marR="0" algn="ctr">
+                        <a:spcBef>
+                          <a:spcPts val="0"/>
+                        </a:spcBef>
+                        <a:spcAft>
+                          <a:spcPts val="0"/>
+                        </a:spcAft>
+                      </a:pPr>
+                      <a:r>
+                        <a:rPr lang="en-US" sz="1200">
+                          <a:solidFill>
+                            <a:schemeClr val="bg1"/>
+                          </a:solidFill>
+                          <a:effectLst/>
+                        </a:rPr>
+                        <a:t>Constraint</a:t>
+                      </a:r>
+                      <a:endParaRPr lang="en-US" sz="1200">
+                        <a:solidFill>
+                          <a:schemeClr val="bg1"/>
+                        </a:solidFill>
+                        <a:effectLst/>
+                        <a:latin typeface="Arial" panose="020B0604020202020204" pitchFamily="34" charset="0"/>
+                        <a:ea typeface="Times New Roman" panose="02020603050405020304" pitchFamily="18" charset="0"/>
+                        <a:cs typeface="Times New Roman" panose="02020603050405020304" pitchFamily="18" charset="0"/>
+                      </a:endParaRPr>
+                    </a:p>
+                  </a:txBody>
+                  <a:tcPr marL="68580" marR="68580" marT="0" marB="0"/>
+                </a:tc>
+                <a:extLst>
+                  <a:ext uri="{0D108BD9-81ED-4DB2-BD59-A6C34878D82A}">
+                    <a16:rowId xmlns:a16="http://schemas.microsoft.com/office/drawing/2014/main" val="2969224666"/>
+                  </a:ext>
+                </a:extLst>
+              </a:tr>
+              <a:tr h="481542">
+                <a:tc>
+                  <a:txBody>
+                    <a:bodyPr/>
+                    <a:lstStyle/>
+                    <a:p>
+                      <a:pPr marL="0" marR="0" algn="l">
+                        <a:spcBef>
+                          <a:spcPts val="0"/>
+                        </a:spcBef>
+                        <a:spcAft>
+                          <a:spcPts val="0"/>
+                        </a:spcAft>
+                      </a:pPr>
+                      <a:r>
+                        <a:rPr lang="en-US" sz="1200" dirty="0">
+                          <a:solidFill>
+                            <a:schemeClr val="bg1"/>
+                          </a:solidFill>
+                          <a:effectLst/>
+                        </a:rPr>
+                        <a:t>The radio will only operate on frequencies from 3.5-4.0MHz and 14.00-14.35MHz</a:t>
+                      </a:r>
+                      <a:endParaRPr lang="en-US" sz="1200" dirty="0">
+                        <a:solidFill>
+                          <a:schemeClr val="bg1"/>
+                        </a:solidFill>
+                        <a:effectLst/>
+                        <a:latin typeface="Arial" panose="020B0604020202020204" pitchFamily="34" charset="0"/>
+                        <a:ea typeface="Times New Roman" panose="02020603050405020304" pitchFamily="18" charset="0"/>
+                        <a:cs typeface="Times New Roman" panose="02020603050405020304" pitchFamily="18" charset="0"/>
+                      </a:endParaRPr>
+                    </a:p>
+                  </a:txBody>
+                  <a:tcPr marL="68580" marR="68580" marT="0" marB="0">
+                    <a:solidFill>
+                      <a:schemeClr val="bg2">
+                        <a:lumMod val="20000"/>
+                        <a:lumOff val="80000"/>
+                      </a:schemeClr>
+                    </a:solidFill>
+                  </a:tcPr>
+                </a:tc>
+                <a:tc>
+                  <a:txBody>
+                    <a:bodyPr/>
+                    <a:lstStyle/>
+                    <a:p>
+                      <a:pPr marL="0" marR="0" algn="l">
+                        <a:spcBef>
+                          <a:spcPts val="0"/>
+                        </a:spcBef>
+                        <a:spcAft>
+                          <a:spcPts val="0"/>
+                        </a:spcAft>
+                      </a:pPr>
+                      <a:r>
+                        <a:rPr lang="en-US" sz="1200" dirty="0">
+                          <a:solidFill>
+                            <a:schemeClr val="bg1"/>
+                          </a:solidFill>
+                          <a:effectLst/>
+                        </a:rPr>
+                        <a:t>The radio can tune to any frequency on the HF band, 3Mhz to 30Mhz</a:t>
+                      </a:r>
+                      <a:endParaRPr lang="en-US" sz="1200" dirty="0">
+                        <a:solidFill>
+                          <a:schemeClr val="bg1"/>
+                        </a:solidFill>
+                        <a:effectLst/>
+                        <a:latin typeface="Arial" panose="020B0604020202020204" pitchFamily="34" charset="0"/>
+                        <a:ea typeface="Times New Roman" panose="02020603050405020304" pitchFamily="18" charset="0"/>
+                        <a:cs typeface="Times New Roman" panose="02020603050405020304" pitchFamily="18" charset="0"/>
+                      </a:endParaRPr>
+                    </a:p>
+                  </a:txBody>
+                  <a:tcPr marL="68580" marR="68580" marT="0" marB="0">
+                    <a:solidFill>
+                      <a:schemeClr val="bg2">
+                        <a:lumMod val="20000"/>
+                        <a:lumOff val="80000"/>
+                      </a:schemeClr>
+                    </a:solidFill>
+                  </a:tcPr>
+                </a:tc>
+                <a:extLst>
+                  <a:ext uri="{0D108BD9-81ED-4DB2-BD59-A6C34878D82A}">
+                    <a16:rowId xmlns:a16="http://schemas.microsoft.com/office/drawing/2014/main" val="1317967054"/>
+                  </a:ext>
+                </a:extLst>
+              </a:tr>
+            </a:tbl>
+          </a:graphicData>
+        </a:graphic>
+      </p:graphicFrame>
+      <p:graphicFrame>
+        <p:nvGraphicFramePr>
+          <p:cNvPr id="5" name="Table 4">
+            <a:extLst>
+              <a:ext uri="{FF2B5EF4-FFF2-40B4-BE49-F238E27FC236}">
+                <a16:creationId xmlns:a16="http://schemas.microsoft.com/office/drawing/2014/main" id="{AAECFA13-69EF-46FC-8AC7-B907F28550BF}"/>
+              </a:ext>
+            </a:extLst>
+          </p:cNvPr>
+          <p:cNvGraphicFramePr>
+            <a:graphicFrameLocks noGrp="1"/>
+          </p:cNvGraphicFramePr>
+          <p:nvPr>
+            <p:extLst>
+              <p:ext uri="{D42A27DB-BD31-4B8C-83A1-F6EECF244321}">
+                <p14:modId xmlns:p14="http://schemas.microsoft.com/office/powerpoint/2010/main" val="2569235270"/>
+              </p:ext>
+            </p:extLst>
+          </p:nvPr>
+        </p:nvGraphicFramePr>
+        <p:xfrm>
+          <a:off x="702273" y="2231626"/>
+          <a:ext cx="7602140" cy="722313"/>
+        </p:xfrm>
+        <a:graphic>
+          <a:graphicData uri="http://schemas.openxmlformats.org/drawingml/2006/table">
+            <a:tbl>
+              <a:tblPr firstRow="1" firstCol="1" bandRow="1">
+                <a:tableStyleId>{5C22544A-7EE6-4342-B048-85BDC9FD1C3A}</a:tableStyleId>
+              </a:tblPr>
+              <a:tblGrid>
+                <a:gridCol w="3801070">
+                  <a:extLst>
+                    <a:ext uri="{9D8B030D-6E8A-4147-A177-3AD203B41FA5}">
+                      <a16:colId xmlns:a16="http://schemas.microsoft.com/office/drawing/2014/main" val="3246174150"/>
+                    </a:ext>
+                  </a:extLst>
+                </a:gridCol>
+                <a:gridCol w="3801070">
+                  <a:extLst>
+                    <a:ext uri="{9D8B030D-6E8A-4147-A177-3AD203B41FA5}">
+                      <a16:colId xmlns:a16="http://schemas.microsoft.com/office/drawing/2014/main" val="2653862485"/>
+                    </a:ext>
+                  </a:extLst>
+                </a:gridCol>
+              </a:tblGrid>
+              <a:tr h="240771">
+                <a:tc>
+                  <a:txBody>
+                    <a:bodyPr/>
+                    <a:lstStyle/>
+                    <a:p>
+                      <a:pPr marL="0" marR="0" algn="ctr">
+                        <a:spcBef>
+                          <a:spcPts val="0"/>
+                        </a:spcBef>
+                        <a:spcAft>
+                          <a:spcPts val="0"/>
+                        </a:spcAft>
+                      </a:pPr>
+                      <a:r>
+                        <a:rPr lang="en-US" sz="1200" dirty="0">
+                          <a:solidFill>
+                            <a:schemeClr val="bg1"/>
+                          </a:solidFill>
+                          <a:effectLst/>
+                        </a:rPr>
+                        <a:t>Boundary</a:t>
+                      </a:r>
+                      <a:endParaRPr lang="en-US" sz="1200" dirty="0">
+                        <a:solidFill>
+                          <a:schemeClr val="bg1"/>
+                        </a:solidFill>
+                        <a:effectLst/>
+                        <a:latin typeface="Arial" panose="020B0604020202020204" pitchFamily="34" charset="0"/>
+                        <a:ea typeface="Times New Roman" panose="02020603050405020304" pitchFamily="18" charset="0"/>
+                        <a:cs typeface="Times New Roman" panose="02020603050405020304" pitchFamily="18" charset="0"/>
+                      </a:endParaRPr>
+                    </a:p>
+                  </a:txBody>
+                  <a:tcPr marL="68580" marR="68580" marT="0" marB="0"/>
+                </a:tc>
+                <a:tc>
+                  <a:txBody>
+                    <a:bodyPr/>
+                    <a:lstStyle/>
+                    <a:p>
+                      <a:pPr marL="0" marR="0" algn="ctr">
+                        <a:spcBef>
+                          <a:spcPts val="0"/>
+                        </a:spcBef>
+                        <a:spcAft>
+                          <a:spcPts val="0"/>
+                        </a:spcAft>
+                      </a:pPr>
+                      <a:r>
+                        <a:rPr lang="en-US" sz="1200">
+                          <a:solidFill>
+                            <a:schemeClr val="bg1"/>
+                          </a:solidFill>
+                          <a:effectLst/>
+                        </a:rPr>
+                        <a:t>Constraint</a:t>
+                      </a:r>
+                      <a:endParaRPr lang="en-US" sz="1200">
+                        <a:solidFill>
+                          <a:schemeClr val="bg1"/>
+                        </a:solidFill>
+                        <a:effectLst/>
+                        <a:latin typeface="Arial" panose="020B0604020202020204" pitchFamily="34" charset="0"/>
+                        <a:ea typeface="Times New Roman" panose="02020603050405020304" pitchFamily="18" charset="0"/>
+                        <a:cs typeface="Times New Roman" panose="02020603050405020304" pitchFamily="18" charset="0"/>
+                      </a:endParaRPr>
+                    </a:p>
+                  </a:txBody>
+                  <a:tcPr marL="68580" marR="68580" marT="0" marB="0"/>
+                </a:tc>
+                <a:extLst>
+                  <a:ext uri="{0D108BD9-81ED-4DB2-BD59-A6C34878D82A}">
+                    <a16:rowId xmlns:a16="http://schemas.microsoft.com/office/drawing/2014/main" val="2343070017"/>
+                  </a:ext>
+                </a:extLst>
+              </a:tr>
+              <a:tr h="481542">
+                <a:tc>
+                  <a:txBody>
+                    <a:bodyPr/>
+                    <a:lstStyle/>
+                    <a:p>
+                      <a:pPr marL="0" marR="0" algn="l">
+                        <a:spcBef>
+                          <a:spcPts val="0"/>
+                        </a:spcBef>
+                        <a:spcAft>
+                          <a:spcPts val="0"/>
+                        </a:spcAft>
+                      </a:pPr>
+                      <a:r>
+                        <a:rPr lang="en-US" sz="1200" dirty="0">
+                          <a:solidFill>
+                            <a:schemeClr val="bg1"/>
+                          </a:solidFill>
+                          <a:effectLst/>
+                        </a:rPr>
+                        <a:t>The Teensy will amplify the microphone signals from 0-20dB</a:t>
+                      </a:r>
+                      <a:endParaRPr lang="en-US" sz="1200" dirty="0">
+                        <a:solidFill>
+                          <a:schemeClr val="bg1"/>
+                        </a:solidFill>
+                        <a:effectLst/>
+                        <a:latin typeface="Arial" panose="020B0604020202020204" pitchFamily="34" charset="0"/>
+                        <a:ea typeface="Times New Roman" panose="02020603050405020304" pitchFamily="18" charset="0"/>
+                        <a:cs typeface="Times New Roman" panose="02020603050405020304" pitchFamily="18" charset="0"/>
+                      </a:endParaRPr>
+                    </a:p>
+                  </a:txBody>
+                  <a:tcPr marL="68580" marR="68580" marT="0" marB="0">
+                    <a:solidFill>
+                      <a:schemeClr val="bg2">
+                        <a:lumMod val="20000"/>
+                        <a:lumOff val="80000"/>
+                      </a:schemeClr>
+                    </a:solidFill>
+                  </a:tcPr>
+                </a:tc>
+                <a:tc>
+                  <a:txBody>
+                    <a:bodyPr/>
+                    <a:lstStyle/>
+                    <a:p>
+                      <a:pPr marL="0" marR="0" algn="l">
+                        <a:spcBef>
+                          <a:spcPts val="0"/>
+                        </a:spcBef>
+                        <a:spcAft>
+                          <a:spcPts val="0"/>
+                        </a:spcAft>
+                      </a:pPr>
+                      <a:r>
+                        <a:rPr lang="en-US" sz="1200" dirty="0">
+                          <a:solidFill>
+                            <a:schemeClr val="bg1"/>
+                          </a:solidFill>
+                          <a:effectLst/>
+                        </a:rPr>
+                        <a:t>The Teensy can amplify the microphone signals by 0-63dB</a:t>
+                      </a:r>
+                      <a:endParaRPr lang="en-US" sz="1200" dirty="0">
+                        <a:solidFill>
+                          <a:schemeClr val="bg1"/>
+                        </a:solidFill>
+                        <a:effectLst/>
+                        <a:latin typeface="Arial" panose="020B0604020202020204" pitchFamily="34" charset="0"/>
+                        <a:ea typeface="Times New Roman" panose="02020603050405020304" pitchFamily="18" charset="0"/>
+                        <a:cs typeface="Times New Roman" panose="02020603050405020304" pitchFamily="18" charset="0"/>
+                      </a:endParaRPr>
+                    </a:p>
+                  </a:txBody>
+                  <a:tcPr marL="68580" marR="68580" marT="0" marB="0">
+                    <a:solidFill>
+                      <a:schemeClr val="bg2">
+                        <a:lumMod val="20000"/>
+                        <a:lumOff val="80000"/>
+                      </a:schemeClr>
+                    </a:solidFill>
+                  </a:tcPr>
+                </a:tc>
+                <a:extLst>
+                  <a:ext uri="{0D108BD9-81ED-4DB2-BD59-A6C34878D82A}">
+                    <a16:rowId xmlns:a16="http://schemas.microsoft.com/office/drawing/2014/main" val="2967074249"/>
+                  </a:ext>
+                </a:extLst>
+              </a:tr>
+            </a:tbl>
+          </a:graphicData>
+        </a:graphic>
+      </p:graphicFrame>
+      <p:graphicFrame>
+        <p:nvGraphicFramePr>
+          <p:cNvPr id="6" name="Table 5">
+            <a:extLst>
+              <a:ext uri="{FF2B5EF4-FFF2-40B4-BE49-F238E27FC236}">
+                <a16:creationId xmlns:a16="http://schemas.microsoft.com/office/drawing/2014/main" id="{57AD374B-CF7C-4CAA-8C33-28241F5C60C0}"/>
+              </a:ext>
+            </a:extLst>
+          </p:cNvPr>
+          <p:cNvGraphicFramePr>
+            <a:graphicFrameLocks noGrp="1"/>
+          </p:cNvGraphicFramePr>
+          <p:nvPr>
+            <p:extLst>
+              <p:ext uri="{D42A27DB-BD31-4B8C-83A1-F6EECF244321}">
+                <p14:modId xmlns:p14="http://schemas.microsoft.com/office/powerpoint/2010/main" val="508207276"/>
+              </p:ext>
+            </p:extLst>
+          </p:nvPr>
+        </p:nvGraphicFramePr>
+        <p:xfrm>
+          <a:off x="700702" y="2940423"/>
+          <a:ext cx="7602140" cy="758033"/>
+        </p:xfrm>
+        <a:graphic>
+          <a:graphicData uri="http://schemas.openxmlformats.org/drawingml/2006/table">
+            <a:tbl>
+              <a:tblPr firstRow="1" firstCol="1" bandRow="1">
+                <a:tableStyleId>{5C22544A-7EE6-4342-B048-85BDC9FD1C3A}</a:tableStyleId>
+              </a:tblPr>
+              <a:tblGrid>
+                <a:gridCol w="3801070">
+                  <a:extLst>
+                    <a:ext uri="{9D8B030D-6E8A-4147-A177-3AD203B41FA5}">
+                      <a16:colId xmlns:a16="http://schemas.microsoft.com/office/drawing/2014/main" val="902501667"/>
+                    </a:ext>
+                  </a:extLst>
+                </a:gridCol>
+                <a:gridCol w="3801070">
+                  <a:extLst>
+                    <a:ext uri="{9D8B030D-6E8A-4147-A177-3AD203B41FA5}">
+                      <a16:colId xmlns:a16="http://schemas.microsoft.com/office/drawing/2014/main" val="2153113156"/>
+                    </a:ext>
+                  </a:extLst>
+                </a:gridCol>
+              </a:tblGrid>
+              <a:tr h="252678">
+                <a:tc>
+                  <a:txBody>
+                    <a:bodyPr/>
+                    <a:lstStyle/>
+                    <a:p>
+                      <a:pPr marL="0" marR="0" algn="ctr">
+                        <a:spcBef>
+                          <a:spcPts val="0"/>
+                        </a:spcBef>
+                        <a:spcAft>
+                          <a:spcPts val="0"/>
+                        </a:spcAft>
+                      </a:pPr>
+                      <a:r>
+                        <a:rPr lang="en-US" sz="1200" dirty="0">
+                          <a:solidFill>
+                            <a:schemeClr val="bg1"/>
+                          </a:solidFill>
+                          <a:effectLst/>
+                        </a:rPr>
+                        <a:t>Boundary</a:t>
+                      </a:r>
+                      <a:endParaRPr lang="en-US" sz="1200" dirty="0">
+                        <a:solidFill>
+                          <a:schemeClr val="bg1"/>
+                        </a:solidFill>
+                        <a:effectLst/>
+                        <a:latin typeface="Arial" panose="020B0604020202020204" pitchFamily="34" charset="0"/>
+                        <a:ea typeface="Times New Roman" panose="02020603050405020304" pitchFamily="18" charset="0"/>
+                        <a:cs typeface="Times New Roman" panose="02020603050405020304" pitchFamily="18" charset="0"/>
+                      </a:endParaRPr>
+                    </a:p>
+                  </a:txBody>
+                  <a:tcPr marL="68580" marR="68580" marT="0" marB="0"/>
+                </a:tc>
+                <a:tc>
+                  <a:txBody>
+                    <a:bodyPr/>
+                    <a:lstStyle/>
+                    <a:p>
+                      <a:pPr marL="0" marR="0" algn="ctr">
+                        <a:spcBef>
+                          <a:spcPts val="0"/>
+                        </a:spcBef>
+                        <a:spcAft>
+                          <a:spcPts val="0"/>
+                        </a:spcAft>
+                      </a:pPr>
+                      <a:r>
+                        <a:rPr lang="en-US" sz="1200">
+                          <a:solidFill>
+                            <a:schemeClr val="bg1"/>
+                          </a:solidFill>
+                          <a:effectLst/>
+                        </a:rPr>
+                        <a:t>Constraint</a:t>
+                      </a:r>
+                      <a:endParaRPr lang="en-US" sz="1200">
+                        <a:solidFill>
+                          <a:schemeClr val="bg1"/>
+                        </a:solidFill>
+                        <a:effectLst/>
+                        <a:latin typeface="Arial" panose="020B0604020202020204" pitchFamily="34" charset="0"/>
+                        <a:ea typeface="Times New Roman" panose="02020603050405020304" pitchFamily="18" charset="0"/>
+                        <a:cs typeface="Times New Roman" panose="02020603050405020304" pitchFamily="18" charset="0"/>
+                      </a:endParaRPr>
+                    </a:p>
+                  </a:txBody>
+                  <a:tcPr marL="68580" marR="68580" marT="0" marB="0"/>
+                </a:tc>
+                <a:extLst>
+                  <a:ext uri="{0D108BD9-81ED-4DB2-BD59-A6C34878D82A}">
+                    <a16:rowId xmlns:a16="http://schemas.microsoft.com/office/drawing/2014/main" val="2210486544"/>
+                  </a:ext>
+                </a:extLst>
+              </a:tr>
+              <a:tr h="505355">
+                <a:tc>
+                  <a:txBody>
+                    <a:bodyPr/>
+                    <a:lstStyle/>
+                    <a:p>
+                      <a:pPr marL="0" marR="0" algn="l">
+                        <a:spcBef>
+                          <a:spcPts val="0"/>
+                        </a:spcBef>
+                        <a:spcAft>
+                          <a:spcPts val="0"/>
+                        </a:spcAft>
+                      </a:pPr>
+                      <a:r>
+                        <a:rPr lang="en-US" sz="1200" dirty="0">
+                          <a:solidFill>
+                            <a:schemeClr val="bg1"/>
+                          </a:solidFill>
+                          <a:effectLst/>
+                        </a:rPr>
+                        <a:t>The typical transmit power will be between 18-25mW</a:t>
+                      </a:r>
+                      <a:endParaRPr lang="en-US" sz="1200" dirty="0">
+                        <a:solidFill>
+                          <a:schemeClr val="bg1"/>
+                        </a:solidFill>
+                        <a:effectLst/>
+                        <a:latin typeface="Arial" panose="020B0604020202020204" pitchFamily="34" charset="0"/>
+                        <a:ea typeface="Times New Roman" panose="02020603050405020304" pitchFamily="18" charset="0"/>
+                        <a:cs typeface="Times New Roman" panose="02020603050405020304" pitchFamily="18" charset="0"/>
+                      </a:endParaRPr>
+                    </a:p>
+                  </a:txBody>
+                  <a:tcPr marL="68580" marR="68580" marT="0" marB="0">
+                    <a:solidFill>
+                      <a:schemeClr val="bg2">
+                        <a:lumMod val="20000"/>
+                        <a:lumOff val="80000"/>
+                      </a:schemeClr>
+                    </a:solidFill>
+                  </a:tcPr>
+                </a:tc>
+                <a:tc>
+                  <a:txBody>
+                    <a:bodyPr/>
+                    <a:lstStyle/>
+                    <a:p>
+                      <a:pPr marL="0" marR="0" algn="l">
+                        <a:spcBef>
+                          <a:spcPts val="0"/>
+                        </a:spcBef>
+                        <a:spcAft>
+                          <a:spcPts val="0"/>
+                        </a:spcAft>
+                      </a:pPr>
+                      <a:r>
+                        <a:rPr lang="en-US" sz="1200" dirty="0">
+                          <a:solidFill>
+                            <a:schemeClr val="bg1"/>
+                          </a:solidFill>
+                          <a:effectLst/>
+                        </a:rPr>
+                        <a:t>The maximum transmit power cannot exceed 31mW</a:t>
+                      </a:r>
+                      <a:endParaRPr lang="en-US" sz="1200" dirty="0">
+                        <a:solidFill>
+                          <a:schemeClr val="bg1"/>
+                        </a:solidFill>
+                        <a:effectLst/>
+                        <a:latin typeface="Arial" panose="020B0604020202020204" pitchFamily="34" charset="0"/>
+                        <a:ea typeface="Times New Roman" panose="02020603050405020304" pitchFamily="18" charset="0"/>
+                        <a:cs typeface="Times New Roman" panose="02020603050405020304" pitchFamily="18" charset="0"/>
+                      </a:endParaRPr>
+                    </a:p>
+                  </a:txBody>
+                  <a:tcPr marL="68580" marR="68580" marT="0" marB="0">
+                    <a:solidFill>
+                      <a:schemeClr val="bg2">
+                        <a:lumMod val="20000"/>
+                        <a:lumOff val="80000"/>
+                      </a:schemeClr>
+                    </a:solidFill>
+                  </a:tcPr>
+                </a:tc>
+                <a:extLst>
+                  <a:ext uri="{0D108BD9-81ED-4DB2-BD59-A6C34878D82A}">
+                    <a16:rowId xmlns:a16="http://schemas.microsoft.com/office/drawing/2014/main" val="1770424268"/>
+                  </a:ext>
+                </a:extLst>
+              </a:tr>
+            </a:tbl>
+          </a:graphicData>
+        </a:graphic>
+      </p:graphicFrame>
+      <p:graphicFrame>
+        <p:nvGraphicFramePr>
+          <p:cNvPr id="7" name="Table 6">
+            <a:extLst>
+              <a:ext uri="{FF2B5EF4-FFF2-40B4-BE49-F238E27FC236}">
+                <a16:creationId xmlns:a16="http://schemas.microsoft.com/office/drawing/2014/main" id="{15B7D15F-3E81-4677-B1A7-3078EEC97ACD}"/>
+              </a:ext>
+            </a:extLst>
+          </p:cNvPr>
+          <p:cNvGraphicFramePr>
+            <a:graphicFrameLocks noGrp="1"/>
+          </p:cNvGraphicFramePr>
+          <p:nvPr>
+            <p:extLst>
+              <p:ext uri="{D42A27DB-BD31-4B8C-83A1-F6EECF244321}">
+                <p14:modId xmlns:p14="http://schemas.microsoft.com/office/powerpoint/2010/main" val="748288115"/>
+              </p:ext>
+            </p:extLst>
+          </p:nvPr>
+        </p:nvGraphicFramePr>
+        <p:xfrm>
+          <a:off x="700702" y="3698455"/>
+          <a:ext cx="7602140" cy="653256"/>
+        </p:xfrm>
+        <a:graphic>
+          <a:graphicData uri="http://schemas.openxmlformats.org/drawingml/2006/table">
+            <a:tbl>
+              <a:tblPr firstRow="1" firstCol="1" bandRow="1">
+                <a:tableStyleId>{5C22544A-7EE6-4342-B048-85BDC9FD1C3A}</a:tableStyleId>
+              </a:tblPr>
+              <a:tblGrid>
+                <a:gridCol w="3801070">
+                  <a:extLst>
+                    <a:ext uri="{9D8B030D-6E8A-4147-A177-3AD203B41FA5}">
+                      <a16:colId xmlns:a16="http://schemas.microsoft.com/office/drawing/2014/main" val="3630593566"/>
+                    </a:ext>
+                  </a:extLst>
+                </a:gridCol>
+                <a:gridCol w="3801070">
+                  <a:extLst>
+                    <a:ext uri="{9D8B030D-6E8A-4147-A177-3AD203B41FA5}">
+                      <a16:colId xmlns:a16="http://schemas.microsoft.com/office/drawing/2014/main" val="2248443720"/>
+                    </a:ext>
+                  </a:extLst>
+                </a:gridCol>
+              </a:tblGrid>
+              <a:tr h="217752">
+                <a:tc>
+                  <a:txBody>
+                    <a:bodyPr/>
+                    <a:lstStyle/>
+                    <a:p>
+                      <a:pPr marL="0" marR="0" algn="ctr">
+                        <a:spcBef>
+                          <a:spcPts val="0"/>
+                        </a:spcBef>
+                        <a:spcAft>
+                          <a:spcPts val="0"/>
+                        </a:spcAft>
+                      </a:pPr>
+                      <a:r>
+                        <a:rPr lang="en-US" sz="1200" dirty="0">
+                          <a:solidFill>
+                            <a:schemeClr val="bg1"/>
+                          </a:solidFill>
+                          <a:effectLst/>
+                        </a:rPr>
+                        <a:t>Boundary</a:t>
+                      </a:r>
+                      <a:endParaRPr lang="en-US" sz="1200" dirty="0">
+                        <a:solidFill>
+                          <a:schemeClr val="bg1"/>
+                        </a:solidFill>
+                        <a:effectLst/>
+                        <a:latin typeface="Arial" panose="020B0604020202020204" pitchFamily="34" charset="0"/>
+                        <a:ea typeface="Times New Roman" panose="02020603050405020304" pitchFamily="18" charset="0"/>
+                        <a:cs typeface="Times New Roman" panose="02020603050405020304" pitchFamily="18" charset="0"/>
+                      </a:endParaRPr>
+                    </a:p>
+                  </a:txBody>
+                  <a:tcPr marL="68580" marR="68580" marT="0" marB="0"/>
+                </a:tc>
+                <a:tc>
+                  <a:txBody>
+                    <a:bodyPr/>
+                    <a:lstStyle/>
+                    <a:p>
+                      <a:pPr marL="0" marR="0" algn="ctr">
+                        <a:spcBef>
+                          <a:spcPts val="0"/>
+                        </a:spcBef>
+                        <a:spcAft>
+                          <a:spcPts val="0"/>
+                        </a:spcAft>
+                      </a:pPr>
+                      <a:r>
+                        <a:rPr lang="en-US" sz="1200">
+                          <a:solidFill>
+                            <a:schemeClr val="bg1"/>
+                          </a:solidFill>
+                          <a:effectLst/>
+                        </a:rPr>
+                        <a:t>Constraint</a:t>
+                      </a:r>
+                      <a:endParaRPr lang="en-US" sz="1200">
+                        <a:solidFill>
+                          <a:schemeClr val="bg1"/>
+                        </a:solidFill>
+                        <a:effectLst/>
+                        <a:latin typeface="Arial" panose="020B0604020202020204" pitchFamily="34" charset="0"/>
+                        <a:ea typeface="Times New Roman" panose="02020603050405020304" pitchFamily="18" charset="0"/>
+                        <a:cs typeface="Times New Roman" panose="02020603050405020304" pitchFamily="18" charset="0"/>
+                      </a:endParaRPr>
+                    </a:p>
+                  </a:txBody>
+                  <a:tcPr marL="68580" marR="68580" marT="0" marB="0"/>
+                </a:tc>
+                <a:extLst>
+                  <a:ext uri="{0D108BD9-81ED-4DB2-BD59-A6C34878D82A}">
+                    <a16:rowId xmlns:a16="http://schemas.microsoft.com/office/drawing/2014/main" val="3428955018"/>
+                  </a:ext>
+                </a:extLst>
+              </a:tr>
+              <a:tr h="435504">
+                <a:tc>
+                  <a:txBody>
+                    <a:bodyPr/>
+                    <a:lstStyle/>
+                    <a:p>
+                      <a:pPr marL="0" marR="0" algn="l">
+                        <a:spcBef>
+                          <a:spcPts val="0"/>
+                        </a:spcBef>
+                        <a:spcAft>
+                          <a:spcPts val="0"/>
+                        </a:spcAft>
+                      </a:pPr>
+                      <a:r>
+                        <a:rPr lang="en-US" sz="1200" dirty="0">
+                          <a:solidFill>
+                            <a:schemeClr val="bg1"/>
+                          </a:solidFill>
+                          <a:effectLst/>
+                        </a:rPr>
+                        <a:t>The radio will transmit signals from the microphone to the antenna in under 100ms</a:t>
+                      </a:r>
+                      <a:endParaRPr lang="en-US" sz="1200" dirty="0">
+                        <a:solidFill>
+                          <a:schemeClr val="bg1"/>
+                        </a:solidFill>
+                        <a:effectLst/>
+                        <a:latin typeface="Arial" panose="020B0604020202020204" pitchFamily="34" charset="0"/>
+                        <a:ea typeface="Times New Roman" panose="02020603050405020304" pitchFamily="18" charset="0"/>
+                        <a:cs typeface="Times New Roman" panose="02020603050405020304" pitchFamily="18" charset="0"/>
+                      </a:endParaRPr>
+                    </a:p>
+                  </a:txBody>
+                  <a:tcPr marL="68580" marR="68580" marT="0" marB="0">
+                    <a:solidFill>
+                      <a:schemeClr val="bg2">
+                        <a:lumMod val="20000"/>
+                        <a:lumOff val="80000"/>
+                      </a:schemeClr>
+                    </a:solidFill>
+                  </a:tcPr>
+                </a:tc>
+                <a:tc>
+                  <a:txBody>
+                    <a:bodyPr/>
+                    <a:lstStyle/>
+                    <a:p>
+                      <a:pPr marL="0" marR="0" algn="l">
+                        <a:spcBef>
+                          <a:spcPts val="0"/>
+                        </a:spcBef>
+                        <a:spcAft>
+                          <a:spcPts val="0"/>
+                        </a:spcAft>
+                      </a:pPr>
+                      <a:r>
+                        <a:rPr lang="en-US" sz="1200" dirty="0">
+                          <a:solidFill>
+                            <a:schemeClr val="bg1"/>
+                          </a:solidFill>
+                          <a:effectLst/>
+                        </a:rPr>
+                        <a:t>The radio cannot exceed a 500ms delay as it would make radio conversation difficult</a:t>
+                      </a:r>
+                      <a:endParaRPr lang="en-US" sz="1200" dirty="0">
+                        <a:solidFill>
+                          <a:schemeClr val="bg1"/>
+                        </a:solidFill>
+                        <a:effectLst/>
+                        <a:latin typeface="Arial" panose="020B0604020202020204" pitchFamily="34" charset="0"/>
+                        <a:ea typeface="Times New Roman" panose="02020603050405020304" pitchFamily="18" charset="0"/>
+                        <a:cs typeface="Times New Roman" panose="02020603050405020304" pitchFamily="18" charset="0"/>
+                      </a:endParaRPr>
+                    </a:p>
+                  </a:txBody>
+                  <a:tcPr marL="68580" marR="68580" marT="0" marB="0">
+                    <a:solidFill>
+                      <a:schemeClr val="bg2">
+                        <a:lumMod val="20000"/>
+                        <a:lumOff val="80000"/>
+                      </a:schemeClr>
+                    </a:solidFill>
+                  </a:tcPr>
+                </a:tc>
+                <a:extLst>
+                  <a:ext uri="{0D108BD9-81ED-4DB2-BD59-A6C34878D82A}">
+                    <a16:rowId xmlns:a16="http://schemas.microsoft.com/office/drawing/2014/main" val="4109316339"/>
+                  </a:ext>
+                </a:extLst>
+              </a:tr>
+            </a:tbl>
+          </a:graphicData>
+        </a:graphic>
+      </p:graphicFrame>
+      <p:graphicFrame>
+        <p:nvGraphicFramePr>
+          <p:cNvPr id="8" name="Table 7">
+            <a:extLst>
+              <a:ext uri="{FF2B5EF4-FFF2-40B4-BE49-F238E27FC236}">
+                <a16:creationId xmlns:a16="http://schemas.microsoft.com/office/drawing/2014/main" id="{16CBEE0E-2D20-432B-A269-1652750DC3AD}"/>
+              </a:ext>
+            </a:extLst>
+          </p:cNvPr>
+          <p:cNvGraphicFramePr>
+            <a:graphicFrameLocks noGrp="1"/>
+          </p:cNvGraphicFramePr>
+          <p:nvPr>
+            <p:extLst>
+              <p:ext uri="{D42A27DB-BD31-4B8C-83A1-F6EECF244321}">
+                <p14:modId xmlns:p14="http://schemas.microsoft.com/office/powerpoint/2010/main" val="691503803"/>
+              </p:ext>
+            </p:extLst>
+          </p:nvPr>
+        </p:nvGraphicFramePr>
+        <p:xfrm>
+          <a:off x="695203" y="4351711"/>
+          <a:ext cx="7602140" cy="653255"/>
+        </p:xfrm>
+        <a:graphic>
+          <a:graphicData uri="http://schemas.openxmlformats.org/drawingml/2006/table">
+            <a:tbl>
+              <a:tblPr firstRow="1" firstCol="1" bandRow="1">
+                <a:tableStyleId>{5C22544A-7EE6-4342-B048-85BDC9FD1C3A}</a:tableStyleId>
+              </a:tblPr>
+              <a:tblGrid>
+                <a:gridCol w="3801070">
+                  <a:extLst>
+                    <a:ext uri="{9D8B030D-6E8A-4147-A177-3AD203B41FA5}">
+                      <a16:colId xmlns:a16="http://schemas.microsoft.com/office/drawing/2014/main" val="3925605967"/>
+                    </a:ext>
+                  </a:extLst>
+                </a:gridCol>
+                <a:gridCol w="3801070">
+                  <a:extLst>
+                    <a:ext uri="{9D8B030D-6E8A-4147-A177-3AD203B41FA5}">
+                      <a16:colId xmlns:a16="http://schemas.microsoft.com/office/drawing/2014/main" val="3500143838"/>
+                    </a:ext>
+                  </a:extLst>
+                </a:gridCol>
+              </a:tblGrid>
+              <a:tr h="217752">
+                <a:tc>
+                  <a:txBody>
+                    <a:bodyPr/>
+                    <a:lstStyle/>
+                    <a:p>
+                      <a:pPr marL="0" marR="0" algn="ctr">
+                        <a:spcBef>
+                          <a:spcPts val="0"/>
+                        </a:spcBef>
+                        <a:spcAft>
+                          <a:spcPts val="0"/>
+                        </a:spcAft>
+                      </a:pPr>
+                      <a:r>
+                        <a:rPr lang="en-US" sz="1200">
+                          <a:solidFill>
+                            <a:schemeClr val="bg1"/>
+                          </a:solidFill>
+                          <a:effectLst/>
+                        </a:rPr>
+                        <a:t>Boundary</a:t>
+                      </a:r>
+                      <a:endParaRPr lang="en-US" sz="1200">
+                        <a:solidFill>
+                          <a:schemeClr val="bg1"/>
+                        </a:solidFill>
+                        <a:effectLst/>
+                        <a:latin typeface="Arial" panose="020B0604020202020204" pitchFamily="34" charset="0"/>
+                        <a:ea typeface="Times New Roman" panose="02020603050405020304" pitchFamily="18" charset="0"/>
+                        <a:cs typeface="Times New Roman" panose="02020603050405020304" pitchFamily="18" charset="0"/>
+                      </a:endParaRPr>
+                    </a:p>
+                  </a:txBody>
+                  <a:tcPr marL="68580" marR="68580" marT="0" marB="0"/>
+                </a:tc>
+                <a:tc>
+                  <a:txBody>
+                    <a:bodyPr/>
+                    <a:lstStyle/>
+                    <a:p>
+                      <a:pPr marL="0" marR="0" algn="ctr">
+                        <a:spcBef>
+                          <a:spcPts val="0"/>
+                        </a:spcBef>
+                        <a:spcAft>
+                          <a:spcPts val="0"/>
+                        </a:spcAft>
+                      </a:pPr>
+                      <a:r>
+                        <a:rPr lang="en-US" sz="1200">
+                          <a:solidFill>
+                            <a:schemeClr val="bg1"/>
+                          </a:solidFill>
+                          <a:effectLst/>
+                        </a:rPr>
+                        <a:t>Constraint</a:t>
+                      </a:r>
+                      <a:endParaRPr lang="en-US" sz="1200">
+                        <a:solidFill>
+                          <a:schemeClr val="bg1"/>
+                        </a:solidFill>
+                        <a:effectLst/>
+                        <a:latin typeface="Arial" panose="020B0604020202020204" pitchFamily="34" charset="0"/>
+                        <a:ea typeface="Times New Roman" panose="02020603050405020304" pitchFamily="18" charset="0"/>
+                        <a:cs typeface="Times New Roman" panose="02020603050405020304" pitchFamily="18" charset="0"/>
+                      </a:endParaRPr>
+                    </a:p>
+                  </a:txBody>
+                  <a:tcPr marL="68580" marR="68580" marT="0" marB="0"/>
+                </a:tc>
+                <a:extLst>
+                  <a:ext uri="{0D108BD9-81ED-4DB2-BD59-A6C34878D82A}">
+                    <a16:rowId xmlns:a16="http://schemas.microsoft.com/office/drawing/2014/main" val="2239990402"/>
+                  </a:ext>
+                </a:extLst>
+              </a:tr>
+              <a:tr h="435503">
+                <a:tc>
+                  <a:txBody>
+                    <a:bodyPr/>
+                    <a:lstStyle/>
+                    <a:p>
+                      <a:pPr marL="0" marR="0">
+                        <a:spcBef>
+                          <a:spcPts val="0"/>
+                        </a:spcBef>
+                        <a:spcAft>
+                          <a:spcPts val="0"/>
+                        </a:spcAft>
+                      </a:pPr>
+                      <a:r>
+                        <a:rPr lang="en-US" sz="1200" dirty="0">
+                          <a:solidFill>
+                            <a:schemeClr val="bg1"/>
+                          </a:solidFill>
+                          <a:effectLst/>
+                        </a:rPr>
+                        <a:t>The device should operate around the US specification of 120V AC 60Hz</a:t>
+                      </a:r>
+                      <a:endParaRPr lang="en-US" sz="1200" dirty="0">
+                        <a:solidFill>
+                          <a:schemeClr val="bg1"/>
+                        </a:solidFill>
+                        <a:effectLst/>
+                        <a:latin typeface="Arial" panose="020B0604020202020204" pitchFamily="34" charset="0"/>
+                        <a:ea typeface="Times New Roman" panose="02020603050405020304" pitchFamily="18" charset="0"/>
+                        <a:cs typeface="Times New Roman" panose="02020603050405020304" pitchFamily="18" charset="0"/>
+                      </a:endParaRPr>
+                    </a:p>
+                  </a:txBody>
+                  <a:tcPr marL="68580" marR="68580" marT="0" marB="0">
+                    <a:solidFill>
+                      <a:schemeClr val="bg2">
+                        <a:lumMod val="20000"/>
+                        <a:lumOff val="80000"/>
+                      </a:schemeClr>
+                    </a:solidFill>
+                  </a:tcPr>
+                </a:tc>
+                <a:tc>
+                  <a:txBody>
+                    <a:bodyPr/>
+                    <a:lstStyle/>
+                    <a:p>
+                      <a:pPr marL="0" marR="0">
+                        <a:spcBef>
+                          <a:spcPts val="0"/>
+                        </a:spcBef>
+                        <a:spcAft>
+                          <a:spcPts val="0"/>
+                        </a:spcAft>
+                      </a:pPr>
+                      <a:r>
+                        <a:rPr lang="en-US" sz="1200" dirty="0">
+                          <a:solidFill>
+                            <a:schemeClr val="bg1"/>
+                          </a:solidFill>
+                          <a:effectLst/>
+                        </a:rPr>
+                        <a:t>The input power must be minimum 100V AC 50Hz, and cannot exceed 240V AC 60Hz</a:t>
+                      </a:r>
+                      <a:endParaRPr lang="en-US" sz="1200" dirty="0">
+                        <a:solidFill>
+                          <a:schemeClr val="bg1"/>
+                        </a:solidFill>
+                        <a:effectLst/>
+                        <a:latin typeface="Arial" panose="020B0604020202020204" pitchFamily="34" charset="0"/>
+                        <a:ea typeface="Times New Roman" panose="02020603050405020304" pitchFamily="18" charset="0"/>
+                        <a:cs typeface="Times New Roman" panose="02020603050405020304" pitchFamily="18" charset="0"/>
+                      </a:endParaRPr>
+                    </a:p>
+                  </a:txBody>
+                  <a:tcPr marL="68580" marR="68580" marT="0" marB="0">
+                    <a:solidFill>
+                      <a:schemeClr val="bg2">
+                        <a:lumMod val="20000"/>
+                        <a:lumOff val="80000"/>
+                      </a:schemeClr>
+                    </a:solidFill>
+                  </a:tcPr>
+                </a:tc>
+                <a:extLst>
+                  <a:ext uri="{0D108BD9-81ED-4DB2-BD59-A6C34878D82A}">
+                    <a16:rowId xmlns:a16="http://schemas.microsoft.com/office/drawing/2014/main" val="768855740"/>
+                  </a:ext>
+                </a:extLst>
+              </a:tr>
+            </a:tbl>
+          </a:graphicData>
+        </a:graphic>
+      </p:graphicFrame>
+      <p:graphicFrame>
+        <p:nvGraphicFramePr>
+          <p:cNvPr id="9" name="Table 8">
+            <a:extLst>
+              <a:ext uri="{FF2B5EF4-FFF2-40B4-BE49-F238E27FC236}">
+                <a16:creationId xmlns:a16="http://schemas.microsoft.com/office/drawing/2014/main" id="{53E63F52-2F4E-4DAF-9423-C81DF40483C7}"/>
+              </a:ext>
+            </a:extLst>
+          </p:cNvPr>
+          <p:cNvGraphicFramePr>
+            <a:graphicFrameLocks noGrp="1"/>
+          </p:cNvGraphicFramePr>
+          <p:nvPr>
+            <p:extLst>
+              <p:ext uri="{D42A27DB-BD31-4B8C-83A1-F6EECF244321}">
+                <p14:modId xmlns:p14="http://schemas.microsoft.com/office/powerpoint/2010/main" val="2788105942"/>
+              </p:ext>
+            </p:extLst>
+          </p:nvPr>
+        </p:nvGraphicFramePr>
+        <p:xfrm>
+          <a:off x="702273" y="5013287"/>
+          <a:ext cx="7602140" cy="644933"/>
+        </p:xfrm>
+        <a:graphic>
+          <a:graphicData uri="http://schemas.openxmlformats.org/drawingml/2006/table">
+            <a:tbl>
+              <a:tblPr firstRow="1" firstCol="1" bandRow="1">
+                <a:tableStyleId>{5C22544A-7EE6-4342-B048-85BDC9FD1C3A}</a:tableStyleId>
+              </a:tblPr>
+              <a:tblGrid>
+                <a:gridCol w="3801070">
+                  <a:extLst>
+                    <a:ext uri="{9D8B030D-6E8A-4147-A177-3AD203B41FA5}">
+                      <a16:colId xmlns:a16="http://schemas.microsoft.com/office/drawing/2014/main" val="929426676"/>
+                    </a:ext>
+                  </a:extLst>
+                </a:gridCol>
+                <a:gridCol w="3801070">
+                  <a:extLst>
+                    <a:ext uri="{9D8B030D-6E8A-4147-A177-3AD203B41FA5}">
+                      <a16:colId xmlns:a16="http://schemas.microsoft.com/office/drawing/2014/main" val="894104694"/>
+                    </a:ext>
+                  </a:extLst>
+                </a:gridCol>
+              </a:tblGrid>
+              <a:tr h="214978">
+                <a:tc>
+                  <a:txBody>
+                    <a:bodyPr/>
+                    <a:lstStyle/>
+                    <a:p>
+                      <a:pPr marL="0" marR="0" algn="ctr">
+                        <a:spcBef>
+                          <a:spcPts val="0"/>
+                        </a:spcBef>
+                        <a:spcAft>
+                          <a:spcPts val="0"/>
+                        </a:spcAft>
+                      </a:pPr>
+                      <a:r>
+                        <a:rPr lang="en-US" sz="1200">
+                          <a:solidFill>
+                            <a:schemeClr val="bg1"/>
+                          </a:solidFill>
+                          <a:effectLst/>
+                        </a:rPr>
+                        <a:t>Boundary</a:t>
+                      </a:r>
+                      <a:endParaRPr lang="en-US" sz="1200">
+                        <a:solidFill>
+                          <a:schemeClr val="bg1"/>
+                        </a:solidFill>
+                        <a:effectLst/>
+                        <a:latin typeface="Arial" panose="020B0604020202020204" pitchFamily="34" charset="0"/>
+                        <a:ea typeface="Times New Roman" panose="02020603050405020304" pitchFamily="18" charset="0"/>
+                        <a:cs typeface="Times New Roman" panose="02020603050405020304" pitchFamily="18" charset="0"/>
+                      </a:endParaRPr>
+                    </a:p>
+                  </a:txBody>
+                  <a:tcPr marL="68580" marR="68580" marT="0" marB="0"/>
+                </a:tc>
+                <a:tc>
+                  <a:txBody>
+                    <a:bodyPr/>
+                    <a:lstStyle/>
+                    <a:p>
+                      <a:pPr marL="0" marR="0" algn="ctr">
+                        <a:spcBef>
+                          <a:spcPts val="0"/>
+                        </a:spcBef>
+                        <a:spcAft>
+                          <a:spcPts val="0"/>
+                        </a:spcAft>
+                      </a:pPr>
+                      <a:r>
+                        <a:rPr lang="en-US" sz="1200">
+                          <a:solidFill>
+                            <a:schemeClr val="bg1"/>
+                          </a:solidFill>
+                          <a:effectLst/>
+                        </a:rPr>
+                        <a:t>Constraint</a:t>
+                      </a:r>
+                      <a:endParaRPr lang="en-US" sz="1200">
+                        <a:solidFill>
+                          <a:schemeClr val="bg1"/>
+                        </a:solidFill>
+                        <a:effectLst/>
+                        <a:latin typeface="Arial" panose="020B0604020202020204" pitchFamily="34" charset="0"/>
+                        <a:ea typeface="Times New Roman" panose="02020603050405020304" pitchFamily="18" charset="0"/>
+                        <a:cs typeface="Times New Roman" panose="02020603050405020304" pitchFamily="18" charset="0"/>
+                      </a:endParaRPr>
+                    </a:p>
+                  </a:txBody>
+                  <a:tcPr marL="68580" marR="68580" marT="0" marB="0"/>
+                </a:tc>
+                <a:extLst>
+                  <a:ext uri="{0D108BD9-81ED-4DB2-BD59-A6C34878D82A}">
+                    <a16:rowId xmlns:a16="http://schemas.microsoft.com/office/drawing/2014/main" val="212881301"/>
+                  </a:ext>
+                </a:extLst>
+              </a:tr>
+              <a:tr h="429955">
+                <a:tc>
+                  <a:txBody>
+                    <a:bodyPr/>
+                    <a:lstStyle/>
+                    <a:p>
+                      <a:pPr marL="0" marR="0">
+                        <a:spcBef>
+                          <a:spcPts val="0"/>
+                        </a:spcBef>
+                        <a:spcAft>
+                          <a:spcPts val="0"/>
+                        </a:spcAft>
+                      </a:pPr>
+                      <a:r>
+                        <a:rPr lang="en-US" sz="1200" dirty="0">
+                          <a:solidFill>
+                            <a:schemeClr val="bg1"/>
+                          </a:solidFill>
+                          <a:effectLst/>
+                        </a:rPr>
+                        <a:t>The RF Amplifiers Gain will be 15-20 at 3.5MHz and 12-15 at 14.5MHz</a:t>
+                      </a:r>
+                      <a:endParaRPr lang="en-US" sz="1200" dirty="0">
+                        <a:solidFill>
+                          <a:schemeClr val="bg1"/>
+                        </a:solidFill>
+                        <a:effectLst/>
+                        <a:latin typeface="Arial" panose="020B0604020202020204" pitchFamily="34" charset="0"/>
+                        <a:ea typeface="Times New Roman" panose="02020603050405020304" pitchFamily="18" charset="0"/>
+                        <a:cs typeface="Times New Roman" panose="02020603050405020304" pitchFamily="18" charset="0"/>
+                      </a:endParaRPr>
+                    </a:p>
+                  </a:txBody>
+                  <a:tcPr marL="68580" marR="68580" marT="0" marB="0">
+                    <a:solidFill>
+                      <a:schemeClr val="bg2">
+                        <a:lumMod val="20000"/>
+                        <a:lumOff val="80000"/>
+                      </a:schemeClr>
+                    </a:solidFill>
+                  </a:tcPr>
+                </a:tc>
+                <a:tc>
+                  <a:txBody>
+                    <a:bodyPr/>
+                    <a:lstStyle/>
+                    <a:p>
+                      <a:pPr marL="0" marR="0" algn="ctr">
+                        <a:spcBef>
+                          <a:spcPts val="0"/>
+                        </a:spcBef>
+                        <a:spcAft>
+                          <a:spcPts val="0"/>
+                        </a:spcAft>
+                      </a:pPr>
+                      <a:r>
+                        <a:rPr lang="en-US" sz="1200" dirty="0">
+                          <a:solidFill>
+                            <a:schemeClr val="bg1"/>
+                          </a:solidFill>
+                          <a:effectLst/>
+                        </a:rPr>
+                        <a:t>The RF Amplifiers Gain cannot exceed 60 over the 3.5-14.5MHz band</a:t>
+                      </a:r>
+                      <a:endParaRPr lang="en-US" sz="1200" dirty="0">
+                        <a:solidFill>
+                          <a:schemeClr val="bg1"/>
+                        </a:solidFill>
+                        <a:effectLst/>
+                        <a:latin typeface="Arial" panose="020B0604020202020204" pitchFamily="34" charset="0"/>
+                        <a:ea typeface="Times New Roman" panose="02020603050405020304" pitchFamily="18" charset="0"/>
+                        <a:cs typeface="Times New Roman" panose="02020603050405020304" pitchFamily="18" charset="0"/>
+                      </a:endParaRPr>
+                    </a:p>
+                  </a:txBody>
+                  <a:tcPr marL="68580" marR="68580" marT="0" marB="0">
+                    <a:solidFill>
+                      <a:schemeClr val="bg2">
+                        <a:lumMod val="20000"/>
+                        <a:lumOff val="80000"/>
+                      </a:schemeClr>
+                    </a:solidFill>
+                  </a:tcPr>
+                </a:tc>
+                <a:extLst>
+                  <a:ext uri="{0D108BD9-81ED-4DB2-BD59-A6C34878D82A}">
+                    <a16:rowId xmlns:a16="http://schemas.microsoft.com/office/drawing/2014/main" val="3245048260"/>
+                  </a:ext>
+                </a:extLst>
+              </a:tr>
+            </a:tbl>
+          </a:graphicData>
+        </a:graphic>
+      </p:graphicFrame>
     </p:spTree>
     <p:extLst>
       <p:ext uri="{BB962C8B-B14F-4D97-AF65-F5344CB8AC3E}">
@@ -16262,15 +17347,24 @@
             <p:ph type="title"/>
           </p:nvPr>
         </p:nvSpPr>
-        <p:spPr/>
+        <p:spPr>
+          <a:xfrm>
+            <a:off x="856059" y="353248"/>
+            <a:ext cx="7429499" cy="1478570"/>
+          </a:xfrm>
+        </p:spPr>
         <p:txBody>
           <a:bodyPr/>
           <a:lstStyle/>
           <a:p>
             <a:pPr algn="ctr"/>
             <a:r>
-              <a:rPr lang="en-US" dirty="0"/>
-              <a:t>2.64 – Mechanical Interfaces </a:t>
+              <a:rPr lang="en-US" dirty="0">
+                <a:solidFill>
+                  <a:schemeClr val="bg1"/>
+                </a:solidFill>
+              </a:rPr>
+              <a:t>2.8 Performance</a:t>
             </a:r>
           </a:p>
         </p:txBody>
@@ -16285,25 +17379,43 @@
             <p:ph idx="1"/>
           </p:nvPr>
         </p:nvSpPr>
-        <p:spPr/>
+        <p:spPr>
+          <a:xfrm>
+            <a:off x="856060" y="1828800"/>
+            <a:ext cx="7429499" cy="3541714"/>
+          </a:xfrm>
+        </p:spPr>
         <p:txBody>
           <a:bodyPr/>
           <a:lstStyle/>
           <a:p>
-            <a:endParaRPr lang="en-US" i="1" dirty="0">
-              <a:solidFill>
-                <a:srgbClr val="FF0000"/>
-              </a:solidFill>
-            </a:endParaRPr>
-          </a:p>
-          <a:p>
-            <a:r>
-              <a:rPr lang="en-US" i="1" dirty="0">
+            <a:r>
+              <a:rPr lang="en-US" dirty="0">
                 <a:solidFill>
-                  <a:srgbClr val="FF0000"/>
+                  <a:schemeClr val="bg1"/>
                 </a:solidFill>
               </a:rPr>
-              <a:t>Mechanical only systems, not electro-mechanical like the switches and relays</a:t>
+              <a:t>Will operate on 12VDC from power supply connected to outlet</a:t>
+            </a:r>
+          </a:p>
+          <a:p>
+            <a:r>
+              <a:rPr lang="en-US" dirty="0">
+                <a:solidFill>
+                  <a:schemeClr val="bg1"/>
+                </a:solidFill>
+              </a:rPr>
+              <a:t>BP filters and Teensy will only allow reception/transmission of 3.5MHz-4.0MHz and 14.0MHz-14.35MHz</a:t>
+            </a:r>
+          </a:p>
+          <a:p>
+            <a:r>
+              <a:rPr lang="en-US" dirty="0">
+                <a:solidFill>
+                  <a:schemeClr val="bg1"/>
+                </a:solidFill>
+              </a:rPr>
+              <a:t>Latency under 100ms</a:t>
             </a:r>
           </a:p>
         </p:txBody>
@@ -16348,36 +17460,39 @@
             <p:ph type="title"/>
           </p:nvPr>
         </p:nvSpPr>
+        <p:spPr/>
+        <p:txBody>
+          <a:bodyPr/>
+          <a:lstStyle/>
+          <a:p>
+            <a:pPr algn="ctr"/>
+            <a:r>
+              <a:rPr lang="en-US" dirty="0">
+                <a:solidFill>
+                  <a:schemeClr val="bg1"/>
+                </a:solidFill>
+              </a:rPr>
+              <a:t>2.9 Software Platforms</a:t>
+            </a:r>
+          </a:p>
+        </p:txBody>
+      </p:sp>
+      <p:sp>
+        <p:nvSpPr>
+          <p:cNvPr id="3" name="Content Placeholder 2"/>
+          <p:cNvSpPr>
+            <a:spLocks noGrp="1"/>
+          </p:cNvSpPr>
+          <p:nvPr>
+            <p:ph idx="1"/>
+          </p:nvPr>
+        </p:nvSpPr>
         <p:spPr>
           <a:xfrm>
-            <a:off x="457200" y="990600"/>
-            <a:ext cx="8229600" cy="1143000"/>
+            <a:off x="856059" y="1676400"/>
+            <a:ext cx="7429499" cy="2398712"/>
           </a:xfrm>
         </p:spPr>
-        <p:txBody>
-          <a:bodyPr>
-            <a:normAutofit/>
-          </a:bodyPr>
-          <a:lstStyle/>
-          <a:p>
-            <a:r>
-              <a:rPr lang="en-US" dirty="0"/>
-              <a:t>2.7 Boundary Conditions &amp; Constraints</a:t>
-            </a:r>
-          </a:p>
-        </p:txBody>
-      </p:sp>
-      <p:sp>
-        <p:nvSpPr>
-          <p:cNvPr id="3" name="Content Placeholder 2"/>
-          <p:cNvSpPr>
-            <a:spLocks noGrp="1"/>
-          </p:cNvSpPr>
-          <p:nvPr>
-            <p:ph idx="1"/>
-          </p:nvPr>
-        </p:nvSpPr>
-        <p:spPr/>
         <p:txBody>
           <a:bodyPr/>
           <a:lstStyle/>
@@ -16389,11 +17504,24 @@
             </a:endParaRPr>
           </a:p>
           <a:p>
-            <a:endParaRPr lang="en-US" i="1" dirty="0">
-              <a:solidFill>
-                <a:srgbClr val="FF0000"/>
-              </a:solidFill>
-            </a:endParaRPr>
+            <a:r>
+              <a:rPr lang="en-US" dirty="0">
+                <a:solidFill>
+                  <a:schemeClr val="bg1"/>
+                </a:solidFill>
+              </a:rPr>
+              <a:t>Arduino environment 1.8.7, with the Teensy loader application 1.44 addon on windows 10,</a:t>
+            </a:r>
+          </a:p>
+          <a:p>
+            <a:r>
+              <a:rPr lang="en-US" dirty="0">
+                <a:solidFill>
+                  <a:schemeClr val="bg1"/>
+                </a:solidFill>
+              </a:rPr>
+              <a:t>Stretch goal: Raspbian</a:t>
+            </a:r>
           </a:p>
         </p:txBody>
       </p:sp>
@@ -16439,13 +17567,19 @@
         </p:nvSpPr>
         <p:spPr/>
         <p:txBody>
-          <a:bodyPr/>
+          <a:bodyPr>
+            <a:normAutofit/>
+          </a:bodyPr>
           <a:lstStyle/>
           <a:p>
             <a:pPr algn="ctr"/>
             <a:r>
-              <a:rPr lang="en-US" dirty="0"/>
-              <a:t>2.8 Performance</a:t>
+              <a:rPr lang="en-US" dirty="0">
+                <a:solidFill>
+                  <a:schemeClr val="bg1"/>
+                </a:solidFill>
+              </a:rPr>
+              <a:t>2.10 Service, Support &amp; Maintenance</a:t>
             </a:r>
           </a:p>
         </p:txBody>
@@ -16460,7 +17594,12 @@
             <p:ph idx="1"/>
           </p:nvPr>
         </p:nvSpPr>
-        <p:spPr/>
+        <p:spPr>
+          <a:xfrm>
+            <a:off x="856060" y="1752600"/>
+            <a:ext cx="7429499" cy="3541714"/>
+          </a:xfrm>
+        </p:spPr>
         <p:txBody>
           <a:bodyPr/>
           <a:lstStyle/>
@@ -16472,18 +17611,31 @@
             </a:endParaRPr>
           </a:p>
           <a:p>
-            <a:endParaRPr lang="en-US" i="1" dirty="0">
-              <a:solidFill>
-                <a:srgbClr val="FF0000"/>
-              </a:solidFill>
-            </a:endParaRPr>
+            <a:r>
+              <a:rPr lang="en-US" dirty="0">
+                <a:solidFill>
+                  <a:schemeClr val="bg1"/>
+                </a:solidFill>
+              </a:rPr>
+              <a:t>A repository of code by version of schematic will be available on a repository. </a:t>
+            </a:r>
+          </a:p>
+          <a:p>
+            <a:r>
+              <a:rPr lang="en-US" dirty="0">
+                <a:solidFill>
+                  <a:schemeClr val="bg1"/>
+                </a:solidFill>
+              </a:rPr>
+              <a:t>Components will be easy to access, and clean. </a:t>
+            </a:r>
           </a:p>
         </p:txBody>
       </p:sp>
     </p:spTree>
     <p:extLst>
       <p:ext uri="{BB962C8B-B14F-4D97-AF65-F5344CB8AC3E}">
-        <p14:creationId xmlns:p14="http://schemas.microsoft.com/office/powerpoint/2010/main" val="540270287"/>
+        <p14:creationId xmlns:p14="http://schemas.microsoft.com/office/powerpoint/2010/main" val="3037040488"/>
       </p:ext>
     </p:extLst>
   </p:cSld>
@@ -16522,64 +17674,58 @@
         </p:nvSpPr>
         <p:spPr/>
         <p:txBody>
-          <a:bodyPr/>
+          <a:bodyPr>
+            <a:normAutofit/>
+          </a:bodyPr>
           <a:lstStyle/>
           <a:p>
             <a:pPr algn="ctr"/>
-            <a:r>
-              <a:rPr lang="en-US" dirty="0"/>
-              <a:t>2.9 Software Platforms</a:t>
-            </a:r>
-          </a:p>
-        </p:txBody>
-      </p:sp>
-      <p:sp>
-        <p:nvSpPr>
-          <p:cNvPr id="3" name="Content Placeholder 2"/>
-          <p:cNvSpPr>
-            <a:spLocks noGrp="1"/>
-          </p:cNvSpPr>
-          <p:nvPr>
-            <p:ph idx="1"/>
-          </p:nvPr>
-        </p:nvSpPr>
-        <p:spPr/>
-        <p:txBody>
-          <a:bodyPr/>
-          <a:lstStyle/>
-          <a:p>
-            <a:endParaRPr lang="en-US" i="1" dirty="0">
-              <a:solidFill>
-                <a:srgbClr val="FF0000"/>
-              </a:solidFill>
-            </a:endParaRPr>
-          </a:p>
-          <a:p>
             <a:r>
               <a:rPr lang="en-US" dirty="0">
                 <a:solidFill>
                   <a:schemeClr val="bg1"/>
                 </a:solidFill>
               </a:rPr>
-              <a:t>Arduino environment 1.8.7, with the Teensy loader application 1.44 addon on windows 10,</a:t>
-            </a:r>
-          </a:p>
-          <a:p>
-            <a:r>
-              <a:rPr lang="en-US" dirty="0">
+              <a:t>2.11 Expandability or Customization</a:t>
+            </a:r>
+          </a:p>
+        </p:txBody>
+      </p:sp>
+      <p:sp>
+        <p:nvSpPr>
+          <p:cNvPr id="3" name="Content Placeholder 2"/>
+          <p:cNvSpPr>
+            <a:spLocks noGrp="1"/>
+          </p:cNvSpPr>
+          <p:nvPr>
+            <p:ph idx="1"/>
+          </p:nvPr>
+        </p:nvSpPr>
+        <p:spPr/>
+        <p:txBody>
+          <a:bodyPr/>
+          <a:lstStyle/>
+          <a:p>
+            <a:r>
+              <a:rPr lang="en-GB" dirty="0">
                 <a:solidFill>
                   <a:schemeClr val="bg1"/>
                 </a:solidFill>
               </a:rPr>
-              <a:t>Stretch goal: Raspbian</a:t>
-            </a:r>
+              <a:t>The device will be an educational tool, meaning it can be easily modified, expanded, or customized in any way the user sees fit but is not designed with that in mind. Only the initial schematics and code for the microcontroller will be provided. </a:t>
+            </a:r>
+            <a:endParaRPr lang="en-US" dirty="0">
+              <a:solidFill>
+                <a:schemeClr val="bg1"/>
+              </a:solidFill>
+            </a:endParaRPr>
           </a:p>
         </p:txBody>
       </p:sp>
     </p:spTree>
     <p:extLst>
       <p:ext uri="{BB962C8B-B14F-4D97-AF65-F5344CB8AC3E}">
-        <p14:creationId xmlns:p14="http://schemas.microsoft.com/office/powerpoint/2010/main" val="540270287"/>
+        <p14:creationId xmlns:p14="http://schemas.microsoft.com/office/powerpoint/2010/main" val="1197772570"/>
       </p:ext>
     </p:extLst>
   </p:cSld>
@@ -16621,8 +17767,13 @@
           <a:bodyPr/>
           <a:lstStyle/>
           <a:p>
-            <a:r>
-              <a:rPr lang="en-US" dirty="0"/>
+            <a:pPr algn="ctr"/>
+            <a:r>
+              <a:rPr lang="en-US" dirty="0">
+                <a:solidFill>
+                  <a:schemeClr val="bg1"/>
+                </a:solidFill>
+              </a:rPr>
               <a:t>Project Overview</a:t>
             </a:r>
           </a:p>
@@ -16641,25 +17792,26 @@
         <p:spPr/>
         <p:txBody>
           <a:bodyPr>
-            <a:normAutofit lnSpcReduction="10000"/>
+            <a:normAutofit/>
           </a:bodyPr>
           <a:lstStyle/>
           <a:p>
             <a:r>
-              <a:rPr lang="en-US" sz="3600" b="1" i="1" dirty="0"/>
+              <a:rPr lang="en-US" sz="3600" dirty="0">
+                <a:solidFill>
+                  <a:schemeClr val="bg1"/>
+                </a:solidFill>
+              </a:rPr>
               <a:t>Software Defined Radio High Frequency (HF) Transceiver</a:t>
             </a:r>
           </a:p>
           <a:p>
-            <a:endParaRPr lang="en-US" sz="3600" b="1" i="1" dirty="0">
-              <a:solidFill>
-                <a:srgbClr val="FF0000"/>
-              </a:solidFill>
-            </a:endParaRPr>
-          </a:p>
-          <a:p>
-            <a:r>
-              <a:rPr lang="en-US" sz="3600" b="1" i="1" dirty="0"/>
+            <a:r>
+              <a:rPr lang="en-US" sz="3600" dirty="0">
+                <a:solidFill>
+                  <a:schemeClr val="bg1"/>
+                </a:solidFill>
+              </a:rPr>
               <a:t>Non-Portable Half Duplex Radio Communications on the HF Band</a:t>
             </a:r>
           </a:p>
@@ -16667,7 +17819,7 @@
             <a:pPr marL="0" indent="0">
               <a:buNone/>
             </a:pPr>
-            <a:endParaRPr lang="en-US" sz="3600" b="1" i="1" dirty="0">
+            <a:endParaRPr lang="en-US" sz="3600" dirty="0">
               <a:solidFill>
                 <a:srgbClr val="FF0000"/>
               </a:solidFill>
@@ -16717,58 +17869,99 @@
         </p:nvSpPr>
         <p:spPr/>
         <p:txBody>
-          <a:bodyPr>
-            <a:normAutofit/>
-          </a:bodyPr>
-          <a:lstStyle/>
-          <a:p>
-            <a:pPr algn="ctr"/>
-            <a:r>
-              <a:rPr lang="en-US" dirty="0"/>
-              <a:t>2.10 Service, Support &amp; Maintenance</a:t>
-            </a:r>
-          </a:p>
-        </p:txBody>
-      </p:sp>
-      <p:sp>
-        <p:nvSpPr>
-          <p:cNvPr id="3" name="Content Placeholder 2"/>
-          <p:cNvSpPr>
-            <a:spLocks noGrp="1"/>
-          </p:cNvSpPr>
-          <p:nvPr>
-            <p:ph idx="1"/>
-          </p:nvPr>
-        </p:nvSpPr>
-        <p:spPr/>
-        <p:txBody>
           <a:bodyPr/>
           <a:lstStyle/>
           <a:p>
-            <a:endParaRPr lang="en-US" i="1" dirty="0">
-              <a:solidFill>
-                <a:srgbClr val="FF0000"/>
-              </a:solidFill>
-            </a:endParaRPr>
-          </a:p>
-          <a:p>
+            <a:pPr algn="ctr"/>
             <a:r>
               <a:rPr lang="en-US" dirty="0">
                 <a:solidFill>
                   <a:schemeClr val="bg1"/>
                 </a:solidFill>
               </a:rPr>
-              <a:t>A repository of code by version of schematic will be available on a repository. </a:t>
-            </a:r>
-          </a:p>
-          <a:p>
+              <a:t> Challenges &amp; Concerns</a:t>
+            </a:r>
+          </a:p>
+        </p:txBody>
+      </p:sp>
+      <p:sp>
+        <p:nvSpPr>
+          <p:cNvPr id="3" name="Content Placeholder 2"/>
+          <p:cNvSpPr>
+            <a:spLocks noGrp="1"/>
+          </p:cNvSpPr>
+          <p:nvPr>
+            <p:ph idx="1"/>
+          </p:nvPr>
+        </p:nvSpPr>
+        <p:spPr/>
+        <p:txBody>
+          <a:bodyPr/>
+          <a:lstStyle/>
+          <a:p>
+            <a:pPr lvl="1">
+              <a:buFont typeface="Wingdings" pitchFamily="2" charset="2"/>
+              <a:buChar char="Ø"/>
+            </a:pPr>
             <a:r>
               <a:rPr lang="en-US" dirty="0">
                 <a:solidFill>
                   <a:schemeClr val="bg1"/>
                 </a:solidFill>
               </a:rPr>
-              <a:t>Components will be easy to access, and clean. </a:t>
+              <a:t>Our simulations are not matching our actual devices</a:t>
+            </a:r>
+          </a:p>
+          <a:p>
+            <a:pPr lvl="2">
+              <a:buFont typeface="Wingdings" pitchFamily="2" charset="2"/>
+              <a:buChar char="Ø"/>
+            </a:pPr>
+            <a:r>
+              <a:rPr lang="en-US" dirty="0">
+                <a:solidFill>
+                  <a:schemeClr val="bg1"/>
+                </a:solidFill>
+              </a:rPr>
+              <a:t>The amplifier simulation is not matching the actual build</a:t>
+            </a:r>
+          </a:p>
+          <a:p>
+            <a:pPr marL="914400" lvl="2" indent="0">
+              <a:buNone/>
+            </a:pPr>
+            <a:endParaRPr lang="en-US" dirty="0">
+              <a:solidFill>
+                <a:schemeClr val="bg1"/>
+              </a:solidFill>
+            </a:endParaRPr>
+          </a:p>
+          <a:p>
+            <a:pPr lvl="1">
+              <a:buFont typeface="Wingdings" pitchFamily="2" charset="2"/>
+              <a:buChar char="Ø"/>
+            </a:pPr>
+            <a:r>
+              <a:rPr lang="en-US" dirty="0">
+                <a:solidFill>
+                  <a:schemeClr val="bg1"/>
+                </a:solidFill>
+              </a:rPr>
+              <a:t>An additional power amplifier will be necessary</a:t>
+            </a:r>
+          </a:p>
+          <a:p>
+            <a:pPr lvl="2">
+              <a:buFont typeface="Wingdings" pitchFamily="2" charset="2"/>
+              <a:buChar char="Ø"/>
+            </a:pPr>
+            <a:r>
+              <a:rPr lang="en-US" dirty="0">
+                <a:solidFill>
+                  <a:schemeClr val="bg1"/>
+                </a:solidFill>
+              </a:rPr>
+              <a:t>The original design will not be able to transmit long distances</a:t>
             </a:r>
           </a:p>
         </p:txBody>
@@ -16776,7 +17969,7 @@
     </p:spTree>
     <p:extLst>
       <p:ext uri="{BB962C8B-B14F-4D97-AF65-F5344CB8AC3E}">
-        <p14:creationId xmlns:p14="http://schemas.microsoft.com/office/powerpoint/2010/main" val="3037040488"/>
+        <p14:creationId xmlns:p14="http://schemas.microsoft.com/office/powerpoint/2010/main" val="1975700949"/>
       </p:ext>
     </p:extLst>
   </p:cSld>
@@ -16813,51 +18006,188 @@
             <p:ph type="title"/>
           </p:nvPr>
         </p:nvSpPr>
-        <p:spPr/>
+        <p:spPr>
+          <a:xfrm>
+            <a:off x="457200" y="609600"/>
+            <a:ext cx="8229600" cy="856488"/>
+          </a:xfrm>
+        </p:spPr>
+        <p:txBody>
+          <a:bodyPr/>
+          <a:lstStyle/>
+          <a:p>
+            <a:pPr algn="ctr"/>
+            <a:r>
+              <a:rPr lang="en-US" dirty="0">
+                <a:solidFill>
+                  <a:schemeClr val="bg1"/>
+                </a:solidFill>
+              </a:rPr>
+              <a:t>Project Progress</a:t>
+            </a:r>
+          </a:p>
+        </p:txBody>
+      </p:sp>
+      <p:sp>
+        <p:nvSpPr>
+          <p:cNvPr id="3" name="Content Placeholder 2"/>
+          <p:cNvSpPr>
+            <a:spLocks noGrp="1"/>
+          </p:cNvSpPr>
+          <p:nvPr>
+            <p:ph idx="1"/>
+          </p:nvPr>
+        </p:nvSpPr>
+        <p:spPr>
+          <a:xfrm>
+            <a:off x="927980" y="1600200"/>
+            <a:ext cx="8229600" cy="4389120"/>
+          </a:xfrm>
+        </p:spPr>
         <p:txBody>
           <a:bodyPr>
             <a:normAutofit/>
           </a:bodyPr>
           <a:lstStyle/>
           <a:p>
-            <a:pPr algn="ctr"/>
-            <a:r>
-              <a:rPr lang="en-US" dirty="0"/>
-              <a:t>2.11 Expandability or Customization</a:t>
-            </a:r>
-          </a:p>
-        </p:txBody>
-      </p:sp>
-      <p:sp>
-        <p:nvSpPr>
-          <p:cNvPr id="3" name="Content Placeholder 2"/>
-          <p:cNvSpPr>
-            <a:spLocks noGrp="1"/>
-          </p:cNvSpPr>
-          <p:nvPr>
-            <p:ph idx="1"/>
-          </p:nvPr>
-        </p:nvSpPr>
-        <p:spPr/>
-        <p:txBody>
-          <a:bodyPr/>
-          <a:lstStyle/>
-          <a:p>
-            <a:r>
-              <a:rPr lang="en-US" i="1" dirty="0">
+            <a:pPr>
+              <a:buFont typeface="Wingdings" pitchFamily="2" charset="2"/>
+              <a:buChar char="Ø"/>
+            </a:pPr>
+            <a:r>
+              <a:rPr lang="en-US" sz="2100" b="1" u="sng" dirty="0">
                 <a:solidFill>
-                  <a:srgbClr val="FF0000"/>
+                  <a:schemeClr val="bg1"/>
                 </a:solidFill>
               </a:rPr>
-              <a:t>Not in scope of project? Functional spec v1.2</a:t>
-            </a:r>
+              <a:t>Simulations</a:t>
+            </a:r>
+            <a:r>
+              <a:rPr lang="en-US" sz="2100" dirty="0">
+                <a:solidFill>
+                  <a:schemeClr val="bg1"/>
+                </a:solidFill>
+              </a:rPr>
+              <a:t> of analog components completed for:</a:t>
+            </a:r>
+          </a:p>
+          <a:p>
+            <a:pPr lvl="1">
+              <a:buFont typeface="Wingdings" pitchFamily="2" charset="2"/>
+              <a:buChar char="Ø"/>
+            </a:pPr>
+            <a:r>
+              <a:rPr lang="en-US" sz="1700" dirty="0">
+                <a:solidFill>
+                  <a:schemeClr val="bg1"/>
+                </a:solidFill>
+              </a:rPr>
+              <a:t>Radio Frequency Amplifier</a:t>
+            </a:r>
+          </a:p>
+          <a:p>
+            <a:pPr lvl="1">
+              <a:buFont typeface="Wingdings" pitchFamily="2" charset="2"/>
+              <a:buChar char="Ø"/>
+            </a:pPr>
+            <a:r>
+              <a:rPr lang="en-US" sz="1700" dirty="0">
+                <a:solidFill>
+                  <a:schemeClr val="bg1"/>
+                </a:solidFill>
+              </a:rPr>
+              <a:t>Band Pass Filters</a:t>
+            </a:r>
+          </a:p>
+          <a:p>
+            <a:pPr>
+              <a:buFont typeface="Wingdings" pitchFamily="2" charset="2"/>
+              <a:buChar char="Ø"/>
+            </a:pPr>
+            <a:r>
+              <a:rPr lang="en-US" sz="2100" b="1" u="sng" dirty="0">
+                <a:solidFill>
+                  <a:schemeClr val="bg1"/>
+                </a:solidFill>
+              </a:rPr>
+              <a:t>Analysis</a:t>
+            </a:r>
+            <a:r>
+              <a:rPr lang="en-US" sz="2100" dirty="0">
+                <a:solidFill>
+                  <a:schemeClr val="bg1"/>
+                </a:solidFill>
+              </a:rPr>
+              <a:t> of electronic components completed for:</a:t>
+            </a:r>
+          </a:p>
+          <a:p>
+            <a:pPr lvl="1">
+              <a:buFont typeface="Wingdings" pitchFamily="2" charset="2"/>
+              <a:buChar char="Ø"/>
+            </a:pPr>
+            <a:r>
+              <a:rPr lang="en-US" sz="1700" dirty="0">
+                <a:solidFill>
+                  <a:schemeClr val="bg1"/>
+                </a:solidFill>
+              </a:rPr>
+              <a:t>Amplifier</a:t>
+            </a:r>
+          </a:p>
+          <a:p>
+            <a:pPr>
+              <a:buFont typeface="Wingdings" pitchFamily="2" charset="2"/>
+              <a:buChar char="Ø"/>
+            </a:pPr>
+            <a:r>
+              <a:rPr lang="en-US" sz="2100" b="1" u="sng" dirty="0">
+                <a:solidFill>
+                  <a:schemeClr val="bg1"/>
+                </a:solidFill>
+              </a:rPr>
+              <a:t>Research</a:t>
+            </a:r>
+            <a:r>
+              <a:rPr lang="en-US" sz="2100" dirty="0">
+                <a:solidFill>
+                  <a:schemeClr val="bg1"/>
+                </a:solidFill>
+              </a:rPr>
+              <a:t> completed for:</a:t>
+            </a:r>
+          </a:p>
+          <a:p>
+            <a:pPr lvl="1">
+              <a:buFont typeface="Wingdings" pitchFamily="2" charset="2"/>
+              <a:buChar char="Ø"/>
+            </a:pPr>
+            <a:r>
+              <a:rPr lang="en-US" sz="1700" dirty="0">
+                <a:solidFill>
+                  <a:schemeClr val="bg1"/>
+                </a:solidFill>
+              </a:rPr>
+              <a:t>Signal flow through device</a:t>
+            </a:r>
+          </a:p>
+          <a:p>
+            <a:pPr lvl="1">
+              <a:buFont typeface="Wingdings" pitchFamily="2" charset="2"/>
+              <a:buChar char="Ø"/>
+            </a:pPr>
+            <a:endParaRPr lang="en-US" sz="1700" dirty="0">
+              <a:solidFill>
+                <a:schemeClr val="bg1"/>
+              </a:solidFill>
+            </a:endParaRPr>
           </a:p>
         </p:txBody>
       </p:sp>
     </p:spTree>
     <p:extLst>
       <p:ext uri="{BB962C8B-B14F-4D97-AF65-F5344CB8AC3E}">
-        <p14:creationId xmlns:p14="http://schemas.microsoft.com/office/powerpoint/2010/main" val="1197772570"/>
+        <p14:creationId xmlns:p14="http://schemas.microsoft.com/office/powerpoint/2010/main" val="1421278520"/>
       </p:ext>
     </p:extLst>
   </p:cSld>
@@ -16894,262 +18224,6 @@
             <p:ph type="title"/>
           </p:nvPr>
         </p:nvSpPr>
-        <p:spPr/>
-        <p:txBody>
-          <a:bodyPr/>
-          <a:lstStyle/>
-          <a:p>
-            <a:pPr algn="ctr"/>
-            <a:r>
-              <a:rPr lang="en-US" dirty="0"/>
-              <a:t> Challenges &amp; Concerns</a:t>
-            </a:r>
-          </a:p>
-        </p:txBody>
-      </p:sp>
-      <p:sp>
-        <p:nvSpPr>
-          <p:cNvPr id="3" name="Content Placeholder 2"/>
-          <p:cNvSpPr>
-            <a:spLocks noGrp="1"/>
-          </p:cNvSpPr>
-          <p:nvPr>
-            <p:ph idx="1"/>
-          </p:nvPr>
-        </p:nvSpPr>
-        <p:spPr/>
-        <p:txBody>
-          <a:bodyPr/>
-          <a:lstStyle/>
-          <a:p>
-            <a:pPr lvl="1">
-              <a:buFont typeface="Wingdings" pitchFamily="2" charset="2"/>
-              <a:buChar char="Ø"/>
-            </a:pPr>
-            <a:r>
-              <a:rPr lang="en-US" dirty="0"/>
-              <a:t>Our simulations are not matching our actual devices</a:t>
-            </a:r>
-          </a:p>
-          <a:p>
-            <a:pPr lvl="2">
-              <a:buFont typeface="Wingdings" pitchFamily="2" charset="2"/>
-              <a:buChar char="Ø"/>
-            </a:pPr>
-            <a:r>
-              <a:rPr lang="en-US" dirty="0"/>
-              <a:t>The amplifier simulation is not matching the actual build</a:t>
-            </a:r>
-          </a:p>
-        </p:txBody>
-      </p:sp>
-    </p:spTree>
-    <p:extLst>
-      <p:ext uri="{BB962C8B-B14F-4D97-AF65-F5344CB8AC3E}">
-        <p14:creationId xmlns:p14="http://schemas.microsoft.com/office/powerpoint/2010/main" val="1975700949"/>
-      </p:ext>
-    </p:extLst>
-  </p:cSld>
-  <p:clrMapOvr>
-    <a:masterClrMapping/>
-  </p:clrMapOvr>
-</p:sld>
-</file>
-
-<file path=ppt/slides/slide23.xml><?xml version="1.0" encoding="utf-8"?>
-<p:sld xmlns:a="http://schemas.openxmlformats.org/drawingml/2006/main" xmlns:r="http://schemas.openxmlformats.org/officeDocument/2006/relationships" xmlns:p="http://schemas.openxmlformats.org/presentationml/2006/main">
-  <p:cSld>
-    <p:spTree>
-      <p:nvGrpSpPr>
-        <p:cNvPr id="1" name=""/>
-        <p:cNvGrpSpPr/>
-        <p:nvPr/>
-      </p:nvGrpSpPr>
-      <p:grpSpPr>
-        <a:xfrm>
-          <a:off x="0" y="0"/>
-          <a:ext cx="0" cy="0"/>
-          <a:chOff x="0" y="0"/>
-          <a:chExt cx="0" cy="0"/>
-        </a:xfrm>
-      </p:grpSpPr>
-      <p:sp>
-        <p:nvSpPr>
-          <p:cNvPr id="2" name="Title 1"/>
-          <p:cNvSpPr>
-            <a:spLocks noGrp="1"/>
-          </p:cNvSpPr>
-          <p:nvPr>
-            <p:ph type="title"/>
-          </p:nvPr>
-        </p:nvSpPr>
-        <p:spPr>
-          <a:xfrm>
-            <a:off x="457200" y="609600"/>
-            <a:ext cx="8229600" cy="856488"/>
-          </a:xfrm>
-        </p:spPr>
-        <p:txBody>
-          <a:bodyPr/>
-          <a:lstStyle/>
-          <a:p>
-            <a:pPr algn="ctr"/>
-            <a:r>
-              <a:rPr lang="en-US" dirty="0"/>
-              <a:t>Project Progress</a:t>
-            </a:r>
-          </a:p>
-        </p:txBody>
-      </p:sp>
-      <p:sp>
-        <p:nvSpPr>
-          <p:cNvPr id="3" name="Content Placeholder 2"/>
-          <p:cNvSpPr>
-            <a:spLocks noGrp="1"/>
-          </p:cNvSpPr>
-          <p:nvPr>
-            <p:ph idx="1"/>
-          </p:nvPr>
-        </p:nvSpPr>
-        <p:spPr>
-          <a:xfrm>
-            <a:off x="457200" y="1447800"/>
-            <a:ext cx="8229600" cy="4389120"/>
-          </a:xfrm>
-        </p:spPr>
-        <p:txBody>
-          <a:bodyPr>
-            <a:normAutofit/>
-          </a:bodyPr>
-          <a:lstStyle/>
-          <a:p>
-            <a:pPr>
-              <a:buFont typeface="Wingdings" pitchFamily="2" charset="2"/>
-              <a:buChar char="Ø"/>
-            </a:pPr>
-            <a:r>
-              <a:rPr lang="en-US" sz="2100" b="1" u="sng" dirty="0"/>
-              <a:t>Simulations</a:t>
-            </a:r>
-            <a:r>
-              <a:rPr lang="en-US" sz="2100" dirty="0"/>
-              <a:t> of analog components completed for:</a:t>
-            </a:r>
-          </a:p>
-          <a:p>
-            <a:pPr lvl="1">
-              <a:buFont typeface="Wingdings" pitchFamily="2" charset="2"/>
-              <a:buChar char="Ø"/>
-            </a:pPr>
-            <a:endParaRPr lang="en-US" sz="1700" b="1" u="sng" dirty="0"/>
-          </a:p>
-          <a:p>
-            <a:pPr>
-              <a:buFont typeface="Wingdings" pitchFamily="2" charset="2"/>
-              <a:buChar char="Ø"/>
-            </a:pPr>
-            <a:r>
-              <a:rPr lang="en-US" sz="2100" b="1" u="sng" dirty="0"/>
-              <a:t>Analysis</a:t>
-            </a:r>
-            <a:r>
-              <a:rPr lang="en-US" sz="2100" dirty="0"/>
-              <a:t> of electronic components completed for:</a:t>
-            </a:r>
-          </a:p>
-          <a:p>
-            <a:pPr lvl="1">
-              <a:buFont typeface="Wingdings" pitchFamily="2" charset="2"/>
-              <a:buChar char="Ø"/>
-            </a:pPr>
-            <a:r>
-              <a:rPr lang="en-US" sz="1700" dirty="0"/>
-              <a:t>Amplifier, </a:t>
-            </a:r>
-          </a:p>
-          <a:p>
-            <a:pPr>
-              <a:buFont typeface="Wingdings" pitchFamily="2" charset="2"/>
-              <a:buChar char="Ø"/>
-            </a:pPr>
-            <a:r>
-              <a:rPr lang="en-US" sz="2100" b="1" u="sng" dirty="0"/>
-              <a:t>Research</a:t>
-            </a:r>
-            <a:r>
-              <a:rPr lang="en-US" sz="2100" dirty="0"/>
-              <a:t> completed for:</a:t>
-            </a:r>
-          </a:p>
-          <a:p>
-            <a:pPr lvl="1">
-              <a:buFont typeface="Wingdings" pitchFamily="2" charset="2"/>
-              <a:buChar char="Ø"/>
-            </a:pPr>
-            <a:r>
-              <a:rPr lang="en-US" sz="1700" dirty="0"/>
-              <a:t>Single sideband signal</a:t>
-            </a:r>
-          </a:p>
-          <a:p>
-            <a:pPr lvl="1">
-              <a:buFont typeface="Wingdings" pitchFamily="2" charset="2"/>
-              <a:buChar char="Ø"/>
-            </a:pPr>
-            <a:r>
-              <a:rPr lang="en-US" sz="1700" dirty="0"/>
-              <a:t>Signal flow through device</a:t>
-            </a:r>
-          </a:p>
-          <a:p>
-            <a:pPr lvl="1">
-              <a:buFont typeface="Wingdings" pitchFamily="2" charset="2"/>
-              <a:buChar char="Ø"/>
-            </a:pPr>
-            <a:endParaRPr lang="en-US" sz="1700" dirty="0"/>
-          </a:p>
-        </p:txBody>
-      </p:sp>
-    </p:spTree>
-    <p:extLst>
-      <p:ext uri="{BB962C8B-B14F-4D97-AF65-F5344CB8AC3E}">
-        <p14:creationId xmlns:p14="http://schemas.microsoft.com/office/powerpoint/2010/main" val="1421278520"/>
-      </p:ext>
-    </p:extLst>
-  </p:cSld>
-  <p:clrMapOvr>
-    <a:masterClrMapping/>
-  </p:clrMapOvr>
-</p:sld>
-</file>
-
-<file path=ppt/slides/slide24.xml><?xml version="1.0" encoding="utf-8"?>
-<p:sld xmlns:a="http://schemas.openxmlformats.org/drawingml/2006/main" xmlns:r="http://schemas.openxmlformats.org/officeDocument/2006/relationships" xmlns:p="http://schemas.openxmlformats.org/presentationml/2006/main">
-  <p:cSld>
-    <p:spTree>
-      <p:nvGrpSpPr>
-        <p:cNvPr id="1" name=""/>
-        <p:cNvGrpSpPr/>
-        <p:nvPr/>
-      </p:nvGrpSpPr>
-      <p:grpSpPr>
-        <a:xfrm>
-          <a:off x="0" y="0"/>
-          <a:ext cx="0" cy="0"/>
-          <a:chOff x="0" y="0"/>
-          <a:chExt cx="0" cy="0"/>
-        </a:xfrm>
-      </p:grpSpPr>
-      <p:sp>
-        <p:nvSpPr>
-          <p:cNvPr id="2" name="Title 1"/>
-          <p:cNvSpPr>
-            <a:spLocks noGrp="1"/>
-          </p:cNvSpPr>
-          <p:nvPr>
-            <p:ph type="title"/>
-          </p:nvPr>
-        </p:nvSpPr>
         <p:spPr>
           <a:xfrm>
             <a:off x="856060" y="304800"/>
@@ -17162,7 +18236,11 @@
           <a:p>
             <a:pPr algn="ctr"/>
             <a:r>
-              <a:rPr lang="en-US" dirty="0"/>
+              <a:rPr lang="en-US" dirty="0">
+                <a:solidFill>
+                  <a:schemeClr val="bg1"/>
+                </a:solidFill>
+              </a:rPr>
               <a:t>Future Tasks</a:t>
             </a:r>
           </a:p>
@@ -17180,8 +18258,8 @@
         </p:nvSpPr>
         <p:spPr>
           <a:xfrm>
-            <a:off x="381000" y="1524000"/>
-            <a:ext cx="8305800" cy="5029200"/>
+            <a:off x="897308" y="1502121"/>
+            <a:ext cx="7830740" cy="5029200"/>
           </a:xfrm>
         </p:spPr>
         <p:txBody>
@@ -17194,7 +18272,11 @@
               <a:buNone/>
             </a:pPr>
             <a:r>
-              <a:rPr lang="en-US" dirty="0"/>
+              <a:rPr lang="en-US" dirty="0">
+                <a:solidFill>
+                  <a:schemeClr val="bg1"/>
+                </a:solidFill>
+              </a:rPr>
               <a:t>Tasks Planned for the Completion of the project:</a:t>
             </a:r>
           </a:p>
@@ -17204,7 +18286,11 @@
               <a:buChar char="Ø"/>
             </a:pPr>
             <a:r>
-              <a:rPr lang="en-US" dirty="0"/>
+              <a:rPr lang="en-US" dirty="0">
+                <a:solidFill>
+                  <a:schemeClr val="bg1"/>
+                </a:solidFill>
+              </a:rPr>
               <a:t>Order parts</a:t>
             </a:r>
           </a:p>
@@ -17214,7 +18300,11 @@
               <a:buChar char="Ø"/>
             </a:pPr>
             <a:r>
-              <a:rPr lang="en-US" dirty="0"/>
+              <a:rPr lang="en-US" dirty="0">
+                <a:solidFill>
+                  <a:schemeClr val="bg1"/>
+                </a:solidFill>
+              </a:rPr>
               <a:t>Assemble analog components</a:t>
             </a:r>
           </a:p>
@@ -17224,7 +18314,11 @@
               <a:buChar char="Ø"/>
             </a:pPr>
             <a:r>
-              <a:rPr lang="en-US" dirty="0"/>
+              <a:rPr lang="en-US" dirty="0">
+                <a:solidFill>
+                  <a:schemeClr val="bg1"/>
+                </a:solidFill>
+              </a:rPr>
               <a:t>Test analog components against simulations</a:t>
             </a:r>
           </a:p>
@@ -17234,7 +18328,11 @@
               <a:buChar char="Ø"/>
             </a:pPr>
             <a:r>
-              <a:rPr lang="en-US" dirty="0"/>
+              <a:rPr lang="en-US" dirty="0">
+                <a:solidFill>
+                  <a:schemeClr val="bg1"/>
+                </a:solidFill>
+              </a:rPr>
               <a:t>Test digital signal processing</a:t>
             </a:r>
           </a:p>
@@ -17244,7 +18342,11 @@
               <a:buChar char="Ø"/>
             </a:pPr>
             <a:r>
-              <a:rPr lang="en-US" dirty="0"/>
+              <a:rPr lang="en-US" dirty="0">
+                <a:solidFill>
+                  <a:schemeClr val="bg1"/>
+                </a:solidFill>
+              </a:rPr>
               <a:t>Combine parts for Software Defined Radio</a:t>
             </a:r>
           </a:p>
@@ -17254,7 +18356,11 @@
               <a:buChar char="Ø"/>
             </a:pPr>
             <a:r>
-              <a:rPr lang="en-US" dirty="0"/>
+              <a:rPr lang="en-US" dirty="0">
+                <a:solidFill>
+                  <a:schemeClr val="bg1"/>
+                </a:solidFill>
+              </a:rPr>
               <a:t>Received signal test for Software Defined Radio</a:t>
             </a:r>
           </a:p>
@@ -17262,13 +18368,21 @@
             <a:pPr marL="0" indent="0">
               <a:buNone/>
             </a:pPr>
-            <a:endParaRPr lang="en-US" dirty="0"/>
+            <a:endParaRPr lang="en-US" dirty="0">
+              <a:solidFill>
+                <a:schemeClr val="bg1"/>
+              </a:solidFill>
+            </a:endParaRPr>
           </a:p>
           <a:p>
             <a:pPr marL="0" indent="0">
               <a:buNone/>
             </a:pPr>
-            <a:endParaRPr lang="en-US" dirty="0"/>
+            <a:endParaRPr lang="en-US" dirty="0">
+              <a:solidFill>
+                <a:schemeClr val="bg1"/>
+              </a:solidFill>
+            </a:endParaRPr>
           </a:p>
         </p:txBody>
       </p:sp>
@@ -17312,6 +18426,92 @@
             <p:ph type="title"/>
           </p:nvPr>
         </p:nvSpPr>
+        <p:spPr/>
+        <p:txBody>
+          <a:bodyPr/>
+          <a:lstStyle/>
+          <a:p>
+            <a:r>
+              <a:rPr lang="en-US" dirty="0">
+                <a:solidFill>
+                  <a:schemeClr val="bg1"/>
+                </a:solidFill>
+              </a:rPr>
+              <a:t>Top level block diagram</a:t>
+            </a:r>
+          </a:p>
+        </p:txBody>
+      </p:sp>
+      <p:pic>
+        <p:nvPicPr>
+          <p:cNvPr id="4" name="Picture 3"/>
+          <p:cNvPicPr>
+            <a:picLocks noChangeAspect="1"/>
+          </p:cNvPicPr>
+          <p:nvPr/>
+        </p:nvPicPr>
+        <p:blipFill>
+          <a:blip r:embed="rId2">
+            <a:extLst>
+              <a:ext uri="{28A0092B-C50C-407E-A947-70E740481C1C}">
+                <a14:useLocalDpi xmlns:a14="http://schemas.microsoft.com/office/drawing/2010/main" val="0"/>
+              </a:ext>
+            </a:extLst>
+          </a:blip>
+          <a:stretch>
+            <a:fillRect/>
+          </a:stretch>
+        </p:blipFill>
+        <p:spPr>
+          <a:xfrm>
+            <a:off x="650140" y="2097088"/>
+            <a:ext cx="7841338" cy="3895327"/>
+          </a:xfrm>
+          <a:prstGeom prst="rect">
+            <a:avLst/>
+          </a:prstGeom>
+        </p:spPr>
+      </p:pic>
+    </p:spTree>
+    <p:extLst>
+      <p:ext uri="{BB962C8B-B14F-4D97-AF65-F5344CB8AC3E}">
+        <p14:creationId xmlns:p14="http://schemas.microsoft.com/office/powerpoint/2010/main" val="245952151"/>
+      </p:ext>
+    </p:extLst>
+  </p:cSld>
+  <p:clrMapOvr>
+    <a:masterClrMapping/>
+  </p:clrMapOvr>
+</p:sld>
+</file>
+
+<file path=ppt/slides/slide4.xml><?xml version="1.0" encoding="utf-8"?>
+<p:sld xmlns:a="http://schemas.openxmlformats.org/drawingml/2006/main" xmlns:r="http://schemas.openxmlformats.org/officeDocument/2006/relationships" xmlns:p="http://schemas.openxmlformats.org/presentationml/2006/main">
+  <p:cSld>
+    <p:spTree>
+      <p:nvGrpSpPr>
+        <p:cNvPr id="1" name=""/>
+        <p:cNvGrpSpPr/>
+        <p:nvPr/>
+      </p:nvGrpSpPr>
+      <p:grpSpPr>
+        <a:xfrm>
+          <a:off x="0" y="0"/>
+          <a:ext cx="0" cy="0"/>
+          <a:chOff x="0" y="0"/>
+          <a:chExt cx="0" cy="0"/>
+        </a:xfrm>
+      </p:grpSpPr>
+      <p:sp>
+        <p:nvSpPr>
+          <p:cNvPr id="2" name="Title 1"/>
+          <p:cNvSpPr>
+            <a:spLocks noGrp="1"/>
+          </p:cNvSpPr>
+          <p:nvPr>
+            <p:ph type="title"/>
+          </p:nvPr>
+        </p:nvSpPr>
         <p:spPr>
           <a:xfrm>
             <a:off x="76200" y="161544"/>
@@ -17325,7 +18525,11 @@
           <a:lstStyle/>
           <a:p>
             <a:r>
-              <a:rPr lang="en-US" sz="5000" dirty="0"/>
+              <a:rPr lang="en-US" sz="5000" dirty="0">
+                <a:solidFill>
+                  <a:schemeClr val="bg1"/>
+                </a:solidFill>
+              </a:rPr>
               <a:t>block diagram</a:t>
             </a:r>
           </a:p>
@@ -17380,7 +18584,7 @@
         <p:spPr>
           <a:xfrm>
             <a:off x="4495800" y="1542875"/>
-            <a:ext cx="4191000" cy="3416320"/>
+            <a:ext cx="4191000" cy="4247317"/>
           </a:xfrm>
           <a:prstGeom prst="rect">
             <a:avLst/>
@@ -17398,37 +18602,119 @@
               <a:buChar char="•"/>
             </a:pPr>
             <a:r>
-              <a:rPr lang="en-US" dirty="0"/>
+              <a:rPr lang="en-US" dirty="0">
+                <a:solidFill>
+                  <a:schemeClr val="bg1"/>
+                </a:solidFill>
+              </a:rPr>
               <a:t>NE612 : RF Mixers</a:t>
+            </a:r>
+            <a:br>
+              <a:rPr lang="en-US" dirty="0">
+                <a:solidFill>
+                  <a:schemeClr val="bg1"/>
+                </a:solidFill>
+              </a:rPr>
+            </a:br>
+            <a:endParaRPr lang="en-US" dirty="0">
+              <a:solidFill>
+                <a:schemeClr val="bg1"/>
+              </a:solidFill>
+            </a:endParaRPr>
+          </a:p>
+          <a:p>
+            <a:pPr marL="285750" indent="-285750">
+              <a:buFont typeface="Arial" panose="020B0604020202020204" pitchFamily="34" charset="0"/>
+              <a:buChar char="•"/>
+            </a:pPr>
+            <a:r>
+              <a:rPr lang="en-US" dirty="0">
+                <a:solidFill>
+                  <a:schemeClr val="bg1"/>
+                </a:solidFill>
+              </a:rPr>
+              <a:t>SN74HC74 : D Flip Flop Network, Clock Divider and Quadrature Generator</a:t>
+            </a:r>
+            <a:br>
+              <a:rPr lang="en-US" dirty="0">
+                <a:solidFill>
+                  <a:schemeClr val="bg1"/>
+                </a:solidFill>
+              </a:rPr>
+            </a:br>
+            <a:endParaRPr lang="en-US" dirty="0">
+              <a:solidFill>
+                <a:schemeClr val="bg1"/>
+              </a:solidFill>
+            </a:endParaRPr>
+          </a:p>
+          <a:p>
+            <a:pPr marL="285750" indent="-285750">
+              <a:buFont typeface="Arial" panose="020B0604020202020204" pitchFamily="34" charset="0"/>
+              <a:buChar char="•"/>
+            </a:pPr>
+            <a:r>
+              <a:rPr lang="en-US" dirty="0">
+                <a:solidFill>
+                  <a:schemeClr val="bg1"/>
+                </a:solidFill>
+              </a:rPr>
+              <a:t>SI5351: Voltage Controlled Oscillator, Sets the Carrier Wave Frequency</a:t>
+            </a:r>
+          </a:p>
+          <a:p>
+            <a:pPr marL="285750" indent="-285750">
+              <a:buFont typeface="Arial" panose="020B0604020202020204" pitchFamily="34" charset="0"/>
+              <a:buChar char="•"/>
+            </a:pPr>
+            <a:endParaRPr lang="en-US" dirty="0">
+              <a:solidFill>
+                <a:schemeClr val="bg1"/>
+              </a:solidFill>
+            </a:endParaRPr>
+          </a:p>
+          <a:p>
+            <a:pPr marL="285750" indent="-285750">
+              <a:buFont typeface="Arial" panose="020B0604020202020204" pitchFamily="34" charset="0"/>
+              <a:buChar char="•"/>
+            </a:pPr>
+            <a:r>
+              <a:rPr lang="en-US" dirty="0">
+                <a:solidFill>
+                  <a:schemeClr val="bg1"/>
+                </a:solidFill>
+              </a:rPr>
+              <a:t>Audio Transformer: Audio Signal Isolator</a:t>
+            </a:r>
+          </a:p>
+          <a:p>
+            <a:pPr marL="285750" indent="-285750">
+              <a:buFont typeface="Arial" panose="020B0604020202020204" pitchFamily="34" charset="0"/>
+              <a:buChar char="•"/>
+            </a:pPr>
+            <a:endParaRPr lang="en-US" dirty="0">
+              <a:solidFill>
+                <a:schemeClr val="bg1"/>
+              </a:solidFill>
+            </a:endParaRPr>
+          </a:p>
+          <a:p>
+            <a:pPr marL="285750" indent="-285750">
+              <a:buFont typeface="Arial" panose="020B0604020202020204" pitchFamily="34" charset="0"/>
+              <a:buChar char="•"/>
+            </a:pPr>
+            <a:r>
+              <a:rPr lang="en-US" dirty="0">
+                <a:solidFill>
+                  <a:schemeClr val="bg1"/>
+                </a:solidFill>
+              </a:rPr>
+              <a:t>Teensy: Main microcontroller, handles signal processing and tuning</a:t>
             </a:r>
             <a:br>
               <a:rPr lang="en-US" dirty="0"/>
             </a:br>
             <a:endParaRPr lang="en-US" dirty="0"/>
-          </a:p>
-          <a:p>
-            <a:pPr marL="285750" indent="-285750">
-              <a:buFont typeface="Arial" panose="020B0604020202020204" pitchFamily="34" charset="0"/>
-              <a:buChar char="•"/>
-            </a:pPr>
-            <a:r>
-              <a:rPr lang="en-US" dirty="0"/>
-              <a:t>SN74HC74 : D Flip Flop Network, Clock Divider and Quadrature Generator</a:t>
-            </a:r>
-            <a:br>
-              <a:rPr lang="en-US" dirty="0"/>
-            </a:br>
-            <a:endParaRPr lang="en-US" dirty="0"/>
-          </a:p>
-          <a:p>
-            <a:pPr marL="285750" indent="-285750">
-              <a:buFont typeface="Arial" panose="020B0604020202020204" pitchFamily="34" charset="0"/>
-              <a:buChar char="•"/>
-            </a:pPr>
-            <a:r>
-              <a:rPr lang="en-US" dirty="0"/>
-              <a:t>SI5351: Voltage Controlled Oscillator, Sets the Carrier Wave Frequency</a:t>
-            </a:r>
           </a:p>
           <a:p>
             <a:pPr marL="285750" indent="-285750">
@@ -17442,27 +18728,6 @@
               <a:buFont typeface="Arial" panose="020B0604020202020204" pitchFamily="34" charset="0"/>
               <a:buChar char="•"/>
             </a:pPr>
-            <a:r>
-              <a:rPr lang="en-US" dirty="0"/>
-              <a:t>Audio Transformer: Audio Signal Isolator</a:t>
-            </a:r>
-            <a:br>
-              <a:rPr lang="en-US" dirty="0"/>
-            </a:br>
-            <a:endParaRPr lang="en-US" dirty="0"/>
-          </a:p>
-          <a:p>
-            <a:pPr marL="285750" indent="-285750">
-              <a:buFont typeface="Arial" panose="020B0604020202020204" pitchFamily="34" charset="0"/>
-              <a:buChar char="•"/>
-            </a:pPr>
-            <a:endParaRPr lang="en-US" dirty="0"/>
-          </a:p>
-          <a:p>
-            <a:pPr marL="285750" indent="-285750">
-              <a:buFont typeface="Arial" panose="020B0604020202020204" pitchFamily="34" charset="0"/>
-              <a:buChar char="•"/>
-            </a:pPr>
             <a:endParaRPr lang="en-US" dirty="0"/>
           </a:p>
         </p:txBody>
@@ -17471,253 +18736,6 @@
     <p:extLst>
       <p:ext uri="{BB962C8B-B14F-4D97-AF65-F5344CB8AC3E}">
         <p14:creationId xmlns:p14="http://schemas.microsoft.com/office/powerpoint/2010/main" val="994046624"/>
-      </p:ext>
-    </p:extLst>
-  </p:cSld>
-  <p:clrMapOvr>
-    <a:masterClrMapping/>
-  </p:clrMapOvr>
-</p:sld>
-</file>
-
-<file path=ppt/slides/slide4.xml><?xml version="1.0" encoding="utf-8"?>
-<p:sld xmlns:a="http://schemas.openxmlformats.org/drawingml/2006/main" xmlns:r="http://schemas.openxmlformats.org/officeDocument/2006/relationships" xmlns:p="http://schemas.openxmlformats.org/presentationml/2006/main">
-  <p:cSld>
-    <p:spTree>
-      <p:nvGrpSpPr>
-        <p:cNvPr id="1" name=""/>
-        <p:cNvGrpSpPr/>
-        <p:nvPr/>
-      </p:nvGrpSpPr>
-      <p:grpSpPr>
-        <a:xfrm>
-          <a:off x="0" y="0"/>
-          <a:ext cx="0" cy="0"/>
-          <a:chOff x="0" y="0"/>
-          <a:chExt cx="0" cy="0"/>
-        </a:xfrm>
-      </p:grpSpPr>
-      <p:sp>
-        <p:nvSpPr>
-          <p:cNvPr id="2" name="Title 1"/>
-          <p:cNvSpPr>
-            <a:spLocks noGrp="1"/>
-          </p:cNvSpPr>
-          <p:nvPr>
-            <p:ph type="title"/>
-          </p:nvPr>
-        </p:nvSpPr>
-        <p:spPr>
-          <a:xfrm>
-            <a:off x="457200" y="381000"/>
-            <a:ext cx="8229600" cy="1143000"/>
-          </a:xfrm>
-        </p:spPr>
-        <p:txBody>
-          <a:bodyPr/>
-          <a:lstStyle/>
-          <a:p>
-            <a:pPr algn="ctr"/>
-            <a:r>
-              <a:rPr lang="en-US" dirty="0"/>
-              <a:t>Project Goals</a:t>
-            </a:r>
-          </a:p>
-        </p:txBody>
-      </p:sp>
-      <p:sp>
-        <p:nvSpPr>
-          <p:cNvPr id="3" name="Text Placeholder 2"/>
-          <p:cNvSpPr>
-            <a:spLocks noGrp="1"/>
-          </p:cNvSpPr>
-          <p:nvPr>
-            <p:ph type="body" idx="1"/>
-          </p:nvPr>
-        </p:nvSpPr>
-        <p:spPr>
-          <a:xfrm>
-            <a:off x="457200" y="1869280"/>
-            <a:ext cx="4040188" cy="659352"/>
-          </a:xfrm>
-        </p:spPr>
-        <p:txBody>
-          <a:bodyPr>
-            <a:normAutofit fontScale="85000" lnSpcReduction="20000"/>
-          </a:bodyPr>
-          <a:lstStyle/>
-          <a:p>
-            <a:endParaRPr lang="en-US" dirty="0"/>
-          </a:p>
-          <a:p>
-            <a:pPr algn="ctr"/>
-            <a:r>
-              <a:rPr lang="en-US" dirty="0"/>
-              <a:t>Goals of Project</a:t>
-            </a:r>
-          </a:p>
-          <a:p>
-            <a:endParaRPr lang="en-US" dirty="0"/>
-          </a:p>
-        </p:txBody>
-      </p:sp>
-      <p:sp>
-        <p:nvSpPr>
-          <p:cNvPr id="5" name="Content Placeholder 4"/>
-          <p:cNvSpPr>
-            <a:spLocks noGrp="1"/>
-          </p:cNvSpPr>
-          <p:nvPr>
-            <p:ph sz="half" idx="2"/>
-          </p:nvPr>
-        </p:nvSpPr>
-        <p:spPr>
-          <a:xfrm>
-            <a:off x="457200" y="2555080"/>
-            <a:ext cx="4040188" cy="3845720"/>
-          </a:xfrm>
-        </p:spPr>
-        <p:txBody>
-          <a:bodyPr>
-            <a:normAutofit lnSpcReduction="10000"/>
-          </a:bodyPr>
-          <a:lstStyle/>
-          <a:p>
-            <a:pPr>
-              <a:buFont typeface="Wingdings" pitchFamily="2" charset="2"/>
-              <a:buChar char="Ø"/>
-            </a:pPr>
-            <a:r>
-              <a:rPr lang="en-US" dirty="0"/>
-              <a:t>To create a Half-Duplex Software Defined Radio</a:t>
-            </a:r>
-          </a:p>
-          <a:p>
-            <a:pPr>
-              <a:buFont typeface="Wingdings" pitchFamily="2" charset="2"/>
-              <a:buChar char="Ø"/>
-            </a:pPr>
-            <a:r>
-              <a:rPr lang="en-US" dirty="0"/>
-              <a:t>To make an educational tool </a:t>
-            </a:r>
-          </a:p>
-          <a:p>
-            <a:pPr>
-              <a:buFont typeface="Wingdings" pitchFamily="2" charset="2"/>
-              <a:buChar char="Ø"/>
-            </a:pPr>
-            <a:endParaRPr lang="en-US" dirty="0"/>
-          </a:p>
-        </p:txBody>
-      </p:sp>
-      <p:sp>
-        <p:nvSpPr>
-          <p:cNvPr id="4" name="Text Placeholder 3"/>
-          <p:cNvSpPr>
-            <a:spLocks noGrp="1"/>
-          </p:cNvSpPr>
-          <p:nvPr>
-            <p:ph type="body" sz="quarter" idx="3"/>
-          </p:nvPr>
-        </p:nvSpPr>
-        <p:spPr>
-          <a:xfrm>
-            <a:off x="4649919" y="1776227"/>
-            <a:ext cx="4041775" cy="416720"/>
-          </a:xfrm>
-        </p:spPr>
-        <p:txBody>
-          <a:bodyPr>
-            <a:normAutofit fontScale="85000" lnSpcReduction="20000"/>
-          </a:bodyPr>
-          <a:lstStyle/>
-          <a:p>
-            <a:pPr algn="ctr"/>
-            <a:r>
-              <a:rPr lang="en-US" dirty="0"/>
-              <a:t>Stretch Goals of Project</a:t>
-            </a:r>
-          </a:p>
-        </p:txBody>
-      </p:sp>
-      <p:sp>
-        <p:nvSpPr>
-          <p:cNvPr id="6" name="Content Placeholder 5"/>
-          <p:cNvSpPr>
-            <a:spLocks noGrp="1"/>
-          </p:cNvSpPr>
-          <p:nvPr>
-            <p:ph sz="quarter" idx="4"/>
-          </p:nvPr>
-        </p:nvSpPr>
-        <p:spPr>
-          <a:xfrm>
-            <a:off x="4645025" y="2192947"/>
-            <a:ext cx="4041775" cy="3845720"/>
-          </a:xfrm>
-        </p:spPr>
-        <p:txBody>
-          <a:bodyPr>
-            <a:normAutofit lnSpcReduction="10000"/>
-          </a:bodyPr>
-          <a:lstStyle/>
-          <a:p>
-            <a:pPr>
-              <a:buFont typeface="Wingdings" pitchFamily="2" charset="2"/>
-              <a:buChar char="Ø"/>
-            </a:pPr>
-            <a:r>
-              <a:rPr lang="en-US" dirty="0"/>
-              <a:t>To make a PCB for the radio</a:t>
-            </a:r>
-          </a:p>
-          <a:p>
-            <a:pPr>
-              <a:buFont typeface="Wingdings" pitchFamily="2" charset="2"/>
-              <a:buChar char="Ø"/>
-            </a:pPr>
-            <a:r>
-              <a:rPr lang="en-US" dirty="0"/>
-              <a:t>To make it operable for 4 hours on 12V battery power</a:t>
-            </a:r>
-          </a:p>
-          <a:p>
-            <a:pPr>
-              <a:buFont typeface="Wingdings" pitchFamily="2" charset="2"/>
-              <a:buChar char="Ø"/>
-            </a:pPr>
-            <a:r>
-              <a:rPr lang="en-US" dirty="0"/>
-              <a:t>To make a build kit for the radio</a:t>
-            </a:r>
-          </a:p>
-          <a:p>
-            <a:pPr>
-              <a:buFont typeface="Wingdings" pitchFamily="2" charset="2"/>
-              <a:buChar char="Ø"/>
-            </a:pPr>
-            <a:r>
-              <a:rPr lang="en-US" dirty="0"/>
-              <a:t>3D printed Case for safety</a:t>
-            </a:r>
-          </a:p>
-          <a:p>
-            <a:pPr>
-              <a:buFont typeface="Wingdings" pitchFamily="2" charset="2"/>
-              <a:buChar char="Ø"/>
-            </a:pPr>
-            <a:r>
-              <a:rPr lang="en-US" dirty="0"/>
-              <a:t>Have an operable 3.5mm headphone Jack</a:t>
-            </a:r>
-          </a:p>
-        </p:txBody>
-      </p:sp>
-    </p:spTree>
-    <p:extLst>
-      <p:ext uri="{BB962C8B-B14F-4D97-AF65-F5344CB8AC3E}">
-        <p14:creationId xmlns:p14="http://schemas.microsoft.com/office/powerpoint/2010/main" val="460872348"/>
       </p:ext>
     </p:extLst>
   </p:cSld>
@@ -17754,13 +18772,305 @@
             <p:ph type="title"/>
           </p:nvPr>
         </p:nvSpPr>
+        <p:spPr>
+          <a:xfrm>
+            <a:off x="457200" y="112669"/>
+            <a:ext cx="8229600" cy="1143000"/>
+          </a:xfrm>
+        </p:spPr>
+        <p:txBody>
+          <a:bodyPr/>
+          <a:lstStyle/>
+          <a:p>
+            <a:pPr algn="ctr"/>
+            <a:r>
+              <a:rPr lang="en-US" dirty="0">
+                <a:solidFill>
+                  <a:schemeClr val="bg1"/>
+                </a:solidFill>
+              </a:rPr>
+              <a:t>Project Goals</a:t>
+            </a:r>
+          </a:p>
+        </p:txBody>
+      </p:sp>
+      <p:sp>
+        <p:nvSpPr>
+          <p:cNvPr id="3" name="Text Placeholder 2"/>
+          <p:cNvSpPr>
+            <a:spLocks noGrp="1"/>
+          </p:cNvSpPr>
+          <p:nvPr>
+            <p:ph type="body" idx="1"/>
+          </p:nvPr>
+        </p:nvSpPr>
+        <p:spPr>
+          <a:xfrm>
+            <a:off x="464745" y="1159853"/>
+            <a:ext cx="4036882" cy="516547"/>
+          </a:xfrm>
+        </p:spPr>
+        <p:txBody>
+          <a:bodyPr>
+            <a:noAutofit/>
+          </a:bodyPr>
+          <a:lstStyle/>
+          <a:p>
+            <a:endParaRPr lang="en-US" sz="2000" dirty="0">
+              <a:solidFill>
+                <a:schemeClr val="bg1"/>
+              </a:solidFill>
+            </a:endParaRPr>
+          </a:p>
+          <a:p>
+            <a:pPr algn="ctr"/>
+            <a:r>
+              <a:rPr lang="en-US" dirty="0">
+                <a:solidFill>
+                  <a:schemeClr val="bg1"/>
+                </a:solidFill>
+              </a:rPr>
+              <a:t>Goals of Project</a:t>
+            </a:r>
+          </a:p>
+        </p:txBody>
+      </p:sp>
+      <p:sp>
+        <p:nvSpPr>
+          <p:cNvPr id="5" name="Content Placeholder 4"/>
+          <p:cNvSpPr>
+            <a:spLocks noGrp="1"/>
+          </p:cNvSpPr>
+          <p:nvPr>
+            <p:ph sz="half" idx="2"/>
+          </p:nvPr>
+        </p:nvSpPr>
+        <p:spPr>
+          <a:xfrm>
+            <a:off x="457200" y="1756611"/>
+            <a:ext cx="4040188" cy="3845720"/>
+          </a:xfrm>
+        </p:spPr>
+        <p:txBody>
+          <a:bodyPr>
+            <a:normAutofit/>
+          </a:bodyPr>
+          <a:lstStyle/>
+          <a:p>
+            <a:pPr>
+              <a:buFont typeface="Wingdings" pitchFamily="2" charset="2"/>
+              <a:buChar char="Ø"/>
+            </a:pPr>
+            <a:r>
+              <a:rPr lang="en-US" sz="2000" dirty="0">
+                <a:solidFill>
+                  <a:schemeClr val="bg1"/>
+                </a:solidFill>
+              </a:rPr>
+              <a:t>To create a Half-Duplex Software Defined Radio</a:t>
+            </a:r>
+          </a:p>
+          <a:p>
+            <a:pPr>
+              <a:buFont typeface="Wingdings" pitchFamily="2" charset="2"/>
+              <a:buChar char="Ø"/>
+            </a:pPr>
+            <a:r>
+              <a:rPr lang="en-US" sz="2000" dirty="0">
+                <a:solidFill>
+                  <a:schemeClr val="bg1"/>
+                </a:solidFill>
+              </a:rPr>
+              <a:t>To make an educational tool </a:t>
+            </a:r>
+          </a:p>
+          <a:p>
+            <a:pPr>
+              <a:buFont typeface="Wingdings" pitchFamily="2" charset="2"/>
+              <a:buChar char="Ø"/>
+            </a:pPr>
+            <a:endParaRPr lang="en-US" dirty="0"/>
+          </a:p>
+        </p:txBody>
+      </p:sp>
+      <p:sp>
+        <p:nvSpPr>
+          <p:cNvPr id="4" name="Text Placeholder 3"/>
+          <p:cNvSpPr>
+            <a:spLocks noGrp="1"/>
+          </p:cNvSpPr>
+          <p:nvPr>
+            <p:ph type="body" sz="quarter" idx="3"/>
+          </p:nvPr>
+        </p:nvSpPr>
+        <p:spPr>
+          <a:xfrm>
+            <a:off x="4586335" y="1259680"/>
+            <a:ext cx="4041775" cy="416720"/>
+          </a:xfrm>
+        </p:spPr>
+        <p:txBody>
+          <a:bodyPr>
+            <a:normAutofit lnSpcReduction="10000"/>
+          </a:bodyPr>
+          <a:lstStyle/>
+          <a:p>
+            <a:pPr algn="ctr"/>
+            <a:r>
+              <a:rPr lang="en-US" dirty="0">
+                <a:solidFill>
+                  <a:schemeClr val="bg1"/>
+                </a:solidFill>
+              </a:rPr>
+              <a:t>Stretch Goals of Project</a:t>
+            </a:r>
+          </a:p>
+        </p:txBody>
+      </p:sp>
+      <p:sp>
+        <p:nvSpPr>
+          <p:cNvPr id="6" name="Content Placeholder 5"/>
+          <p:cNvSpPr>
+            <a:spLocks noGrp="1"/>
+          </p:cNvSpPr>
+          <p:nvPr>
+            <p:ph sz="quarter" idx="4"/>
+          </p:nvPr>
+        </p:nvSpPr>
+        <p:spPr>
+          <a:xfrm>
+            <a:off x="4586335" y="1756611"/>
+            <a:ext cx="4041775" cy="3845720"/>
+          </a:xfrm>
+        </p:spPr>
+        <p:txBody>
+          <a:bodyPr>
+            <a:normAutofit/>
+          </a:bodyPr>
+          <a:lstStyle/>
+          <a:p>
+            <a:pPr>
+              <a:buFont typeface="Wingdings" pitchFamily="2" charset="2"/>
+              <a:buChar char="Ø"/>
+            </a:pPr>
+            <a:r>
+              <a:rPr lang="en-US" sz="2000" dirty="0">
+                <a:solidFill>
+                  <a:schemeClr val="bg1"/>
+                </a:solidFill>
+              </a:rPr>
+              <a:t>To make a PCB for the radio</a:t>
+            </a:r>
+          </a:p>
+          <a:p>
+            <a:pPr>
+              <a:buFont typeface="Wingdings" pitchFamily="2" charset="2"/>
+              <a:buChar char="Ø"/>
+            </a:pPr>
+            <a:r>
+              <a:rPr lang="en-US" sz="2000" dirty="0">
+                <a:solidFill>
+                  <a:schemeClr val="bg1"/>
+                </a:solidFill>
+              </a:rPr>
+              <a:t>To make it operable for 4 hours on 12V battery power</a:t>
+            </a:r>
+          </a:p>
+          <a:p>
+            <a:pPr>
+              <a:buFont typeface="Wingdings" pitchFamily="2" charset="2"/>
+              <a:buChar char="Ø"/>
+            </a:pPr>
+            <a:r>
+              <a:rPr lang="en-US" sz="2000" dirty="0">
+                <a:solidFill>
+                  <a:schemeClr val="bg1"/>
+                </a:solidFill>
+              </a:rPr>
+              <a:t>To make a build kit for the radio</a:t>
+            </a:r>
+          </a:p>
+          <a:p>
+            <a:pPr>
+              <a:buFont typeface="Wingdings" pitchFamily="2" charset="2"/>
+              <a:buChar char="Ø"/>
+            </a:pPr>
+            <a:r>
+              <a:rPr lang="en-US" sz="2000" dirty="0">
+                <a:solidFill>
+                  <a:schemeClr val="bg1"/>
+                </a:solidFill>
+              </a:rPr>
+              <a:t>3D printed Case for safety</a:t>
+            </a:r>
+          </a:p>
+          <a:p>
+            <a:pPr>
+              <a:buFont typeface="Wingdings" pitchFamily="2" charset="2"/>
+              <a:buChar char="Ø"/>
+            </a:pPr>
+            <a:r>
+              <a:rPr lang="en-US" sz="2000" dirty="0">
+                <a:solidFill>
+                  <a:schemeClr val="bg1"/>
+                </a:solidFill>
+              </a:rPr>
+              <a:t>Have an operable 3.5mm headphone Jack</a:t>
+            </a:r>
+          </a:p>
+        </p:txBody>
+      </p:sp>
+    </p:spTree>
+    <p:extLst>
+      <p:ext uri="{BB962C8B-B14F-4D97-AF65-F5344CB8AC3E}">
+        <p14:creationId xmlns:p14="http://schemas.microsoft.com/office/powerpoint/2010/main" val="460872348"/>
+      </p:ext>
+    </p:extLst>
+  </p:cSld>
+  <p:clrMapOvr>
+    <a:masterClrMapping/>
+  </p:clrMapOvr>
+</p:sld>
+</file>
+
+<file path=ppt/slides/slide6.xml><?xml version="1.0" encoding="utf-8"?>
+<p:sld xmlns:a="http://schemas.openxmlformats.org/drawingml/2006/main" xmlns:r="http://schemas.openxmlformats.org/officeDocument/2006/relationships" xmlns:p="http://schemas.openxmlformats.org/presentationml/2006/main">
+  <p:cSld>
+    <p:spTree>
+      <p:nvGrpSpPr>
+        <p:cNvPr id="1" name=""/>
+        <p:cNvGrpSpPr/>
+        <p:nvPr/>
+      </p:nvGrpSpPr>
+      <p:grpSpPr>
+        <a:xfrm>
+          <a:off x="0" y="0"/>
+          <a:ext cx="0" cy="0"/>
+          <a:chOff x="0" y="0"/>
+          <a:chExt cx="0" cy="0"/>
+        </a:xfrm>
+      </p:grpSpPr>
+      <p:sp>
+        <p:nvSpPr>
+          <p:cNvPr id="2" name="Title 1"/>
+          <p:cNvSpPr>
+            <a:spLocks noGrp="1"/>
+          </p:cNvSpPr>
+          <p:nvPr>
+            <p:ph type="title"/>
+          </p:nvPr>
+        </p:nvSpPr>
         <p:spPr/>
         <p:txBody>
           <a:bodyPr/>
           <a:lstStyle/>
           <a:p>
             <a:r>
-              <a:rPr lang="en-US" dirty="0"/>
+              <a:rPr lang="en-US" dirty="0">
+                <a:solidFill>
+                  <a:schemeClr val="bg1"/>
+                </a:solidFill>
+              </a:rPr>
               <a:t>Roles &amp; Responsibilities</a:t>
             </a:r>
           </a:p>
@@ -17776,7 +19086,7 @@
             <p:ph idx="1"/>
             <p:extLst>
               <p:ext uri="{D42A27DB-BD31-4B8C-83A1-F6EECF244321}">
-                <p14:modId xmlns:p14="http://schemas.microsoft.com/office/powerpoint/2010/main" val="220589995"/>
+                <p14:modId xmlns:p14="http://schemas.microsoft.com/office/powerpoint/2010/main" val="1307947926"/>
               </p:ext>
             </p:extLst>
           </p:nvPr>
@@ -17892,6 +19202,14 @@
                     <a:bodyPr/>
                     <a:lstStyle/>
                     <a:p>
+                      <a:r>
+                        <a:rPr lang="en-US" dirty="0"/>
+                        <a:t>SPICE</a:t>
+                      </a:r>
+                      <a:r>
+                        <a:rPr lang="en-US" baseline="0" dirty="0"/>
+                        <a:t> design and simulations </a:t>
+                      </a:r>
                       <a:endParaRPr lang="en-US" dirty="0"/>
                     </a:p>
                   </a:txBody>
@@ -17922,7 +19240,10 @@
                     <a:bodyPr/>
                     <a:lstStyle/>
                     <a:p>
-                      <a:endParaRPr lang="en-US" dirty="0"/>
+                      <a:r>
+                        <a:rPr lang="en-US" dirty="0"/>
+                        <a:t>Circuit design and test</a:t>
+                      </a:r>
                     </a:p>
                   </a:txBody>
                   <a:tcPr/>
@@ -17945,7 +19266,7 @@
 </p:sld>
 </file>
 
-<file path=ppt/slides/slide6.xml><?xml version="1.0" encoding="utf-8"?>
+<file path=ppt/slides/slide7.xml><?xml version="1.0" encoding="utf-8"?>
 <p:sld xmlns:a="http://schemas.openxmlformats.org/drawingml/2006/main" xmlns:r="http://schemas.openxmlformats.org/officeDocument/2006/relationships" xmlns:p="http://schemas.openxmlformats.org/presentationml/2006/main">
   <p:cSld>
     <p:spTree>
@@ -17984,7 +19305,11 @@
           <a:p>
             <a:pPr algn="ctr"/>
             <a:r>
-              <a:rPr lang="en-US" dirty="0"/>
+              <a:rPr lang="en-US" dirty="0">
+                <a:solidFill>
+                  <a:schemeClr val="bg1"/>
+                </a:solidFill>
+              </a:rPr>
               <a:t>Project-Specific Milestones</a:t>
             </a:r>
           </a:p>
@@ -18498,7 +19823,7 @@
 </p:sld>
 </file>
 
-<file path=ppt/slides/slide7.xml><?xml version="1.0" encoding="utf-8"?>
+<file path=ppt/slides/slide8.xml><?xml version="1.0" encoding="utf-8"?>
 <p:sld xmlns:a="http://schemas.openxmlformats.org/drawingml/2006/main" xmlns:r="http://schemas.openxmlformats.org/officeDocument/2006/relationships" xmlns:p="http://schemas.openxmlformats.org/presentationml/2006/main">
   <p:cSld>
     <p:spTree>
@@ -18537,7 +19862,11 @@
           <a:p>
             <a:pPr algn="ctr"/>
             <a:r>
-              <a:rPr lang="en-US" dirty="0"/>
+              <a:rPr lang="en-US" dirty="0">
+                <a:solidFill>
+                  <a:schemeClr val="bg1"/>
+                </a:solidFill>
+              </a:rPr>
               <a:t>Project Deliverables</a:t>
             </a:r>
           </a:p>
@@ -18570,7 +19899,11 @@
               <a:buAutoNum type="arabicPeriod"/>
             </a:pPr>
             <a:r>
-              <a:rPr lang="en-US" dirty="0"/>
+              <a:rPr lang="en-US" dirty="0">
+                <a:solidFill>
+                  <a:schemeClr val="bg1"/>
+                </a:solidFill>
+              </a:rPr>
               <a:t>Analog component simulations</a:t>
             </a:r>
           </a:p>
@@ -18580,7 +19913,11 @@
               <a:buAutoNum type="arabicPeriod"/>
             </a:pPr>
             <a:r>
-              <a:rPr lang="en-US" dirty="0"/>
+              <a:rPr lang="en-US" dirty="0">
+                <a:solidFill>
+                  <a:schemeClr val="bg1"/>
+                </a:solidFill>
+              </a:rPr>
               <a:t>Analog component testing</a:t>
             </a:r>
           </a:p>
@@ -18590,7 +19927,11 @@
               <a:buAutoNum type="arabicPeriod"/>
             </a:pPr>
             <a:r>
-              <a:rPr lang="en-US" dirty="0"/>
+              <a:rPr lang="en-US" dirty="0">
+                <a:solidFill>
+                  <a:schemeClr val="bg1"/>
+                </a:solidFill>
+              </a:rPr>
               <a:t>Digital signal processing testing</a:t>
             </a:r>
           </a:p>
@@ -18600,7 +19941,11 @@
               <a:buAutoNum type="arabicPeriod"/>
             </a:pPr>
             <a:r>
-              <a:rPr lang="en-US" dirty="0"/>
+              <a:rPr lang="en-US" dirty="0">
+                <a:solidFill>
+                  <a:schemeClr val="bg1"/>
+                </a:solidFill>
+              </a:rPr>
               <a:t>Radio receiving test and verification</a:t>
             </a:r>
           </a:p>
@@ -18610,7 +19955,11 @@
               <a:buAutoNum type="arabicPeriod"/>
             </a:pPr>
             <a:r>
-              <a:rPr lang="en-US" dirty="0"/>
+              <a:rPr lang="en-US" dirty="0">
+                <a:solidFill>
+                  <a:schemeClr val="bg1"/>
+                </a:solidFill>
+              </a:rPr>
               <a:t>Radio transmission test and verification</a:t>
             </a:r>
           </a:p>
@@ -18692,77 +20041,6 @@
 </p:sld>
 </file>
 
-<file path=ppt/slides/slide8.xml><?xml version="1.0" encoding="utf-8"?>
-<p:sld xmlns:a="http://schemas.openxmlformats.org/drawingml/2006/main" xmlns:r="http://schemas.openxmlformats.org/officeDocument/2006/relationships" xmlns:p="http://schemas.openxmlformats.org/presentationml/2006/main">
-  <p:cSld>
-    <p:spTree>
-      <p:nvGrpSpPr>
-        <p:cNvPr id="1" name=""/>
-        <p:cNvGrpSpPr/>
-        <p:nvPr/>
-      </p:nvGrpSpPr>
-      <p:grpSpPr>
-        <a:xfrm>
-          <a:off x="0" y="0"/>
-          <a:ext cx="0" cy="0"/>
-          <a:chOff x="0" y="0"/>
-          <a:chExt cx="0" cy="0"/>
-        </a:xfrm>
-      </p:grpSpPr>
-      <p:sp>
-        <p:nvSpPr>
-          <p:cNvPr id="2" name="Title 1"/>
-          <p:cNvSpPr>
-            <a:spLocks noGrp="1"/>
-          </p:cNvSpPr>
-          <p:nvPr>
-            <p:ph type="title"/>
-          </p:nvPr>
-        </p:nvSpPr>
-        <p:spPr/>
-        <p:txBody>
-          <a:bodyPr/>
-          <a:lstStyle/>
-          <a:p>
-            <a:r>
-              <a:rPr lang="en-US" dirty="0"/>
-              <a:t>Functional Specification Review </a:t>
-            </a:r>
-          </a:p>
-        </p:txBody>
-      </p:sp>
-      <p:sp>
-        <p:nvSpPr>
-          <p:cNvPr id="3" name="Text Placeholder 2"/>
-          <p:cNvSpPr>
-            <a:spLocks noGrp="1"/>
-          </p:cNvSpPr>
-          <p:nvPr>
-            <p:ph type="body" idx="1"/>
-          </p:nvPr>
-        </p:nvSpPr>
-        <p:spPr>
-          <a:xfrm>
-            <a:off x="530352" y="3214688"/>
-            <a:ext cx="7772400" cy="1509712"/>
-          </a:xfrm>
-        </p:spPr>
-        <p:txBody>
-          <a:bodyPr/>
-          <a:lstStyle/>
-          <a:p>
-            <a:endParaRPr lang="en-US" dirty="0"/>
-          </a:p>
-        </p:txBody>
-      </p:sp>
-    </p:spTree>
-  </p:cSld>
-  <p:clrMapOvr>
-    <a:masterClrMapping/>
-  </p:clrMapOvr>
-</p:sld>
-</file>
-
 <file path=ppt/slides/slide9.xml><?xml version="1.0" encoding="utf-8"?>
 <p:sld xmlns:a="http://schemas.openxmlformats.org/drawingml/2006/main" xmlns:r="http://schemas.openxmlformats.org/officeDocument/2006/relationships" xmlns:p="http://schemas.openxmlformats.org/presentationml/2006/main">
   <p:cSld>
@@ -18790,65 +20068,29 @@
             <p:ph type="title"/>
           </p:nvPr>
         </p:nvSpPr>
-        <p:spPr/>
-        <p:txBody>
-          <a:bodyPr/>
-          <a:lstStyle/>
-          <a:p>
-            <a:pPr algn="ctr"/>
-            <a:r>
-              <a:rPr lang="en-US" dirty="0"/>
-              <a:t>2.2 Administration Functions</a:t>
-            </a:r>
-          </a:p>
-        </p:txBody>
-      </p:sp>
-      <p:sp>
-        <p:nvSpPr>
-          <p:cNvPr id="3" name="Content Placeholder 2"/>
-          <p:cNvSpPr>
-            <a:spLocks noGrp="1"/>
-          </p:cNvSpPr>
-          <p:nvPr>
-            <p:ph idx="1"/>
-          </p:nvPr>
-        </p:nvSpPr>
         <p:spPr>
-          <a:ln>
-            <a:noFill/>
-          </a:ln>
+          <a:xfrm>
+            <a:off x="856058" y="1419227"/>
+            <a:ext cx="7429500" cy="2009773"/>
+          </a:xfrm>
         </p:spPr>
         <p:txBody>
           <a:bodyPr/>
           <a:lstStyle/>
           <a:p>
-            <a:pPr marL="0" indent="0">
-              <a:buNone/>
-            </a:pPr>
-            <a:endParaRPr lang="en-US" dirty="0">
-              <a:solidFill>
-                <a:schemeClr val="bg1"/>
-              </a:solidFill>
-            </a:endParaRPr>
-          </a:p>
-          <a:p>
+            <a:pPr algn="ctr"/>
             <a:r>
               <a:rPr lang="en-US" dirty="0">
                 <a:solidFill>
                   <a:schemeClr val="bg1"/>
                 </a:solidFill>
               </a:rPr>
-              <a:t>No Administrative Functions</a:t>
+              <a:t>Functional Specification Review </a:t>
             </a:r>
           </a:p>
         </p:txBody>
       </p:sp>
     </p:spTree>
-    <p:extLst>
-      <p:ext uri="{BB962C8B-B14F-4D97-AF65-F5344CB8AC3E}">
-        <p14:creationId xmlns:p14="http://schemas.microsoft.com/office/powerpoint/2010/main" val="540270287"/>
-      </p:ext>
-    </p:extLst>
   </p:cSld>
   <p:clrMapOvr>
     <a:masterClrMapping/>
@@ -18859,7 +20101,7 @@
 <file path=ppt/theme/theme1.xml><?xml version="1.0" encoding="utf-8"?>
 <a:theme xmlns:a="http://schemas.openxmlformats.org/drawingml/2006/main" name="Circuit">
   <a:themeElements>
-    <a:clrScheme name="Circuit">
+    <a:clrScheme name="Office 2007-2010">
       <a:dk1>
         <a:sysClr val="windowText" lastClr="000000"/>
       </a:dk1>
@@ -18867,34 +20109,34 @@
         <a:sysClr val="window" lastClr="FFFFFF"/>
       </a:lt1>
       <a:dk2>
-        <a:srgbClr val="134770"/>
+        <a:srgbClr val="1F497D"/>
       </a:dk2>
       <a:lt2>
-        <a:srgbClr val="82FFFF"/>
+        <a:srgbClr val="EEECE1"/>
       </a:lt2>
       <a:accent1>
-        <a:srgbClr val="9ACD4C"/>
+        <a:srgbClr val="4F81BD"/>
       </a:accent1>
       <a:accent2>
-        <a:srgbClr val="FAA93A"/>
+        <a:srgbClr val="C0504D"/>
       </a:accent2>
       <a:accent3>
-        <a:srgbClr val="D35940"/>
+        <a:srgbClr val="9BBB59"/>
       </a:accent3>
       <a:accent4>
-        <a:srgbClr val="B258D3"/>
+        <a:srgbClr val="8064A2"/>
       </a:accent4>
       <a:accent5>
-        <a:srgbClr val="63A0CC"/>
+        <a:srgbClr val="4BACC6"/>
       </a:accent5>
       <a:accent6>
-        <a:srgbClr val="8AC4A7"/>
+        <a:srgbClr val="F79646"/>
       </a:accent6>
       <a:hlink>
-        <a:srgbClr val="B8FA56"/>
+        <a:srgbClr val="0000FF"/>
       </a:hlink>
       <a:folHlink>
-        <a:srgbClr val="7AF8CC"/>
+        <a:srgbClr val="800080"/>
       </a:folHlink>
     </a:clrScheme>
     <a:fontScheme name="Circuit">
@@ -19059,7 +20301,7 @@
             <a:gs pos="0">
               <a:schemeClr val="phClr">
                 <a:tint val="98000"/>
-                <a:hueMod val="94000"/>
+                <a:hueMod val="88000"/>
                 <a:satMod val="148000"/>
                 <a:lumMod val="150000"/>
               </a:schemeClr>
@@ -19086,7 +20328,7 @@
               </a:schemeClr>
               <a:schemeClr val="phClr">
                 <a:tint val="98000"/>
-                <a:hueMod val="90000"/>
+                <a:hueMod val="82000"/>
                 <a:satMod val="150000"/>
                 <a:lumMod val="160000"/>
               </a:schemeClr>
@@ -19101,7 +20343,7 @@
   <a:extraClrSchemeLst/>
   <a:extLst>
     <a:ext uri="{05A4C25C-085E-4340-85A3-A5531E510DB2}">
-      <thm15:themeFamily xmlns:thm15="http://schemas.microsoft.com/office/thememl/2012/main" name="Circuit" id="{0AC2F7E7-15F5-431C-B2A2-456FE929F56C}" vid="{0911B802-464C-4241-8DD9-B60FF88E379F}"/>
+      <thm15:themeFamily xmlns:thm15="http://schemas.microsoft.com/office/thememl/2012/main" name="Circuit" id="{0AC2F7E7-15F5-431C-B2A2-456FE929F56C}" vid="{97ECCC31-8429-4523-BE8D-8F09B7A4D46D}"/>
     </a:ext>
   </a:extLst>
 </a:theme>
